--- a/presentations/01_05_Helm_Own_Charts.pptx
+++ b/presentations/01_05_Helm_Own_Charts.pptx
@@ -5,10 +5,10 @@
     <p:sldMasterId id="2147484030" r:id="rId5"/>
   </p:sldMasterIdLst>
   <p:notesMasterIdLst>
-    <p:notesMasterId r:id="rId27"/>
+    <p:notesMasterId r:id="rId26"/>
   </p:notesMasterIdLst>
   <p:handoutMasterIdLst>
-    <p:handoutMasterId r:id="rId28"/>
+    <p:handoutMasterId r:id="rId27"/>
   </p:handoutMasterIdLst>
   <p:sldIdLst>
     <p:sldId id="10465" r:id="rId6"/>
@@ -30,13 +30,12 @@
     <p:sldId id="10595" r:id="rId22"/>
     <p:sldId id="10597" r:id="rId23"/>
     <p:sldId id="10596" r:id="rId24"/>
-    <p:sldId id="10598" r:id="rId25"/>
-    <p:sldId id="10599" r:id="rId26"/>
+    <p:sldId id="10599" r:id="rId25"/>
   </p:sldIdLst>
   <p:sldSz cx="9144000" cy="5143500" type="screen16x9"/>
   <p:notesSz cx="9931400" cy="6794500"/>
   <p:custDataLst>
-    <p:tags r:id="rId29"/>
+    <p:tags r:id="rId28"/>
   </p:custDataLst>
   <p:defaultTextStyle>
     <a:defPPr>
@@ -195,6 +194,4241 @@
 
 <file path=ppt/changesInfos/changesInfo1.xml><?xml version="1.0" encoding="utf-8"?>
 <pc:chgInfo xmlns:a="http://schemas.openxmlformats.org/drawingml/2006/main" xmlns:r="http://schemas.openxmlformats.org/officeDocument/2006/relationships" xmlns:ac="http://schemas.microsoft.com/office/drawing/2013/main/command" xmlns:pc="http://schemas.microsoft.com/office/powerpoint/2013/main/command">
+  <pc:docChgLst>
+    <pc:chgData name="Hasselwander Daniel" userId="c52ad4b4-8117-4235-b9f1-fab9bcac5934" providerId="ADAL" clId="{45D56052-2FB0-8D4F-ADC0-9D650DA7993A}"/>
+    <pc:docChg chg="custSel modSld">
+      <pc:chgData name="Hasselwander Daniel" userId="c52ad4b4-8117-4235-b9f1-fab9bcac5934" providerId="ADAL" clId="{45D56052-2FB0-8D4F-ADC0-9D650DA7993A}" dt="2023-03-09T18:22:59.875" v="3" actId="478"/>
+      <pc:docMkLst>
+        <pc:docMk/>
+      </pc:docMkLst>
+      <pc:sldChg chg="delSp mod">
+        <pc:chgData name="Hasselwander Daniel" userId="c52ad4b4-8117-4235-b9f1-fab9bcac5934" providerId="ADAL" clId="{45D56052-2FB0-8D4F-ADC0-9D650DA7993A}" dt="2023-03-09T18:22:47.967" v="0" actId="478"/>
+        <pc:sldMkLst>
+          <pc:docMk/>
+          <pc:sldMk cId="2986690466" sldId="10528"/>
+        </pc:sldMkLst>
+        <pc:spChg chg="del">
+          <ac:chgData name="Hasselwander Daniel" userId="c52ad4b4-8117-4235-b9f1-fab9bcac5934" providerId="ADAL" clId="{45D56052-2FB0-8D4F-ADC0-9D650DA7993A}" dt="2023-03-09T18:22:47.967" v="0" actId="478"/>
+          <ac:spMkLst>
+            <pc:docMk/>
+            <pc:sldMk cId="2986690466" sldId="10528"/>
+            <ac:spMk id="4" creationId="{5504FC7F-0065-E8C7-8F30-BA1A606C1CE2}"/>
+          </ac:spMkLst>
+        </pc:spChg>
+      </pc:sldChg>
+      <pc:sldChg chg="delSp mod">
+        <pc:chgData name="Hasselwander Daniel" userId="c52ad4b4-8117-4235-b9f1-fab9bcac5934" providerId="ADAL" clId="{45D56052-2FB0-8D4F-ADC0-9D650DA7993A}" dt="2023-03-09T18:22:53.993" v="1" actId="478"/>
+        <pc:sldMkLst>
+          <pc:docMk/>
+          <pc:sldMk cId="1935912093" sldId="10530"/>
+        </pc:sldMkLst>
+        <pc:spChg chg="del">
+          <ac:chgData name="Hasselwander Daniel" userId="c52ad4b4-8117-4235-b9f1-fab9bcac5934" providerId="ADAL" clId="{45D56052-2FB0-8D4F-ADC0-9D650DA7993A}" dt="2023-03-09T18:22:53.993" v="1" actId="478"/>
+          <ac:spMkLst>
+            <pc:docMk/>
+            <pc:sldMk cId="1935912093" sldId="10530"/>
+            <ac:spMk id="4" creationId="{5504FC7F-0065-E8C7-8F30-BA1A606C1CE2}"/>
+          </ac:spMkLst>
+        </pc:spChg>
+      </pc:sldChg>
+      <pc:sldChg chg="delSp mod">
+        <pc:chgData name="Hasselwander Daniel" userId="c52ad4b4-8117-4235-b9f1-fab9bcac5934" providerId="ADAL" clId="{45D56052-2FB0-8D4F-ADC0-9D650DA7993A}" dt="2023-03-09T18:22:56.816" v="2" actId="478"/>
+        <pc:sldMkLst>
+          <pc:docMk/>
+          <pc:sldMk cId="2347116881" sldId="10532"/>
+        </pc:sldMkLst>
+        <pc:spChg chg="del">
+          <ac:chgData name="Hasselwander Daniel" userId="c52ad4b4-8117-4235-b9f1-fab9bcac5934" providerId="ADAL" clId="{45D56052-2FB0-8D4F-ADC0-9D650DA7993A}" dt="2023-03-09T18:22:56.816" v="2" actId="478"/>
+          <ac:spMkLst>
+            <pc:docMk/>
+            <pc:sldMk cId="2347116881" sldId="10532"/>
+            <ac:spMk id="3" creationId="{07FBCD94-96E1-EE60-164C-A99A43DBE4EF}"/>
+          </ac:spMkLst>
+        </pc:spChg>
+      </pc:sldChg>
+      <pc:sldChg chg="delSp mod">
+        <pc:chgData name="Hasselwander Daniel" userId="c52ad4b4-8117-4235-b9f1-fab9bcac5934" providerId="ADAL" clId="{45D56052-2FB0-8D4F-ADC0-9D650DA7993A}" dt="2023-03-09T18:22:59.875" v="3" actId="478"/>
+        <pc:sldMkLst>
+          <pc:docMk/>
+          <pc:sldMk cId="619672983" sldId="10534"/>
+        </pc:sldMkLst>
+        <pc:spChg chg="del">
+          <ac:chgData name="Hasselwander Daniel" userId="c52ad4b4-8117-4235-b9f1-fab9bcac5934" providerId="ADAL" clId="{45D56052-2FB0-8D4F-ADC0-9D650DA7993A}" dt="2023-03-09T18:22:59.875" v="3" actId="478"/>
+          <ac:spMkLst>
+            <pc:docMk/>
+            <pc:sldMk cId="619672983" sldId="10534"/>
+            <ac:spMk id="3" creationId="{07FBCD94-96E1-EE60-164C-A99A43DBE4EF}"/>
+          </ac:spMkLst>
+        </pc:spChg>
+      </pc:sldChg>
+    </pc:docChg>
+  </pc:docChgLst>
+  <pc:docChgLst>
+    <pc:chgData name="Hasselwander Daniel" userId="c52ad4b4-8117-4235-b9f1-fab9bcac5934" providerId="ADAL" clId="{D38D4B8B-445C-754F-A08B-CFCB37CCC2E2}"/>
+    <pc:docChg chg="undo custSel addSld delSld modSld sldOrd">
+      <pc:chgData name="Hasselwander Daniel" userId="c52ad4b4-8117-4235-b9f1-fab9bcac5934" providerId="ADAL" clId="{D38D4B8B-445C-754F-A08B-CFCB37CCC2E2}" dt="2023-03-15T02:23:01.436" v="5964" actId="1076"/>
+      <pc:docMkLst>
+        <pc:docMk/>
+      </pc:docMkLst>
+      <pc:sldChg chg="addSp delSp modSp mod">
+        <pc:chgData name="Hasselwander Daniel" userId="c52ad4b4-8117-4235-b9f1-fab9bcac5934" providerId="ADAL" clId="{D38D4B8B-445C-754F-A08B-CFCB37CCC2E2}" dt="2023-03-14T01:09:31.696" v="4"/>
+        <pc:sldMkLst>
+          <pc:docMk/>
+          <pc:sldMk cId="227324334" sldId="10465"/>
+        </pc:sldMkLst>
+        <pc:spChg chg="del">
+          <ac:chgData name="Hasselwander Daniel" userId="c52ad4b4-8117-4235-b9f1-fab9bcac5934" providerId="ADAL" clId="{D38D4B8B-445C-754F-A08B-CFCB37CCC2E2}" dt="2023-03-14T01:09:23.421" v="0" actId="478"/>
+          <ac:spMkLst>
+            <pc:docMk/>
+            <pc:sldMk cId="227324334" sldId="10465"/>
+            <ac:spMk id="2" creationId="{FB9AF20B-5F37-A842-827B-39675ABE276A}"/>
+          </ac:spMkLst>
+        </pc:spChg>
+        <pc:spChg chg="add del mod">
+          <ac:chgData name="Hasselwander Daniel" userId="c52ad4b4-8117-4235-b9f1-fab9bcac5934" providerId="ADAL" clId="{D38D4B8B-445C-754F-A08B-CFCB37CCC2E2}" dt="2023-03-14T01:09:31.304" v="3" actId="478"/>
+          <ac:spMkLst>
+            <pc:docMk/>
+            <pc:sldMk cId="227324334" sldId="10465"/>
+            <ac:spMk id="6" creationId="{930556E1-B8D5-9A11-9C3A-E6DF2B35308E}"/>
+          </ac:spMkLst>
+        </pc:spChg>
+        <pc:spChg chg="add del mod">
+          <ac:chgData name="Hasselwander Daniel" userId="c52ad4b4-8117-4235-b9f1-fab9bcac5934" providerId="ADAL" clId="{D38D4B8B-445C-754F-A08B-CFCB37CCC2E2}" dt="2023-03-14T01:09:28.981" v="2" actId="478"/>
+          <ac:spMkLst>
+            <pc:docMk/>
+            <pc:sldMk cId="227324334" sldId="10465"/>
+            <ac:spMk id="7" creationId="{E61C34AF-E482-A28E-A188-F755A6E07A8E}"/>
+          </ac:spMkLst>
+        </pc:spChg>
+        <pc:spChg chg="add mod">
+          <ac:chgData name="Hasselwander Daniel" userId="c52ad4b4-8117-4235-b9f1-fab9bcac5934" providerId="ADAL" clId="{D38D4B8B-445C-754F-A08B-CFCB37CCC2E2}" dt="2023-03-14T01:09:31.696" v="4"/>
+          <ac:spMkLst>
+            <pc:docMk/>
+            <pc:sldMk cId="227324334" sldId="10465"/>
+            <ac:spMk id="8" creationId="{B8A65971-E572-0095-FAE0-69880EB0BBDB}"/>
+          </ac:spMkLst>
+        </pc:spChg>
+      </pc:sldChg>
+      <pc:sldChg chg="addSp delSp modSp del mod">
+        <pc:chgData name="Hasselwander Daniel" userId="c52ad4b4-8117-4235-b9f1-fab9bcac5934" providerId="ADAL" clId="{D38D4B8B-445C-754F-A08B-CFCB37CCC2E2}" dt="2023-03-14T09:41:50.860" v="554" actId="2696"/>
+        <pc:sldMkLst>
+          <pc:docMk/>
+          <pc:sldMk cId="1338123478" sldId="10483"/>
+        </pc:sldMkLst>
+        <pc:spChg chg="mod">
+          <ac:chgData name="Hasselwander Daniel" userId="c52ad4b4-8117-4235-b9f1-fab9bcac5934" providerId="ADAL" clId="{D38D4B8B-445C-754F-A08B-CFCB37CCC2E2}" dt="2023-03-14T08:51:53.399" v="163" actId="20577"/>
+          <ac:spMkLst>
+            <pc:docMk/>
+            <pc:sldMk cId="1338123478" sldId="10483"/>
+            <ac:spMk id="2" creationId="{A0B7C6DE-253F-0374-F735-8A4174830D91}"/>
+          </ac:spMkLst>
+        </pc:spChg>
+        <pc:spChg chg="add mod topLvl">
+          <ac:chgData name="Hasselwander Daniel" userId="c52ad4b4-8117-4235-b9f1-fab9bcac5934" providerId="ADAL" clId="{D38D4B8B-445C-754F-A08B-CFCB37CCC2E2}" dt="2023-03-14T09:03:22.827" v="364" actId="1038"/>
+          <ac:spMkLst>
+            <pc:docMk/>
+            <pc:sldMk cId="1338123478" sldId="10483"/>
+            <ac:spMk id="3" creationId="{36755C72-F177-7EF1-0AC4-9432D00E6E75}"/>
+          </ac:spMkLst>
+        </pc:spChg>
+        <pc:spChg chg="mod">
+          <ac:chgData name="Hasselwander Daniel" userId="c52ad4b4-8117-4235-b9f1-fab9bcac5934" providerId="ADAL" clId="{D38D4B8B-445C-754F-A08B-CFCB37CCC2E2}" dt="2023-03-14T01:25:49.388" v="104"/>
+          <ac:spMkLst>
+            <pc:docMk/>
+            <pc:sldMk cId="1338123478" sldId="10483"/>
+            <ac:spMk id="4" creationId="{80D92B32-5B65-44AA-8F03-F2A8649970C0}"/>
+          </ac:spMkLst>
+        </pc:spChg>
+        <pc:spChg chg="add mod">
+          <ac:chgData name="Hasselwander Daniel" userId="c52ad4b4-8117-4235-b9f1-fab9bcac5934" providerId="ADAL" clId="{D38D4B8B-445C-754F-A08B-CFCB37CCC2E2}" dt="2023-03-14T09:01:35.826" v="275" actId="1076"/>
+          <ac:spMkLst>
+            <pc:docMk/>
+            <pc:sldMk cId="1338123478" sldId="10483"/>
+            <ac:spMk id="5" creationId="{2B2A5ACC-8876-8562-0CF0-4D95718D1516}"/>
+          </ac:spMkLst>
+        </pc:spChg>
+        <pc:spChg chg="add mod">
+          <ac:chgData name="Hasselwander Daniel" userId="c52ad4b4-8117-4235-b9f1-fab9bcac5934" providerId="ADAL" clId="{D38D4B8B-445C-754F-A08B-CFCB37CCC2E2}" dt="2023-03-14T09:23:49.244" v="426" actId="20577"/>
+          <ac:spMkLst>
+            <pc:docMk/>
+            <pc:sldMk cId="1338123478" sldId="10483"/>
+            <ac:spMk id="6" creationId="{684A0A98-418F-699A-B739-985CC5B81A8B}"/>
+          </ac:spMkLst>
+        </pc:spChg>
+        <pc:spChg chg="mod">
+          <ac:chgData name="Hasselwander Daniel" userId="c52ad4b4-8117-4235-b9f1-fab9bcac5934" providerId="ADAL" clId="{D38D4B8B-445C-754F-A08B-CFCB37CCC2E2}" dt="2023-03-14T09:11:52.672" v="381" actId="20577"/>
+          <ac:spMkLst>
+            <pc:docMk/>
+            <pc:sldMk cId="1338123478" sldId="10483"/>
+            <ac:spMk id="15" creationId="{1BD9B7C1-5860-C447-7FC6-D510200F75A2}"/>
+          </ac:spMkLst>
+        </pc:spChg>
+        <pc:grpChg chg="add del mod">
+          <ac:chgData name="Hasselwander Daniel" userId="c52ad4b4-8117-4235-b9f1-fab9bcac5934" providerId="ADAL" clId="{D38D4B8B-445C-754F-A08B-CFCB37CCC2E2}" dt="2023-03-14T09:01:19.158" v="270" actId="165"/>
+          <ac:grpSpMkLst>
+            <pc:docMk/>
+            <pc:sldMk cId="1338123478" sldId="10483"/>
+            <ac:grpSpMk id="9" creationId="{ED459303-16F2-5DB1-E446-7928B5E4DAFD}"/>
+          </ac:grpSpMkLst>
+        </pc:grpChg>
+        <pc:picChg chg="add del mod topLvl">
+          <ac:chgData name="Hasselwander Daniel" userId="c52ad4b4-8117-4235-b9f1-fab9bcac5934" providerId="ADAL" clId="{D38D4B8B-445C-754F-A08B-CFCB37CCC2E2}" dt="2023-03-14T09:11:27.068" v="373" actId="478"/>
+          <ac:picMkLst>
+            <pc:docMk/>
+            <pc:sldMk cId="1338123478" sldId="10483"/>
+            <ac:picMk id="8" creationId="{C6208381-D361-5353-E6F9-E4E8813A3159}"/>
+          </ac:picMkLst>
+        </pc:picChg>
+        <pc:picChg chg="add del mod">
+          <ac:chgData name="Hasselwander Daniel" userId="c52ad4b4-8117-4235-b9f1-fab9bcac5934" providerId="ADAL" clId="{D38D4B8B-445C-754F-A08B-CFCB37CCC2E2}" dt="2023-03-14T09:10:14.709" v="371" actId="478"/>
+          <ac:picMkLst>
+            <pc:docMk/>
+            <pc:sldMk cId="1338123478" sldId="10483"/>
+            <ac:picMk id="11" creationId="{5A82FD12-0968-F6F3-440C-A3E7ADFA722D}"/>
+          </ac:picMkLst>
+        </pc:picChg>
+        <pc:picChg chg="add mod">
+          <ac:chgData name="Hasselwander Daniel" userId="c52ad4b4-8117-4235-b9f1-fab9bcac5934" providerId="ADAL" clId="{D38D4B8B-445C-754F-A08B-CFCB37CCC2E2}" dt="2023-03-14T09:24:11.399" v="432" actId="1076"/>
+          <ac:picMkLst>
+            <pc:docMk/>
+            <pc:sldMk cId="1338123478" sldId="10483"/>
+            <ac:picMk id="13" creationId="{C7ACBCE4-970F-90D2-E37F-45CC580AF4E0}"/>
+          </ac:picMkLst>
+        </pc:picChg>
+        <pc:picChg chg="add mod">
+          <ac:chgData name="Hasselwander Daniel" userId="c52ad4b4-8117-4235-b9f1-fab9bcac5934" providerId="ADAL" clId="{D38D4B8B-445C-754F-A08B-CFCB37CCC2E2}" dt="2023-03-14T09:23:57.349" v="429" actId="1076"/>
+          <ac:picMkLst>
+            <pc:docMk/>
+            <pc:sldMk cId="1338123478" sldId="10483"/>
+            <ac:picMk id="16" creationId="{10AD8254-C80C-BDC7-73F8-FFB6349F92DF}"/>
+          </ac:picMkLst>
+        </pc:picChg>
+      </pc:sldChg>
+      <pc:sldChg chg="modSp mod">
+        <pc:chgData name="Hasselwander Daniel" userId="c52ad4b4-8117-4235-b9f1-fab9bcac5934" providerId="ADAL" clId="{D38D4B8B-445C-754F-A08B-CFCB37CCC2E2}" dt="2023-03-15T00:04:13.737" v="4875" actId="20577"/>
+        <pc:sldMkLst>
+          <pc:docMk/>
+          <pc:sldMk cId="3273907781" sldId="10529"/>
+        </pc:sldMkLst>
+        <pc:spChg chg="mod">
+          <ac:chgData name="Hasselwander Daniel" userId="c52ad4b4-8117-4235-b9f1-fab9bcac5934" providerId="ADAL" clId="{D38D4B8B-445C-754F-A08B-CFCB37CCC2E2}" dt="2023-03-14T01:15:21.449" v="75" actId="20577"/>
+          <ac:spMkLst>
+            <pc:docMk/>
+            <pc:sldMk cId="3273907781" sldId="10529"/>
+            <ac:spMk id="2" creationId="{A0B7C6DE-253F-0374-F735-8A4174830D91}"/>
+          </ac:spMkLst>
+        </pc:spChg>
+        <pc:spChg chg="mod">
+          <ac:chgData name="Hasselwander Daniel" userId="c52ad4b4-8117-4235-b9f1-fab9bcac5934" providerId="ADAL" clId="{D38D4B8B-445C-754F-A08B-CFCB37CCC2E2}" dt="2023-03-15T00:04:13.737" v="4875" actId="20577"/>
+          <ac:spMkLst>
+            <pc:docMk/>
+            <pc:sldMk cId="3273907781" sldId="10529"/>
+            <ac:spMk id="6" creationId="{8B875B02-AC0C-63DB-381B-E0E897C11CEA}"/>
+          </ac:spMkLst>
+        </pc:spChg>
+        <pc:picChg chg="mod">
+          <ac:chgData name="Hasselwander Daniel" userId="c52ad4b4-8117-4235-b9f1-fab9bcac5934" providerId="ADAL" clId="{D38D4B8B-445C-754F-A08B-CFCB37CCC2E2}" dt="2023-03-15T00:04:00.043" v="4865" actId="1076"/>
+          <ac:picMkLst>
+            <pc:docMk/>
+            <pc:sldMk cId="3273907781" sldId="10529"/>
+            <ac:picMk id="3" creationId="{C20DF687-7B9D-0379-CE04-82E2DF5EA484}"/>
+          </ac:picMkLst>
+        </pc:picChg>
+      </pc:sldChg>
+      <pc:sldChg chg="modSp mod">
+        <pc:chgData name="Hasselwander Daniel" userId="c52ad4b4-8117-4235-b9f1-fab9bcac5934" providerId="ADAL" clId="{D38D4B8B-445C-754F-A08B-CFCB37CCC2E2}" dt="2023-03-14T13:07:55.136" v="1530" actId="207"/>
+        <pc:sldMkLst>
+          <pc:docMk/>
+          <pc:sldMk cId="3859057315" sldId="10536"/>
+        </pc:sldMkLst>
+        <pc:spChg chg="mod">
+          <ac:chgData name="Hasselwander Daniel" userId="c52ad4b4-8117-4235-b9f1-fab9bcac5934" providerId="ADAL" clId="{D38D4B8B-445C-754F-A08B-CFCB37CCC2E2}" dt="2023-03-14T13:07:55.136" v="1530" actId="207"/>
+          <ac:spMkLst>
+            <pc:docMk/>
+            <pc:sldMk cId="3859057315" sldId="10536"/>
+            <ac:spMk id="9" creationId="{D34E4A32-78AC-FDEA-742D-5A727060EEF8}"/>
+          </ac:spMkLst>
+        </pc:spChg>
+      </pc:sldChg>
+      <pc:sldChg chg="addSp delSp modSp mod ord modNotesTx">
+        <pc:chgData name="Hasselwander Daniel" userId="c52ad4b4-8117-4235-b9f1-fab9bcac5934" providerId="ADAL" clId="{D38D4B8B-445C-754F-A08B-CFCB37CCC2E2}" dt="2023-03-15T00:11:12.052" v="4948" actId="1076"/>
+        <pc:sldMkLst>
+          <pc:docMk/>
+          <pc:sldMk cId="3419381171" sldId="10537"/>
+        </pc:sldMkLst>
+        <pc:spChg chg="mod">
+          <ac:chgData name="Hasselwander Daniel" userId="c52ad4b4-8117-4235-b9f1-fab9bcac5934" providerId="ADAL" clId="{D38D4B8B-445C-754F-A08B-CFCB37CCC2E2}" dt="2023-03-14T17:56:54.364" v="1946" actId="20577"/>
+          <ac:spMkLst>
+            <pc:docMk/>
+            <pc:sldMk cId="3419381171" sldId="10537"/>
+            <ac:spMk id="2" creationId="{A0B7C6DE-253F-0374-F735-8A4174830D91}"/>
+          </ac:spMkLst>
+        </pc:spChg>
+        <pc:spChg chg="add del mod">
+          <ac:chgData name="Hasselwander Daniel" userId="c52ad4b4-8117-4235-b9f1-fab9bcac5934" providerId="ADAL" clId="{D38D4B8B-445C-754F-A08B-CFCB37CCC2E2}" dt="2023-03-14T12:03:26.301" v="1080" actId="767"/>
+          <ac:spMkLst>
+            <pc:docMk/>
+            <pc:sldMk cId="3419381171" sldId="10537"/>
+            <ac:spMk id="3" creationId="{D1C3CB94-845A-8720-6760-9FECEB56AF56}"/>
+          </ac:spMkLst>
+        </pc:spChg>
+        <pc:spChg chg="add mod">
+          <ac:chgData name="Hasselwander Daniel" userId="c52ad4b4-8117-4235-b9f1-fab9bcac5934" providerId="ADAL" clId="{D38D4B8B-445C-754F-A08B-CFCB37CCC2E2}" dt="2023-03-15T00:11:12.052" v="4948" actId="1076"/>
+          <ac:spMkLst>
+            <pc:docMk/>
+            <pc:sldMk cId="3419381171" sldId="10537"/>
+            <ac:spMk id="3" creationId="{F0B50195-A82F-DD11-B3D6-E2C55196E2D2}"/>
+          </ac:spMkLst>
+        </pc:spChg>
+        <pc:spChg chg="add mod">
+          <ac:chgData name="Hasselwander Daniel" userId="c52ad4b4-8117-4235-b9f1-fab9bcac5934" providerId="ADAL" clId="{D38D4B8B-445C-754F-A08B-CFCB37CCC2E2}" dt="2023-03-15T00:11:12.052" v="4948" actId="1076"/>
+          <ac:spMkLst>
+            <pc:docMk/>
+            <pc:sldMk cId="3419381171" sldId="10537"/>
+            <ac:spMk id="4" creationId="{2C987B5D-D062-97AD-44E4-C662E69A03D3}"/>
+          </ac:spMkLst>
+        </pc:spChg>
+        <pc:spChg chg="add mod">
+          <ac:chgData name="Hasselwander Daniel" userId="c52ad4b4-8117-4235-b9f1-fab9bcac5934" providerId="ADAL" clId="{D38D4B8B-445C-754F-A08B-CFCB37CCC2E2}" dt="2023-03-15T00:11:12.052" v="4948" actId="1076"/>
+          <ac:spMkLst>
+            <pc:docMk/>
+            <pc:sldMk cId="3419381171" sldId="10537"/>
+            <ac:spMk id="5" creationId="{15D977DF-7839-DBAD-5FFC-B811405ABFDF}"/>
+          </ac:spMkLst>
+        </pc:spChg>
+        <pc:spChg chg="add del mod">
+          <ac:chgData name="Hasselwander Daniel" userId="c52ad4b4-8117-4235-b9f1-fab9bcac5934" providerId="ADAL" clId="{D38D4B8B-445C-754F-A08B-CFCB37CCC2E2}" dt="2023-03-14T12:03:39.149" v="1083" actId="12084"/>
+          <ac:spMkLst>
+            <pc:docMk/>
+            <pc:sldMk cId="3419381171" sldId="10537"/>
+            <ac:spMk id="5" creationId="{78E8FA79-B71C-7BEB-8A79-099D87B80830}"/>
+          </ac:spMkLst>
+        </pc:spChg>
+        <pc:spChg chg="add mod">
+          <ac:chgData name="Hasselwander Daniel" userId="c52ad4b4-8117-4235-b9f1-fab9bcac5934" providerId="ADAL" clId="{D38D4B8B-445C-754F-A08B-CFCB37CCC2E2}" dt="2023-03-15T00:11:12.052" v="4948" actId="1076"/>
+          <ac:spMkLst>
+            <pc:docMk/>
+            <pc:sldMk cId="3419381171" sldId="10537"/>
+            <ac:spMk id="6" creationId="{4608B39E-3A9D-B6E3-18CE-206019E68FAC}"/>
+          </ac:spMkLst>
+        </pc:spChg>
+        <pc:spChg chg="del mod">
+          <ac:chgData name="Hasselwander Daniel" userId="c52ad4b4-8117-4235-b9f1-fab9bcac5934" providerId="ADAL" clId="{D38D4B8B-445C-754F-A08B-CFCB37CCC2E2}" dt="2023-03-14T12:08:02.288" v="1186" actId="478"/>
+          <ac:spMkLst>
+            <pc:docMk/>
+            <pc:sldMk cId="3419381171" sldId="10537"/>
+            <ac:spMk id="8" creationId="{AE09E7A7-C11C-D43C-7BDC-307CA78B6E48}"/>
+          </ac:spMkLst>
+        </pc:spChg>
+        <pc:spChg chg="add del mod">
+          <ac:chgData name="Hasselwander Daniel" userId="c52ad4b4-8117-4235-b9f1-fab9bcac5934" providerId="ADAL" clId="{D38D4B8B-445C-754F-A08B-CFCB37CCC2E2}" dt="2023-03-15T00:10:40.420" v="4901" actId="478"/>
+          <ac:spMkLst>
+            <pc:docMk/>
+            <pc:sldMk cId="3419381171" sldId="10537"/>
+            <ac:spMk id="8" creationId="{DC4BC729-97A2-CACC-FD3F-B9A95E9E9DF9}"/>
+          </ac:spMkLst>
+        </pc:spChg>
+        <pc:spChg chg="mod">
+          <ac:chgData name="Hasselwander Daniel" userId="c52ad4b4-8117-4235-b9f1-fab9bcac5934" providerId="ADAL" clId="{D38D4B8B-445C-754F-A08B-CFCB37CCC2E2}" dt="2023-03-14T22:48:45.040" v="3232" actId="404"/>
+          <ac:spMkLst>
+            <pc:docMk/>
+            <pc:sldMk cId="3419381171" sldId="10537"/>
+            <ac:spMk id="9" creationId="{2F07173A-7517-1062-BFF5-2B1A3E248B1A}"/>
+          </ac:spMkLst>
+        </pc:spChg>
+        <pc:spChg chg="add del mod modCrop">
+          <ac:chgData name="Hasselwander Daniel" userId="c52ad4b4-8117-4235-b9f1-fab9bcac5934" providerId="ADAL" clId="{D38D4B8B-445C-754F-A08B-CFCB37CCC2E2}" dt="2023-03-14T22:35:16.326" v="2842" actId="478"/>
+          <ac:spMkLst>
+            <pc:docMk/>
+            <pc:sldMk cId="3419381171" sldId="10537"/>
+            <ac:spMk id="10" creationId="{4BEF2BA8-AEAB-4E99-0F4A-A5B1F29A30E7}"/>
+          </ac:spMkLst>
+        </pc:spChg>
+        <pc:spChg chg="del mod">
+          <ac:chgData name="Hasselwander Daniel" userId="c52ad4b4-8117-4235-b9f1-fab9bcac5934" providerId="ADAL" clId="{D38D4B8B-445C-754F-A08B-CFCB37CCC2E2}" dt="2023-03-14T12:08:10.168" v="1189" actId="478"/>
+          <ac:spMkLst>
+            <pc:docMk/>
+            <pc:sldMk cId="3419381171" sldId="10537"/>
+            <ac:spMk id="11" creationId="{98E0411B-020F-DBFE-2CCA-7C81D71C517B}"/>
+          </ac:spMkLst>
+        </pc:spChg>
+        <pc:spChg chg="add del mod">
+          <ac:chgData name="Hasselwander Daniel" userId="c52ad4b4-8117-4235-b9f1-fab9bcac5934" providerId="ADAL" clId="{D38D4B8B-445C-754F-A08B-CFCB37CCC2E2}" dt="2023-03-15T00:10:39.462" v="4900" actId="478"/>
+          <ac:spMkLst>
+            <pc:docMk/>
+            <pc:sldMk cId="3419381171" sldId="10537"/>
+            <ac:spMk id="11" creationId="{D65A799A-10EC-D200-132F-8EC14E1AEFA8}"/>
+          </ac:spMkLst>
+        </pc:spChg>
+        <pc:spChg chg="add del mod">
+          <ac:chgData name="Hasselwander Daniel" userId="c52ad4b4-8117-4235-b9f1-fab9bcac5934" providerId="ADAL" clId="{D38D4B8B-445C-754F-A08B-CFCB37CCC2E2}" dt="2023-03-14T22:35:15.427" v="2841" actId="478"/>
+          <ac:spMkLst>
+            <pc:docMk/>
+            <pc:sldMk cId="3419381171" sldId="10537"/>
+            <ac:spMk id="12" creationId="{913E7FF6-6493-48BE-F433-D7EA49F4F3EA}"/>
+          </ac:spMkLst>
+        </pc:spChg>
+        <pc:spChg chg="mod modCrop">
+          <ac:chgData name="Hasselwander Daniel" userId="c52ad4b4-8117-4235-b9f1-fab9bcac5934" providerId="ADAL" clId="{D38D4B8B-445C-754F-A08B-CFCB37CCC2E2}" dt="2023-03-14T12:08:34.408" v="1227" actId="18131"/>
+          <ac:spMkLst>
+            <pc:docMk/>
+            <pc:sldMk cId="3419381171" sldId="10537"/>
+            <ac:spMk id="13" creationId="{7C0292DD-B8F7-6EE1-93EF-4DB884C923DC}"/>
+          </ac:spMkLst>
+        </pc:spChg>
+        <pc:spChg chg="del mod">
+          <ac:chgData name="Hasselwander Daniel" userId="c52ad4b4-8117-4235-b9f1-fab9bcac5934" providerId="ADAL" clId="{D38D4B8B-445C-754F-A08B-CFCB37CCC2E2}" dt="2023-03-14T12:08:12.822" v="1190" actId="478"/>
+          <ac:spMkLst>
+            <pc:docMk/>
+            <pc:sldMk cId="3419381171" sldId="10537"/>
+            <ac:spMk id="14" creationId="{263B3935-E228-78F3-1FC9-29839491FD6B}"/>
+          </ac:spMkLst>
+        </pc:spChg>
+        <pc:spChg chg="add mod">
+          <ac:chgData name="Hasselwander Daniel" userId="c52ad4b4-8117-4235-b9f1-fab9bcac5934" providerId="ADAL" clId="{D38D4B8B-445C-754F-A08B-CFCB37CCC2E2}" dt="2023-03-15T00:11:12.052" v="4948" actId="1076"/>
+          <ac:spMkLst>
+            <pc:docMk/>
+            <pc:sldMk cId="3419381171" sldId="10537"/>
+            <ac:spMk id="14" creationId="{BBD1063B-04C2-18AD-7C8F-65E900354F34}"/>
+          </ac:spMkLst>
+        </pc:spChg>
+        <pc:spChg chg="mod">
+          <ac:chgData name="Hasselwander Daniel" userId="c52ad4b4-8117-4235-b9f1-fab9bcac5934" providerId="ADAL" clId="{D38D4B8B-445C-754F-A08B-CFCB37CCC2E2}" dt="2023-03-14T18:01:46.176" v="2124" actId="20577"/>
+          <ac:spMkLst>
+            <pc:docMk/>
+            <pc:sldMk cId="3419381171" sldId="10537"/>
+            <ac:spMk id="15" creationId="{1BD9B7C1-5860-C447-7FC6-D510200F75A2}"/>
+          </ac:spMkLst>
+        </pc:spChg>
+        <pc:spChg chg="mod">
+          <ac:chgData name="Hasselwander Daniel" userId="c52ad4b4-8117-4235-b9f1-fab9bcac5934" providerId="ADAL" clId="{D38D4B8B-445C-754F-A08B-CFCB37CCC2E2}" dt="2023-03-14T12:07:58.233" v="1185" actId="18245"/>
+          <ac:spMkLst>
+            <pc:docMk/>
+            <pc:sldMk cId="3419381171" sldId="10537"/>
+            <ac:spMk id="16" creationId="{6AF2C3AC-7F1F-FF37-D763-D96D31220148}"/>
+          </ac:spMkLst>
+        </pc:spChg>
+        <pc:spChg chg="add mod">
+          <ac:chgData name="Hasselwander Daniel" userId="c52ad4b4-8117-4235-b9f1-fab9bcac5934" providerId="ADAL" clId="{D38D4B8B-445C-754F-A08B-CFCB37CCC2E2}" dt="2023-03-15T00:11:12.052" v="4948" actId="1076"/>
+          <ac:spMkLst>
+            <pc:docMk/>
+            <pc:sldMk cId="3419381171" sldId="10537"/>
+            <ac:spMk id="17" creationId="{45740EC2-BCC9-0E49-1987-EB381DFF8EDD}"/>
+          </ac:spMkLst>
+        </pc:spChg>
+        <pc:spChg chg="del mod">
+          <ac:chgData name="Hasselwander Daniel" userId="c52ad4b4-8117-4235-b9f1-fab9bcac5934" providerId="ADAL" clId="{D38D4B8B-445C-754F-A08B-CFCB37CCC2E2}" dt="2023-03-14T11:53:09.841" v="844" actId="478"/>
+          <ac:spMkLst>
+            <pc:docMk/>
+            <pc:sldMk cId="3419381171" sldId="10537"/>
+            <ac:spMk id="17" creationId="{65DE4C6B-3CCC-1FDC-E3D2-BC269159A4C2}"/>
+          </ac:spMkLst>
+        </pc:spChg>
+        <pc:spChg chg="add mod">
+          <ac:chgData name="Hasselwander Daniel" userId="c52ad4b4-8117-4235-b9f1-fab9bcac5934" providerId="ADAL" clId="{D38D4B8B-445C-754F-A08B-CFCB37CCC2E2}" dt="2023-03-15T00:11:12.052" v="4948" actId="1076"/>
+          <ac:spMkLst>
+            <pc:docMk/>
+            <pc:sldMk cId="3419381171" sldId="10537"/>
+            <ac:spMk id="18" creationId="{8030C120-4884-41EA-9F2B-78237BD402AF}"/>
+          </ac:spMkLst>
+        </pc:spChg>
+        <pc:spChg chg="del">
+          <ac:chgData name="Hasselwander Daniel" userId="c52ad4b4-8117-4235-b9f1-fab9bcac5934" providerId="ADAL" clId="{D38D4B8B-445C-754F-A08B-CFCB37CCC2E2}" dt="2023-03-14T11:42:48.624" v="582" actId="478"/>
+          <ac:spMkLst>
+            <pc:docMk/>
+            <pc:sldMk cId="3419381171" sldId="10537"/>
+            <ac:spMk id="18" creationId="{8711D1E7-A5BD-7F2C-CFD7-8B8D16D6BF7C}"/>
+          </ac:spMkLst>
+        </pc:spChg>
+        <pc:spChg chg="mod modCrop">
+          <ac:chgData name="Hasselwander Daniel" userId="c52ad4b4-8117-4235-b9f1-fab9bcac5934" providerId="ADAL" clId="{D38D4B8B-445C-754F-A08B-CFCB37CCC2E2}" dt="2023-03-14T12:08:51.258" v="1267" actId="18131"/>
+          <ac:spMkLst>
+            <pc:docMk/>
+            <pc:sldMk cId="3419381171" sldId="10537"/>
+            <ac:spMk id="19" creationId="{C6C42883-7B6F-8AFA-2745-470A23373108}"/>
+          </ac:spMkLst>
+        </pc:spChg>
+        <pc:spChg chg="del">
+          <ac:chgData name="Hasselwander Daniel" userId="c52ad4b4-8117-4235-b9f1-fab9bcac5934" providerId="ADAL" clId="{D38D4B8B-445C-754F-A08B-CFCB37CCC2E2}" dt="2023-03-14T11:42:48.624" v="582" actId="478"/>
+          <ac:spMkLst>
+            <pc:docMk/>
+            <pc:sldMk cId="3419381171" sldId="10537"/>
+            <ac:spMk id="20" creationId="{48D362E2-ABB6-380A-B156-F08E5F4A8FE1}"/>
+          </ac:spMkLst>
+        </pc:spChg>
+        <pc:spChg chg="add mod">
+          <ac:chgData name="Hasselwander Daniel" userId="c52ad4b4-8117-4235-b9f1-fab9bcac5934" providerId="ADAL" clId="{D38D4B8B-445C-754F-A08B-CFCB37CCC2E2}" dt="2023-03-15T00:11:12.052" v="4948" actId="1076"/>
+          <ac:spMkLst>
+            <pc:docMk/>
+            <pc:sldMk cId="3419381171" sldId="10537"/>
+            <ac:spMk id="20" creationId="{E1FB261A-1698-C4C5-2BC3-C50CD6221C61}"/>
+          </ac:spMkLst>
+        </pc:spChg>
+        <pc:spChg chg="del">
+          <ac:chgData name="Hasselwander Daniel" userId="c52ad4b4-8117-4235-b9f1-fab9bcac5934" providerId="ADAL" clId="{D38D4B8B-445C-754F-A08B-CFCB37CCC2E2}" dt="2023-03-14T11:42:48.624" v="582" actId="478"/>
+          <ac:spMkLst>
+            <pc:docMk/>
+            <pc:sldMk cId="3419381171" sldId="10537"/>
+            <ac:spMk id="21" creationId="{1F860A9A-04C5-6A35-4788-3C19D3B52D76}"/>
+          </ac:spMkLst>
+        </pc:spChg>
+        <pc:spChg chg="del">
+          <ac:chgData name="Hasselwander Daniel" userId="c52ad4b4-8117-4235-b9f1-fab9bcac5934" providerId="ADAL" clId="{D38D4B8B-445C-754F-A08B-CFCB37CCC2E2}" dt="2023-03-14T11:42:48.624" v="582" actId="478"/>
+          <ac:spMkLst>
+            <pc:docMk/>
+            <pc:sldMk cId="3419381171" sldId="10537"/>
+            <ac:spMk id="22" creationId="{5F1404C9-60B9-4B32-E4A9-DBD7C7DE9E28}"/>
+          </ac:spMkLst>
+        </pc:spChg>
+        <pc:spChg chg="del">
+          <ac:chgData name="Hasselwander Daniel" userId="c52ad4b4-8117-4235-b9f1-fab9bcac5934" providerId="ADAL" clId="{D38D4B8B-445C-754F-A08B-CFCB37CCC2E2}" dt="2023-03-14T11:42:48.624" v="582" actId="478"/>
+          <ac:spMkLst>
+            <pc:docMk/>
+            <pc:sldMk cId="3419381171" sldId="10537"/>
+            <ac:spMk id="23" creationId="{D176DB3B-9C98-9065-6112-61B081E94828}"/>
+          </ac:spMkLst>
+        </pc:spChg>
+        <pc:grpChg chg="add del mod">
+          <ac:chgData name="Hasselwander Daniel" userId="c52ad4b4-8117-4235-b9f1-fab9bcac5934" providerId="ADAL" clId="{D38D4B8B-445C-754F-A08B-CFCB37CCC2E2}" dt="2023-03-15T00:10:19.043" v="4896" actId="478"/>
+          <ac:grpSpMkLst>
+            <pc:docMk/>
+            <pc:sldMk cId="3419381171" sldId="10537"/>
+            <ac:grpSpMk id="7" creationId="{0DD6AA30-2471-9795-5CE7-2070E3D65000}"/>
+          </ac:grpSpMkLst>
+        </pc:grpChg>
+        <pc:graphicFrameChg chg="add del mod">
+          <ac:chgData name="Hasselwander Daniel" userId="c52ad4b4-8117-4235-b9f1-fab9bcac5934" providerId="ADAL" clId="{D38D4B8B-445C-754F-A08B-CFCB37CCC2E2}" dt="2023-03-14T12:03:25.920" v="1079" actId="12084"/>
+          <ac:graphicFrameMkLst>
+            <pc:docMk/>
+            <pc:sldMk cId="3419381171" sldId="10537"/>
+            <ac:graphicFrameMk id="4" creationId="{280A9548-6052-850B-1997-5841EBDAFECB}"/>
+          </ac:graphicFrameMkLst>
+        </pc:graphicFrameChg>
+        <pc:graphicFrameChg chg="add del mod">
+          <ac:chgData name="Hasselwander Daniel" userId="c52ad4b4-8117-4235-b9f1-fab9bcac5934" providerId="ADAL" clId="{D38D4B8B-445C-754F-A08B-CFCB37CCC2E2}" dt="2023-03-14T12:07:58.233" v="1185" actId="18245"/>
+          <ac:graphicFrameMkLst>
+            <pc:docMk/>
+            <pc:sldMk cId="3419381171" sldId="10537"/>
+            <ac:graphicFrameMk id="6" creationId="{66CA2A47-8D8E-FB8F-6705-68C2E4CF874A}"/>
+          </ac:graphicFrameMkLst>
+        </pc:graphicFrameChg>
+      </pc:sldChg>
+      <pc:sldChg chg="del">
+        <pc:chgData name="Hasselwander Daniel" userId="c52ad4b4-8117-4235-b9f1-fab9bcac5934" providerId="ADAL" clId="{D38D4B8B-445C-754F-A08B-CFCB37CCC2E2}" dt="2023-03-14T17:29:44.513" v="1799" actId="2696"/>
+        <pc:sldMkLst>
+          <pc:docMk/>
+          <pc:sldMk cId="818592116" sldId="10539"/>
+        </pc:sldMkLst>
+      </pc:sldChg>
+      <pc:sldChg chg="addSp delSp modSp del mod modNotesTx">
+        <pc:chgData name="Hasselwander Daniel" userId="c52ad4b4-8117-4235-b9f1-fab9bcac5934" providerId="ADAL" clId="{D38D4B8B-445C-754F-A08B-CFCB37CCC2E2}" dt="2023-03-15T00:00:42.672" v="4841" actId="2696"/>
+        <pc:sldMkLst>
+          <pc:docMk/>
+          <pc:sldMk cId="675175934" sldId="10540"/>
+        </pc:sldMkLst>
+        <pc:spChg chg="del">
+          <ac:chgData name="Hasselwander Daniel" userId="c52ad4b4-8117-4235-b9f1-fab9bcac5934" providerId="ADAL" clId="{D38D4B8B-445C-754F-A08B-CFCB37CCC2E2}" dt="2023-03-14T17:57:14.405" v="1973" actId="478"/>
+          <ac:spMkLst>
+            <pc:docMk/>
+            <pc:sldMk cId="675175934" sldId="10540"/>
+            <ac:spMk id="2" creationId="{701834F6-AA5E-2227-A9DA-4BDC91F1FE4E}"/>
+          </ac:spMkLst>
+        </pc:spChg>
+        <pc:spChg chg="del">
+          <ac:chgData name="Hasselwander Daniel" userId="c52ad4b4-8117-4235-b9f1-fab9bcac5934" providerId="ADAL" clId="{D38D4B8B-445C-754F-A08B-CFCB37CCC2E2}" dt="2023-03-14T17:57:32.103" v="1980" actId="478"/>
+          <ac:spMkLst>
+            <pc:docMk/>
+            <pc:sldMk cId="675175934" sldId="10540"/>
+            <ac:spMk id="3" creationId="{3CBB926F-2A68-28CF-634E-DE837DD87134}"/>
+          </ac:spMkLst>
+        </pc:spChg>
+        <pc:spChg chg="add del mod">
+          <ac:chgData name="Hasselwander Daniel" userId="c52ad4b4-8117-4235-b9f1-fab9bcac5934" providerId="ADAL" clId="{D38D4B8B-445C-754F-A08B-CFCB37CCC2E2}" dt="2023-03-14T17:57:23.119" v="1976" actId="478"/>
+          <ac:spMkLst>
+            <pc:docMk/>
+            <pc:sldMk cId="675175934" sldId="10540"/>
+            <ac:spMk id="10" creationId="{B3E5443F-4635-FD3A-6227-523AC6026070}"/>
+          </ac:spMkLst>
+        </pc:spChg>
+        <pc:spChg chg="add del mod">
+          <ac:chgData name="Hasselwander Daniel" userId="c52ad4b4-8117-4235-b9f1-fab9bcac5934" providerId="ADAL" clId="{D38D4B8B-445C-754F-A08B-CFCB37CCC2E2}" dt="2023-03-14T17:57:34.427" v="1981" actId="478"/>
+          <ac:spMkLst>
+            <pc:docMk/>
+            <pc:sldMk cId="675175934" sldId="10540"/>
+            <ac:spMk id="12" creationId="{14997FD0-6F34-DFFE-3F99-7AACFA48F093}"/>
+          </ac:spMkLst>
+        </pc:spChg>
+        <pc:picChg chg="del">
+          <ac:chgData name="Hasselwander Daniel" userId="c52ad4b4-8117-4235-b9f1-fab9bcac5934" providerId="ADAL" clId="{D38D4B8B-445C-754F-A08B-CFCB37CCC2E2}" dt="2023-03-14T17:57:11.032" v="1972" actId="478"/>
+          <ac:picMkLst>
+            <pc:docMk/>
+            <pc:sldMk cId="675175934" sldId="10540"/>
+            <ac:picMk id="9" creationId="{15458870-5619-7F95-07F5-79F7F613FF21}"/>
+          </ac:picMkLst>
+        </pc:picChg>
+        <pc:picChg chg="del">
+          <ac:chgData name="Hasselwander Daniel" userId="c52ad4b4-8117-4235-b9f1-fab9bcac5934" providerId="ADAL" clId="{D38D4B8B-445C-754F-A08B-CFCB37CCC2E2}" dt="2023-03-14T17:57:21.018" v="1975" actId="478"/>
+          <ac:picMkLst>
+            <pc:docMk/>
+            <pc:sldMk cId="675175934" sldId="10540"/>
+            <ac:picMk id="14" creationId="{F8AC9605-1F7D-2D86-99E7-0AB140D1A2A6}"/>
+          </ac:picMkLst>
+        </pc:picChg>
+        <pc:picChg chg="del">
+          <ac:chgData name="Hasselwander Daniel" userId="c52ad4b4-8117-4235-b9f1-fab9bcac5934" providerId="ADAL" clId="{D38D4B8B-445C-754F-A08B-CFCB37CCC2E2}" dt="2023-03-14T17:57:18.523" v="1974" actId="478"/>
+          <ac:picMkLst>
+            <pc:docMk/>
+            <pc:sldMk cId="675175934" sldId="10540"/>
+            <ac:picMk id="19" creationId="{B68B23F9-4B89-5CB8-6504-5321226C0392}"/>
+          </ac:picMkLst>
+        </pc:picChg>
+        <pc:picChg chg="del">
+          <ac:chgData name="Hasselwander Daniel" userId="c52ad4b4-8117-4235-b9f1-fab9bcac5934" providerId="ADAL" clId="{D38D4B8B-445C-754F-A08B-CFCB37CCC2E2}" dt="2023-03-14T17:57:27.097" v="1978" actId="478"/>
+          <ac:picMkLst>
+            <pc:docMk/>
+            <pc:sldMk cId="675175934" sldId="10540"/>
+            <ac:picMk id="22" creationId="{D058C22A-3938-DE50-2D7F-13A391FE9D22}"/>
+          </ac:picMkLst>
+        </pc:picChg>
+        <pc:picChg chg="del">
+          <ac:chgData name="Hasselwander Daniel" userId="c52ad4b4-8117-4235-b9f1-fab9bcac5934" providerId="ADAL" clId="{D38D4B8B-445C-754F-A08B-CFCB37CCC2E2}" dt="2023-03-14T17:57:28.626" v="1979" actId="478"/>
+          <ac:picMkLst>
+            <pc:docMk/>
+            <pc:sldMk cId="675175934" sldId="10540"/>
+            <ac:picMk id="24" creationId="{D54ECCD8-7E6A-F717-7D04-B25B02D00DD0}"/>
+          </ac:picMkLst>
+        </pc:picChg>
+        <pc:cxnChg chg="del">
+          <ac:chgData name="Hasselwander Daniel" userId="c52ad4b4-8117-4235-b9f1-fab9bcac5934" providerId="ADAL" clId="{D38D4B8B-445C-754F-A08B-CFCB37CCC2E2}" dt="2023-03-14T17:57:25.367" v="1977" actId="478"/>
+          <ac:cxnSpMkLst>
+            <pc:docMk/>
+            <pc:sldMk cId="675175934" sldId="10540"/>
+            <ac:cxnSpMk id="20" creationId="{5D0B75B3-6876-D677-6F16-686849F46CC1}"/>
+          </ac:cxnSpMkLst>
+        </pc:cxnChg>
+      </pc:sldChg>
+      <pc:sldChg chg="modSp del mod ord">
+        <pc:chgData name="Hasselwander Daniel" userId="c52ad4b4-8117-4235-b9f1-fab9bcac5934" providerId="ADAL" clId="{D38D4B8B-445C-754F-A08B-CFCB37CCC2E2}" dt="2023-03-15T00:00:41.146" v="4840" actId="2696"/>
+        <pc:sldMkLst>
+          <pc:docMk/>
+          <pc:sldMk cId="3212215526" sldId="10541"/>
+        </pc:sldMkLst>
+        <pc:spChg chg="mod">
+          <ac:chgData name="Hasselwander Daniel" userId="c52ad4b4-8117-4235-b9f1-fab9bcac5934" providerId="ADAL" clId="{D38D4B8B-445C-754F-A08B-CFCB37CCC2E2}" dt="2023-03-14T17:57:06.352" v="1971" actId="20577"/>
+          <ac:spMkLst>
+            <pc:docMk/>
+            <pc:sldMk cId="3212215526" sldId="10541"/>
+            <ac:spMk id="2" creationId="{A0B7C6DE-253F-0374-F735-8A4174830D91}"/>
+          </ac:spMkLst>
+        </pc:spChg>
+        <pc:spChg chg="mod">
+          <ac:chgData name="Hasselwander Daniel" userId="c52ad4b4-8117-4235-b9f1-fab9bcac5934" providerId="ADAL" clId="{D38D4B8B-445C-754F-A08B-CFCB37CCC2E2}" dt="2023-03-14T17:57:46.034" v="1985" actId="20577"/>
+          <ac:spMkLst>
+            <pc:docMk/>
+            <pc:sldMk cId="3212215526" sldId="10541"/>
+            <ac:spMk id="15" creationId="{1BD9B7C1-5860-C447-7FC6-D510200F75A2}"/>
+          </ac:spMkLst>
+        </pc:spChg>
+        <pc:spChg chg="mod">
+          <ac:chgData name="Hasselwander Daniel" userId="c52ad4b4-8117-4235-b9f1-fab9bcac5934" providerId="ADAL" clId="{D38D4B8B-445C-754F-A08B-CFCB37CCC2E2}" dt="2023-03-14T17:58:49.799" v="2071" actId="20577"/>
+          <ac:spMkLst>
+            <pc:docMk/>
+            <pc:sldMk cId="3212215526" sldId="10541"/>
+            <ac:spMk id="17" creationId="{65DE4C6B-3CCC-1FDC-E3D2-BC269159A4C2}"/>
+          </ac:spMkLst>
+        </pc:spChg>
+      </pc:sldChg>
+      <pc:sldChg chg="addSp delSp modSp add del mod modNotesTx">
+        <pc:chgData name="Hasselwander Daniel" userId="c52ad4b4-8117-4235-b9f1-fab9bcac5934" providerId="ADAL" clId="{D38D4B8B-445C-754F-A08B-CFCB37CCC2E2}" dt="2023-03-14T13:17:00.215" v="1751" actId="2696"/>
+        <pc:sldMkLst>
+          <pc:docMk/>
+          <pc:sldMk cId="3858175508" sldId="10542"/>
+        </pc:sldMkLst>
+        <pc:spChg chg="mod">
+          <ac:chgData name="Hasselwander Daniel" userId="c52ad4b4-8117-4235-b9f1-fab9bcac5934" providerId="ADAL" clId="{D38D4B8B-445C-754F-A08B-CFCB37CCC2E2}" dt="2023-03-14T09:24:18.033" v="434" actId="1076"/>
+          <ac:spMkLst>
+            <pc:docMk/>
+            <pc:sldMk cId="3858175508" sldId="10542"/>
+            <ac:spMk id="3" creationId="{36755C72-F177-7EF1-0AC4-9432D00E6E75}"/>
+          </ac:spMkLst>
+        </pc:spChg>
+        <pc:spChg chg="mod">
+          <ac:chgData name="Hasselwander Daniel" userId="c52ad4b4-8117-4235-b9f1-fab9bcac5934" providerId="ADAL" clId="{D38D4B8B-445C-754F-A08B-CFCB37CCC2E2}" dt="2023-03-14T09:24:31.183" v="437" actId="1076"/>
+          <ac:spMkLst>
+            <pc:docMk/>
+            <pc:sldMk cId="3858175508" sldId="10542"/>
+            <ac:spMk id="5" creationId="{2B2A5ACC-8876-8562-0CF0-4D95718D1516}"/>
+          </ac:spMkLst>
+        </pc:spChg>
+        <pc:spChg chg="mod topLvl">
+          <ac:chgData name="Hasselwander Daniel" userId="c52ad4b4-8117-4235-b9f1-fab9bcac5934" providerId="ADAL" clId="{D38D4B8B-445C-754F-A08B-CFCB37CCC2E2}" dt="2023-03-14T09:38:40.726" v="553" actId="20577"/>
+          <ac:spMkLst>
+            <pc:docMk/>
+            <pc:sldMk cId="3858175508" sldId="10542"/>
+            <ac:spMk id="6" creationId="{684A0A98-418F-699A-B739-985CC5B81A8B}"/>
+          </ac:spMkLst>
+        </pc:spChg>
+        <pc:spChg chg="add del mod">
+          <ac:chgData name="Hasselwander Daniel" userId="c52ad4b4-8117-4235-b9f1-fab9bcac5934" providerId="ADAL" clId="{D38D4B8B-445C-754F-A08B-CFCB37CCC2E2}" dt="2023-03-14T09:36:41.393" v="518" actId="478"/>
+          <ac:spMkLst>
+            <pc:docMk/>
+            <pc:sldMk cId="3858175508" sldId="10542"/>
+            <ac:spMk id="9" creationId="{867D0616-146D-1638-644B-098C970B0E3A}"/>
+          </ac:spMkLst>
+        </pc:spChg>
+        <pc:spChg chg="add mod">
+          <ac:chgData name="Hasselwander Daniel" userId="c52ad4b4-8117-4235-b9f1-fab9bcac5934" providerId="ADAL" clId="{D38D4B8B-445C-754F-A08B-CFCB37CCC2E2}" dt="2023-03-14T09:37:28.090" v="538" actId="20577"/>
+          <ac:spMkLst>
+            <pc:docMk/>
+            <pc:sldMk cId="3858175508" sldId="10542"/>
+            <ac:spMk id="10" creationId="{D0D3C6FB-C02D-E50F-5590-A3ADF7C00D8F}"/>
+          </ac:spMkLst>
+        </pc:spChg>
+        <pc:spChg chg="add mod">
+          <ac:chgData name="Hasselwander Daniel" userId="c52ad4b4-8117-4235-b9f1-fab9bcac5934" providerId="ADAL" clId="{D38D4B8B-445C-754F-A08B-CFCB37CCC2E2}" dt="2023-03-14T09:36:17.111" v="509"/>
+          <ac:spMkLst>
+            <pc:docMk/>
+            <pc:sldMk cId="3858175508" sldId="10542"/>
+            <ac:spMk id="11" creationId="{21834C15-B39B-CA2C-7F10-17FFC602C545}"/>
+          </ac:spMkLst>
+        </pc:spChg>
+        <pc:spChg chg="add mod">
+          <ac:chgData name="Hasselwander Daniel" userId="c52ad4b4-8117-4235-b9f1-fab9bcac5934" providerId="ADAL" clId="{D38D4B8B-445C-754F-A08B-CFCB37CCC2E2}" dt="2023-03-14T11:45:23.117" v="820" actId="20577"/>
+          <ac:spMkLst>
+            <pc:docMk/>
+            <pc:sldMk cId="3858175508" sldId="10542"/>
+            <ac:spMk id="12" creationId="{F1F698D5-F597-A8FB-837B-5986C6717184}"/>
+          </ac:spMkLst>
+        </pc:spChg>
+        <pc:grpChg chg="add">
+          <ac:chgData name="Hasselwander Daniel" userId="c52ad4b4-8117-4235-b9f1-fab9bcac5934" providerId="ADAL" clId="{D38D4B8B-445C-754F-A08B-CFCB37CCC2E2}" dt="2023-03-14T09:24:27.909" v="436" actId="164"/>
+          <ac:grpSpMkLst>
+            <pc:docMk/>
+            <pc:sldMk cId="3858175508" sldId="10542"/>
+            <ac:grpSpMk id="7" creationId="{DE95AAF3-9769-CF4F-E259-F7B6A859E653}"/>
+          </ac:grpSpMkLst>
+        </pc:grpChg>
+        <pc:grpChg chg="add del">
+          <ac:chgData name="Hasselwander Daniel" userId="c52ad4b4-8117-4235-b9f1-fab9bcac5934" providerId="ADAL" clId="{D38D4B8B-445C-754F-A08B-CFCB37CCC2E2}" dt="2023-03-14T09:36:31.351" v="516" actId="165"/>
+          <ac:grpSpMkLst>
+            <pc:docMk/>
+            <pc:sldMk cId="3858175508" sldId="10542"/>
+            <ac:grpSpMk id="8" creationId="{1363335D-3451-A13A-7D87-F978BC0AF296}"/>
+          </ac:grpSpMkLst>
+        </pc:grpChg>
+        <pc:picChg chg="mod">
+          <ac:chgData name="Hasselwander Daniel" userId="c52ad4b4-8117-4235-b9f1-fab9bcac5934" providerId="ADAL" clId="{D38D4B8B-445C-754F-A08B-CFCB37CCC2E2}" dt="2023-03-14T09:24:21.949" v="435" actId="1076"/>
+          <ac:picMkLst>
+            <pc:docMk/>
+            <pc:sldMk cId="3858175508" sldId="10542"/>
+            <ac:picMk id="13" creationId="{C7ACBCE4-970F-90D2-E37F-45CC580AF4E0}"/>
+          </ac:picMkLst>
+        </pc:picChg>
+        <pc:picChg chg="add del mod">
+          <ac:chgData name="Hasselwander Daniel" userId="c52ad4b4-8117-4235-b9f1-fab9bcac5934" providerId="ADAL" clId="{D38D4B8B-445C-754F-A08B-CFCB37CCC2E2}" dt="2023-03-14T11:45:17.302" v="816" actId="478"/>
+          <ac:picMkLst>
+            <pc:docMk/>
+            <pc:sldMk cId="3858175508" sldId="10542"/>
+            <ac:picMk id="14" creationId="{48C593DB-CA6B-6E83-5603-15A12664F178}"/>
+          </ac:picMkLst>
+        </pc:picChg>
+        <pc:picChg chg="del mod topLvl">
+          <ac:chgData name="Hasselwander Daniel" userId="c52ad4b4-8117-4235-b9f1-fab9bcac5934" providerId="ADAL" clId="{D38D4B8B-445C-754F-A08B-CFCB37CCC2E2}" dt="2023-03-14T09:37:35.183" v="539" actId="478"/>
+          <ac:picMkLst>
+            <pc:docMk/>
+            <pc:sldMk cId="3858175508" sldId="10542"/>
+            <ac:picMk id="16" creationId="{10AD8254-C80C-BDC7-73F8-FFB6349F92DF}"/>
+          </ac:picMkLst>
+        </pc:picChg>
+      </pc:sldChg>
+      <pc:sldChg chg="addSp delSp modSp new mod ord modClrScheme chgLayout">
+        <pc:chgData name="Hasselwander Daniel" userId="c52ad4b4-8117-4235-b9f1-fab9bcac5934" providerId="ADAL" clId="{D38D4B8B-445C-754F-A08B-CFCB37CCC2E2}" dt="2023-03-14T22:36:26.294" v="2929" actId="20577"/>
+        <pc:sldMkLst>
+          <pc:docMk/>
+          <pc:sldMk cId="1053625338" sldId="10543"/>
+        </pc:sldMkLst>
+        <pc:spChg chg="del mod modVis">
+          <ac:chgData name="Hasselwander Daniel" userId="c52ad4b4-8117-4235-b9f1-fab9bcac5934" providerId="ADAL" clId="{D38D4B8B-445C-754F-A08B-CFCB37CCC2E2}" dt="2023-03-14T11:57:12.758" v="946" actId="478"/>
+          <ac:spMkLst>
+            <pc:docMk/>
+            <pc:sldMk cId="1053625338" sldId="10543"/>
+            <ac:spMk id="2" creationId="{88F2ED19-3CF5-BC25-8008-7D464277FBD2}"/>
+          </ac:spMkLst>
+        </pc:spChg>
+        <pc:spChg chg="mod modVis">
+          <ac:chgData name="Hasselwander Daniel" userId="c52ad4b4-8117-4235-b9f1-fab9bcac5934" providerId="ADAL" clId="{D38D4B8B-445C-754F-A08B-CFCB37CCC2E2}" dt="2023-03-14T11:55:07.524" v="860" actId="26606"/>
+          <ac:spMkLst>
+            <pc:docMk/>
+            <pc:sldMk cId="1053625338" sldId="10543"/>
+            <ac:spMk id="3" creationId="{0CB9ECD8-9FDD-98E2-ED6F-432548E80708}"/>
+          </ac:spMkLst>
+        </pc:spChg>
+        <pc:spChg chg="del mod">
+          <ac:chgData name="Hasselwander Daniel" userId="c52ad4b4-8117-4235-b9f1-fab9bcac5934" providerId="ADAL" clId="{D38D4B8B-445C-754F-A08B-CFCB37CCC2E2}" dt="2023-03-14T11:55:02.935" v="859" actId="478"/>
+          <ac:spMkLst>
+            <pc:docMk/>
+            <pc:sldMk cId="1053625338" sldId="10543"/>
+            <ac:spMk id="4" creationId="{4892F577-5737-4A61-0406-8B0C6DA0233D}"/>
+          </ac:spMkLst>
+        </pc:spChg>
+        <pc:spChg chg="del">
+          <ac:chgData name="Hasselwander Daniel" userId="c52ad4b4-8117-4235-b9f1-fab9bcac5934" providerId="ADAL" clId="{D38D4B8B-445C-754F-A08B-CFCB37CCC2E2}" dt="2023-03-14T11:54:26.014" v="846" actId="478"/>
+          <ac:spMkLst>
+            <pc:docMk/>
+            <pc:sldMk cId="1053625338" sldId="10543"/>
+            <ac:spMk id="5" creationId="{E858962A-4344-A53A-321B-5B3517D19BB2}"/>
+          </ac:spMkLst>
+        </pc:spChg>
+        <pc:spChg chg="add mod">
+          <ac:chgData name="Hasselwander Daniel" userId="c52ad4b4-8117-4235-b9f1-fab9bcac5934" providerId="ADAL" clId="{D38D4B8B-445C-754F-A08B-CFCB37CCC2E2}" dt="2023-03-14T22:36:26.294" v="2929" actId="20577"/>
+          <ac:spMkLst>
+            <pc:docMk/>
+            <pc:sldMk cId="1053625338" sldId="10543"/>
+            <ac:spMk id="12" creationId="{E62DCD0F-6DEC-0217-E980-99865FD66892}"/>
+          </ac:spMkLst>
+        </pc:spChg>
+        <pc:picChg chg="add del mod ord">
+          <ac:chgData name="Hasselwander Daniel" userId="c52ad4b4-8117-4235-b9f1-fab9bcac5934" providerId="ADAL" clId="{D38D4B8B-445C-754F-A08B-CFCB37CCC2E2}" dt="2023-03-14T11:55:07.524" v="860" actId="26606"/>
+          <ac:picMkLst>
+            <pc:docMk/>
+            <pc:sldMk cId="1053625338" sldId="10543"/>
+            <ac:picMk id="7" creationId="{7E4E2BC0-3343-12B8-37C7-62AD93CE7132}"/>
+          </ac:picMkLst>
+        </pc:picChg>
+      </pc:sldChg>
+      <pc:sldChg chg="addSp delSp modSp add del mod ord">
+        <pc:chgData name="Hasselwander Daniel" userId="c52ad4b4-8117-4235-b9f1-fab9bcac5934" providerId="ADAL" clId="{D38D4B8B-445C-754F-A08B-CFCB37CCC2E2}" dt="2023-03-14T13:16:42.879" v="1749" actId="2696"/>
+        <pc:sldMkLst>
+          <pc:docMk/>
+          <pc:sldMk cId="2147780309" sldId="10544"/>
+        </pc:sldMkLst>
+        <pc:spChg chg="mod">
+          <ac:chgData name="Hasselwander Daniel" userId="c52ad4b4-8117-4235-b9f1-fab9bcac5934" providerId="ADAL" clId="{D38D4B8B-445C-754F-A08B-CFCB37CCC2E2}" dt="2023-03-14T12:47:09.498" v="1277" actId="1076"/>
+          <ac:spMkLst>
+            <pc:docMk/>
+            <pc:sldMk cId="2147780309" sldId="10544"/>
+            <ac:spMk id="5" creationId="{2B2A5ACC-8876-8562-0CF0-4D95718D1516}"/>
+          </ac:spMkLst>
+        </pc:spChg>
+        <pc:spChg chg="mod">
+          <ac:chgData name="Hasselwander Daniel" userId="c52ad4b4-8117-4235-b9f1-fab9bcac5934" providerId="ADAL" clId="{D38D4B8B-445C-754F-A08B-CFCB37CCC2E2}" dt="2023-03-14T12:47:11.298" v="1278" actId="1076"/>
+          <ac:spMkLst>
+            <pc:docMk/>
+            <pc:sldMk cId="2147780309" sldId="10544"/>
+            <ac:spMk id="6" creationId="{684A0A98-418F-699A-B739-985CC5B81A8B}"/>
+          </ac:spMkLst>
+        </pc:spChg>
+        <pc:spChg chg="add del mod">
+          <ac:chgData name="Hasselwander Daniel" userId="c52ad4b4-8117-4235-b9f1-fab9bcac5934" providerId="ADAL" clId="{D38D4B8B-445C-754F-A08B-CFCB37CCC2E2}" dt="2023-03-14T12:47:17.897" v="1280"/>
+          <ac:spMkLst>
+            <pc:docMk/>
+            <pc:sldMk cId="2147780309" sldId="10544"/>
+            <ac:spMk id="8" creationId="{DF42ECD3-79F9-0AE6-ADCC-F7107A36A263}"/>
+          </ac:spMkLst>
+        </pc:spChg>
+        <pc:grpChg chg="del">
+          <ac:chgData name="Hasselwander Daniel" userId="c52ad4b4-8117-4235-b9f1-fab9bcac5934" providerId="ADAL" clId="{D38D4B8B-445C-754F-A08B-CFCB37CCC2E2}" dt="2023-03-14T12:47:06.127" v="1276" actId="478"/>
+          <ac:grpSpMkLst>
+            <pc:docMk/>
+            <pc:sldMk cId="2147780309" sldId="10544"/>
+            <ac:grpSpMk id="7" creationId="{DE95AAF3-9769-CF4F-E259-F7B6A859E653}"/>
+          </ac:grpSpMkLst>
+        </pc:grpChg>
+      </pc:sldChg>
+      <pc:sldChg chg="addSp delSp modSp add mod modClrScheme chgLayout modNotesTx">
+        <pc:chgData name="Hasselwander Daniel" userId="c52ad4b4-8117-4235-b9f1-fab9bcac5934" providerId="ADAL" clId="{D38D4B8B-445C-754F-A08B-CFCB37CCC2E2}" dt="2023-03-14T18:22:39.434" v="2596" actId="1076"/>
+        <pc:sldMkLst>
+          <pc:docMk/>
+          <pc:sldMk cId="1311562754" sldId="10545"/>
+        </pc:sldMkLst>
+        <pc:spChg chg="add mod">
+          <ac:chgData name="Hasselwander Daniel" userId="c52ad4b4-8117-4235-b9f1-fab9bcac5934" providerId="ADAL" clId="{D38D4B8B-445C-754F-A08B-CFCB37CCC2E2}" dt="2023-03-14T18:11:38.319" v="2388" actId="14100"/>
+          <ac:spMkLst>
+            <pc:docMk/>
+            <pc:sldMk cId="1311562754" sldId="10545"/>
+            <ac:spMk id="2" creationId="{21764F6D-632E-79AE-82FF-774B2346AAB2}"/>
+          </ac:spMkLst>
+        </pc:spChg>
+        <pc:spChg chg="mod ord">
+          <ac:chgData name="Hasselwander Daniel" userId="c52ad4b4-8117-4235-b9f1-fab9bcac5934" providerId="ADAL" clId="{D38D4B8B-445C-754F-A08B-CFCB37CCC2E2}" dt="2023-03-14T11:59:24.804" v="953" actId="26606"/>
+          <ac:spMkLst>
+            <pc:docMk/>
+            <pc:sldMk cId="1311562754" sldId="10545"/>
+            <ac:spMk id="3" creationId="{0CB9ECD8-9FDD-98E2-ED6F-432548E80708}"/>
+          </ac:spMkLst>
+        </pc:spChg>
+        <pc:spChg chg="add mod">
+          <ac:chgData name="Hasselwander Daniel" userId="c52ad4b4-8117-4235-b9f1-fab9bcac5934" providerId="ADAL" clId="{D38D4B8B-445C-754F-A08B-CFCB37CCC2E2}" dt="2023-03-14T17:28:36.348" v="1793" actId="14100"/>
+          <ac:spMkLst>
+            <pc:docMk/>
+            <pc:sldMk cId="1311562754" sldId="10545"/>
+            <ac:spMk id="4" creationId="{EE008AA6-7580-4542-69E5-1F9B1DB70DCD}"/>
+          </ac:spMkLst>
+        </pc:spChg>
+        <pc:spChg chg="add mod">
+          <ac:chgData name="Hasselwander Daniel" userId="c52ad4b4-8117-4235-b9f1-fab9bcac5934" providerId="ADAL" clId="{D38D4B8B-445C-754F-A08B-CFCB37CCC2E2}" dt="2023-03-14T17:28:47.990" v="1798" actId="1038"/>
+          <ac:spMkLst>
+            <pc:docMk/>
+            <pc:sldMk cId="1311562754" sldId="10545"/>
+            <ac:spMk id="5" creationId="{E438D42A-CDF3-A167-108B-CD42B25CC0E0}"/>
+          </ac:spMkLst>
+        </pc:spChg>
+        <pc:spChg chg="add del mod">
+          <ac:chgData name="Hasselwander Daniel" userId="c52ad4b4-8117-4235-b9f1-fab9bcac5934" providerId="ADAL" clId="{D38D4B8B-445C-754F-A08B-CFCB37CCC2E2}" dt="2023-03-14T18:11:20.123" v="2382"/>
+          <ac:spMkLst>
+            <pc:docMk/>
+            <pc:sldMk cId="1311562754" sldId="10545"/>
+            <ac:spMk id="6" creationId="{7F5A2E40-B48C-58B7-9909-0A27087A691C}"/>
+          </ac:spMkLst>
+        </pc:spChg>
+        <pc:spChg chg="add del mod">
+          <ac:chgData name="Hasselwander Daniel" userId="c52ad4b4-8117-4235-b9f1-fab9bcac5934" providerId="ADAL" clId="{D38D4B8B-445C-754F-A08B-CFCB37CCC2E2}" dt="2023-03-14T11:59:41.916" v="963" actId="478"/>
+          <ac:spMkLst>
+            <pc:docMk/>
+            <pc:sldMk cId="1311562754" sldId="10545"/>
+            <ac:spMk id="6" creationId="{C8D4EE47-6C3B-8EF5-96EF-7C99A3BC7C23}"/>
+          </ac:spMkLst>
+        </pc:spChg>
+        <pc:spChg chg="add del mod">
+          <ac:chgData name="Hasselwander Daniel" userId="c52ad4b4-8117-4235-b9f1-fab9bcac5934" providerId="ADAL" clId="{D38D4B8B-445C-754F-A08B-CFCB37CCC2E2}" dt="2023-03-14T11:59:43.734" v="964" actId="478"/>
+          <ac:spMkLst>
+            <pc:docMk/>
+            <pc:sldMk cId="1311562754" sldId="10545"/>
+            <ac:spMk id="9" creationId="{E50E9BE5-CE47-14F9-2A74-F2478BBF7F59}"/>
+          </ac:spMkLst>
+        </pc:spChg>
+        <pc:spChg chg="del mod ord">
+          <ac:chgData name="Hasselwander Daniel" userId="c52ad4b4-8117-4235-b9f1-fab9bcac5934" providerId="ADAL" clId="{D38D4B8B-445C-754F-A08B-CFCB37CCC2E2}" dt="2023-03-14T11:59:29.947" v="955" actId="478"/>
+          <ac:spMkLst>
+            <pc:docMk/>
+            <pc:sldMk cId="1311562754" sldId="10545"/>
+            <ac:spMk id="12" creationId="{E62DCD0F-6DEC-0217-E980-99865FD66892}"/>
+          </ac:spMkLst>
+        </pc:spChg>
+        <pc:spChg chg="add mod">
+          <ac:chgData name="Hasselwander Daniel" userId="c52ad4b4-8117-4235-b9f1-fab9bcac5934" providerId="ADAL" clId="{D38D4B8B-445C-754F-A08B-CFCB37CCC2E2}" dt="2023-03-14T13:17:43.816" v="1753" actId="207"/>
+          <ac:spMkLst>
+            <pc:docMk/>
+            <pc:sldMk cId="1311562754" sldId="10545"/>
+            <ac:spMk id="13" creationId="{F53BF11A-AA6E-6526-895D-7341B694C478}"/>
+          </ac:spMkLst>
+        </pc:spChg>
+        <pc:spChg chg="add del mod">
+          <ac:chgData name="Hasselwander Daniel" userId="c52ad4b4-8117-4235-b9f1-fab9bcac5934" providerId="ADAL" clId="{D38D4B8B-445C-754F-A08B-CFCB37CCC2E2}" dt="2023-03-14T18:12:28.575" v="2393" actId="478"/>
+          <ac:spMkLst>
+            <pc:docMk/>
+            <pc:sldMk cId="1311562754" sldId="10545"/>
+            <ac:spMk id="15" creationId="{9079C2DE-BBC0-7758-5CB7-198A324D59D0}"/>
+          </ac:spMkLst>
+        </pc:spChg>
+        <pc:spChg chg="add del mod">
+          <ac:chgData name="Hasselwander Daniel" userId="c52ad4b4-8117-4235-b9f1-fab9bcac5934" providerId="ADAL" clId="{D38D4B8B-445C-754F-A08B-CFCB37CCC2E2}" dt="2023-03-14T18:12:30.383" v="2394" actId="478"/>
+          <ac:spMkLst>
+            <pc:docMk/>
+            <pc:sldMk cId="1311562754" sldId="10545"/>
+            <ac:spMk id="16" creationId="{E544DAF1-E2F2-BC3E-A5B9-E26BAE6EE7AB}"/>
+          </ac:spMkLst>
+        </pc:spChg>
+        <pc:spChg chg="add del mod">
+          <ac:chgData name="Hasselwander Daniel" userId="c52ad4b4-8117-4235-b9f1-fab9bcac5934" providerId="ADAL" clId="{D38D4B8B-445C-754F-A08B-CFCB37CCC2E2}" dt="2023-03-14T11:59:24.804" v="953" actId="26606"/>
+          <ac:spMkLst>
+            <pc:docMk/>
+            <pc:sldMk cId="1311562754" sldId="10545"/>
+            <ac:spMk id="17" creationId="{8CE1C7FE-1F4B-4F60-47CC-A5409E76C8F7}"/>
+          </ac:spMkLst>
+        </pc:spChg>
+        <pc:spChg chg="add del mod">
+          <ac:chgData name="Hasselwander Daniel" userId="c52ad4b4-8117-4235-b9f1-fab9bcac5934" providerId="ADAL" clId="{D38D4B8B-445C-754F-A08B-CFCB37CCC2E2}" dt="2023-03-14T11:59:24.804" v="953" actId="26606"/>
+          <ac:spMkLst>
+            <pc:docMk/>
+            <pc:sldMk cId="1311562754" sldId="10545"/>
+            <ac:spMk id="19" creationId="{3C2E1EC8-F1F7-A7E0-189F-A00B1E011C6A}"/>
+          </ac:spMkLst>
+        </pc:spChg>
+        <pc:spChg chg="add del mod">
+          <ac:chgData name="Hasselwander Daniel" userId="c52ad4b4-8117-4235-b9f1-fab9bcac5934" providerId="ADAL" clId="{D38D4B8B-445C-754F-A08B-CFCB37CCC2E2}" dt="2023-03-14T11:59:24.804" v="953" actId="26606"/>
+          <ac:spMkLst>
+            <pc:docMk/>
+            <pc:sldMk cId="1311562754" sldId="10545"/>
+            <ac:spMk id="21" creationId="{50160385-AA33-A912-96FF-97F179D1E28D}"/>
+          </ac:spMkLst>
+        </pc:spChg>
+        <pc:spChg chg="add del mod">
+          <ac:chgData name="Hasselwander Daniel" userId="c52ad4b4-8117-4235-b9f1-fab9bcac5934" providerId="ADAL" clId="{D38D4B8B-445C-754F-A08B-CFCB37CCC2E2}" dt="2023-03-14T11:59:24.804" v="953" actId="26606"/>
+          <ac:spMkLst>
+            <pc:docMk/>
+            <pc:sldMk cId="1311562754" sldId="10545"/>
+            <ac:spMk id="23" creationId="{E81CC860-9AEA-4733-5C27-B310A397582B}"/>
+          </ac:spMkLst>
+        </pc:spChg>
+        <pc:spChg chg="add">
+          <ac:chgData name="Hasselwander Daniel" userId="c52ad4b4-8117-4235-b9f1-fab9bcac5934" providerId="ADAL" clId="{D38D4B8B-445C-754F-A08B-CFCB37CCC2E2}" dt="2023-03-14T11:59:24.806" v="954" actId="26606"/>
+          <ac:spMkLst>
+            <pc:docMk/>
+            <pc:sldMk cId="1311562754" sldId="10545"/>
+            <ac:spMk id="25" creationId="{F517D322-C6E9-E507-6DCC-6D7AD94E94A1}"/>
+          </ac:spMkLst>
+        </pc:spChg>
+        <pc:grpChg chg="add del">
+          <ac:chgData name="Hasselwander Daniel" userId="c52ad4b4-8117-4235-b9f1-fab9bcac5934" providerId="ADAL" clId="{D38D4B8B-445C-754F-A08B-CFCB37CCC2E2}" dt="2023-03-14T18:11:18.214" v="2380" actId="478"/>
+          <ac:grpSpMkLst>
+            <pc:docMk/>
+            <pc:sldMk cId="1311562754" sldId="10545"/>
+            <ac:grpSpMk id="14" creationId="{2372A97B-CFD6-9903-E8CD-12005059518A}"/>
+          </ac:grpSpMkLst>
+        </pc:grpChg>
+        <pc:picChg chg="add del mod ord">
+          <ac:chgData name="Hasselwander Daniel" userId="c52ad4b4-8117-4235-b9f1-fab9bcac5934" providerId="ADAL" clId="{D38D4B8B-445C-754F-A08B-CFCB37CCC2E2}" dt="2023-03-14T13:06:04.093" v="1521" actId="478"/>
+          <ac:picMkLst>
+            <pc:docMk/>
+            <pc:sldMk cId="1311562754" sldId="10545"/>
+            <ac:picMk id="4" creationId="{BE6D702B-B263-E528-8A61-B7260761933B}"/>
+          </ac:picMkLst>
+        </pc:picChg>
+        <pc:picChg chg="del mod">
+          <ac:chgData name="Hasselwander Daniel" userId="c52ad4b4-8117-4235-b9f1-fab9bcac5934" providerId="ADAL" clId="{D38D4B8B-445C-754F-A08B-CFCB37CCC2E2}" dt="2023-03-14T11:59:12.499" v="951" actId="478"/>
+          <ac:picMkLst>
+            <pc:docMk/>
+            <pc:sldMk cId="1311562754" sldId="10545"/>
+            <ac:picMk id="7" creationId="{7E4E2BC0-3343-12B8-37C7-62AD93CE7132}"/>
+          </ac:picMkLst>
+        </pc:picChg>
+        <pc:picChg chg="add del mod">
+          <ac:chgData name="Hasselwander Daniel" userId="c52ad4b4-8117-4235-b9f1-fab9bcac5934" providerId="ADAL" clId="{D38D4B8B-445C-754F-A08B-CFCB37CCC2E2}" dt="2023-03-14T18:21:55.023" v="2590" actId="478"/>
+          <ac:picMkLst>
+            <pc:docMk/>
+            <pc:sldMk cId="1311562754" sldId="10545"/>
+            <ac:picMk id="7" creationId="{C642F292-FD0C-450E-7511-81CF65B6D7BA}"/>
+          </ac:picMkLst>
+        </pc:picChg>
+        <pc:picChg chg="add mod">
+          <ac:chgData name="Hasselwander Daniel" userId="c52ad4b4-8117-4235-b9f1-fab9bcac5934" providerId="ADAL" clId="{D38D4B8B-445C-754F-A08B-CFCB37CCC2E2}" dt="2023-03-14T18:22:39.434" v="2596" actId="1076"/>
+          <ac:picMkLst>
+            <pc:docMk/>
+            <pc:sldMk cId="1311562754" sldId="10545"/>
+            <ac:picMk id="9" creationId="{42EC973D-45DE-1848-6254-28AC3F4762A7}"/>
+          </ac:picMkLst>
+        </pc:picChg>
+        <pc:picChg chg="add mod">
+          <ac:chgData name="Hasselwander Daniel" userId="c52ad4b4-8117-4235-b9f1-fab9bcac5934" providerId="ADAL" clId="{D38D4B8B-445C-754F-A08B-CFCB37CCC2E2}" dt="2023-03-14T13:06:24.275" v="1526" actId="14100"/>
+          <ac:picMkLst>
+            <pc:docMk/>
+            <pc:sldMk cId="1311562754" sldId="10545"/>
+            <ac:picMk id="11" creationId="{18AD3A22-9404-C8BC-0ABB-170A893CF819}"/>
+          </ac:picMkLst>
+        </pc:picChg>
+      </pc:sldChg>
+      <pc:sldChg chg="addSp delSp modSp add del mod ord setBg modClrScheme chgLayout">
+        <pc:chgData name="Hasselwander Daniel" userId="c52ad4b4-8117-4235-b9f1-fab9bcac5934" providerId="ADAL" clId="{D38D4B8B-445C-754F-A08B-CFCB37CCC2E2}" dt="2023-03-14T13:16:45.824" v="1750" actId="2696"/>
+        <pc:sldMkLst>
+          <pc:docMk/>
+          <pc:sldMk cId="2174932521" sldId="10546"/>
+        </pc:sldMkLst>
+        <pc:spChg chg="mod">
+          <ac:chgData name="Hasselwander Daniel" userId="c52ad4b4-8117-4235-b9f1-fab9bcac5934" providerId="ADAL" clId="{D38D4B8B-445C-754F-A08B-CFCB37CCC2E2}" dt="2023-03-14T12:47:54.641" v="1292" actId="26606"/>
+          <ac:spMkLst>
+            <pc:docMk/>
+            <pc:sldMk cId="2174932521" sldId="10546"/>
+            <ac:spMk id="2" creationId="{A0B7C6DE-253F-0374-F735-8A4174830D91}"/>
+          </ac:spMkLst>
+        </pc:spChg>
+        <pc:spChg chg="del ord">
+          <ac:chgData name="Hasselwander Daniel" userId="c52ad4b4-8117-4235-b9f1-fab9bcac5934" providerId="ADAL" clId="{D38D4B8B-445C-754F-A08B-CFCB37CCC2E2}" dt="2023-03-14T12:49:28.623" v="1354" actId="478"/>
+          <ac:spMkLst>
+            <pc:docMk/>
+            <pc:sldMk cId="2174932521" sldId="10546"/>
+            <ac:spMk id="4" creationId="{80D92B32-5B65-44AA-8F03-F2A8649970C0}"/>
+          </ac:spMkLst>
+        </pc:spChg>
+        <pc:spChg chg="del mod ord">
+          <ac:chgData name="Hasselwander Daniel" userId="c52ad4b4-8117-4235-b9f1-fab9bcac5934" providerId="ADAL" clId="{D38D4B8B-445C-754F-A08B-CFCB37CCC2E2}" dt="2023-03-14T12:49:08.384" v="1317" actId="478"/>
+          <ac:spMkLst>
+            <pc:docMk/>
+            <pc:sldMk cId="2174932521" sldId="10546"/>
+            <ac:spMk id="5" creationId="{2B2A5ACC-8876-8562-0CF0-4D95718D1516}"/>
+          </ac:spMkLst>
+        </pc:spChg>
+        <pc:spChg chg="mod ord">
+          <ac:chgData name="Hasselwander Daniel" userId="c52ad4b4-8117-4235-b9f1-fab9bcac5934" providerId="ADAL" clId="{D38D4B8B-445C-754F-A08B-CFCB37CCC2E2}" dt="2023-03-14T12:47:54.628" v="1291" actId="26606"/>
+          <ac:spMkLst>
+            <pc:docMk/>
+            <pc:sldMk cId="2174932521" sldId="10546"/>
+            <ac:spMk id="6" creationId="{684A0A98-418F-699A-B739-985CC5B81A8B}"/>
+          </ac:spMkLst>
+        </pc:spChg>
+        <pc:spChg chg="mod ord">
+          <ac:chgData name="Hasselwander Daniel" userId="c52ad4b4-8117-4235-b9f1-fab9bcac5934" providerId="ADAL" clId="{D38D4B8B-445C-754F-A08B-CFCB37CCC2E2}" dt="2023-03-14T12:47:54.641" v="1292" actId="26606"/>
+          <ac:spMkLst>
+            <pc:docMk/>
+            <pc:sldMk cId="2174932521" sldId="10546"/>
+            <ac:spMk id="10" creationId="{D0D3C6FB-C02D-E50F-5590-A3ADF7C00D8F}"/>
+          </ac:spMkLst>
+        </pc:spChg>
+        <pc:spChg chg="del mod ord">
+          <ac:chgData name="Hasselwander Daniel" userId="c52ad4b4-8117-4235-b9f1-fab9bcac5934" providerId="ADAL" clId="{D38D4B8B-445C-754F-A08B-CFCB37CCC2E2}" dt="2023-03-14T12:49:07.248" v="1316" actId="478"/>
+          <ac:spMkLst>
+            <pc:docMk/>
+            <pc:sldMk cId="2174932521" sldId="10546"/>
+            <ac:spMk id="11" creationId="{21834C15-B39B-CA2C-7F10-17FFC602C545}"/>
+          </ac:spMkLst>
+        </pc:spChg>
+        <pc:spChg chg="del">
+          <ac:chgData name="Hasselwander Daniel" userId="c52ad4b4-8117-4235-b9f1-fab9bcac5934" providerId="ADAL" clId="{D38D4B8B-445C-754F-A08B-CFCB37CCC2E2}" dt="2023-03-14T12:47:23.127" v="1282" actId="478"/>
+          <ac:spMkLst>
+            <pc:docMk/>
+            <pc:sldMk cId="2174932521" sldId="10546"/>
+            <ac:spMk id="12" creationId="{F1F698D5-F597-A8FB-837B-5986C6717184}"/>
+          </ac:spMkLst>
+        </pc:spChg>
+        <pc:spChg chg="mod ord">
+          <ac:chgData name="Hasselwander Daniel" userId="c52ad4b4-8117-4235-b9f1-fab9bcac5934" providerId="ADAL" clId="{D38D4B8B-445C-754F-A08B-CFCB37CCC2E2}" dt="2023-03-14T12:47:54.641" v="1292" actId="26606"/>
+          <ac:spMkLst>
+            <pc:docMk/>
+            <pc:sldMk cId="2174932521" sldId="10546"/>
+            <ac:spMk id="15" creationId="{1BD9B7C1-5860-C447-7FC6-D510200F75A2}"/>
+          </ac:spMkLst>
+        </pc:spChg>
+        <pc:spChg chg="add del mod">
+          <ac:chgData name="Hasselwander Daniel" userId="c52ad4b4-8117-4235-b9f1-fab9bcac5934" providerId="ADAL" clId="{D38D4B8B-445C-754F-A08B-CFCB37CCC2E2}" dt="2023-03-14T12:47:36.161" v="1284" actId="26606"/>
+          <ac:spMkLst>
+            <pc:docMk/>
+            <pc:sldMk cId="2174932521" sldId="10546"/>
+            <ac:spMk id="42" creationId="{4248031C-1ACE-21BF-C6F2-820C8D9A82C2}"/>
+          </ac:spMkLst>
+        </pc:spChg>
+        <pc:spChg chg="add del mod">
+          <ac:chgData name="Hasselwander Daniel" userId="c52ad4b4-8117-4235-b9f1-fab9bcac5934" providerId="ADAL" clId="{D38D4B8B-445C-754F-A08B-CFCB37CCC2E2}" dt="2023-03-14T12:47:36.161" v="1284" actId="26606"/>
+          <ac:spMkLst>
+            <pc:docMk/>
+            <pc:sldMk cId="2174932521" sldId="10546"/>
+            <ac:spMk id="44" creationId="{A1E000EF-5DD3-C760-B8DC-5AE2AE76204F}"/>
+          </ac:spMkLst>
+        </pc:spChg>
+        <pc:spChg chg="add del mod">
+          <ac:chgData name="Hasselwander Daniel" userId="c52ad4b4-8117-4235-b9f1-fab9bcac5934" providerId="ADAL" clId="{D38D4B8B-445C-754F-A08B-CFCB37CCC2E2}" dt="2023-03-14T12:47:36.161" v="1284" actId="26606"/>
+          <ac:spMkLst>
+            <pc:docMk/>
+            <pc:sldMk cId="2174932521" sldId="10546"/>
+            <ac:spMk id="46" creationId="{6D51FEF0-82D3-EA42-BF8E-9240EC749AF1}"/>
+          </ac:spMkLst>
+        </pc:spChg>
+        <pc:spChg chg="add del mod">
+          <ac:chgData name="Hasselwander Daniel" userId="c52ad4b4-8117-4235-b9f1-fab9bcac5934" providerId="ADAL" clId="{D38D4B8B-445C-754F-A08B-CFCB37CCC2E2}" dt="2023-03-14T12:47:37.529" v="1286" actId="26606"/>
+          <ac:spMkLst>
+            <pc:docMk/>
+            <pc:sldMk cId="2174932521" sldId="10546"/>
+            <ac:spMk id="48" creationId="{B8393D5F-297F-7008-865D-BBBE7910C635}"/>
+          </ac:spMkLst>
+        </pc:spChg>
+        <pc:spChg chg="add del mod">
+          <ac:chgData name="Hasselwander Daniel" userId="c52ad4b4-8117-4235-b9f1-fab9bcac5934" providerId="ADAL" clId="{D38D4B8B-445C-754F-A08B-CFCB37CCC2E2}" dt="2023-03-14T12:47:37.529" v="1286" actId="26606"/>
+          <ac:spMkLst>
+            <pc:docMk/>
+            <pc:sldMk cId="2174932521" sldId="10546"/>
+            <ac:spMk id="49" creationId="{3E237EA3-6575-CADB-3BDC-E543717CDB3F}"/>
+          </ac:spMkLst>
+        </pc:spChg>
+        <pc:spChg chg="add del mod">
+          <ac:chgData name="Hasselwander Daniel" userId="c52ad4b4-8117-4235-b9f1-fab9bcac5934" providerId="ADAL" clId="{D38D4B8B-445C-754F-A08B-CFCB37CCC2E2}" dt="2023-03-14T12:47:37.529" v="1286" actId="26606"/>
+          <ac:spMkLst>
+            <pc:docMk/>
+            <pc:sldMk cId="2174932521" sldId="10546"/>
+            <ac:spMk id="50" creationId="{FDE51AE1-6234-A9FA-2F4E-B509CE6EBD27}"/>
+          </ac:spMkLst>
+        </pc:spChg>
+        <pc:spChg chg="add del mod">
+          <ac:chgData name="Hasselwander Daniel" userId="c52ad4b4-8117-4235-b9f1-fab9bcac5934" providerId="ADAL" clId="{D38D4B8B-445C-754F-A08B-CFCB37CCC2E2}" dt="2023-03-14T12:47:37.529" v="1286" actId="26606"/>
+          <ac:spMkLst>
+            <pc:docMk/>
+            <pc:sldMk cId="2174932521" sldId="10546"/>
+            <ac:spMk id="51" creationId="{5439BEE9-33AE-11CC-406F-775CFD8F6BFE}"/>
+          </ac:spMkLst>
+        </pc:spChg>
+        <pc:spChg chg="add del mod">
+          <ac:chgData name="Hasselwander Daniel" userId="c52ad4b4-8117-4235-b9f1-fab9bcac5934" providerId="ADAL" clId="{D38D4B8B-445C-754F-A08B-CFCB37CCC2E2}" dt="2023-03-14T12:47:37.529" v="1286" actId="26606"/>
+          <ac:spMkLst>
+            <pc:docMk/>
+            <pc:sldMk cId="2174932521" sldId="10546"/>
+            <ac:spMk id="52" creationId="{F461A3FB-1318-DCA7-31E5-4A733B77E202}"/>
+          </ac:spMkLst>
+        </pc:spChg>
+        <pc:spChg chg="add del mod">
+          <ac:chgData name="Hasselwander Daniel" userId="c52ad4b4-8117-4235-b9f1-fab9bcac5934" providerId="ADAL" clId="{D38D4B8B-445C-754F-A08B-CFCB37CCC2E2}" dt="2023-03-14T12:47:38.761" v="1288" actId="26606"/>
+          <ac:spMkLst>
+            <pc:docMk/>
+            <pc:sldMk cId="2174932521" sldId="10546"/>
+            <ac:spMk id="54" creationId="{333FC8D4-5DA4-2D61-8342-1B80DF99CFEF}"/>
+          </ac:spMkLst>
+        </pc:spChg>
+        <pc:spChg chg="add del mod">
+          <ac:chgData name="Hasselwander Daniel" userId="c52ad4b4-8117-4235-b9f1-fab9bcac5934" providerId="ADAL" clId="{D38D4B8B-445C-754F-A08B-CFCB37CCC2E2}" dt="2023-03-14T12:47:38.761" v="1288" actId="26606"/>
+          <ac:spMkLst>
+            <pc:docMk/>
+            <pc:sldMk cId="2174932521" sldId="10546"/>
+            <ac:spMk id="55" creationId="{8F618E76-824B-C991-0824-2748198C388F}"/>
+          </ac:spMkLst>
+        </pc:spChg>
+        <pc:spChg chg="add del mod">
+          <ac:chgData name="Hasselwander Daniel" userId="c52ad4b4-8117-4235-b9f1-fab9bcac5934" providerId="ADAL" clId="{D38D4B8B-445C-754F-A08B-CFCB37CCC2E2}" dt="2023-03-14T12:47:38.761" v="1288" actId="26606"/>
+          <ac:spMkLst>
+            <pc:docMk/>
+            <pc:sldMk cId="2174932521" sldId="10546"/>
+            <ac:spMk id="56" creationId="{0E6619A9-C08F-2A06-ABB6-AB21F05FE2CF}"/>
+          </ac:spMkLst>
+        </pc:spChg>
+        <pc:spChg chg="add del mod">
+          <ac:chgData name="Hasselwander Daniel" userId="c52ad4b4-8117-4235-b9f1-fab9bcac5934" providerId="ADAL" clId="{D38D4B8B-445C-754F-A08B-CFCB37CCC2E2}" dt="2023-03-14T12:47:38.761" v="1288" actId="26606"/>
+          <ac:spMkLst>
+            <pc:docMk/>
+            <pc:sldMk cId="2174932521" sldId="10546"/>
+            <ac:spMk id="57" creationId="{C04D6638-7A83-F260-6EE4-1B5A0414E828}"/>
+          </ac:spMkLst>
+        </pc:spChg>
+        <pc:spChg chg="add del mod">
+          <ac:chgData name="Hasselwander Daniel" userId="c52ad4b4-8117-4235-b9f1-fab9bcac5934" providerId="ADAL" clId="{D38D4B8B-445C-754F-A08B-CFCB37CCC2E2}" dt="2023-03-14T12:47:38.761" v="1288" actId="26606"/>
+          <ac:spMkLst>
+            <pc:docMk/>
+            <pc:sldMk cId="2174932521" sldId="10546"/>
+            <ac:spMk id="58" creationId="{E19DD74F-0C9E-9DBF-33F4-268330E07D20}"/>
+          </ac:spMkLst>
+        </pc:spChg>
+        <pc:spChg chg="add del mod">
+          <ac:chgData name="Hasselwander Daniel" userId="c52ad4b4-8117-4235-b9f1-fab9bcac5934" providerId="ADAL" clId="{D38D4B8B-445C-754F-A08B-CFCB37CCC2E2}" dt="2023-03-14T12:47:38.761" v="1288" actId="26606"/>
+          <ac:spMkLst>
+            <pc:docMk/>
+            <pc:sldMk cId="2174932521" sldId="10546"/>
+            <ac:spMk id="59" creationId="{CB5DBFA9-22CA-CC31-A4A6-C1F1C6D1C85D}"/>
+          </ac:spMkLst>
+        </pc:spChg>
+        <pc:spChg chg="add del mod">
+          <ac:chgData name="Hasselwander Daniel" userId="c52ad4b4-8117-4235-b9f1-fab9bcac5934" providerId="ADAL" clId="{D38D4B8B-445C-754F-A08B-CFCB37CCC2E2}" dt="2023-03-14T12:47:38.761" v="1288" actId="26606"/>
+          <ac:spMkLst>
+            <pc:docMk/>
+            <pc:sldMk cId="2174932521" sldId="10546"/>
+            <ac:spMk id="60" creationId="{21D026AC-DD55-E759-2807-22E29998C982}"/>
+          </ac:spMkLst>
+        </pc:spChg>
+        <pc:spChg chg="add del mod">
+          <ac:chgData name="Hasselwander Daniel" userId="c52ad4b4-8117-4235-b9f1-fab9bcac5934" providerId="ADAL" clId="{D38D4B8B-445C-754F-A08B-CFCB37CCC2E2}" dt="2023-03-14T12:47:38.761" v="1288" actId="26606"/>
+          <ac:spMkLst>
+            <pc:docMk/>
+            <pc:sldMk cId="2174932521" sldId="10546"/>
+            <ac:spMk id="61" creationId="{6291F9C8-B46B-3DCE-E52B-AD4BE4CDA01B}"/>
+          </ac:spMkLst>
+        </pc:spChg>
+        <pc:spChg chg="add del mod">
+          <ac:chgData name="Hasselwander Daniel" userId="c52ad4b4-8117-4235-b9f1-fab9bcac5934" providerId="ADAL" clId="{D38D4B8B-445C-754F-A08B-CFCB37CCC2E2}" dt="2023-03-14T12:47:38.761" v="1288" actId="26606"/>
+          <ac:spMkLst>
+            <pc:docMk/>
+            <pc:sldMk cId="2174932521" sldId="10546"/>
+            <ac:spMk id="62" creationId="{A214B312-7051-4D6D-6387-667A36CD05EF}"/>
+          </ac:spMkLst>
+        </pc:spChg>
+        <pc:spChg chg="add del mod">
+          <ac:chgData name="Hasselwander Daniel" userId="c52ad4b4-8117-4235-b9f1-fab9bcac5934" providerId="ADAL" clId="{D38D4B8B-445C-754F-A08B-CFCB37CCC2E2}" dt="2023-03-14T12:47:38.761" v="1288" actId="26606"/>
+          <ac:spMkLst>
+            <pc:docMk/>
+            <pc:sldMk cId="2174932521" sldId="10546"/>
+            <ac:spMk id="63" creationId="{C18C38C8-DD6F-5B3F-C069-F7C5269C5FA6}"/>
+          </ac:spMkLst>
+        </pc:spChg>
+        <pc:spChg chg="add del mod">
+          <ac:chgData name="Hasselwander Daniel" userId="c52ad4b4-8117-4235-b9f1-fab9bcac5934" providerId="ADAL" clId="{D38D4B8B-445C-754F-A08B-CFCB37CCC2E2}" dt="2023-03-14T12:47:38.761" v="1288" actId="26606"/>
+          <ac:spMkLst>
+            <pc:docMk/>
+            <pc:sldMk cId="2174932521" sldId="10546"/>
+            <ac:spMk id="64" creationId="{DF045A85-CA18-57AF-9C55-1D9DBD203296}"/>
+          </ac:spMkLst>
+        </pc:spChg>
+        <pc:spChg chg="add del mod">
+          <ac:chgData name="Hasselwander Daniel" userId="c52ad4b4-8117-4235-b9f1-fab9bcac5934" providerId="ADAL" clId="{D38D4B8B-445C-754F-A08B-CFCB37CCC2E2}" dt="2023-03-14T12:47:38.761" v="1288" actId="26606"/>
+          <ac:spMkLst>
+            <pc:docMk/>
+            <pc:sldMk cId="2174932521" sldId="10546"/>
+            <ac:spMk id="65" creationId="{38EC8276-DA59-5C46-D356-CD2634B84EDE}"/>
+          </ac:spMkLst>
+        </pc:spChg>
+        <pc:spChg chg="add del mod">
+          <ac:chgData name="Hasselwander Daniel" userId="c52ad4b4-8117-4235-b9f1-fab9bcac5934" providerId="ADAL" clId="{D38D4B8B-445C-754F-A08B-CFCB37CCC2E2}" dt="2023-03-14T12:47:38.761" v="1288" actId="26606"/>
+          <ac:spMkLst>
+            <pc:docMk/>
+            <pc:sldMk cId="2174932521" sldId="10546"/>
+            <ac:spMk id="66" creationId="{B9994CDB-F943-472D-569F-5BB37A784B94}"/>
+          </ac:spMkLst>
+        </pc:spChg>
+        <pc:spChg chg="add del mod">
+          <ac:chgData name="Hasselwander Daniel" userId="c52ad4b4-8117-4235-b9f1-fab9bcac5934" providerId="ADAL" clId="{D38D4B8B-445C-754F-A08B-CFCB37CCC2E2}" dt="2023-03-14T12:47:38.761" v="1288" actId="26606"/>
+          <ac:spMkLst>
+            <pc:docMk/>
+            <pc:sldMk cId="2174932521" sldId="10546"/>
+            <ac:spMk id="68" creationId="{D09F855E-4416-9720-4DA1-C40E896CDE90}"/>
+          </ac:spMkLst>
+        </pc:spChg>
+        <pc:spChg chg="add del mod">
+          <ac:chgData name="Hasselwander Daniel" userId="c52ad4b4-8117-4235-b9f1-fab9bcac5934" providerId="ADAL" clId="{D38D4B8B-445C-754F-A08B-CFCB37CCC2E2}" dt="2023-03-14T12:47:38.761" v="1288" actId="26606"/>
+          <ac:spMkLst>
+            <pc:docMk/>
+            <pc:sldMk cId="2174932521" sldId="10546"/>
+            <ac:spMk id="70" creationId="{95F2B527-D59D-8695-9BAE-99B0AAB07B70}"/>
+          </ac:spMkLst>
+        </pc:spChg>
+        <pc:spChg chg="add del mod">
+          <ac:chgData name="Hasselwander Daniel" userId="c52ad4b4-8117-4235-b9f1-fab9bcac5934" providerId="ADAL" clId="{D38D4B8B-445C-754F-A08B-CFCB37CCC2E2}" dt="2023-03-14T12:47:38.761" v="1288" actId="26606"/>
+          <ac:spMkLst>
+            <pc:docMk/>
+            <pc:sldMk cId="2174932521" sldId="10546"/>
+            <ac:spMk id="72" creationId="{8F363684-0D19-D0DD-1F8E-032BF2D57410}"/>
+          </ac:spMkLst>
+        </pc:spChg>
+        <pc:spChg chg="add del mod">
+          <ac:chgData name="Hasselwander Daniel" userId="c52ad4b4-8117-4235-b9f1-fab9bcac5934" providerId="ADAL" clId="{D38D4B8B-445C-754F-A08B-CFCB37CCC2E2}" dt="2023-03-14T12:47:38.761" v="1288" actId="26606"/>
+          <ac:spMkLst>
+            <pc:docMk/>
+            <pc:sldMk cId="2174932521" sldId="10546"/>
+            <ac:spMk id="74" creationId="{80A3DAEA-C960-DE3F-F4D6-3F30EB01839B}"/>
+          </ac:spMkLst>
+        </pc:spChg>
+        <pc:spChg chg="add mod">
+          <ac:chgData name="Hasselwander Daniel" userId="c52ad4b4-8117-4235-b9f1-fab9bcac5934" providerId="ADAL" clId="{D38D4B8B-445C-754F-A08B-CFCB37CCC2E2}" dt="2023-03-14T12:47:54.641" v="1292" actId="26606"/>
+          <ac:spMkLst>
+            <pc:docMk/>
+            <pc:sldMk cId="2174932521" sldId="10546"/>
+            <ac:spMk id="76" creationId="{3E237EA3-6575-CADB-3BDC-E543717CDB3F}"/>
+          </ac:spMkLst>
+        </pc:spChg>
+        <pc:spChg chg="add mod">
+          <ac:chgData name="Hasselwander Daniel" userId="c52ad4b4-8117-4235-b9f1-fab9bcac5934" providerId="ADAL" clId="{D38D4B8B-445C-754F-A08B-CFCB37CCC2E2}" dt="2023-03-14T12:47:54.641" v="1292" actId="26606"/>
+          <ac:spMkLst>
+            <pc:docMk/>
+            <pc:sldMk cId="2174932521" sldId="10546"/>
+            <ac:spMk id="77" creationId="{5439BEE9-33AE-11CC-406F-775CFD8F6BFE}"/>
+          </ac:spMkLst>
+        </pc:spChg>
+        <pc:spChg chg="add del mod">
+          <ac:chgData name="Hasselwander Daniel" userId="c52ad4b4-8117-4235-b9f1-fab9bcac5934" providerId="ADAL" clId="{D38D4B8B-445C-754F-A08B-CFCB37CCC2E2}" dt="2023-03-14T12:47:54.641" v="1292" actId="26606"/>
+          <ac:spMkLst>
+            <pc:docMk/>
+            <pc:sldMk cId="2174932521" sldId="10546"/>
+            <ac:spMk id="78" creationId="{F461A3FB-1318-DCA7-31E5-4A733B77E202}"/>
+          </ac:spMkLst>
+        </pc:spChg>
+        <pc:spChg chg="add del mod">
+          <ac:chgData name="Hasselwander Daniel" userId="c52ad4b4-8117-4235-b9f1-fab9bcac5934" providerId="ADAL" clId="{D38D4B8B-445C-754F-A08B-CFCB37CCC2E2}" dt="2023-03-14T12:47:54.641" v="1292" actId="26606"/>
+          <ac:spMkLst>
+            <pc:docMk/>
+            <pc:sldMk cId="2174932521" sldId="10546"/>
+            <ac:spMk id="79" creationId="{B8393D5F-297F-7008-865D-BBBE7910C635}"/>
+          </ac:spMkLst>
+        </pc:spChg>
+        <pc:spChg chg="add del mod">
+          <ac:chgData name="Hasselwander Daniel" userId="c52ad4b4-8117-4235-b9f1-fab9bcac5934" providerId="ADAL" clId="{D38D4B8B-445C-754F-A08B-CFCB37CCC2E2}" dt="2023-03-14T12:47:54.641" v="1292" actId="26606"/>
+          <ac:spMkLst>
+            <pc:docMk/>
+            <pc:sldMk cId="2174932521" sldId="10546"/>
+            <ac:spMk id="80" creationId="{FDE51AE1-6234-A9FA-2F4E-B509CE6EBD27}"/>
+          </ac:spMkLst>
+        </pc:spChg>
+        <pc:spChg chg="add del mod">
+          <ac:chgData name="Hasselwander Daniel" userId="c52ad4b4-8117-4235-b9f1-fab9bcac5934" providerId="ADAL" clId="{D38D4B8B-445C-754F-A08B-CFCB37CCC2E2}" dt="2023-03-14T12:47:54.628" v="1291" actId="26606"/>
+          <ac:spMkLst>
+            <pc:docMk/>
+            <pc:sldMk cId="2174932521" sldId="10546"/>
+            <ac:spMk id="85" creationId="{58D2253D-07DF-C29B-5E8A-49120F993D71}"/>
+          </ac:spMkLst>
+        </pc:spChg>
+        <pc:spChg chg="add del mod">
+          <ac:chgData name="Hasselwander Daniel" userId="c52ad4b4-8117-4235-b9f1-fab9bcac5934" providerId="ADAL" clId="{D38D4B8B-445C-754F-A08B-CFCB37CCC2E2}" dt="2023-03-14T12:47:54.628" v="1291" actId="26606"/>
+          <ac:spMkLst>
+            <pc:docMk/>
+            <pc:sldMk cId="2174932521" sldId="10546"/>
+            <ac:spMk id="87" creationId="{1BB9D0C6-37A6-CD0D-35E1-606C91D52B9B}"/>
+          </ac:spMkLst>
+        </pc:spChg>
+        <pc:spChg chg="add del mod">
+          <ac:chgData name="Hasselwander Daniel" userId="c52ad4b4-8117-4235-b9f1-fab9bcac5934" providerId="ADAL" clId="{D38D4B8B-445C-754F-A08B-CFCB37CCC2E2}" dt="2023-03-14T12:47:54.628" v="1291" actId="26606"/>
+          <ac:spMkLst>
+            <pc:docMk/>
+            <pc:sldMk cId="2174932521" sldId="10546"/>
+            <ac:spMk id="89" creationId="{3B2FCF1B-8797-190D-84AC-757367470C03}"/>
+          </ac:spMkLst>
+        </pc:spChg>
+        <pc:spChg chg="add del mod">
+          <ac:chgData name="Hasselwander Daniel" userId="c52ad4b4-8117-4235-b9f1-fab9bcac5934" providerId="ADAL" clId="{D38D4B8B-445C-754F-A08B-CFCB37CCC2E2}" dt="2023-03-14T12:47:54.628" v="1291" actId="26606"/>
+          <ac:spMkLst>
+            <pc:docMk/>
+            <pc:sldMk cId="2174932521" sldId="10546"/>
+            <ac:spMk id="91" creationId="{E413375C-F6AB-C78E-9F0E-F9F971B55704}"/>
+          </ac:spMkLst>
+        </pc:spChg>
+        <pc:spChg chg="add del mod">
+          <ac:chgData name="Hasselwander Daniel" userId="c52ad4b4-8117-4235-b9f1-fab9bcac5934" providerId="ADAL" clId="{D38D4B8B-445C-754F-A08B-CFCB37CCC2E2}" dt="2023-03-14T12:47:54.628" v="1291" actId="26606"/>
+          <ac:spMkLst>
+            <pc:docMk/>
+            <pc:sldMk cId="2174932521" sldId="10546"/>
+            <ac:spMk id="93" creationId="{3C6AF4AD-AA4D-6A3F-53F6-F73305E56125}"/>
+          </ac:spMkLst>
+        </pc:spChg>
+        <pc:spChg chg="add del mod">
+          <ac:chgData name="Hasselwander Daniel" userId="c52ad4b4-8117-4235-b9f1-fab9bcac5934" providerId="ADAL" clId="{D38D4B8B-445C-754F-A08B-CFCB37CCC2E2}" dt="2023-03-14T12:47:54.628" v="1291" actId="26606"/>
+          <ac:spMkLst>
+            <pc:docMk/>
+            <pc:sldMk cId="2174932521" sldId="10546"/>
+            <ac:spMk id="95" creationId="{E0FE26F4-5765-52F5-5878-4811028D678F}"/>
+          </ac:spMkLst>
+        </pc:spChg>
+        <pc:spChg chg="add del mod">
+          <ac:chgData name="Hasselwander Daniel" userId="c52ad4b4-8117-4235-b9f1-fab9bcac5934" providerId="ADAL" clId="{D38D4B8B-445C-754F-A08B-CFCB37CCC2E2}" dt="2023-03-14T12:47:54.628" v="1291" actId="26606"/>
+          <ac:spMkLst>
+            <pc:docMk/>
+            <pc:sldMk cId="2174932521" sldId="10546"/>
+            <ac:spMk id="97" creationId="{F80D867E-60DC-4275-6ED8-BD1F55272F94}"/>
+          </ac:spMkLst>
+        </pc:spChg>
+        <pc:spChg chg="add del mod">
+          <ac:chgData name="Hasselwander Daniel" userId="c52ad4b4-8117-4235-b9f1-fab9bcac5934" providerId="ADAL" clId="{D38D4B8B-445C-754F-A08B-CFCB37CCC2E2}" dt="2023-03-14T12:47:54.628" v="1291" actId="26606"/>
+          <ac:spMkLst>
+            <pc:docMk/>
+            <pc:sldMk cId="2174932521" sldId="10546"/>
+            <ac:spMk id="99" creationId="{E7F55D47-6D37-A173-A987-269C9DDBB03D}"/>
+          </ac:spMkLst>
+        </pc:spChg>
+        <pc:spChg chg="add del mod">
+          <ac:chgData name="Hasselwander Daniel" userId="c52ad4b4-8117-4235-b9f1-fab9bcac5934" providerId="ADAL" clId="{D38D4B8B-445C-754F-A08B-CFCB37CCC2E2}" dt="2023-03-14T12:47:54.628" v="1291" actId="26606"/>
+          <ac:spMkLst>
+            <pc:docMk/>
+            <pc:sldMk cId="2174932521" sldId="10546"/>
+            <ac:spMk id="101" creationId="{0120FBB4-A411-68EB-3DF0-92CE397E12D4}"/>
+          </ac:spMkLst>
+        </pc:spChg>
+        <pc:spChg chg="add del mod">
+          <ac:chgData name="Hasselwander Daniel" userId="c52ad4b4-8117-4235-b9f1-fab9bcac5934" providerId="ADAL" clId="{D38D4B8B-445C-754F-A08B-CFCB37CCC2E2}" dt="2023-03-14T12:47:54.628" v="1291" actId="26606"/>
+          <ac:spMkLst>
+            <pc:docMk/>
+            <pc:sldMk cId="2174932521" sldId="10546"/>
+            <ac:spMk id="103" creationId="{1EB4B01F-BD0A-EEA2-A748-905449A8B714}"/>
+          </ac:spMkLst>
+        </pc:spChg>
+        <pc:spChg chg="add del mod">
+          <ac:chgData name="Hasselwander Daniel" userId="c52ad4b4-8117-4235-b9f1-fab9bcac5934" providerId="ADAL" clId="{D38D4B8B-445C-754F-A08B-CFCB37CCC2E2}" dt="2023-03-14T12:47:54.628" v="1291" actId="26606"/>
+          <ac:spMkLst>
+            <pc:docMk/>
+            <pc:sldMk cId="2174932521" sldId="10546"/>
+            <ac:spMk id="105" creationId="{08C322B3-9083-5B5B-EF34-213218BDB0A6}"/>
+          </ac:spMkLst>
+        </pc:spChg>
+        <pc:spChg chg="add del mod">
+          <ac:chgData name="Hasselwander Daniel" userId="c52ad4b4-8117-4235-b9f1-fab9bcac5934" providerId="ADAL" clId="{D38D4B8B-445C-754F-A08B-CFCB37CCC2E2}" dt="2023-03-14T12:47:54.628" v="1291" actId="26606"/>
+          <ac:spMkLst>
+            <pc:docMk/>
+            <pc:sldMk cId="2174932521" sldId="10546"/>
+            <ac:spMk id="107" creationId="{1DF4359F-5B6B-B217-22DE-3005E247F4F6}"/>
+          </ac:spMkLst>
+        </pc:spChg>
+        <pc:spChg chg="add del mod">
+          <ac:chgData name="Hasselwander Daniel" userId="c52ad4b4-8117-4235-b9f1-fab9bcac5934" providerId="ADAL" clId="{D38D4B8B-445C-754F-A08B-CFCB37CCC2E2}" dt="2023-03-14T12:47:54.628" v="1291" actId="26606"/>
+          <ac:spMkLst>
+            <pc:docMk/>
+            <pc:sldMk cId="2174932521" sldId="10546"/>
+            <ac:spMk id="109" creationId="{35AB4FC3-C14A-010C-A439-BA240D850C0F}"/>
+          </ac:spMkLst>
+        </pc:spChg>
+        <pc:spChg chg="add del mod">
+          <ac:chgData name="Hasselwander Daniel" userId="c52ad4b4-8117-4235-b9f1-fab9bcac5934" providerId="ADAL" clId="{D38D4B8B-445C-754F-A08B-CFCB37CCC2E2}" dt="2023-03-14T12:47:54.628" v="1291" actId="26606"/>
+          <ac:spMkLst>
+            <pc:docMk/>
+            <pc:sldMk cId="2174932521" sldId="10546"/>
+            <ac:spMk id="111" creationId="{139CBFD0-90BF-0303-A498-6BC025A165C4}"/>
+          </ac:spMkLst>
+        </pc:spChg>
+        <pc:spChg chg="add del mod">
+          <ac:chgData name="Hasselwander Daniel" userId="c52ad4b4-8117-4235-b9f1-fab9bcac5934" providerId="ADAL" clId="{D38D4B8B-445C-754F-A08B-CFCB37CCC2E2}" dt="2023-03-14T12:47:54.628" v="1291" actId="26606"/>
+          <ac:spMkLst>
+            <pc:docMk/>
+            <pc:sldMk cId="2174932521" sldId="10546"/>
+            <ac:spMk id="113" creationId="{01A9AB1D-7E76-ADE9-8127-66A6544BCF96}"/>
+          </ac:spMkLst>
+        </pc:spChg>
+        <pc:spChg chg="add del mod">
+          <ac:chgData name="Hasselwander Daniel" userId="c52ad4b4-8117-4235-b9f1-fab9bcac5934" providerId="ADAL" clId="{D38D4B8B-445C-754F-A08B-CFCB37CCC2E2}" dt="2023-03-14T13:03:47.036" v="1466" actId="931"/>
+          <ac:spMkLst>
+            <pc:docMk/>
+            <pc:sldMk cId="2174932521" sldId="10546"/>
+            <ac:spMk id="115" creationId="{76F184EC-977E-725B-506D-7F6CBF835DE3}"/>
+          </ac:spMkLst>
+        </pc:spChg>
+        <pc:spChg chg="add del mod">
+          <ac:chgData name="Hasselwander Daniel" userId="c52ad4b4-8117-4235-b9f1-fab9bcac5934" providerId="ADAL" clId="{D38D4B8B-445C-754F-A08B-CFCB37CCC2E2}" dt="2023-03-14T12:48:10.276" v="1295" actId="478"/>
+          <ac:spMkLst>
+            <pc:docMk/>
+            <pc:sldMk cId="2174932521" sldId="10546"/>
+            <ac:spMk id="116" creationId="{593B8CE6-7236-4AE8-ABD9-21AD2C8F1D21}"/>
+          </ac:spMkLst>
+        </pc:spChg>
+        <pc:spChg chg="add del mod">
+          <ac:chgData name="Hasselwander Daniel" userId="c52ad4b4-8117-4235-b9f1-fab9bcac5934" providerId="ADAL" clId="{D38D4B8B-445C-754F-A08B-CFCB37CCC2E2}" dt="2023-03-14T13:08:54.446" v="1533" actId="931"/>
+          <ac:spMkLst>
+            <pc:docMk/>
+            <pc:sldMk cId="2174932521" sldId="10546"/>
+            <ac:spMk id="117" creationId="{0EB53DC6-ED78-B845-B288-D266849B0276}"/>
+          </ac:spMkLst>
+        </pc:spChg>
+        <pc:spChg chg="add del mod">
+          <ac:chgData name="Hasselwander Daniel" userId="c52ad4b4-8117-4235-b9f1-fab9bcac5934" providerId="ADAL" clId="{D38D4B8B-445C-754F-A08B-CFCB37CCC2E2}" dt="2023-03-14T13:11:31.079" v="1600" actId="931"/>
+          <ac:spMkLst>
+            <pc:docMk/>
+            <pc:sldMk cId="2174932521" sldId="10546"/>
+            <ac:spMk id="118" creationId="{CFEAA792-27A1-7ECA-1621-78AAC8353C13}"/>
+          </ac:spMkLst>
+        </pc:spChg>
+        <pc:spChg chg="add mod">
+          <ac:chgData name="Hasselwander Daniel" userId="c52ad4b4-8117-4235-b9f1-fab9bcac5934" providerId="ADAL" clId="{D38D4B8B-445C-754F-A08B-CFCB37CCC2E2}" dt="2023-03-14T12:49:20.455" v="1352" actId="20577"/>
+          <ac:spMkLst>
+            <pc:docMk/>
+            <pc:sldMk cId="2174932521" sldId="10546"/>
+            <ac:spMk id="119" creationId="{0ACC9D12-C51E-C8D4-47C8-AB4355067613}"/>
+          </ac:spMkLst>
+        </pc:spChg>
+        <pc:spChg chg="add del mod">
+          <ac:chgData name="Hasselwander Daniel" userId="c52ad4b4-8117-4235-b9f1-fab9bcac5934" providerId="ADAL" clId="{D38D4B8B-445C-754F-A08B-CFCB37CCC2E2}" dt="2023-03-14T12:49:24.911" v="1353" actId="478"/>
+          <ac:spMkLst>
+            <pc:docMk/>
+            <pc:sldMk cId="2174932521" sldId="10546"/>
+            <ac:spMk id="120" creationId="{BE3550CB-1C19-04F9-A5D6-95B23BE43FF9}"/>
+          </ac:spMkLst>
+        </pc:spChg>
+        <pc:spChg chg="add mod">
+          <ac:chgData name="Hasselwander Daniel" userId="c52ad4b4-8117-4235-b9f1-fab9bcac5934" providerId="ADAL" clId="{D38D4B8B-445C-754F-A08B-CFCB37CCC2E2}" dt="2023-03-14T12:49:01.870" v="1315" actId="20577"/>
+          <ac:spMkLst>
+            <pc:docMk/>
+            <pc:sldMk cId="2174932521" sldId="10546"/>
+            <ac:spMk id="121" creationId="{597D7639-6240-2E60-2E61-65AF5F177CB0}"/>
+          </ac:spMkLst>
+        </pc:spChg>
+        <pc:spChg chg="add del mod">
+          <ac:chgData name="Hasselwander Daniel" userId="c52ad4b4-8117-4235-b9f1-fab9bcac5934" providerId="ADAL" clId="{D38D4B8B-445C-754F-A08B-CFCB37CCC2E2}" dt="2023-03-14T12:48:32.034" v="1301" actId="478"/>
+          <ac:spMkLst>
+            <pc:docMk/>
+            <pc:sldMk cId="2174932521" sldId="10546"/>
+            <ac:spMk id="122" creationId="{4A6B1AAE-A2E3-E293-D7A7-B24F1C81E497}"/>
+          </ac:spMkLst>
+        </pc:spChg>
+        <pc:spChg chg="add del mod">
+          <ac:chgData name="Hasselwander Daniel" userId="c52ad4b4-8117-4235-b9f1-fab9bcac5934" providerId="ADAL" clId="{D38D4B8B-445C-754F-A08B-CFCB37CCC2E2}" dt="2023-03-14T12:48:01.884" v="1293" actId="478"/>
+          <ac:spMkLst>
+            <pc:docMk/>
+            <pc:sldMk cId="2174932521" sldId="10546"/>
+            <ac:spMk id="123" creationId="{DE1F1850-B5DD-4DE4-4182-4C0A7AE86EDD}"/>
+          </ac:spMkLst>
+        </pc:spChg>
+        <pc:spChg chg="add del mod">
+          <ac:chgData name="Hasselwander Daniel" userId="c52ad4b4-8117-4235-b9f1-fab9bcac5934" providerId="ADAL" clId="{D38D4B8B-445C-754F-A08B-CFCB37CCC2E2}" dt="2023-03-14T12:48:06.024" v="1294" actId="478"/>
+          <ac:spMkLst>
+            <pc:docMk/>
+            <pc:sldMk cId="2174932521" sldId="10546"/>
+            <ac:spMk id="124" creationId="{AF82734E-0627-6F24-BB9D-D0A5D8AE8D2C}"/>
+          </ac:spMkLst>
+        </pc:spChg>
+        <pc:spChg chg="add del mod">
+          <ac:chgData name="Hasselwander Daniel" userId="c52ad4b4-8117-4235-b9f1-fab9bcac5934" providerId="ADAL" clId="{D38D4B8B-445C-754F-A08B-CFCB37CCC2E2}" dt="2023-03-14T12:48:13.651" v="1296" actId="478"/>
+          <ac:spMkLst>
+            <pc:docMk/>
+            <pc:sldMk cId="2174932521" sldId="10546"/>
+            <ac:spMk id="125" creationId="{1B29BE7A-4065-33B9-2486-204EED4CA653}"/>
+          </ac:spMkLst>
+        </pc:spChg>
+        <pc:picChg chg="add mod">
+          <ac:chgData name="Hasselwander Daniel" userId="c52ad4b4-8117-4235-b9f1-fab9bcac5934" providerId="ADAL" clId="{D38D4B8B-445C-754F-A08B-CFCB37CCC2E2}" dt="2023-03-14T12:58:23.620" v="1359" actId="571"/>
+          <ac:picMkLst>
+            <pc:docMk/>
+            <pc:sldMk cId="2174932521" sldId="10546"/>
+            <ac:picMk id="3" creationId="{6F6F5DEE-14EC-C861-F421-92CC4881893C}"/>
+          </ac:picMkLst>
+        </pc:picChg>
+        <pc:picChg chg="add mod">
+          <ac:chgData name="Hasselwander Daniel" userId="c52ad4b4-8117-4235-b9f1-fab9bcac5934" providerId="ADAL" clId="{D38D4B8B-445C-754F-A08B-CFCB37CCC2E2}" dt="2023-03-14T12:58:23.215" v="1358" actId="571"/>
+          <ac:picMkLst>
+            <pc:docMk/>
+            <pc:sldMk cId="2174932521" sldId="10546"/>
+            <ac:picMk id="7" creationId="{E31B8C88-C94A-EFAF-B079-1B98112FDEC5}"/>
+          </ac:picMkLst>
+        </pc:picChg>
+        <pc:picChg chg="add mod modCrop">
+          <ac:chgData name="Hasselwander Daniel" userId="c52ad4b4-8117-4235-b9f1-fab9bcac5934" providerId="ADAL" clId="{D38D4B8B-445C-754F-A08B-CFCB37CCC2E2}" dt="2023-03-14T13:04:00.606" v="1510" actId="18131"/>
+          <ac:picMkLst>
+            <pc:docMk/>
+            <pc:sldMk cId="2174932521" sldId="10546"/>
+            <ac:picMk id="9" creationId="{0705A87A-FF03-E083-12C7-CBD8FBCD93FB}"/>
+          </ac:picMkLst>
+        </pc:picChg>
+        <pc:picChg chg="add mod modCrop">
+          <ac:chgData name="Hasselwander Daniel" userId="c52ad4b4-8117-4235-b9f1-fab9bcac5934" providerId="ADAL" clId="{D38D4B8B-445C-754F-A08B-CFCB37CCC2E2}" dt="2023-03-14T13:09:08.281" v="1599" actId="18131"/>
+          <ac:picMkLst>
+            <pc:docMk/>
+            <pc:sldMk cId="2174932521" sldId="10546"/>
+            <ac:picMk id="14" creationId="{DDC6EF32-9FEE-4F43-6D80-7BCE61D7DCC9}"/>
+          </ac:picMkLst>
+        </pc:picChg>
+        <pc:picChg chg="add mod">
+          <ac:chgData name="Hasselwander Daniel" userId="c52ad4b4-8117-4235-b9f1-fab9bcac5934" providerId="ADAL" clId="{D38D4B8B-445C-754F-A08B-CFCB37CCC2E2}" dt="2023-03-14T13:11:31.079" v="1600" actId="931"/>
+          <ac:picMkLst>
+            <pc:docMk/>
+            <pc:sldMk cId="2174932521" sldId="10546"/>
+            <ac:picMk id="17" creationId="{CA943BB9-8402-828F-7150-B3AB75FBA356}"/>
+          </ac:picMkLst>
+        </pc:picChg>
+        <pc:picChg chg="add mod">
+          <ac:chgData name="Hasselwander Daniel" userId="c52ad4b4-8117-4235-b9f1-fab9bcac5934" providerId="ADAL" clId="{D38D4B8B-445C-754F-A08B-CFCB37CCC2E2}" dt="2023-03-14T13:11:48.418" v="1605" actId="1076"/>
+          <ac:picMkLst>
+            <pc:docMk/>
+            <pc:sldMk cId="2174932521" sldId="10546"/>
+            <ac:picMk id="19" creationId="{503C2CF4-BF3B-ADE9-74A5-07BE1CFF31ED}"/>
+          </ac:picMkLst>
+        </pc:picChg>
+        <pc:picChg chg="mod ord">
+          <ac:chgData name="Hasselwander Daniel" userId="c52ad4b4-8117-4235-b9f1-fab9bcac5934" providerId="ADAL" clId="{D38D4B8B-445C-754F-A08B-CFCB37CCC2E2}" dt="2023-03-14T12:59:34.902" v="1465" actId="18131"/>
+          <ac:picMkLst>
+            <pc:docMk/>
+            <pc:sldMk cId="2174932521" sldId="10546"/>
+            <ac:picMk id="37" creationId="{C266C303-516D-2245-88FB-5B3B9717F8F5}"/>
+          </ac:picMkLst>
+        </pc:picChg>
+      </pc:sldChg>
+      <pc:sldChg chg="add del">
+        <pc:chgData name="Hasselwander Daniel" userId="c52ad4b4-8117-4235-b9f1-fab9bcac5934" providerId="ADAL" clId="{D38D4B8B-445C-754F-A08B-CFCB37CCC2E2}" dt="2023-03-15T00:03:23.736" v="4857" actId="2696"/>
+        <pc:sldMkLst>
+          <pc:docMk/>
+          <pc:sldMk cId="2261122877" sldId="10547"/>
+        </pc:sldMkLst>
+      </pc:sldChg>
+      <pc:sldChg chg="addSp delSp modSp add mod modNotesTx">
+        <pc:chgData name="Hasselwander Daniel" userId="c52ad4b4-8117-4235-b9f1-fab9bcac5934" providerId="ADAL" clId="{D38D4B8B-445C-754F-A08B-CFCB37CCC2E2}" dt="2023-03-15T00:02:58.056" v="4856" actId="20577"/>
+        <pc:sldMkLst>
+          <pc:docMk/>
+          <pc:sldMk cId="1018578036" sldId="10548"/>
+        </pc:sldMkLst>
+        <pc:spChg chg="del">
+          <ac:chgData name="Hasselwander Daniel" userId="c52ad4b4-8117-4235-b9f1-fab9bcac5934" providerId="ADAL" clId="{D38D4B8B-445C-754F-A08B-CFCB37CCC2E2}" dt="2023-03-14T13:12:46.764" v="1617" actId="478"/>
+          <ac:spMkLst>
+            <pc:docMk/>
+            <pc:sldMk cId="1018578036" sldId="10548"/>
+            <ac:spMk id="5" creationId="{2B2A5ACC-8876-8562-0CF0-4D95718D1516}"/>
+          </ac:spMkLst>
+        </pc:spChg>
+        <pc:spChg chg="del">
+          <ac:chgData name="Hasselwander Daniel" userId="c52ad4b4-8117-4235-b9f1-fab9bcac5934" providerId="ADAL" clId="{D38D4B8B-445C-754F-A08B-CFCB37CCC2E2}" dt="2023-03-14T13:12:48.429" v="1618" actId="478"/>
+          <ac:spMkLst>
+            <pc:docMk/>
+            <pc:sldMk cId="1018578036" sldId="10548"/>
+            <ac:spMk id="6" creationId="{684A0A98-418F-699A-B739-985CC5B81A8B}"/>
+          </ac:spMkLst>
+        </pc:spChg>
+        <pc:spChg chg="add del mod">
+          <ac:chgData name="Hasselwander Daniel" userId="c52ad4b4-8117-4235-b9f1-fab9bcac5934" providerId="ADAL" clId="{D38D4B8B-445C-754F-A08B-CFCB37CCC2E2}" dt="2023-03-14T13:14:43.307" v="1672" actId="478"/>
+          <ac:spMkLst>
+            <pc:docMk/>
+            <pc:sldMk cId="1018578036" sldId="10548"/>
+            <ac:spMk id="9" creationId="{C2943B54-2578-8D15-AB70-6D46EC60F26D}"/>
+          </ac:spMkLst>
+        </pc:spChg>
+        <pc:spChg chg="del">
+          <ac:chgData name="Hasselwander Daniel" userId="c52ad4b4-8117-4235-b9f1-fab9bcac5934" providerId="ADAL" clId="{D38D4B8B-445C-754F-A08B-CFCB37CCC2E2}" dt="2023-03-14T13:12:51.292" v="1621" actId="478"/>
+          <ac:spMkLst>
+            <pc:docMk/>
+            <pc:sldMk cId="1018578036" sldId="10548"/>
+            <ac:spMk id="10" creationId="{D0D3C6FB-C02D-E50F-5590-A3ADF7C00D8F}"/>
+          </ac:spMkLst>
+        </pc:spChg>
+        <pc:spChg chg="del">
+          <ac:chgData name="Hasselwander Daniel" userId="c52ad4b4-8117-4235-b9f1-fab9bcac5934" providerId="ADAL" clId="{D38D4B8B-445C-754F-A08B-CFCB37CCC2E2}" dt="2023-03-14T13:12:51.898" v="1622" actId="478"/>
+          <ac:spMkLst>
+            <pc:docMk/>
+            <pc:sldMk cId="1018578036" sldId="10548"/>
+            <ac:spMk id="11" creationId="{21834C15-B39B-CA2C-7F10-17FFC602C545}"/>
+          </ac:spMkLst>
+        </pc:spChg>
+        <pc:spChg chg="del mod">
+          <ac:chgData name="Hasselwander Daniel" userId="c52ad4b4-8117-4235-b9f1-fab9bcac5934" providerId="ADAL" clId="{D38D4B8B-445C-754F-A08B-CFCB37CCC2E2}" dt="2023-03-14T13:12:50.354" v="1620" actId="478"/>
+          <ac:spMkLst>
+            <pc:docMk/>
+            <pc:sldMk cId="1018578036" sldId="10548"/>
+            <ac:spMk id="12" creationId="{F1F698D5-F597-A8FB-837B-5986C6717184}"/>
+          </ac:spMkLst>
+        </pc:spChg>
+        <pc:spChg chg="add del mod">
+          <ac:chgData name="Hasselwander Daniel" userId="c52ad4b4-8117-4235-b9f1-fab9bcac5934" providerId="ADAL" clId="{D38D4B8B-445C-754F-A08B-CFCB37CCC2E2}" dt="2023-03-14T13:14:32.438" v="1669" actId="478"/>
+          <ac:spMkLst>
+            <pc:docMk/>
+            <pc:sldMk cId="1018578036" sldId="10548"/>
+            <ac:spMk id="13" creationId="{03308F6C-BB3B-91CB-EDFA-ED99071C7E26}"/>
+          </ac:spMkLst>
+        </pc:spChg>
+        <pc:spChg chg="add del mod">
+          <ac:chgData name="Hasselwander Daniel" userId="c52ad4b4-8117-4235-b9f1-fab9bcac5934" providerId="ADAL" clId="{D38D4B8B-445C-754F-A08B-CFCB37CCC2E2}" dt="2023-03-14T13:13:55.965" v="1641" actId="478"/>
+          <ac:spMkLst>
+            <pc:docMk/>
+            <pc:sldMk cId="1018578036" sldId="10548"/>
+            <ac:spMk id="14" creationId="{409C9025-4C3B-A43D-8ABF-68C1E576D5D5}"/>
+          </ac:spMkLst>
+        </pc:spChg>
+        <pc:spChg chg="add mod">
+          <ac:chgData name="Hasselwander Daniel" userId="c52ad4b4-8117-4235-b9f1-fab9bcac5934" providerId="ADAL" clId="{D38D4B8B-445C-754F-A08B-CFCB37CCC2E2}" dt="2023-03-14T13:16:19.531" v="1745" actId="1038"/>
+          <ac:spMkLst>
+            <pc:docMk/>
+            <pc:sldMk cId="1018578036" sldId="10548"/>
+            <ac:spMk id="16" creationId="{21275B17-28D8-82F2-3E1C-392A52108842}"/>
+          </ac:spMkLst>
+        </pc:spChg>
+        <pc:spChg chg="add mod">
+          <ac:chgData name="Hasselwander Daniel" userId="c52ad4b4-8117-4235-b9f1-fab9bcac5934" providerId="ADAL" clId="{D38D4B8B-445C-754F-A08B-CFCB37CCC2E2}" dt="2023-03-14T13:16:22.681" v="1748" actId="1038"/>
+          <ac:spMkLst>
+            <pc:docMk/>
+            <pc:sldMk cId="1018578036" sldId="10548"/>
+            <ac:spMk id="19" creationId="{74ED64AB-CA80-5CBE-1761-0C1F7ECF8B2C}"/>
+          </ac:spMkLst>
+        </pc:spChg>
+        <pc:spChg chg="add del mod">
+          <ac:chgData name="Hasselwander Daniel" userId="c52ad4b4-8117-4235-b9f1-fab9bcac5934" providerId="ADAL" clId="{D38D4B8B-445C-754F-A08B-CFCB37CCC2E2}" dt="2023-03-14T13:13:11.748" v="1627"/>
+          <ac:spMkLst>
+            <pc:docMk/>
+            <pc:sldMk cId="1018578036" sldId="10548"/>
+            <ac:spMk id="20" creationId="{AF747DEF-75DB-9D8C-1552-92E775AA00F5}"/>
+          </ac:spMkLst>
+        </pc:spChg>
+        <pc:spChg chg="add del mod">
+          <ac:chgData name="Hasselwander Daniel" userId="c52ad4b4-8117-4235-b9f1-fab9bcac5934" providerId="ADAL" clId="{D38D4B8B-445C-754F-A08B-CFCB37CCC2E2}" dt="2023-03-14T13:13:11.748" v="1627"/>
+          <ac:spMkLst>
+            <pc:docMk/>
+            <pc:sldMk cId="1018578036" sldId="10548"/>
+            <ac:spMk id="21" creationId="{9DE9A2BE-222E-5007-1050-932366D1F0CA}"/>
+          </ac:spMkLst>
+        </pc:spChg>
+        <pc:spChg chg="add del mod">
+          <ac:chgData name="Hasselwander Daniel" userId="c52ad4b4-8117-4235-b9f1-fab9bcac5934" providerId="ADAL" clId="{D38D4B8B-445C-754F-A08B-CFCB37CCC2E2}" dt="2023-03-14T13:13:19.853" v="1629" actId="478"/>
+          <ac:spMkLst>
+            <pc:docMk/>
+            <pc:sldMk cId="1018578036" sldId="10548"/>
+            <ac:spMk id="22" creationId="{6CAB3BB4-4BAE-41F1-ED1C-8BAD1C1DD774}"/>
+          </ac:spMkLst>
+        </pc:spChg>
+        <pc:spChg chg="add mod">
+          <ac:chgData name="Hasselwander Daniel" userId="c52ad4b4-8117-4235-b9f1-fab9bcac5934" providerId="ADAL" clId="{D38D4B8B-445C-754F-A08B-CFCB37CCC2E2}" dt="2023-03-14T13:14:00.889" v="1643" actId="1076"/>
+          <ac:spMkLst>
+            <pc:docMk/>
+            <pc:sldMk cId="1018578036" sldId="10548"/>
+            <ac:spMk id="23" creationId="{6E7000A6-7AC4-6DB7-6E83-A412845B3BB3}"/>
+          </ac:spMkLst>
+        </pc:spChg>
+        <pc:spChg chg="add mod">
+          <ac:chgData name="Hasselwander Daniel" userId="c52ad4b4-8117-4235-b9f1-fab9bcac5934" providerId="ADAL" clId="{D38D4B8B-445C-754F-A08B-CFCB37CCC2E2}" dt="2023-03-14T13:14:37.273" v="1670" actId="1076"/>
+          <ac:spMkLst>
+            <pc:docMk/>
+            <pc:sldMk cId="1018578036" sldId="10548"/>
+            <ac:spMk id="24" creationId="{EFAAFD1C-FF4C-5E14-E2C9-8299CF5BE361}"/>
+          </ac:spMkLst>
+        </pc:spChg>
+        <pc:spChg chg="add mod">
+          <ac:chgData name="Hasselwander Daniel" userId="c52ad4b4-8117-4235-b9f1-fab9bcac5934" providerId="ADAL" clId="{D38D4B8B-445C-754F-A08B-CFCB37CCC2E2}" dt="2023-03-14T13:15:28.297" v="1678" actId="1037"/>
+          <ac:spMkLst>
+            <pc:docMk/>
+            <pc:sldMk cId="1018578036" sldId="10548"/>
+            <ac:spMk id="25" creationId="{328EEF79-0C87-3F52-7281-D947D7A57167}"/>
+          </ac:spMkLst>
+        </pc:spChg>
+        <pc:spChg chg="add mod">
+          <ac:chgData name="Hasselwander Daniel" userId="c52ad4b4-8117-4235-b9f1-fab9bcac5934" providerId="ADAL" clId="{D38D4B8B-445C-754F-A08B-CFCB37CCC2E2}" dt="2023-03-14T13:15:44.401" v="1735" actId="167"/>
+          <ac:spMkLst>
+            <pc:docMk/>
+            <pc:sldMk cId="1018578036" sldId="10548"/>
+            <ac:spMk id="26" creationId="{ED3247BF-4C8A-7446-8A91-BEAB69F6D628}"/>
+          </ac:spMkLst>
+        </pc:spChg>
+        <pc:spChg chg="add mod">
+          <ac:chgData name="Hasselwander Daniel" userId="c52ad4b4-8117-4235-b9f1-fab9bcac5934" providerId="ADAL" clId="{D38D4B8B-445C-754F-A08B-CFCB37CCC2E2}" dt="2023-03-14T13:16:17.202" v="1742" actId="167"/>
+          <ac:spMkLst>
+            <pc:docMk/>
+            <pc:sldMk cId="1018578036" sldId="10548"/>
+            <ac:spMk id="27" creationId="{6A10987A-FAE2-E626-20D2-35A4449516E7}"/>
+          </ac:spMkLst>
+        </pc:spChg>
+        <pc:spChg chg="add mod">
+          <ac:chgData name="Hasselwander Daniel" userId="c52ad4b4-8117-4235-b9f1-fab9bcac5934" providerId="ADAL" clId="{D38D4B8B-445C-754F-A08B-CFCB37CCC2E2}" dt="2023-03-14T13:16:13.152" v="1741" actId="167"/>
+          <ac:spMkLst>
+            <pc:docMk/>
+            <pc:sldMk cId="1018578036" sldId="10548"/>
+            <ac:spMk id="28" creationId="{DD073484-A554-8FBB-83C6-EA4E4AC5D164}"/>
+          </ac:spMkLst>
+        </pc:spChg>
+        <pc:picChg chg="add mod">
+          <ac:chgData name="Hasselwander Daniel" userId="c52ad4b4-8117-4235-b9f1-fab9bcac5934" providerId="ADAL" clId="{D38D4B8B-445C-754F-A08B-CFCB37CCC2E2}" dt="2023-03-14T17:54:19.624" v="1915" actId="1036"/>
+          <ac:picMkLst>
+            <pc:docMk/>
+            <pc:sldMk cId="1018578036" sldId="10548"/>
+            <ac:picMk id="3" creationId="{9C2056B7-A78A-E605-E100-271F2DCF1011}"/>
+          </ac:picMkLst>
+        </pc:picChg>
+        <pc:picChg chg="add mod">
+          <ac:chgData name="Hasselwander Daniel" userId="c52ad4b4-8117-4235-b9f1-fab9bcac5934" providerId="ADAL" clId="{D38D4B8B-445C-754F-A08B-CFCB37CCC2E2}" dt="2023-03-14T13:12:52.892" v="1623"/>
+          <ac:picMkLst>
+            <pc:docMk/>
+            <pc:sldMk cId="1018578036" sldId="10548"/>
+            <ac:picMk id="7" creationId="{D9B4C275-D3DC-BD48-9C89-82571D0D7379}"/>
+          </ac:picMkLst>
+        </pc:picChg>
+        <pc:picChg chg="add mod">
+          <ac:chgData name="Hasselwander Daniel" userId="c52ad4b4-8117-4235-b9f1-fab9bcac5934" providerId="ADAL" clId="{D38D4B8B-445C-754F-A08B-CFCB37CCC2E2}" dt="2023-03-14T17:54:24.270" v="1924" actId="1038"/>
+          <ac:picMkLst>
+            <pc:docMk/>
+            <pc:sldMk cId="1018578036" sldId="10548"/>
+            <ac:picMk id="8" creationId="{609FA378-09BB-AE79-5C8A-6D16231797DF}"/>
+          </ac:picMkLst>
+        </pc:picChg>
+        <pc:picChg chg="add mod">
+          <ac:chgData name="Hasselwander Daniel" userId="c52ad4b4-8117-4235-b9f1-fab9bcac5934" providerId="ADAL" clId="{D38D4B8B-445C-754F-A08B-CFCB37CCC2E2}" dt="2023-03-14T13:12:52.892" v="1623"/>
+          <ac:picMkLst>
+            <pc:docMk/>
+            <pc:sldMk cId="1018578036" sldId="10548"/>
+            <ac:picMk id="17" creationId="{242E72F0-D16F-ACDC-6EC9-2E6835D3930B}"/>
+          </ac:picMkLst>
+        </pc:picChg>
+        <pc:picChg chg="add mod">
+          <ac:chgData name="Hasselwander Daniel" userId="c52ad4b4-8117-4235-b9f1-fab9bcac5934" providerId="ADAL" clId="{D38D4B8B-445C-754F-A08B-CFCB37CCC2E2}" dt="2023-03-14T17:54:29.468" v="1928" actId="1038"/>
+          <ac:picMkLst>
+            <pc:docMk/>
+            <pc:sldMk cId="1018578036" sldId="10548"/>
+            <ac:picMk id="18" creationId="{BAD84CFB-678B-D993-6C37-61561FFDB4CF}"/>
+          </ac:picMkLst>
+        </pc:picChg>
+      </pc:sldChg>
+      <pc:sldChg chg="new del">
+        <pc:chgData name="Hasselwander Daniel" userId="c52ad4b4-8117-4235-b9f1-fab9bcac5934" providerId="ADAL" clId="{D38D4B8B-445C-754F-A08B-CFCB37CCC2E2}" dt="2023-03-14T13:12:31.965" v="1615" actId="2696"/>
+        <pc:sldMkLst>
+          <pc:docMk/>
+          <pc:sldMk cId="2503482480" sldId="10548"/>
+        </pc:sldMkLst>
+      </pc:sldChg>
+      <pc:sldChg chg="add del">
+        <pc:chgData name="Hasselwander Daniel" userId="c52ad4b4-8117-4235-b9f1-fab9bcac5934" providerId="ADAL" clId="{D38D4B8B-445C-754F-A08B-CFCB37CCC2E2}" dt="2023-03-14T17:58:49.467" v="2069"/>
+        <pc:sldMkLst>
+          <pc:docMk/>
+          <pc:sldMk cId="499763250" sldId="10549"/>
+        </pc:sldMkLst>
+      </pc:sldChg>
+      <pc:sldChg chg="addSp delSp modSp add del mod ord">
+        <pc:chgData name="Hasselwander Daniel" userId="c52ad4b4-8117-4235-b9f1-fab9bcac5934" providerId="ADAL" clId="{D38D4B8B-445C-754F-A08B-CFCB37CCC2E2}" dt="2023-03-14T22:59:07.829" v="3327" actId="2696"/>
+        <pc:sldMkLst>
+          <pc:docMk/>
+          <pc:sldMk cId="2446745551" sldId="10549"/>
+        </pc:sldMkLst>
+        <pc:spChg chg="add del mod">
+          <ac:chgData name="Hasselwander Daniel" userId="c52ad4b4-8117-4235-b9f1-fab9bcac5934" providerId="ADAL" clId="{D38D4B8B-445C-754F-A08B-CFCB37CCC2E2}" dt="2023-03-14T17:59:23.714" v="2089" actId="478"/>
+          <ac:spMkLst>
+            <pc:docMk/>
+            <pc:sldMk cId="2446745551" sldId="10549"/>
+            <ac:spMk id="4" creationId="{80D92B32-5B65-44AA-8F03-F2A8649970C0}"/>
+          </ac:spMkLst>
+        </pc:spChg>
+        <pc:spChg chg="mod">
+          <ac:chgData name="Hasselwander Daniel" userId="c52ad4b4-8117-4235-b9f1-fab9bcac5934" providerId="ADAL" clId="{D38D4B8B-445C-754F-A08B-CFCB37CCC2E2}" dt="2023-03-14T22:58:59.909" v="3326" actId="20577"/>
+          <ac:spMkLst>
+            <pc:docMk/>
+            <pc:sldMk cId="2446745551" sldId="10549"/>
+            <ac:spMk id="15" creationId="{1BD9B7C1-5860-C447-7FC6-D510200F75A2}"/>
+          </ac:spMkLst>
+        </pc:spChg>
+        <pc:spChg chg="del mod">
+          <ac:chgData name="Hasselwander Daniel" userId="c52ad4b4-8117-4235-b9f1-fab9bcac5934" providerId="ADAL" clId="{D38D4B8B-445C-754F-A08B-CFCB37CCC2E2}" dt="2023-03-14T18:28:56.144" v="2678" actId="478"/>
+          <ac:spMkLst>
+            <pc:docMk/>
+            <pc:sldMk cId="2446745551" sldId="10549"/>
+            <ac:spMk id="16" creationId="{21275B17-28D8-82F2-3E1C-392A52108842}"/>
+          </ac:spMkLst>
+        </pc:spChg>
+        <pc:spChg chg="del">
+          <ac:chgData name="Hasselwander Daniel" userId="c52ad4b4-8117-4235-b9f1-fab9bcac5934" providerId="ADAL" clId="{D38D4B8B-445C-754F-A08B-CFCB37CCC2E2}" dt="2023-03-14T17:59:21.505" v="2086" actId="478"/>
+          <ac:spMkLst>
+            <pc:docMk/>
+            <pc:sldMk cId="2446745551" sldId="10549"/>
+            <ac:spMk id="19" creationId="{74ED64AB-CA80-5CBE-1761-0C1F7ECF8B2C}"/>
+          </ac:spMkLst>
+        </pc:spChg>
+        <pc:spChg chg="add del mod">
+          <ac:chgData name="Hasselwander Daniel" userId="c52ad4b4-8117-4235-b9f1-fab9bcac5934" providerId="ADAL" clId="{D38D4B8B-445C-754F-A08B-CFCB37CCC2E2}" dt="2023-03-14T22:31:55.310" v="2788" actId="478"/>
+          <ac:spMkLst>
+            <pc:docMk/>
+            <pc:sldMk cId="2446745551" sldId="10549"/>
+            <ac:spMk id="23" creationId="{6E7000A6-7AC4-6DB7-6E83-A412845B3BB3}"/>
+          </ac:spMkLst>
+        </pc:spChg>
+        <pc:spChg chg="del">
+          <ac:chgData name="Hasselwander Daniel" userId="c52ad4b4-8117-4235-b9f1-fab9bcac5934" providerId="ADAL" clId="{D38D4B8B-445C-754F-A08B-CFCB37CCC2E2}" dt="2023-03-14T17:59:02.507" v="2075" actId="478"/>
+          <ac:spMkLst>
+            <pc:docMk/>
+            <pc:sldMk cId="2446745551" sldId="10549"/>
+            <ac:spMk id="24" creationId="{EFAAFD1C-FF4C-5E14-E2C9-8299CF5BE361}"/>
+          </ac:spMkLst>
+        </pc:spChg>
+        <pc:spChg chg="del">
+          <ac:chgData name="Hasselwander Daniel" userId="c52ad4b4-8117-4235-b9f1-fab9bcac5934" providerId="ADAL" clId="{D38D4B8B-445C-754F-A08B-CFCB37CCC2E2}" dt="2023-03-14T17:59:00.640" v="2074" actId="478"/>
+          <ac:spMkLst>
+            <pc:docMk/>
+            <pc:sldMk cId="2446745551" sldId="10549"/>
+            <ac:spMk id="25" creationId="{328EEF79-0C87-3F52-7281-D947D7A57167}"/>
+          </ac:spMkLst>
+        </pc:spChg>
+        <pc:spChg chg="add del mod">
+          <ac:chgData name="Hasselwander Daniel" userId="c52ad4b4-8117-4235-b9f1-fab9bcac5934" providerId="ADAL" clId="{D38D4B8B-445C-754F-A08B-CFCB37CCC2E2}" dt="2023-03-14T22:31:53.567" v="2787" actId="478"/>
+          <ac:spMkLst>
+            <pc:docMk/>
+            <pc:sldMk cId="2446745551" sldId="10549"/>
+            <ac:spMk id="26" creationId="{ED3247BF-4C8A-7446-8A91-BEAB69F6D628}"/>
+          </ac:spMkLst>
+        </pc:spChg>
+        <pc:spChg chg="del mod">
+          <ac:chgData name="Hasselwander Daniel" userId="c52ad4b4-8117-4235-b9f1-fab9bcac5934" providerId="ADAL" clId="{D38D4B8B-445C-754F-A08B-CFCB37CCC2E2}" dt="2023-03-14T18:28:54.367" v="2677" actId="478"/>
+          <ac:spMkLst>
+            <pc:docMk/>
+            <pc:sldMk cId="2446745551" sldId="10549"/>
+            <ac:spMk id="27" creationId="{6A10987A-FAE2-E626-20D2-35A4449516E7}"/>
+          </ac:spMkLst>
+        </pc:spChg>
+        <pc:spChg chg="del">
+          <ac:chgData name="Hasselwander Daniel" userId="c52ad4b4-8117-4235-b9f1-fab9bcac5934" providerId="ADAL" clId="{D38D4B8B-445C-754F-A08B-CFCB37CCC2E2}" dt="2023-03-14T17:59:22.077" v="2087" actId="478"/>
+          <ac:spMkLst>
+            <pc:docMk/>
+            <pc:sldMk cId="2446745551" sldId="10549"/>
+            <ac:spMk id="28" creationId="{DD073484-A554-8FBB-83C6-EA4E4AC5D164}"/>
+          </ac:spMkLst>
+        </pc:spChg>
+        <pc:picChg chg="del">
+          <ac:chgData name="Hasselwander Daniel" userId="c52ad4b4-8117-4235-b9f1-fab9bcac5934" providerId="ADAL" clId="{D38D4B8B-445C-754F-A08B-CFCB37CCC2E2}" dt="2023-03-14T17:59:19.285" v="2084" actId="478"/>
+          <ac:picMkLst>
+            <pc:docMk/>
+            <pc:sldMk cId="2446745551" sldId="10549"/>
+            <ac:picMk id="3" creationId="{9C2056B7-A78A-E605-E100-271F2DCF1011}"/>
+          </ac:picMkLst>
+        </pc:picChg>
+        <pc:picChg chg="del">
+          <ac:chgData name="Hasselwander Daniel" userId="c52ad4b4-8117-4235-b9f1-fab9bcac5934" providerId="ADAL" clId="{D38D4B8B-445C-754F-A08B-CFCB37CCC2E2}" dt="2023-03-14T17:58:59.021" v="2073" actId="478"/>
+          <ac:picMkLst>
+            <pc:docMk/>
+            <pc:sldMk cId="2446745551" sldId="10549"/>
+            <ac:picMk id="7" creationId="{D9B4C275-D3DC-BD48-9C89-82571D0D7379}"/>
+          </ac:picMkLst>
+        </pc:picChg>
+        <pc:picChg chg="add del">
+          <ac:chgData name="Hasselwander Daniel" userId="c52ad4b4-8117-4235-b9f1-fab9bcac5934" providerId="ADAL" clId="{D38D4B8B-445C-754F-A08B-CFCB37CCC2E2}" dt="2023-03-14T17:59:17.119" v="2082" actId="478"/>
+          <ac:picMkLst>
+            <pc:docMk/>
+            <pc:sldMk cId="2446745551" sldId="10549"/>
+            <ac:picMk id="8" creationId="{609FA378-09BB-AE79-5C8A-6D16231797DF}"/>
+          </ac:picMkLst>
+        </pc:picChg>
+        <pc:picChg chg="add del">
+          <ac:chgData name="Hasselwander Daniel" userId="c52ad4b4-8117-4235-b9f1-fab9bcac5934" providerId="ADAL" clId="{D38D4B8B-445C-754F-A08B-CFCB37CCC2E2}" dt="2023-03-14T17:59:18.189" v="2083" actId="478"/>
+          <ac:picMkLst>
+            <pc:docMk/>
+            <pc:sldMk cId="2446745551" sldId="10549"/>
+            <ac:picMk id="17" creationId="{242E72F0-D16F-ACDC-6EC9-2E6835D3930B}"/>
+          </ac:picMkLst>
+        </pc:picChg>
+        <pc:picChg chg="del">
+          <ac:chgData name="Hasselwander Daniel" userId="c52ad4b4-8117-4235-b9f1-fab9bcac5934" providerId="ADAL" clId="{D38D4B8B-445C-754F-A08B-CFCB37CCC2E2}" dt="2023-03-14T17:59:20.533" v="2085" actId="478"/>
+          <ac:picMkLst>
+            <pc:docMk/>
+            <pc:sldMk cId="2446745551" sldId="10549"/>
+            <ac:picMk id="18" creationId="{BAD84CFB-678B-D993-6C37-61561FFDB4CF}"/>
+          </ac:picMkLst>
+        </pc:picChg>
+      </pc:sldChg>
+      <pc:sldChg chg="addSp delSp modSp add mod ord">
+        <pc:chgData name="Hasselwander Daniel" userId="c52ad4b4-8117-4235-b9f1-fab9bcac5934" providerId="ADAL" clId="{D38D4B8B-445C-754F-A08B-CFCB37CCC2E2}" dt="2023-03-14T18:24:21.218" v="2628" actId="20577"/>
+        <pc:sldMkLst>
+          <pc:docMk/>
+          <pc:sldMk cId="225751421" sldId="10550"/>
+        </pc:sldMkLst>
+        <pc:spChg chg="mod">
+          <ac:chgData name="Hasselwander Daniel" userId="c52ad4b4-8117-4235-b9f1-fab9bcac5934" providerId="ADAL" clId="{D38D4B8B-445C-754F-A08B-CFCB37CCC2E2}" dt="2023-03-14T18:10:00.431" v="2349" actId="20577"/>
+          <ac:spMkLst>
+            <pc:docMk/>
+            <pc:sldMk cId="225751421" sldId="10550"/>
+            <ac:spMk id="2" creationId="{21764F6D-632E-79AE-82FF-774B2346AAB2}"/>
+          </ac:spMkLst>
+        </pc:spChg>
+        <pc:spChg chg="del">
+          <ac:chgData name="Hasselwander Daniel" userId="c52ad4b4-8117-4235-b9f1-fab9bcac5934" providerId="ADAL" clId="{D38D4B8B-445C-754F-A08B-CFCB37CCC2E2}" dt="2023-03-14T18:03:10.845" v="2134" actId="478"/>
+          <ac:spMkLst>
+            <pc:docMk/>
+            <pc:sldMk cId="225751421" sldId="10550"/>
+            <ac:spMk id="4" creationId="{EE008AA6-7580-4542-69E5-1F9B1DB70DCD}"/>
+          </ac:spMkLst>
+        </pc:spChg>
+        <pc:spChg chg="del">
+          <ac:chgData name="Hasselwander Daniel" userId="c52ad4b4-8117-4235-b9f1-fab9bcac5934" providerId="ADAL" clId="{D38D4B8B-445C-754F-A08B-CFCB37CCC2E2}" dt="2023-03-14T18:03:10.845" v="2134" actId="478"/>
+          <ac:spMkLst>
+            <pc:docMk/>
+            <pc:sldMk cId="225751421" sldId="10550"/>
+            <ac:spMk id="5" creationId="{E438D42A-CDF3-A167-108B-CD42B25CC0E0}"/>
+          </ac:spMkLst>
+        </pc:spChg>
+        <pc:spChg chg="add del mod">
+          <ac:chgData name="Hasselwander Daniel" userId="c52ad4b4-8117-4235-b9f1-fab9bcac5934" providerId="ADAL" clId="{D38D4B8B-445C-754F-A08B-CFCB37CCC2E2}" dt="2023-03-14T18:03:10.845" v="2134" actId="478"/>
+          <ac:spMkLst>
+            <pc:docMk/>
+            <pc:sldMk cId="225751421" sldId="10550"/>
+            <ac:spMk id="6" creationId="{8512CD20-CE8D-7B86-B19C-795AD3D307B5}"/>
+          </ac:spMkLst>
+        </pc:spChg>
+        <pc:spChg chg="add mod">
+          <ac:chgData name="Hasselwander Daniel" userId="c52ad4b4-8117-4235-b9f1-fab9bcac5934" providerId="ADAL" clId="{D38D4B8B-445C-754F-A08B-CFCB37CCC2E2}" dt="2023-03-14T18:02:34.402" v="2132" actId="14100"/>
+          <ac:spMkLst>
+            <pc:docMk/>
+            <pc:sldMk cId="225751421" sldId="10550"/>
+            <ac:spMk id="7" creationId="{FD4052DE-6347-CA68-A661-AE851E99699A}"/>
+          </ac:spMkLst>
+        </pc:spChg>
+        <pc:spChg chg="del topLvl">
+          <ac:chgData name="Hasselwander Daniel" userId="c52ad4b4-8117-4235-b9f1-fab9bcac5934" providerId="ADAL" clId="{D38D4B8B-445C-754F-A08B-CFCB37CCC2E2}" dt="2023-03-14T18:03:10.845" v="2134" actId="478"/>
+          <ac:spMkLst>
+            <pc:docMk/>
+            <pc:sldMk cId="225751421" sldId="10550"/>
+            <ac:spMk id="13" creationId="{F53BF11A-AA6E-6526-895D-7341B694C478}"/>
+          </ac:spMkLst>
+        </pc:spChg>
+        <pc:spChg chg="del">
+          <ac:chgData name="Hasselwander Daniel" userId="c52ad4b4-8117-4235-b9f1-fab9bcac5934" providerId="ADAL" clId="{D38D4B8B-445C-754F-A08B-CFCB37CCC2E2}" dt="2023-03-14T18:03:10.845" v="2134" actId="478"/>
+          <ac:spMkLst>
+            <pc:docMk/>
+            <pc:sldMk cId="225751421" sldId="10550"/>
+            <ac:spMk id="16" creationId="{E544DAF1-E2F2-BC3E-A5B9-E26BAE6EE7AB}"/>
+          </ac:spMkLst>
+        </pc:spChg>
+        <pc:spChg chg="add del mod">
+          <ac:chgData name="Hasselwander Daniel" userId="c52ad4b4-8117-4235-b9f1-fab9bcac5934" providerId="ADAL" clId="{D38D4B8B-445C-754F-A08B-CFCB37CCC2E2}" dt="2023-03-14T18:17:21.057" v="2520" actId="478"/>
+          <ac:spMkLst>
+            <pc:docMk/>
+            <pc:sldMk cId="225751421" sldId="10550"/>
+            <ac:spMk id="17" creationId="{32D368FE-71B7-3FA4-313A-CC3D5CC3ACD4}"/>
+          </ac:spMkLst>
+        </pc:spChg>
+        <pc:spChg chg="add del mod">
+          <ac:chgData name="Hasselwander Daniel" userId="c52ad4b4-8117-4235-b9f1-fab9bcac5934" providerId="ADAL" clId="{D38D4B8B-445C-754F-A08B-CFCB37CCC2E2}" dt="2023-03-14T18:14:06.113" v="2399" actId="478"/>
+          <ac:spMkLst>
+            <pc:docMk/>
+            <pc:sldMk cId="225751421" sldId="10550"/>
+            <ac:spMk id="18" creationId="{D2CC1389-3218-CC81-47A0-F6EBD1196C63}"/>
+          </ac:spMkLst>
+        </pc:spChg>
+        <pc:spChg chg="add del mod">
+          <ac:chgData name="Hasselwander Daniel" userId="c52ad4b4-8117-4235-b9f1-fab9bcac5934" providerId="ADAL" clId="{D38D4B8B-445C-754F-A08B-CFCB37CCC2E2}" dt="2023-03-14T18:06:48.595" v="2230" actId="478"/>
+          <ac:spMkLst>
+            <pc:docMk/>
+            <pc:sldMk cId="225751421" sldId="10550"/>
+            <ac:spMk id="19" creationId="{37D6CC08-BD35-AB53-DCBA-8765BD616586}"/>
+          </ac:spMkLst>
+        </pc:spChg>
+        <pc:spChg chg="add del mod">
+          <ac:chgData name="Hasselwander Daniel" userId="c52ad4b4-8117-4235-b9f1-fab9bcac5934" providerId="ADAL" clId="{D38D4B8B-445C-754F-A08B-CFCB37CCC2E2}" dt="2023-03-14T18:08:11.192" v="2279" actId="478"/>
+          <ac:spMkLst>
+            <pc:docMk/>
+            <pc:sldMk cId="225751421" sldId="10550"/>
+            <ac:spMk id="20" creationId="{C4ED478D-F5E5-3B94-4B6A-B04BA513A7D6}"/>
+          </ac:spMkLst>
+        </pc:spChg>
+        <pc:spChg chg="add mod">
+          <ac:chgData name="Hasselwander Daniel" userId="c52ad4b4-8117-4235-b9f1-fab9bcac5934" providerId="ADAL" clId="{D38D4B8B-445C-754F-A08B-CFCB37CCC2E2}" dt="2023-03-14T18:17:45.912" v="2525" actId="20577"/>
+          <ac:spMkLst>
+            <pc:docMk/>
+            <pc:sldMk cId="225751421" sldId="10550"/>
+            <ac:spMk id="21" creationId="{DBAE13EC-FB78-824A-7F16-C512353AF017}"/>
+          </ac:spMkLst>
+        </pc:spChg>
+        <pc:spChg chg="add del mod">
+          <ac:chgData name="Hasselwander Daniel" userId="c52ad4b4-8117-4235-b9f1-fab9bcac5934" providerId="ADAL" clId="{D38D4B8B-445C-754F-A08B-CFCB37CCC2E2}" dt="2023-03-14T18:11:23.756" v="2384"/>
+          <ac:spMkLst>
+            <pc:docMk/>
+            <pc:sldMk cId="225751421" sldId="10550"/>
+            <ac:spMk id="22" creationId="{F8A7CE5E-5C8C-4FD2-FFE7-3F5EEC912555}"/>
+          </ac:spMkLst>
+        </pc:spChg>
+        <pc:spChg chg="add mod">
+          <ac:chgData name="Hasselwander Daniel" userId="c52ad4b4-8117-4235-b9f1-fab9bcac5934" providerId="ADAL" clId="{D38D4B8B-445C-754F-A08B-CFCB37CCC2E2}" dt="2023-03-14T18:24:21.218" v="2628" actId="20577"/>
+          <ac:spMkLst>
+            <pc:docMk/>
+            <pc:sldMk cId="225751421" sldId="10550"/>
+            <ac:spMk id="23" creationId="{47CEDAD9-D469-80AF-33FD-309A0E30D418}"/>
+          </ac:spMkLst>
+        </pc:spChg>
+        <pc:spChg chg="add mod">
+          <ac:chgData name="Hasselwander Daniel" userId="c52ad4b4-8117-4235-b9f1-fab9bcac5934" providerId="ADAL" clId="{D38D4B8B-445C-754F-A08B-CFCB37CCC2E2}" dt="2023-03-14T18:17:23.156" v="2522"/>
+          <ac:spMkLst>
+            <pc:docMk/>
+            <pc:sldMk cId="225751421" sldId="10550"/>
+            <ac:spMk id="26" creationId="{8A987C24-E107-438D-9551-38C10751269F}"/>
+          </ac:spMkLst>
+        </pc:spChg>
+        <pc:grpChg chg="del">
+          <ac:chgData name="Hasselwander Daniel" userId="c52ad4b4-8117-4235-b9f1-fab9bcac5934" providerId="ADAL" clId="{D38D4B8B-445C-754F-A08B-CFCB37CCC2E2}" dt="2023-03-14T18:03:06.863" v="2133" actId="478"/>
+          <ac:grpSpMkLst>
+            <pc:docMk/>
+            <pc:sldMk cId="225751421" sldId="10550"/>
+            <ac:grpSpMk id="14" creationId="{2372A97B-CFD6-9903-E8CD-12005059518A}"/>
+          </ac:grpSpMkLst>
+        </pc:grpChg>
+        <pc:picChg chg="add del mod">
+          <ac:chgData name="Hasselwander Daniel" userId="c52ad4b4-8117-4235-b9f1-fab9bcac5934" providerId="ADAL" clId="{D38D4B8B-445C-754F-A08B-CFCB37CCC2E2}" dt="2023-03-14T18:17:22.766" v="2521" actId="478"/>
+          <ac:picMkLst>
+            <pc:docMk/>
+            <pc:sldMk cId="225751421" sldId="10550"/>
+            <ac:picMk id="9" creationId="{F748C100-8516-4592-39A6-A872C7826B34}"/>
+          </ac:picMkLst>
+        </pc:picChg>
+        <pc:picChg chg="add del mod">
+          <ac:chgData name="Hasselwander Daniel" userId="c52ad4b4-8117-4235-b9f1-fab9bcac5934" providerId="ADAL" clId="{D38D4B8B-445C-754F-A08B-CFCB37CCC2E2}" dt="2023-03-14T18:03:45.687" v="2141" actId="478"/>
+          <ac:picMkLst>
+            <pc:docMk/>
+            <pc:sldMk cId="225751421" sldId="10550"/>
+            <ac:picMk id="10" creationId="{761CD048-45B8-A3E4-C14F-FD9EE94908CA}"/>
+          </ac:picMkLst>
+        </pc:picChg>
+        <pc:picChg chg="del topLvl">
+          <ac:chgData name="Hasselwander Daniel" userId="c52ad4b4-8117-4235-b9f1-fab9bcac5934" providerId="ADAL" clId="{D38D4B8B-445C-754F-A08B-CFCB37CCC2E2}" dt="2023-03-14T18:03:06.863" v="2133" actId="478"/>
+          <ac:picMkLst>
+            <pc:docMk/>
+            <pc:sldMk cId="225751421" sldId="10550"/>
+            <ac:picMk id="11" creationId="{18AD3A22-9404-C8BC-0ABB-170A893CF819}"/>
+          </ac:picMkLst>
+        </pc:picChg>
+        <pc:picChg chg="add del mod">
+          <ac:chgData name="Hasselwander Daniel" userId="c52ad4b4-8117-4235-b9f1-fab9bcac5934" providerId="ADAL" clId="{D38D4B8B-445C-754F-A08B-CFCB37CCC2E2}" dt="2023-03-14T18:14:06.113" v="2399" actId="478"/>
+          <ac:picMkLst>
+            <pc:docMk/>
+            <pc:sldMk cId="225751421" sldId="10550"/>
+            <ac:picMk id="12" creationId="{6CE4CCFD-D1DC-F61D-BC69-52643A3D9147}"/>
+          </ac:picMkLst>
+        </pc:picChg>
+        <pc:picChg chg="add del mod">
+          <ac:chgData name="Hasselwander Daniel" userId="c52ad4b4-8117-4235-b9f1-fab9bcac5934" providerId="ADAL" clId="{D38D4B8B-445C-754F-A08B-CFCB37CCC2E2}" dt="2023-03-14T18:22:44.713" v="2597" actId="478"/>
+          <ac:picMkLst>
+            <pc:docMk/>
+            <pc:sldMk cId="225751421" sldId="10550"/>
+            <ac:picMk id="24" creationId="{1E053C87-495F-F5B6-A05E-26CF254D061F}"/>
+          </ac:picMkLst>
+        </pc:picChg>
+        <pc:picChg chg="add mod">
+          <ac:chgData name="Hasselwander Daniel" userId="c52ad4b4-8117-4235-b9f1-fab9bcac5934" providerId="ADAL" clId="{D38D4B8B-445C-754F-A08B-CFCB37CCC2E2}" dt="2023-03-14T18:22:58.652" v="2618" actId="1036"/>
+          <ac:picMkLst>
+            <pc:docMk/>
+            <pc:sldMk cId="225751421" sldId="10550"/>
+            <ac:picMk id="27" creationId="{D5A7953A-FDA5-DD71-10D8-9FC6CB8667D8}"/>
+          </ac:picMkLst>
+        </pc:picChg>
+      </pc:sldChg>
+      <pc:sldChg chg="addSp delSp modSp add mod">
+        <pc:chgData name="Hasselwander Daniel" userId="c52ad4b4-8117-4235-b9f1-fab9bcac5934" providerId="ADAL" clId="{D38D4B8B-445C-754F-A08B-CFCB37CCC2E2}" dt="2023-03-14T22:29:37.585" v="2785" actId="20577"/>
+        <pc:sldMkLst>
+          <pc:docMk/>
+          <pc:sldMk cId="1467881768" sldId="10551"/>
+        </pc:sldMkLst>
+        <pc:spChg chg="add del">
+          <ac:chgData name="Hasselwander Daniel" userId="c52ad4b4-8117-4235-b9f1-fab9bcac5934" providerId="ADAL" clId="{D38D4B8B-445C-754F-A08B-CFCB37CCC2E2}" dt="2023-03-14T18:18:15.999" v="2537" actId="11529"/>
+          <ac:spMkLst>
+            <pc:docMk/>
+            <pc:sldMk cId="1467881768" sldId="10551"/>
+            <ac:spMk id="4" creationId="{9D67D44B-D867-2035-6507-86A847DBD0D3}"/>
+          </ac:spMkLst>
+        </pc:spChg>
+        <pc:spChg chg="del">
+          <ac:chgData name="Hasselwander Daniel" userId="c52ad4b4-8117-4235-b9f1-fab9bcac5934" providerId="ADAL" clId="{D38D4B8B-445C-754F-A08B-CFCB37CCC2E2}" dt="2023-03-14T18:19:42.505" v="2570" actId="478"/>
+          <ac:spMkLst>
+            <pc:docMk/>
+            <pc:sldMk cId="1467881768" sldId="10551"/>
+            <ac:spMk id="7" creationId="{FD4052DE-6347-CA68-A661-AE851E99699A}"/>
+          </ac:spMkLst>
+        </pc:spChg>
+        <pc:spChg chg="add del mod">
+          <ac:chgData name="Hasselwander Daniel" userId="c52ad4b4-8117-4235-b9f1-fab9bcac5934" providerId="ADAL" clId="{D38D4B8B-445C-754F-A08B-CFCB37CCC2E2}" dt="2023-03-14T18:19:56.861" v="2573"/>
+          <ac:spMkLst>
+            <pc:docMk/>
+            <pc:sldMk cId="1467881768" sldId="10551"/>
+            <ac:spMk id="8" creationId="{F2326911-20FE-0BF9-1A2B-B9AE40AB6B40}"/>
+          </ac:spMkLst>
+        </pc:spChg>
+        <pc:spChg chg="add mod">
+          <ac:chgData name="Hasselwander Daniel" userId="c52ad4b4-8117-4235-b9f1-fab9bcac5934" providerId="ADAL" clId="{D38D4B8B-445C-754F-A08B-CFCB37CCC2E2}" dt="2023-03-14T18:23:47.238" v="2623" actId="1076"/>
+          <ac:spMkLst>
+            <pc:docMk/>
+            <pc:sldMk cId="1467881768" sldId="10551"/>
+            <ac:spMk id="10" creationId="{BC60192B-C3A1-5A4A-BFDC-87A796E6470C}"/>
+          </ac:spMkLst>
+        </pc:spChg>
+        <pc:spChg chg="del mod">
+          <ac:chgData name="Hasselwander Daniel" userId="c52ad4b4-8117-4235-b9f1-fab9bcac5934" providerId="ADAL" clId="{D38D4B8B-445C-754F-A08B-CFCB37CCC2E2}" dt="2023-03-14T18:19:34.834" v="2559" actId="478"/>
+          <ac:spMkLst>
+            <pc:docMk/>
+            <pc:sldMk cId="1467881768" sldId="10551"/>
+            <ac:spMk id="15" creationId="{9079C2DE-BBC0-7758-5CB7-198A324D59D0}"/>
+          </ac:spMkLst>
+        </pc:spChg>
+        <pc:spChg chg="mod">
+          <ac:chgData name="Hasselwander Daniel" userId="c52ad4b4-8117-4235-b9f1-fab9bcac5934" providerId="ADAL" clId="{D38D4B8B-445C-754F-A08B-CFCB37CCC2E2}" dt="2023-03-14T18:23:50.053" v="2624" actId="1076"/>
+          <ac:spMkLst>
+            <pc:docMk/>
+            <pc:sldMk cId="1467881768" sldId="10551"/>
+            <ac:spMk id="17" creationId="{32D368FE-71B7-3FA4-313A-CC3D5CC3ACD4}"/>
+          </ac:spMkLst>
+        </pc:spChg>
+        <pc:spChg chg="del mod">
+          <ac:chgData name="Hasselwander Daniel" userId="c52ad4b4-8117-4235-b9f1-fab9bcac5934" providerId="ADAL" clId="{D38D4B8B-445C-754F-A08B-CFCB37CCC2E2}" dt="2023-03-14T18:23:43.439" v="2622" actId="478"/>
+          <ac:spMkLst>
+            <pc:docMk/>
+            <pc:sldMk cId="1467881768" sldId="10551"/>
+            <ac:spMk id="18" creationId="{D2CC1389-3218-CC81-47A0-F6EBD1196C63}"/>
+          </ac:spMkLst>
+        </pc:spChg>
+        <pc:spChg chg="mod">
+          <ac:chgData name="Hasselwander Daniel" userId="c52ad4b4-8117-4235-b9f1-fab9bcac5934" providerId="ADAL" clId="{D38D4B8B-445C-754F-A08B-CFCB37CCC2E2}" dt="2023-03-14T22:29:37.585" v="2785" actId="20577"/>
+          <ac:spMkLst>
+            <pc:docMk/>
+            <pc:sldMk cId="1467881768" sldId="10551"/>
+            <ac:spMk id="21" creationId="{DBAE13EC-FB78-824A-7F16-C512353AF017}"/>
+          </ac:spMkLst>
+        </pc:spChg>
+        <pc:picChg chg="add mod">
+          <ac:chgData name="Hasselwander Daniel" userId="c52ad4b4-8117-4235-b9f1-fab9bcac5934" providerId="ADAL" clId="{D38D4B8B-445C-754F-A08B-CFCB37CCC2E2}" dt="2023-03-14T18:23:47.238" v="2623" actId="1076"/>
+          <ac:picMkLst>
+            <pc:docMk/>
+            <pc:sldMk cId="1467881768" sldId="10551"/>
+            <ac:picMk id="6" creationId="{F56FA247-EBC9-F473-3EA7-17AA934131E6}"/>
+          </ac:picMkLst>
+        </pc:picChg>
+        <pc:picChg chg="del mod">
+          <ac:chgData name="Hasselwander Daniel" userId="c52ad4b4-8117-4235-b9f1-fab9bcac5934" providerId="ADAL" clId="{D38D4B8B-445C-754F-A08B-CFCB37CCC2E2}" dt="2023-03-14T18:23:37.195" v="2620" actId="478"/>
+          <ac:picMkLst>
+            <pc:docMk/>
+            <pc:sldMk cId="1467881768" sldId="10551"/>
+            <ac:picMk id="9" creationId="{F748C100-8516-4592-39A6-A872C7826B34}"/>
+          </ac:picMkLst>
+        </pc:picChg>
+        <pc:picChg chg="add mod">
+          <ac:chgData name="Hasselwander Daniel" userId="c52ad4b4-8117-4235-b9f1-fab9bcac5934" providerId="ADAL" clId="{D38D4B8B-445C-754F-A08B-CFCB37CCC2E2}" dt="2023-03-14T18:23:40.352" v="2621" actId="1076"/>
+          <ac:picMkLst>
+            <pc:docMk/>
+            <pc:sldMk cId="1467881768" sldId="10551"/>
+            <ac:picMk id="11" creationId="{0CA14319-B4FE-E010-A77D-34E0E25DDC72}"/>
+          </ac:picMkLst>
+        </pc:picChg>
+        <pc:picChg chg="del">
+          <ac:chgData name="Hasselwander Daniel" userId="c52ad4b4-8117-4235-b9f1-fab9bcac5934" providerId="ADAL" clId="{D38D4B8B-445C-754F-A08B-CFCB37CCC2E2}" dt="2023-03-14T18:18:44.173" v="2538" actId="478"/>
+          <ac:picMkLst>
+            <pc:docMk/>
+            <pc:sldMk cId="1467881768" sldId="10551"/>
+            <ac:picMk id="12" creationId="{6CE4CCFD-D1DC-F61D-BC69-52643A3D9147}"/>
+          </ac:picMkLst>
+        </pc:picChg>
+      </pc:sldChg>
+      <pc:sldChg chg="addSp delSp modSp add mod ord">
+        <pc:chgData name="Hasselwander Daniel" userId="c52ad4b4-8117-4235-b9f1-fab9bcac5934" providerId="ADAL" clId="{D38D4B8B-445C-754F-A08B-CFCB37CCC2E2}" dt="2023-03-15T01:35:37.878" v="5719" actId="1076"/>
+        <pc:sldMkLst>
+          <pc:docMk/>
+          <pc:sldMk cId="3435001583" sldId="10552"/>
+        </pc:sldMkLst>
+        <pc:spChg chg="add mod">
+          <ac:chgData name="Hasselwander Daniel" userId="c52ad4b4-8117-4235-b9f1-fab9bcac5934" providerId="ADAL" clId="{D38D4B8B-445C-754F-A08B-CFCB37CCC2E2}" dt="2023-03-15T01:35:37.878" v="5719" actId="1076"/>
+          <ac:spMkLst>
+            <pc:docMk/>
+            <pc:sldMk cId="3435001583" sldId="10552"/>
+            <ac:spMk id="3" creationId="{0DBC3B8F-7FA6-3CD1-F8CF-E5A907776669}"/>
+          </ac:spMkLst>
+        </pc:spChg>
+        <pc:spChg chg="add del mod">
+          <ac:chgData name="Hasselwander Daniel" userId="c52ad4b4-8117-4235-b9f1-fab9bcac5934" providerId="ADAL" clId="{D38D4B8B-445C-754F-A08B-CFCB37CCC2E2}" dt="2023-03-14T22:32:12.936" v="2794"/>
+          <ac:spMkLst>
+            <pc:docMk/>
+            <pc:sldMk cId="3435001583" sldId="10552"/>
+            <ac:spMk id="3" creationId="{39905F84-145C-ECBC-2EF9-FBC07C12532B}"/>
+          </ac:spMkLst>
+        </pc:spChg>
+        <pc:spChg chg="add del mod">
+          <ac:chgData name="Hasselwander Daniel" userId="c52ad4b4-8117-4235-b9f1-fab9bcac5934" providerId="ADAL" clId="{D38D4B8B-445C-754F-A08B-CFCB37CCC2E2}" dt="2023-03-14T22:32:12.936" v="2794"/>
+          <ac:spMkLst>
+            <pc:docMk/>
+            <pc:sldMk cId="3435001583" sldId="10552"/>
+            <ac:spMk id="5" creationId="{11E4201D-9070-7C8C-18F8-EAEA799478FF}"/>
+          </ac:spMkLst>
+        </pc:spChg>
+        <pc:spChg chg="add mod topLvl">
+          <ac:chgData name="Hasselwander Daniel" userId="c52ad4b4-8117-4235-b9f1-fab9bcac5934" providerId="ADAL" clId="{D38D4B8B-445C-754F-A08B-CFCB37CCC2E2}" dt="2023-03-14T23:31:28.407" v="4090" actId="478"/>
+          <ac:spMkLst>
+            <pc:docMk/>
+            <pc:sldMk cId="3435001583" sldId="10552"/>
+            <ac:spMk id="6" creationId="{06CBD43E-EF12-6B11-306B-329A845A4912}"/>
+          </ac:spMkLst>
+        </pc:spChg>
+        <pc:spChg chg="add del mod">
+          <ac:chgData name="Hasselwander Daniel" userId="c52ad4b4-8117-4235-b9f1-fab9bcac5934" providerId="ADAL" clId="{D38D4B8B-445C-754F-A08B-CFCB37CCC2E2}" dt="2023-03-14T23:30:01.098" v="4075" actId="478"/>
+          <ac:spMkLst>
+            <pc:docMk/>
+            <pc:sldMk cId="3435001583" sldId="10552"/>
+            <ac:spMk id="8" creationId="{FF5F2A7A-4D47-F1A2-6E3A-4494E55178D4}"/>
+          </ac:spMkLst>
+        </pc:spChg>
+        <pc:spChg chg="add mod topLvl">
+          <ac:chgData name="Hasselwander Daniel" userId="c52ad4b4-8117-4235-b9f1-fab9bcac5934" providerId="ADAL" clId="{D38D4B8B-445C-754F-A08B-CFCB37CCC2E2}" dt="2023-03-14T23:39:29.244" v="4342" actId="20577"/>
+          <ac:spMkLst>
+            <pc:docMk/>
+            <pc:sldMk cId="3435001583" sldId="10552"/>
+            <ac:spMk id="13" creationId="{5732D903-9239-BAAE-756E-28573EF086BB}"/>
+          </ac:spMkLst>
+        </pc:spChg>
+        <pc:spChg chg="mod">
+          <ac:chgData name="Hasselwander Daniel" userId="c52ad4b4-8117-4235-b9f1-fab9bcac5934" providerId="ADAL" clId="{D38D4B8B-445C-754F-A08B-CFCB37CCC2E2}" dt="2023-03-14T23:39:40.769" v="4361" actId="20577"/>
+          <ac:spMkLst>
+            <pc:docMk/>
+            <pc:sldMk cId="3435001583" sldId="10552"/>
+            <ac:spMk id="15" creationId="{1BD9B7C1-5860-C447-7FC6-D510200F75A2}"/>
+          </ac:spMkLst>
+        </pc:spChg>
+        <pc:spChg chg="add del mod">
+          <ac:chgData name="Hasselwander Daniel" userId="c52ad4b4-8117-4235-b9f1-fab9bcac5934" providerId="ADAL" clId="{D38D4B8B-445C-754F-A08B-CFCB37CCC2E2}" dt="2023-03-14T23:20:45.393" v="4001"/>
+          <ac:spMkLst>
+            <pc:docMk/>
+            <pc:sldMk cId="3435001583" sldId="10552"/>
+            <ac:spMk id="16" creationId="{FE91AF7E-D5B6-16EB-2CFF-96CDA5C6CD71}"/>
+          </ac:spMkLst>
+        </pc:spChg>
+        <pc:spChg chg="add del mod">
+          <ac:chgData name="Hasselwander Daniel" userId="c52ad4b4-8117-4235-b9f1-fab9bcac5934" providerId="ADAL" clId="{D38D4B8B-445C-754F-A08B-CFCB37CCC2E2}" dt="2023-03-14T23:23:23.770" v="4039" actId="478"/>
+          <ac:spMkLst>
+            <pc:docMk/>
+            <pc:sldMk cId="3435001583" sldId="10552"/>
+            <ac:spMk id="17" creationId="{85901D41-5CB5-B7FA-FDFE-E931A620AD22}"/>
+          </ac:spMkLst>
+        </pc:spChg>
+        <pc:spChg chg="add del">
+          <ac:chgData name="Hasselwander Daniel" userId="c52ad4b4-8117-4235-b9f1-fab9bcac5934" providerId="ADAL" clId="{D38D4B8B-445C-754F-A08B-CFCB37CCC2E2}" dt="2023-03-14T22:32:17.534" v="2797" actId="478"/>
+          <ac:spMkLst>
+            <pc:docMk/>
+            <pc:sldMk cId="3435001583" sldId="10552"/>
+            <ac:spMk id="23" creationId="{6E7000A6-7AC4-6DB7-6E83-A412845B3BB3}"/>
+          </ac:spMkLst>
+        </pc:spChg>
+        <pc:spChg chg="add del mod">
+          <ac:chgData name="Hasselwander Daniel" userId="c52ad4b4-8117-4235-b9f1-fab9bcac5934" providerId="ADAL" clId="{D38D4B8B-445C-754F-A08B-CFCB37CCC2E2}" dt="2023-03-14T23:31:30.314" v="4091" actId="478"/>
+          <ac:spMkLst>
+            <pc:docMk/>
+            <pc:sldMk cId="3435001583" sldId="10552"/>
+            <ac:spMk id="24" creationId="{5873BCEE-EFB2-2B6F-93C4-26117739CEB8}"/>
+          </ac:spMkLst>
+        </pc:spChg>
+        <pc:spChg chg="add del mod">
+          <ac:chgData name="Hasselwander Daniel" userId="c52ad4b4-8117-4235-b9f1-fab9bcac5934" providerId="ADAL" clId="{D38D4B8B-445C-754F-A08B-CFCB37CCC2E2}" dt="2023-03-14T23:31:41.542" v="4107" actId="478"/>
+          <ac:spMkLst>
+            <pc:docMk/>
+            <pc:sldMk cId="3435001583" sldId="10552"/>
+            <ac:spMk id="25" creationId="{D9E47D63-462E-878B-6B6D-7809AC703CC7}"/>
+          </ac:spMkLst>
+        </pc:spChg>
+        <pc:spChg chg="add del mod">
+          <ac:chgData name="Hasselwander Daniel" userId="c52ad4b4-8117-4235-b9f1-fab9bcac5934" providerId="ADAL" clId="{D38D4B8B-445C-754F-A08B-CFCB37CCC2E2}" dt="2023-03-14T23:29:29.509" v="4067" actId="1076"/>
+          <ac:spMkLst>
+            <pc:docMk/>
+            <pc:sldMk cId="3435001583" sldId="10552"/>
+            <ac:spMk id="26" creationId="{ED3247BF-4C8A-7446-8A91-BEAB69F6D628}"/>
+          </ac:spMkLst>
+        </pc:spChg>
+        <pc:spChg chg="add del mod">
+          <ac:chgData name="Hasselwander Daniel" userId="c52ad4b4-8117-4235-b9f1-fab9bcac5934" providerId="ADAL" clId="{D38D4B8B-445C-754F-A08B-CFCB37CCC2E2}" dt="2023-03-14T23:33:34.226" v="4208" actId="478"/>
+          <ac:spMkLst>
+            <pc:docMk/>
+            <pc:sldMk cId="3435001583" sldId="10552"/>
+            <ac:spMk id="28" creationId="{4D707C10-2ECE-F639-6D0C-B19126A86B1B}"/>
+          </ac:spMkLst>
+        </pc:spChg>
+        <pc:spChg chg="add mod">
+          <ac:chgData name="Hasselwander Daniel" userId="c52ad4b4-8117-4235-b9f1-fab9bcac5934" providerId="ADAL" clId="{D38D4B8B-445C-754F-A08B-CFCB37CCC2E2}" dt="2023-03-14T23:59:46.871" v="4827" actId="20577"/>
+          <ac:spMkLst>
+            <pc:docMk/>
+            <pc:sldMk cId="3435001583" sldId="10552"/>
+            <ac:spMk id="29" creationId="{11173C7D-821B-313F-DA53-6779D5BC5D28}"/>
+          </ac:spMkLst>
+        </pc:spChg>
+        <pc:grpChg chg="add del mod topLvl">
+          <ac:chgData name="Hasselwander Daniel" userId="c52ad4b4-8117-4235-b9f1-fab9bcac5934" providerId="ADAL" clId="{D38D4B8B-445C-754F-A08B-CFCB37CCC2E2}" dt="2023-03-14T23:31:28.407" v="4090" actId="478"/>
+          <ac:grpSpMkLst>
+            <pc:docMk/>
+            <pc:sldMk cId="3435001583" sldId="10552"/>
+            <ac:grpSpMk id="9" creationId="{9B753660-4764-2D78-1641-7FBE609CF701}"/>
+          </ac:grpSpMkLst>
+        </pc:grpChg>
+        <pc:grpChg chg="add del">
+          <ac:chgData name="Hasselwander Daniel" userId="c52ad4b4-8117-4235-b9f1-fab9bcac5934" providerId="ADAL" clId="{D38D4B8B-445C-754F-A08B-CFCB37CCC2E2}" dt="2023-03-14T23:27:29.769" v="4050" actId="164"/>
+          <ac:grpSpMkLst>
+            <pc:docMk/>
+            <pc:sldMk cId="3435001583" sldId="10552"/>
+            <ac:grpSpMk id="22" creationId="{27C3DBF9-6B2E-5DF5-65EF-FC492C2DE642}"/>
+          </ac:grpSpMkLst>
+        </pc:grpChg>
+        <pc:grpChg chg="add del mod">
+          <ac:chgData name="Hasselwander Daniel" userId="c52ad4b4-8117-4235-b9f1-fab9bcac5934" providerId="ADAL" clId="{D38D4B8B-445C-754F-A08B-CFCB37CCC2E2}" dt="2023-03-14T23:31:31.442" v="4092" actId="478"/>
+          <ac:grpSpMkLst>
+            <pc:docMk/>
+            <pc:sldMk cId="3435001583" sldId="10552"/>
+            <ac:grpSpMk id="27" creationId="{63533D81-F19A-73A2-CF76-6519662216D5}"/>
+          </ac:grpSpMkLst>
+        </pc:grpChg>
+        <pc:picChg chg="add del mod">
+          <ac:chgData name="Hasselwander Daniel" userId="c52ad4b4-8117-4235-b9f1-fab9bcac5934" providerId="ADAL" clId="{D38D4B8B-445C-754F-A08B-CFCB37CCC2E2}" dt="2023-03-14T22:32:12.936" v="2794"/>
+          <ac:picMkLst>
+            <pc:docMk/>
+            <pc:sldMk cId="3435001583" sldId="10552"/>
+            <ac:picMk id="4" creationId="{AE9690E5-8DE4-7571-A763-E8DF3566F1E0}"/>
+          </ac:picMkLst>
+        </pc:picChg>
+        <pc:picChg chg="add del mod topLvl">
+          <ac:chgData name="Hasselwander Daniel" userId="c52ad4b4-8117-4235-b9f1-fab9bcac5934" providerId="ADAL" clId="{D38D4B8B-445C-754F-A08B-CFCB37CCC2E2}" dt="2023-03-14T23:31:28.407" v="4090" actId="478"/>
+          <ac:picMkLst>
+            <pc:docMk/>
+            <pc:sldMk cId="3435001583" sldId="10552"/>
+            <ac:picMk id="7" creationId="{6EE2ABEB-FB4C-9202-13A6-444EC68C8F73}"/>
+          </ac:picMkLst>
+        </pc:picChg>
+        <pc:picChg chg="add mod">
+          <ac:chgData name="Hasselwander Daniel" userId="c52ad4b4-8117-4235-b9f1-fab9bcac5934" providerId="ADAL" clId="{D38D4B8B-445C-754F-A08B-CFCB37CCC2E2}" dt="2023-03-14T23:29:29.182" v="4066" actId="1076"/>
+          <ac:picMkLst>
+            <pc:docMk/>
+            <pc:sldMk cId="3435001583" sldId="10552"/>
+            <ac:picMk id="10" creationId="{5144DC88-9037-6F92-AF60-94FF0F31E153}"/>
+          </ac:picMkLst>
+        </pc:picChg>
+        <pc:picChg chg="add mod">
+          <ac:chgData name="Hasselwander Daniel" userId="c52ad4b4-8117-4235-b9f1-fab9bcac5934" providerId="ADAL" clId="{D38D4B8B-445C-754F-A08B-CFCB37CCC2E2}" dt="2023-03-14T23:20:33.821" v="3996" actId="1076"/>
+          <ac:picMkLst>
+            <pc:docMk/>
+            <pc:sldMk cId="3435001583" sldId="10552"/>
+            <ac:picMk id="11" creationId="{043322B8-46F7-D641-A6F1-EBBB7D974236}"/>
+          </ac:picMkLst>
+        </pc:picChg>
+        <pc:picChg chg="add del mod">
+          <ac:chgData name="Hasselwander Daniel" userId="c52ad4b4-8117-4235-b9f1-fab9bcac5934" providerId="ADAL" clId="{D38D4B8B-445C-754F-A08B-CFCB37CCC2E2}" dt="2023-03-14T23:19:49.105" v="3976"/>
+          <ac:picMkLst>
+            <pc:docMk/>
+            <pc:sldMk cId="3435001583" sldId="10552"/>
+            <ac:picMk id="12" creationId="{5F14E780-F87E-FDC0-064D-C4CADB53DCD6}"/>
+          </ac:picMkLst>
+        </pc:picChg>
+        <pc:picChg chg="add mod">
+          <ac:chgData name="Hasselwander Daniel" userId="c52ad4b4-8117-4235-b9f1-fab9bcac5934" providerId="ADAL" clId="{D38D4B8B-445C-754F-A08B-CFCB37CCC2E2}" dt="2023-03-14T23:20:38.738" v="3998" actId="1076"/>
+          <ac:picMkLst>
+            <pc:docMk/>
+            <pc:sldMk cId="3435001583" sldId="10552"/>
+            <ac:picMk id="14" creationId="{DC2D6182-0B50-01F6-27C0-10706372A9EC}"/>
+          </ac:picMkLst>
+        </pc:picChg>
+        <pc:picChg chg="add mod">
+          <ac:chgData name="Hasselwander Daniel" userId="c52ad4b4-8117-4235-b9f1-fab9bcac5934" providerId="ADAL" clId="{D38D4B8B-445C-754F-A08B-CFCB37CCC2E2}" dt="2023-03-14T23:26:37.529" v="4044" actId="1076"/>
+          <ac:picMkLst>
+            <pc:docMk/>
+            <pc:sldMk cId="3435001583" sldId="10552"/>
+            <ac:picMk id="19" creationId="{E04F4936-F10C-9D0E-4A49-5411B665211A}"/>
+          </ac:picMkLst>
+        </pc:picChg>
+        <pc:picChg chg="add mod">
+          <ac:chgData name="Hasselwander Daniel" userId="c52ad4b4-8117-4235-b9f1-fab9bcac5934" providerId="ADAL" clId="{D38D4B8B-445C-754F-A08B-CFCB37CCC2E2}" dt="2023-03-14T23:26:40.164" v="4046" actId="1076"/>
+          <ac:picMkLst>
+            <pc:docMk/>
+            <pc:sldMk cId="3435001583" sldId="10552"/>
+            <ac:picMk id="20" creationId="{C42F8841-778F-816A-CD80-73E02CFBD009}"/>
+          </ac:picMkLst>
+        </pc:picChg>
+        <pc:picChg chg="add mod">
+          <ac:chgData name="Hasselwander Daniel" userId="c52ad4b4-8117-4235-b9f1-fab9bcac5934" providerId="ADAL" clId="{D38D4B8B-445C-754F-A08B-CFCB37CCC2E2}" dt="2023-03-14T23:27:34.482" v="4052" actId="1076"/>
+          <ac:picMkLst>
+            <pc:docMk/>
+            <pc:sldMk cId="3435001583" sldId="10552"/>
+            <ac:picMk id="21" creationId="{91B460F7-C326-506E-46CB-CD0A1A4A6052}"/>
+          </ac:picMkLst>
+        </pc:picChg>
+      </pc:sldChg>
+      <pc:sldChg chg="addSp delSp modSp add del mod setBg">
+        <pc:chgData name="Hasselwander Daniel" userId="c52ad4b4-8117-4235-b9f1-fab9bcac5934" providerId="ADAL" clId="{D38D4B8B-445C-754F-A08B-CFCB37CCC2E2}" dt="2023-03-14T22:49:05.347" v="3234" actId="2696"/>
+        <pc:sldMkLst>
+          <pc:docMk/>
+          <pc:sldMk cId="3371191483" sldId="10553"/>
+        </pc:sldMkLst>
+        <pc:spChg chg="add del mod">
+          <ac:chgData name="Hasselwander Daniel" userId="c52ad4b4-8117-4235-b9f1-fab9bcac5934" providerId="ADAL" clId="{D38D4B8B-445C-754F-A08B-CFCB37CCC2E2}" dt="2023-03-14T22:35:58.563" v="2909" actId="478"/>
+          <ac:spMkLst>
+            <pc:docMk/>
+            <pc:sldMk cId="3371191483" sldId="10553"/>
+            <ac:spMk id="3" creationId="{4AA38A5B-4F94-17D1-DE2F-E49B377A1567}"/>
+          </ac:spMkLst>
+        </pc:spChg>
+        <pc:spChg chg="add del mod">
+          <ac:chgData name="Hasselwander Daniel" userId="c52ad4b4-8117-4235-b9f1-fab9bcac5934" providerId="ADAL" clId="{D38D4B8B-445C-754F-A08B-CFCB37CCC2E2}" dt="2023-03-14T22:41:44.046" v="2932"/>
+          <ac:spMkLst>
+            <pc:docMk/>
+            <pc:sldMk cId="3371191483" sldId="10553"/>
+            <ac:spMk id="4" creationId="{06C93CF7-2A3A-7B9A-AE99-2445827D2EF2}"/>
+          </ac:spMkLst>
+        </pc:spChg>
+        <pc:spChg chg="del mod">
+          <ac:chgData name="Hasselwander Daniel" userId="c52ad4b4-8117-4235-b9f1-fab9bcac5934" providerId="ADAL" clId="{D38D4B8B-445C-754F-A08B-CFCB37CCC2E2}" dt="2023-03-14T22:43:04.202" v="2940" actId="478"/>
+          <ac:spMkLst>
+            <pc:docMk/>
+            <pc:sldMk cId="3371191483" sldId="10553"/>
+            <ac:spMk id="15" creationId="{1BD9B7C1-5860-C447-7FC6-D510200F75A2}"/>
+          </ac:spMkLst>
+        </pc:spChg>
+        <pc:grpChg chg="del">
+          <ac:chgData name="Hasselwander Daniel" userId="c52ad4b4-8117-4235-b9f1-fab9bcac5934" providerId="ADAL" clId="{D38D4B8B-445C-754F-A08B-CFCB37CCC2E2}" dt="2023-03-14T22:34:48.649" v="2834" actId="478"/>
+          <ac:grpSpMkLst>
+            <pc:docMk/>
+            <pc:sldMk cId="3371191483" sldId="10553"/>
+            <ac:grpSpMk id="7" creationId="{0DD6AA30-2471-9795-5CE7-2070E3D65000}"/>
+          </ac:grpSpMkLst>
+        </pc:grpChg>
+        <pc:picChg chg="add mod">
+          <ac:chgData name="Hasselwander Daniel" userId="c52ad4b4-8117-4235-b9f1-fab9bcac5934" providerId="ADAL" clId="{D38D4B8B-445C-754F-A08B-CFCB37CCC2E2}" dt="2023-03-14T22:43:01.800" v="2939" actId="1076"/>
+          <ac:picMkLst>
+            <pc:docMk/>
+            <pc:sldMk cId="3371191483" sldId="10553"/>
+            <ac:picMk id="6" creationId="{E85CE4E5-6E64-4459-7478-FF90BC0C25F7}"/>
+          </ac:picMkLst>
+        </pc:picChg>
+      </pc:sldChg>
+      <pc:sldChg chg="add del">
+        <pc:chgData name="Hasselwander Daniel" userId="c52ad4b4-8117-4235-b9f1-fab9bcac5934" providerId="ADAL" clId="{D38D4B8B-445C-754F-A08B-CFCB37CCC2E2}" dt="2023-03-14T22:31:57.659" v="2790"/>
+        <pc:sldMkLst>
+          <pc:docMk/>
+          <pc:sldMk cId="3534304024" sldId="10553"/>
+        </pc:sldMkLst>
+      </pc:sldChg>
+      <pc:sldChg chg="addSp delSp modSp add mod modClrScheme chgLayout">
+        <pc:chgData name="Hasselwander Daniel" userId="c52ad4b4-8117-4235-b9f1-fab9bcac5934" providerId="ADAL" clId="{D38D4B8B-445C-754F-A08B-CFCB37CCC2E2}" dt="2023-03-14T23:18:14.702" v="3945" actId="14100"/>
+        <pc:sldMkLst>
+          <pc:docMk/>
+          <pc:sldMk cId="2726394266" sldId="10554"/>
+        </pc:sldMkLst>
+        <pc:spChg chg="del">
+          <ac:chgData name="Hasselwander Daniel" userId="c52ad4b4-8117-4235-b9f1-fab9bcac5934" providerId="ADAL" clId="{D38D4B8B-445C-754F-A08B-CFCB37CCC2E2}" dt="2023-03-14T22:43:53.907" v="2949" actId="478"/>
+          <ac:spMkLst>
+            <pc:docMk/>
+            <pc:sldMk cId="2726394266" sldId="10554"/>
+            <ac:spMk id="2" creationId="{21764F6D-632E-79AE-82FF-774B2346AAB2}"/>
+          </ac:spMkLst>
+        </pc:spChg>
+        <pc:spChg chg="mod modVis">
+          <ac:chgData name="Hasselwander Daniel" userId="c52ad4b4-8117-4235-b9f1-fab9bcac5934" providerId="ADAL" clId="{D38D4B8B-445C-754F-A08B-CFCB37CCC2E2}" dt="2023-03-14T22:44:03.493" v="2954" actId="26606"/>
+          <ac:spMkLst>
+            <pc:docMk/>
+            <pc:sldMk cId="2726394266" sldId="10554"/>
+            <ac:spMk id="3" creationId="{0CB9ECD8-9FDD-98E2-ED6F-432548E80708}"/>
+          </ac:spMkLst>
+        </pc:spChg>
+        <pc:spChg chg="add del mod">
+          <ac:chgData name="Hasselwander Daniel" userId="c52ad4b4-8117-4235-b9f1-fab9bcac5934" providerId="ADAL" clId="{D38D4B8B-445C-754F-A08B-CFCB37CCC2E2}" dt="2023-03-14T22:43:56.508" v="2950" actId="478"/>
+          <ac:spMkLst>
+            <pc:docMk/>
+            <pc:sldMk cId="2726394266" sldId="10554"/>
+            <ac:spMk id="5" creationId="{221E0A9A-83A8-4044-2BE2-1365E9A7C214}"/>
+          </ac:spMkLst>
+        </pc:spChg>
+        <pc:spChg chg="add del mod">
+          <ac:chgData name="Hasselwander Daniel" userId="c52ad4b4-8117-4235-b9f1-fab9bcac5934" providerId="ADAL" clId="{D38D4B8B-445C-754F-A08B-CFCB37CCC2E2}" dt="2023-03-14T22:44:37.999" v="2958" actId="11529"/>
+          <ac:spMkLst>
+            <pc:docMk/>
+            <pc:sldMk cId="2726394266" sldId="10554"/>
+            <ac:spMk id="8" creationId="{F9401311-D0E2-3129-890A-267E54C9D16C}"/>
+          </ac:spMkLst>
+        </pc:spChg>
+        <pc:spChg chg="add mod">
+          <ac:chgData name="Hasselwander Daniel" userId="c52ad4b4-8117-4235-b9f1-fab9bcac5934" providerId="ADAL" clId="{D38D4B8B-445C-754F-A08B-CFCB37CCC2E2}" dt="2023-03-14T23:18:07.734" v="3942" actId="14100"/>
+          <ac:spMkLst>
+            <pc:docMk/>
+            <pc:sldMk cId="2726394266" sldId="10554"/>
+            <ac:spMk id="9" creationId="{09B5698C-CFF4-1273-4513-6F20966E0A8A}"/>
+          </ac:spMkLst>
+        </pc:spChg>
+        <pc:spChg chg="del">
+          <ac:chgData name="Hasselwander Daniel" userId="c52ad4b4-8117-4235-b9f1-fab9bcac5934" providerId="ADAL" clId="{D38D4B8B-445C-754F-A08B-CFCB37CCC2E2}" dt="2023-03-14T22:43:53.907" v="2949" actId="478"/>
+          <ac:spMkLst>
+            <pc:docMk/>
+            <pc:sldMk cId="2726394266" sldId="10554"/>
+            <ac:spMk id="10" creationId="{BC60192B-C3A1-5A4A-BFDC-87A796E6470C}"/>
+          </ac:spMkLst>
+        </pc:spChg>
+        <pc:spChg chg="add mod">
+          <ac:chgData name="Hasselwander Daniel" userId="c52ad4b4-8117-4235-b9f1-fab9bcac5934" providerId="ADAL" clId="{D38D4B8B-445C-754F-A08B-CFCB37CCC2E2}" dt="2023-03-14T22:45:09.797" v="2965" actId="207"/>
+          <ac:spMkLst>
+            <pc:docMk/>
+            <pc:sldMk cId="2726394266" sldId="10554"/>
+            <ac:spMk id="12" creationId="{428AF254-44F8-15FE-0B08-13692E780826}"/>
+          </ac:spMkLst>
+        </pc:spChg>
+        <pc:spChg chg="add mod">
+          <ac:chgData name="Hasselwander Daniel" userId="c52ad4b4-8117-4235-b9f1-fab9bcac5934" providerId="ADAL" clId="{D38D4B8B-445C-754F-A08B-CFCB37CCC2E2}" dt="2023-03-14T23:18:14.702" v="3945" actId="14100"/>
+          <ac:spMkLst>
+            <pc:docMk/>
+            <pc:sldMk cId="2726394266" sldId="10554"/>
+            <ac:spMk id="13" creationId="{708C394E-43FD-B0A5-EAE9-AFE2C55F0520}"/>
+          </ac:spMkLst>
+        </pc:spChg>
+        <pc:spChg chg="add mod">
+          <ac:chgData name="Hasselwander Daniel" userId="c52ad4b4-8117-4235-b9f1-fab9bcac5934" providerId="ADAL" clId="{D38D4B8B-445C-754F-A08B-CFCB37CCC2E2}" dt="2023-03-14T22:45:42.001" v="2974" actId="207"/>
+          <ac:spMkLst>
+            <pc:docMk/>
+            <pc:sldMk cId="2726394266" sldId="10554"/>
+            <ac:spMk id="14" creationId="{1B2A8970-8772-BF39-5795-38A2101CDC07}"/>
+          </ac:spMkLst>
+        </pc:spChg>
+        <pc:spChg chg="del">
+          <ac:chgData name="Hasselwander Daniel" userId="c52ad4b4-8117-4235-b9f1-fab9bcac5934" providerId="ADAL" clId="{D38D4B8B-445C-754F-A08B-CFCB37CCC2E2}" dt="2023-03-14T22:43:53.907" v="2949" actId="478"/>
+          <ac:spMkLst>
+            <pc:docMk/>
+            <pc:sldMk cId="2726394266" sldId="10554"/>
+            <ac:spMk id="17" creationId="{32D368FE-71B7-3FA4-313A-CC3D5CC3ACD4}"/>
+          </ac:spMkLst>
+        </pc:spChg>
+        <pc:spChg chg="del">
+          <ac:chgData name="Hasselwander Daniel" userId="c52ad4b4-8117-4235-b9f1-fab9bcac5934" providerId="ADAL" clId="{D38D4B8B-445C-754F-A08B-CFCB37CCC2E2}" dt="2023-03-14T22:44:00.091" v="2952" actId="478"/>
+          <ac:spMkLst>
+            <pc:docMk/>
+            <pc:sldMk cId="2726394266" sldId="10554"/>
+            <ac:spMk id="21" creationId="{DBAE13EC-FB78-824A-7F16-C512353AF017}"/>
+          </ac:spMkLst>
+        </pc:spChg>
+        <pc:spChg chg="mod modVis">
+          <ac:chgData name="Hasselwander Daniel" userId="c52ad4b4-8117-4235-b9f1-fab9bcac5934" providerId="ADAL" clId="{D38D4B8B-445C-754F-A08B-CFCB37CCC2E2}" dt="2023-03-14T22:44:03.493" v="2954" actId="26606"/>
+          <ac:spMkLst>
+            <pc:docMk/>
+            <pc:sldMk cId="2726394266" sldId="10554"/>
+            <ac:spMk id="25" creationId="{F517D322-C6E9-E507-6DCC-6D7AD94E94A1}"/>
+          </ac:spMkLst>
+        </pc:spChg>
+        <pc:picChg chg="del">
+          <ac:chgData name="Hasselwander Daniel" userId="c52ad4b4-8117-4235-b9f1-fab9bcac5934" providerId="ADAL" clId="{D38D4B8B-445C-754F-A08B-CFCB37CCC2E2}" dt="2023-03-14T22:43:57.843" v="2951" actId="478"/>
+          <ac:picMkLst>
+            <pc:docMk/>
+            <pc:sldMk cId="2726394266" sldId="10554"/>
+            <ac:picMk id="6" creationId="{F56FA247-EBC9-F473-3EA7-17AA934131E6}"/>
+          </ac:picMkLst>
+        </pc:picChg>
+        <pc:picChg chg="add mod ord">
+          <ac:chgData name="Hasselwander Daniel" userId="c52ad4b4-8117-4235-b9f1-fab9bcac5934" providerId="ADAL" clId="{D38D4B8B-445C-754F-A08B-CFCB37CCC2E2}" dt="2023-03-14T22:45:59.736" v="2985" actId="1076"/>
+          <ac:picMkLst>
+            <pc:docMk/>
+            <pc:sldMk cId="2726394266" sldId="10554"/>
+            <ac:picMk id="7" creationId="{3A69A334-A8E3-BA33-BFF8-5E61FD9F3051}"/>
+          </ac:picMkLst>
+        </pc:picChg>
+        <pc:picChg chg="del">
+          <ac:chgData name="Hasselwander Daniel" userId="c52ad4b4-8117-4235-b9f1-fab9bcac5934" providerId="ADAL" clId="{D38D4B8B-445C-754F-A08B-CFCB37CCC2E2}" dt="2023-03-14T22:43:53.907" v="2949" actId="478"/>
+          <ac:picMkLst>
+            <pc:docMk/>
+            <pc:sldMk cId="2726394266" sldId="10554"/>
+            <ac:picMk id="11" creationId="{0CA14319-B4FE-E010-A77D-34E0E25DDC72}"/>
+          </ac:picMkLst>
+        </pc:picChg>
+      </pc:sldChg>
+      <pc:sldChg chg="addSp delSp modSp add mod modNotesTx">
+        <pc:chgData name="Hasselwander Daniel" userId="c52ad4b4-8117-4235-b9f1-fab9bcac5934" providerId="ADAL" clId="{D38D4B8B-445C-754F-A08B-CFCB37CCC2E2}" dt="2023-03-14T23:05:06.461" v="3433" actId="20577"/>
+        <pc:sldMkLst>
+          <pc:docMk/>
+          <pc:sldMk cId="3043389265" sldId="10555"/>
+        </pc:sldMkLst>
+        <pc:spChg chg="add mod">
+          <ac:chgData name="Hasselwander Daniel" userId="c52ad4b4-8117-4235-b9f1-fab9bcac5934" providerId="ADAL" clId="{D38D4B8B-445C-754F-A08B-CFCB37CCC2E2}" dt="2023-03-14T22:50:48.376" v="3265" actId="6549"/>
+          <ac:spMkLst>
+            <pc:docMk/>
+            <pc:sldMk cId="3043389265" sldId="10555"/>
+            <ac:spMk id="2" creationId="{1ABD9EE9-FC47-FA2F-666E-8BD7D49FB398}"/>
+          </ac:spMkLst>
+        </pc:spChg>
+        <pc:spChg chg="add del mod">
+          <ac:chgData name="Hasselwander Daniel" userId="c52ad4b4-8117-4235-b9f1-fab9bcac5934" providerId="ADAL" clId="{D38D4B8B-445C-754F-A08B-CFCB37CCC2E2}" dt="2023-03-14T22:49:53.470" v="3250"/>
+          <ac:spMkLst>
+            <pc:docMk/>
+            <pc:sldMk cId="3043389265" sldId="10555"/>
+            <ac:spMk id="4" creationId="{107602B2-C277-E9C6-1623-77A90058B0E0}"/>
+          </ac:spMkLst>
+        </pc:spChg>
+        <pc:spChg chg="add mod">
+          <ac:chgData name="Hasselwander Daniel" userId="c52ad4b4-8117-4235-b9f1-fab9bcac5934" providerId="ADAL" clId="{D38D4B8B-445C-754F-A08B-CFCB37CCC2E2}" dt="2023-03-14T22:50:36.623" v="3263" actId="171"/>
+          <ac:spMkLst>
+            <pc:docMk/>
+            <pc:sldMk cId="3043389265" sldId="10555"/>
+            <ac:spMk id="5" creationId="{A7CF0F0E-D5EA-B4F2-20A3-051BBC5EA212}"/>
+          </ac:spMkLst>
+        </pc:spChg>
+        <pc:spChg chg="mod">
+          <ac:chgData name="Hasselwander Daniel" userId="c52ad4b4-8117-4235-b9f1-fab9bcac5934" providerId="ADAL" clId="{D38D4B8B-445C-754F-A08B-CFCB37CCC2E2}" dt="2023-03-14T22:57:00.168" v="3291" actId="403"/>
+          <ac:spMkLst>
+            <pc:docMk/>
+            <pc:sldMk cId="3043389265" sldId="10555"/>
+            <ac:spMk id="9" creationId="{09B5698C-CFF4-1273-4513-6F20966E0A8A}"/>
+          </ac:spMkLst>
+        </pc:spChg>
+        <pc:spChg chg="mod">
+          <ac:chgData name="Hasselwander Daniel" userId="c52ad4b4-8117-4235-b9f1-fab9bcac5934" providerId="ADAL" clId="{D38D4B8B-445C-754F-A08B-CFCB37CCC2E2}" dt="2023-03-14T22:49:57.972" v="3252" actId="14100"/>
+          <ac:spMkLst>
+            <pc:docMk/>
+            <pc:sldMk cId="3043389265" sldId="10555"/>
+            <ac:spMk id="13" creationId="{708C394E-43FD-B0A5-EAE9-AFE2C55F0520}"/>
+          </ac:spMkLst>
+        </pc:spChg>
+        <pc:picChg chg="add mod">
+          <ac:chgData name="Hasselwander Daniel" userId="c52ad4b4-8117-4235-b9f1-fab9bcac5934" providerId="ADAL" clId="{D38D4B8B-445C-754F-A08B-CFCB37CCC2E2}" dt="2023-03-14T22:51:33.359" v="3268" actId="14826"/>
+          <ac:picMkLst>
+            <pc:docMk/>
+            <pc:sldMk cId="3043389265" sldId="10555"/>
+            <ac:picMk id="8" creationId="{0DFC5877-DF6D-F19F-7E45-5005DB6F3ABE}"/>
+          </ac:picMkLst>
+        </pc:picChg>
+      </pc:sldChg>
+      <pc:sldChg chg="add del">
+        <pc:chgData name="Hasselwander Daniel" userId="c52ad4b4-8117-4235-b9f1-fab9bcac5934" providerId="ADAL" clId="{D38D4B8B-445C-754F-A08B-CFCB37CCC2E2}" dt="2023-03-14T22:57:59.436" v="3294" actId="2696"/>
+        <pc:sldMkLst>
+          <pc:docMk/>
+          <pc:sldMk cId="240216865" sldId="10556"/>
+        </pc:sldMkLst>
+      </pc:sldChg>
+      <pc:sldChg chg="add del">
+        <pc:chgData name="Hasselwander Daniel" userId="c52ad4b4-8117-4235-b9f1-fab9bcac5934" providerId="ADAL" clId="{D38D4B8B-445C-754F-A08B-CFCB37CCC2E2}" dt="2023-03-14T22:58:50.468" v="3298" actId="2696"/>
+        <pc:sldMkLst>
+          <pc:docMk/>
+          <pc:sldMk cId="1340356128" sldId="10556"/>
+        </pc:sldMkLst>
+      </pc:sldChg>
+      <pc:sldChg chg="add del">
+        <pc:chgData name="Hasselwander Daniel" userId="c52ad4b4-8117-4235-b9f1-fab9bcac5934" providerId="ADAL" clId="{D38D4B8B-445C-754F-A08B-CFCB37CCC2E2}" dt="2023-03-14T22:58:35.801" v="3296" actId="2696"/>
+        <pc:sldMkLst>
+          <pc:docMk/>
+          <pc:sldMk cId="2007197317" sldId="10556"/>
+        </pc:sldMkLst>
+      </pc:sldChg>
+      <pc:sldChg chg="addSp delSp modSp add mod">
+        <pc:chgData name="Hasselwander Daniel" userId="c52ad4b4-8117-4235-b9f1-fab9bcac5934" providerId="ADAL" clId="{D38D4B8B-445C-754F-A08B-CFCB37CCC2E2}" dt="2023-03-14T23:47:10.627" v="4556" actId="20577"/>
+        <pc:sldMkLst>
+          <pc:docMk/>
+          <pc:sldMk cId="3936017482" sldId="10556"/>
+        </pc:sldMkLst>
+        <pc:spChg chg="mod">
+          <ac:chgData name="Hasselwander Daniel" userId="c52ad4b4-8117-4235-b9f1-fab9bcac5934" providerId="ADAL" clId="{D38D4B8B-445C-754F-A08B-CFCB37CCC2E2}" dt="2023-03-14T23:10:15.403" v="3558" actId="20577"/>
+          <ac:spMkLst>
+            <pc:docMk/>
+            <pc:sldMk cId="3936017482" sldId="10556"/>
+            <ac:spMk id="4" creationId="{1738379B-6C56-DC88-84BA-69665F9E6F7E}"/>
+          </ac:spMkLst>
+        </pc:spChg>
+        <pc:spChg chg="add del mod">
+          <ac:chgData name="Hasselwander Daniel" userId="c52ad4b4-8117-4235-b9f1-fab9bcac5934" providerId="ADAL" clId="{D38D4B8B-445C-754F-A08B-CFCB37CCC2E2}" dt="2023-03-14T23:11:43.910" v="3657" actId="478"/>
+          <ac:spMkLst>
+            <pc:docMk/>
+            <pc:sldMk cId="3936017482" sldId="10556"/>
+            <ac:spMk id="5" creationId="{502BDAC6-A48E-139A-2F67-D487F75E43C2}"/>
+          </ac:spMkLst>
+        </pc:spChg>
+        <pc:spChg chg="mod">
+          <ac:chgData name="Hasselwander Daniel" userId="c52ad4b4-8117-4235-b9f1-fab9bcac5934" providerId="ADAL" clId="{D38D4B8B-445C-754F-A08B-CFCB37CCC2E2}" dt="2023-03-14T23:11:42.695" v="3653" actId="122"/>
+          <ac:spMkLst>
+            <pc:docMk/>
+            <pc:sldMk cId="3936017482" sldId="10556"/>
+            <ac:spMk id="6" creationId="{9901C298-FD2C-EB4A-4F63-23E7FDEC00EE}"/>
+          </ac:spMkLst>
+        </pc:spChg>
+        <pc:spChg chg="add del mod">
+          <ac:chgData name="Hasselwander Daniel" userId="c52ad4b4-8117-4235-b9f1-fab9bcac5934" providerId="ADAL" clId="{D38D4B8B-445C-754F-A08B-CFCB37CCC2E2}" dt="2023-03-14T23:11:43.330" v="3656" actId="478"/>
+          <ac:spMkLst>
+            <pc:docMk/>
+            <pc:sldMk cId="3936017482" sldId="10556"/>
+            <ac:spMk id="7" creationId="{4A183221-A305-AE8C-A097-6E3DBA7FD971}"/>
+          </ac:spMkLst>
+        </pc:spChg>
+        <pc:spChg chg="mod">
+          <ac:chgData name="Hasselwander Daniel" userId="c52ad4b4-8117-4235-b9f1-fab9bcac5934" providerId="ADAL" clId="{D38D4B8B-445C-754F-A08B-CFCB37CCC2E2}" dt="2023-03-14T23:11:42.910" v="3654" actId="122"/>
+          <ac:spMkLst>
+            <pc:docMk/>
+            <pc:sldMk cId="3936017482" sldId="10556"/>
+            <ac:spMk id="8" creationId="{21F744BE-B81C-72F8-C167-D781E439EA89}"/>
+          </ac:spMkLst>
+        </pc:spChg>
+        <pc:spChg chg="add del mod">
+          <ac:chgData name="Hasselwander Daniel" userId="c52ad4b4-8117-4235-b9f1-fab9bcac5934" providerId="ADAL" clId="{D38D4B8B-445C-754F-A08B-CFCB37CCC2E2}" dt="2023-03-14T23:11:43.108" v="3655" actId="478"/>
+          <ac:spMkLst>
+            <pc:docMk/>
+            <pc:sldMk cId="3936017482" sldId="10556"/>
+            <ac:spMk id="9" creationId="{DCB37FEE-C8C5-CB61-3C06-1930C1F6BFD9}"/>
+          </ac:spMkLst>
+        </pc:spChg>
+        <pc:spChg chg="add mod">
+          <ac:chgData name="Hasselwander Daniel" userId="c52ad4b4-8117-4235-b9f1-fab9bcac5934" providerId="ADAL" clId="{D38D4B8B-445C-754F-A08B-CFCB37CCC2E2}" dt="2023-03-14T23:14:03.450" v="3865" actId="20577"/>
+          <ac:spMkLst>
+            <pc:docMk/>
+            <pc:sldMk cId="3936017482" sldId="10556"/>
+            <ac:spMk id="10" creationId="{20F02DE6-A867-1F83-650B-E2DC19759873}"/>
+          </ac:spMkLst>
+        </pc:spChg>
+        <pc:spChg chg="add mod">
+          <ac:chgData name="Hasselwander Daniel" userId="c52ad4b4-8117-4235-b9f1-fab9bcac5934" providerId="ADAL" clId="{D38D4B8B-445C-754F-A08B-CFCB37CCC2E2}" dt="2023-03-14T23:14:43.403" v="3882" actId="20577"/>
+          <ac:spMkLst>
+            <pc:docMk/>
+            <pc:sldMk cId="3936017482" sldId="10556"/>
+            <ac:spMk id="11" creationId="{8BAF1F5D-813A-1E8F-D31E-7C40C76EBF5C}"/>
+          </ac:spMkLst>
+        </pc:spChg>
+        <pc:spChg chg="add mod">
+          <ac:chgData name="Hasselwander Daniel" userId="c52ad4b4-8117-4235-b9f1-fab9bcac5934" providerId="ADAL" clId="{D38D4B8B-445C-754F-A08B-CFCB37CCC2E2}" dt="2023-03-14T23:47:10.627" v="4556" actId="20577"/>
+          <ac:spMkLst>
+            <pc:docMk/>
+            <pc:sldMk cId="3936017482" sldId="10556"/>
+            <ac:spMk id="12" creationId="{C12BC1AD-B7CB-A0AF-4BA8-49DD3D0A577F}"/>
+          </ac:spMkLst>
+        </pc:spChg>
+        <pc:spChg chg="mod">
+          <ac:chgData name="Hasselwander Daniel" userId="c52ad4b4-8117-4235-b9f1-fab9bcac5934" providerId="ADAL" clId="{D38D4B8B-445C-754F-A08B-CFCB37CCC2E2}" dt="2023-03-14T23:08:45.550" v="3510" actId="20577"/>
+          <ac:spMkLst>
+            <pc:docMk/>
+            <pc:sldMk cId="3936017482" sldId="10556"/>
+            <ac:spMk id="15" creationId="{1BD9B7C1-5860-C447-7FC6-D510200F75A2}"/>
+          </ac:spMkLst>
+        </pc:spChg>
+        <pc:grpChg chg="add del mod">
+          <ac:chgData name="Hasselwander Daniel" userId="c52ad4b4-8117-4235-b9f1-fab9bcac5934" providerId="ADAL" clId="{D38D4B8B-445C-754F-A08B-CFCB37CCC2E2}" dt="2023-03-14T23:11:59.100" v="3660" actId="478"/>
+          <ac:grpSpMkLst>
+            <pc:docMk/>
+            <pc:sldMk cId="3936017482" sldId="10556"/>
+            <ac:grpSpMk id="3" creationId="{9E0B0B90-71EF-36AE-C7F3-DA94B0D9D77D}"/>
+          </ac:grpSpMkLst>
+        </pc:grpChg>
+      </pc:sldChg>
+      <pc:sldChg chg="add del">
+        <pc:chgData name="Hasselwander Daniel" userId="c52ad4b4-8117-4235-b9f1-fab9bcac5934" providerId="ADAL" clId="{D38D4B8B-445C-754F-A08B-CFCB37CCC2E2}" dt="2023-03-15T00:00:37.454" v="4839" actId="2696"/>
+        <pc:sldMkLst>
+          <pc:docMk/>
+          <pc:sldMk cId="582448775" sldId="10557"/>
+        </pc:sldMkLst>
+      </pc:sldChg>
+      <pc:sldChg chg="add del">
+        <pc:chgData name="Hasselwander Daniel" userId="c52ad4b4-8117-4235-b9f1-fab9bcac5934" providerId="ADAL" clId="{D38D4B8B-445C-754F-A08B-CFCB37CCC2E2}" dt="2023-03-14T23:13:46.625" v="3848" actId="2696"/>
+        <pc:sldMkLst>
+          <pc:docMk/>
+          <pc:sldMk cId="645365933" sldId="10557"/>
+        </pc:sldMkLst>
+      </pc:sldChg>
+      <pc:sldChg chg="add del">
+        <pc:chgData name="Hasselwander Daniel" userId="c52ad4b4-8117-4235-b9f1-fab9bcac5934" providerId="ADAL" clId="{D38D4B8B-445C-754F-A08B-CFCB37CCC2E2}" dt="2023-03-14T23:09:42.953" v="3515"/>
+        <pc:sldMkLst>
+          <pc:docMk/>
+          <pc:sldMk cId="1264006369" sldId="10557"/>
+        </pc:sldMkLst>
+      </pc:sldChg>
+      <pc:sldChg chg="addSp delSp modSp add del mod">
+        <pc:chgData name="Hasselwander Daniel" userId="c52ad4b4-8117-4235-b9f1-fab9bcac5934" providerId="ADAL" clId="{D38D4B8B-445C-754F-A08B-CFCB37CCC2E2}" dt="2023-03-14T23:08:07.437" v="3472" actId="2696"/>
+        <pc:sldMkLst>
+          <pc:docMk/>
+          <pc:sldMk cId="1370670096" sldId="10557"/>
+        </pc:sldMkLst>
+        <pc:spChg chg="add del mod">
+          <ac:chgData name="Hasselwander Daniel" userId="c52ad4b4-8117-4235-b9f1-fab9bcac5934" providerId="ADAL" clId="{D38D4B8B-445C-754F-A08B-CFCB37CCC2E2}" dt="2023-03-14T23:07:04.605" v="3451" actId="11529"/>
+          <ac:spMkLst>
+            <pc:docMk/>
+            <pc:sldMk cId="1370670096" sldId="10557"/>
+            <ac:spMk id="6" creationId="{BCC4FEE3-885E-58EF-0D83-281CAD5E67C4}"/>
+          </ac:spMkLst>
+        </pc:spChg>
+        <pc:grpChg chg="add mod">
+          <ac:chgData name="Hasselwander Daniel" userId="c52ad4b4-8117-4235-b9f1-fab9bcac5934" providerId="ADAL" clId="{D38D4B8B-445C-754F-A08B-CFCB37CCC2E2}" dt="2023-03-14T23:07:51.016" v="3469" actId="1076"/>
+          <ac:grpSpMkLst>
+            <pc:docMk/>
+            <pc:sldMk cId="1370670096" sldId="10557"/>
+            <ac:grpSpMk id="4" creationId="{3CE32970-5017-1E21-F794-9E8C85E0D46A}"/>
+          </ac:grpSpMkLst>
+        </pc:grpChg>
+        <pc:picChg chg="add del mod">
+          <ac:chgData name="Hasselwander Daniel" userId="c52ad4b4-8117-4235-b9f1-fab9bcac5934" providerId="ADAL" clId="{D38D4B8B-445C-754F-A08B-CFCB37CCC2E2}" dt="2023-03-14T23:07:27.165" v="3458" actId="478"/>
+          <ac:picMkLst>
+            <pc:docMk/>
+            <pc:sldMk cId="1370670096" sldId="10557"/>
+            <ac:picMk id="11" creationId="{A8D3F144-3B9F-BA14-3E50-970749EE2552}"/>
+          </ac:picMkLst>
+        </pc:picChg>
+        <pc:picChg chg="add del mod">
+          <ac:chgData name="Hasselwander Daniel" userId="c52ad4b4-8117-4235-b9f1-fab9bcac5934" providerId="ADAL" clId="{D38D4B8B-445C-754F-A08B-CFCB37CCC2E2}" dt="2023-03-14T23:08:00.189" v="3471" actId="478"/>
+          <ac:picMkLst>
+            <pc:docMk/>
+            <pc:sldMk cId="1370670096" sldId="10557"/>
+            <ac:picMk id="16" creationId="{92161676-C95B-EB6C-C313-3070D81C4B94}"/>
+          </ac:picMkLst>
+        </pc:picChg>
+      </pc:sldChg>
+      <pc:sldChg chg="add del">
+        <pc:chgData name="Hasselwander Daniel" userId="c52ad4b4-8117-4235-b9f1-fab9bcac5934" providerId="ADAL" clId="{D38D4B8B-445C-754F-A08B-CFCB37CCC2E2}" dt="2023-03-14T23:09:48.948" v="3517"/>
+        <pc:sldMkLst>
+          <pc:docMk/>
+          <pc:sldMk cId="2199447489" sldId="10557"/>
+        </pc:sldMkLst>
+      </pc:sldChg>
+      <pc:sldChg chg="add del">
+        <pc:chgData name="Hasselwander Daniel" userId="c52ad4b4-8117-4235-b9f1-fab9bcac5934" providerId="ADAL" clId="{D38D4B8B-445C-754F-A08B-CFCB37CCC2E2}" dt="2023-03-14T23:08:14.279" v="3475" actId="2696"/>
+        <pc:sldMkLst>
+          <pc:docMk/>
+          <pc:sldMk cId="2827469500" sldId="10557"/>
+        </pc:sldMkLst>
+      </pc:sldChg>
+      <pc:sldChg chg="addSp delSp modSp add del mod">
+        <pc:chgData name="Hasselwander Daniel" userId="c52ad4b4-8117-4235-b9f1-fab9bcac5934" providerId="ADAL" clId="{D38D4B8B-445C-754F-A08B-CFCB37CCC2E2}" dt="2023-03-14T23:06:24.234" v="3443"/>
+        <pc:sldMkLst>
+          <pc:docMk/>
+          <pc:sldMk cId="3254633360" sldId="10557"/>
+        </pc:sldMkLst>
+        <pc:spChg chg="topLvl">
+          <ac:chgData name="Hasselwander Daniel" userId="c52ad4b4-8117-4235-b9f1-fab9bcac5934" providerId="ADAL" clId="{D38D4B8B-445C-754F-A08B-CFCB37CCC2E2}" dt="2023-03-14T23:06:22.123" v="3442" actId="164"/>
+          <ac:spMkLst>
+            <pc:docMk/>
+            <pc:sldMk cId="3254633360" sldId="10557"/>
+            <ac:spMk id="2" creationId="{1ABD9EE9-FC47-FA2F-666E-8BD7D49FB398}"/>
+          </ac:spMkLst>
+        </pc:spChg>
+        <pc:spChg chg="topLvl">
+          <ac:chgData name="Hasselwander Daniel" userId="c52ad4b4-8117-4235-b9f1-fab9bcac5934" providerId="ADAL" clId="{D38D4B8B-445C-754F-A08B-CFCB37CCC2E2}" dt="2023-03-14T23:06:22.123" v="3442" actId="164"/>
+          <ac:spMkLst>
+            <pc:docMk/>
+            <pc:sldMk cId="3254633360" sldId="10557"/>
+            <ac:spMk id="5" creationId="{A7CF0F0E-D5EA-B4F2-20A3-051BBC5EA212}"/>
+          </ac:spMkLst>
+        </pc:spChg>
+        <pc:spChg chg="topLvl">
+          <ac:chgData name="Hasselwander Daniel" userId="c52ad4b4-8117-4235-b9f1-fab9bcac5934" providerId="ADAL" clId="{D38D4B8B-445C-754F-A08B-CFCB37CCC2E2}" dt="2023-03-14T23:06:22.123" v="3442" actId="164"/>
+          <ac:spMkLst>
+            <pc:docMk/>
+            <pc:sldMk cId="3254633360" sldId="10557"/>
+            <ac:spMk id="13" creationId="{708C394E-43FD-B0A5-EAE9-AFE2C55F0520}"/>
+          </ac:spMkLst>
+        </pc:spChg>
+        <pc:grpChg chg="add del mod">
+          <ac:chgData name="Hasselwander Daniel" userId="c52ad4b4-8117-4235-b9f1-fab9bcac5934" providerId="ADAL" clId="{D38D4B8B-445C-754F-A08B-CFCB37CCC2E2}" dt="2023-03-14T23:06:22.123" v="3442" actId="164"/>
+          <ac:grpSpMkLst>
+            <pc:docMk/>
+            <pc:sldMk cId="3254633360" sldId="10557"/>
+            <ac:grpSpMk id="4" creationId="{0BF97181-D503-0D7A-84A8-ECD8EDDEEB58}"/>
+          </ac:grpSpMkLst>
+        </pc:grpChg>
+        <pc:picChg chg="topLvl">
+          <ac:chgData name="Hasselwander Daniel" userId="c52ad4b4-8117-4235-b9f1-fab9bcac5934" providerId="ADAL" clId="{D38D4B8B-445C-754F-A08B-CFCB37CCC2E2}" dt="2023-03-14T23:06:22.123" v="3442" actId="164"/>
+          <ac:picMkLst>
+            <pc:docMk/>
+            <pc:sldMk cId="3254633360" sldId="10557"/>
+            <ac:picMk id="7" creationId="{3A69A334-A8E3-BA33-BFF8-5E61FD9F3051}"/>
+          </ac:picMkLst>
+        </pc:picChg>
+        <pc:picChg chg="topLvl">
+          <ac:chgData name="Hasselwander Daniel" userId="c52ad4b4-8117-4235-b9f1-fab9bcac5934" providerId="ADAL" clId="{D38D4B8B-445C-754F-A08B-CFCB37CCC2E2}" dt="2023-03-14T23:06:22.123" v="3442" actId="164"/>
+          <ac:picMkLst>
+            <pc:docMk/>
+            <pc:sldMk cId="3254633360" sldId="10557"/>
+            <ac:picMk id="8" creationId="{0DFC5877-DF6D-F19F-7E45-5005DB6F3ABE}"/>
+          </ac:picMkLst>
+        </pc:picChg>
+      </pc:sldChg>
+      <pc:sldChg chg="add del">
+        <pc:chgData name="Hasselwander Daniel" userId="c52ad4b4-8117-4235-b9f1-fab9bcac5934" providerId="ADAL" clId="{D38D4B8B-445C-754F-A08B-CFCB37CCC2E2}" dt="2023-03-14T23:09:22.319" v="3513" actId="2696"/>
+        <pc:sldMkLst>
+          <pc:docMk/>
+          <pc:sldMk cId="1211589260" sldId="10558"/>
+        </pc:sldMkLst>
+      </pc:sldChg>
+      <pc:sldChg chg="addSp delSp modSp add del mod">
+        <pc:chgData name="Hasselwander Daniel" userId="c52ad4b4-8117-4235-b9f1-fab9bcac5934" providerId="ADAL" clId="{D38D4B8B-445C-754F-A08B-CFCB37CCC2E2}" dt="2023-03-14T23:47:55.548" v="4576" actId="2696"/>
+        <pc:sldMkLst>
+          <pc:docMk/>
+          <pc:sldMk cId="2903075094" sldId="10558"/>
+        </pc:sldMkLst>
+        <pc:spChg chg="add del mod">
+          <ac:chgData name="Hasselwander Daniel" userId="c52ad4b4-8117-4235-b9f1-fab9bcac5934" providerId="ADAL" clId="{D38D4B8B-445C-754F-A08B-CFCB37CCC2E2}" dt="2023-03-14T23:34:49.796" v="4268"/>
+          <ac:spMkLst>
+            <pc:docMk/>
+            <pc:sldMk cId="2903075094" sldId="10558"/>
+            <ac:spMk id="3" creationId="{0E3D867D-EE22-BA82-1E60-8A607ECC1A9A}"/>
+          </ac:spMkLst>
+        </pc:spChg>
+        <pc:spChg chg="add mod">
+          <ac:chgData name="Hasselwander Daniel" userId="c52ad4b4-8117-4235-b9f1-fab9bcac5934" providerId="ADAL" clId="{D38D4B8B-445C-754F-A08B-CFCB37CCC2E2}" dt="2023-03-14T23:34:58.544" v="4271" actId="1076"/>
+          <ac:spMkLst>
+            <pc:docMk/>
+            <pc:sldMk cId="2903075094" sldId="10558"/>
+            <ac:spMk id="4" creationId="{5AC1C1A7-D90E-01D1-7BB4-9F926415A9CB}"/>
+          </ac:spMkLst>
+        </pc:spChg>
+        <pc:spChg chg="add del mod">
+          <ac:chgData name="Hasselwander Daniel" userId="c52ad4b4-8117-4235-b9f1-fab9bcac5934" providerId="ADAL" clId="{D38D4B8B-445C-754F-A08B-CFCB37CCC2E2}" dt="2023-03-14T23:35:54.963" v="4302" actId="478"/>
+          <ac:spMkLst>
+            <pc:docMk/>
+            <pc:sldMk cId="2903075094" sldId="10558"/>
+            <ac:spMk id="5" creationId="{EA7E06CC-EB6D-A3DE-63A4-5EB32C13B87D}"/>
+          </ac:spMkLst>
+        </pc:spChg>
+        <pc:spChg chg="mod topLvl">
+          <ac:chgData name="Hasselwander Daniel" userId="c52ad4b4-8117-4235-b9f1-fab9bcac5934" providerId="ADAL" clId="{D38D4B8B-445C-754F-A08B-CFCB37CCC2E2}" dt="2023-03-14T23:36:44.280" v="4311" actId="21"/>
+          <ac:spMkLst>
+            <pc:docMk/>
+            <pc:sldMk cId="2903075094" sldId="10558"/>
+            <ac:spMk id="6" creationId="{06CBD43E-EF12-6B11-306B-329A845A4912}"/>
+          </ac:spMkLst>
+        </pc:spChg>
+        <pc:spChg chg="mod">
+          <ac:chgData name="Hasselwander Daniel" userId="c52ad4b4-8117-4235-b9f1-fab9bcac5934" providerId="ADAL" clId="{D38D4B8B-445C-754F-A08B-CFCB37CCC2E2}" dt="2023-03-14T23:41:04.118" v="4397" actId="14100"/>
+          <ac:spMkLst>
+            <pc:docMk/>
+            <pc:sldMk cId="2903075094" sldId="10558"/>
+            <ac:spMk id="13" creationId="{5732D903-9239-BAAE-756E-28573EF086BB}"/>
+          </ac:spMkLst>
+        </pc:spChg>
+        <pc:spChg chg="mod">
+          <ac:chgData name="Hasselwander Daniel" userId="c52ad4b4-8117-4235-b9f1-fab9bcac5934" providerId="ADAL" clId="{D38D4B8B-445C-754F-A08B-CFCB37CCC2E2}" dt="2023-03-14T23:34:35.944" v="4266" actId="20577"/>
+          <ac:spMkLst>
+            <pc:docMk/>
+            <pc:sldMk cId="2903075094" sldId="10558"/>
+            <ac:spMk id="15" creationId="{1BD9B7C1-5860-C447-7FC6-D510200F75A2}"/>
+          </ac:spMkLst>
+        </pc:spChg>
+        <pc:spChg chg="add del mod">
+          <ac:chgData name="Hasselwander Daniel" userId="c52ad4b4-8117-4235-b9f1-fab9bcac5934" providerId="ADAL" clId="{D38D4B8B-445C-754F-A08B-CFCB37CCC2E2}" dt="2023-03-14T23:42:04.361" v="4468" actId="478"/>
+          <ac:spMkLst>
+            <pc:docMk/>
+            <pc:sldMk cId="2903075094" sldId="10558"/>
+            <ac:spMk id="23" creationId="{513520EB-F103-C0F3-E1A8-2CA6895FAE2C}"/>
+          </ac:spMkLst>
+        </pc:spChg>
+        <pc:spChg chg="mod">
+          <ac:chgData name="Hasselwander Daniel" userId="c52ad4b4-8117-4235-b9f1-fab9bcac5934" providerId="ADAL" clId="{D38D4B8B-445C-754F-A08B-CFCB37CCC2E2}" dt="2023-03-14T23:41:27.503" v="4457" actId="14100"/>
+          <ac:spMkLst>
+            <pc:docMk/>
+            <pc:sldMk cId="2903075094" sldId="10558"/>
+            <ac:spMk id="25" creationId="{D9E47D63-462E-878B-6B6D-7809AC703CC7}"/>
+          </ac:spMkLst>
+        </pc:spChg>
+        <pc:grpChg chg="add del mod">
+          <ac:chgData name="Hasselwander Daniel" userId="c52ad4b4-8117-4235-b9f1-fab9bcac5934" providerId="ADAL" clId="{D38D4B8B-445C-754F-A08B-CFCB37CCC2E2}" dt="2023-03-14T23:40:26.370" v="4363" actId="14100"/>
+          <ac:grpSpMkLst>
+            <pc:docMk/>
+            <pc:sldMk cId="2903075094" sldId="10558"/>
+            <ac:grpSpMk id="9" creationId="{9B753660-4764-2D78-1641-7FBE609CF701}"/>
+          </ac:grpSpMkLst>
+        </pc:grpChg>
+        <pc:grpChg chg="mod">
+          <ac:chgData name="Hasselwander Daniel" userId="c52ad4b4-8117-4235-b9f1-fab9bcac5934" providerId="ADAL" clId="{D38D4B8B-445C-754F-A08B-CFCB37CCC2E2}" dt="2023-03-14T23:40:53.644" v="4381" actId="14100"/>
+          <ac:grpSpMkLst>
+            <pc:docMk/>
+            <pc:sldMk cId="2903075094" sldId="10558"/>
+            <ac:grpSpMk id="27" creationId="{63533D81-F19A-73A2-CF76-6519662216D5}"/>
+          </ac:grpSpMkLst>
+        </pc:grpChg>
+        <pc:picChg chg="add del mod topLvl">
+          <ac:chgData name="Hasselwander Daniel" userId="c52ad4b4-8117-4235-b9f1-fab9bcac5934" providerId="ADAL" clId="{D38D4B8B-445C-754F-A08B-CFCB37CCC2E2}" dt="2023-03-14T23:40:59.448" v="4396" actId="1035"/>
+          <ac:picMkLst>
+            <pc:docMk/>
+            <pc:sldMk cId="2903075094" sldId="10558"/>
+            <ac:picMk id="7" creationId="{6EE2ABEB-FB4C-9202-13A6-444EC68C8F73}"/>
+          </ac:picMkLst>
+        </pc:picChg>
+        <pc:picChg chg="add mod">
+          <ac:chgData name="Hasselwander Daniel" userId="c52ad4b4-8117-4235-b9f1-fab9bcac5934" providerId="ADAL" clId="{D38D4B8B-445C-754F-A08B-CFCB37CCC2E2}" dt="2023-03-14T23:41:20.633" v="4456" actId="1035"/>
+          <ac:picMkLst>
+            <pc:docMk/>
+            <pc:sldMk cId="2903075094" sldId="10558"/>
+            <ac:picMk id="8" creationId="{C5F2824F-2824-A449-812C-BA506124C6A5}"/>
+          </ac:picMkLst>
+        </pc:picChg>
+        <pc:picChg chg="mod">
+          <ac:chgData name="Hasselwander Daniel" userId="c52ad4b4-8117-4235-b9f1-fab9bcac5934" providerId="ADAL" clId="{D38D4B8B-445C-754F-A08B-CFCB37CCC2E2}" dt="2023-03-14T23:40:44.519" v="4379" actId="1035"/>
+          <ac:picMkLst>
+            <pc:docMk/>
+            <pc:sldMk cId="2903075094" sldId="10558"/>
+            <ac:picMk id="10" creationId="{5144DC88-9037-6F92-AF60-94FF0F31E153}"/>
+          </ac:picMkLst>
+        </pc:picChg>
+        <pc:picChg chg="mod">
+          <ac:chgData name="Hasselwander Daniel" userId="c52ad4b4-8117-4235-b9f1-fab9bcac5934" providerId="ADAL" clId="{D38D4B8B-445C-754F-A08B-CFCB37CCC2E2}" dt="2023-03-14T23:40:44.519" v="4379" actId="1035"/>
+          <ac:picMkLst>
+            <pc:docMk/>
+            <pc:sldMk cId="2903075094" sldId="10558"/>
+            <ac:picMk id="11" creationId="{043322B8-46F7-D641-A6F1-EBBB7D974236}"/>
+          </ac:picMkLst>
+        </pc:picChg>
+        <pc:picChg chg="add mod">
+          <ac:chgData name="Hasselwander Daniel" userId="c52ad4b4-8117-4235-b9f1-fab9bcac5934" providerId="ADAL" clId="{D38D4B8B-445C-754F-A08B-CFCB37CCC2E2}" dt="2023-03-14T23:41:20.633" v="4456" actId="1035"/>
+          <ac:picMkLst>
+            <pc:docMk/>
+            <pc:sldMk cId="2903075094" sldId="10558"/>
+            <ac:picMk id="12" creationId="{28D1AE66-C189-ECAA-A581-6FE70CA61743}"/>
+          </ac:picMkLst>
+        </pc:picChg>
+        <pc:picChg chg="mod">
+          <ac:chgData name="Hasselwander Daniel" userId="c52ad4b4-8117-4235-b9f1-fab9bcac5934" providerId="ADAL" clId="{D38D4B8B-445C-754F-A08B-CFCB37CCC2E2}" dt="2023-03-14T23:40:44.519" v="4379" actId="1035"/>
+          <ac:picMkLst>
+            <pc:docMk/>
+            <pc:sldMk cId="2903075094" sldId="10558"/>
+            <ac:picMk id="14" creationId="{DC2D6182-0B50-01F6-27C0-10706372A9EC}"/>
+          </ac:picMkLst>
+        </pc:picChg>
+        <pc:picChg chg="add mod">
+          <ac:chgData name="Hasselwander Daniel" userId="c52ad4b4-8117-4235-b9f1-fab9bcac5934" providerId="ADAL" clId="{D38D4B8B-445C-754F-A08B-CFCB37CCC2E2}" dt="2023-03-14T23:41:20.633" v="4456" actId="1035"/>
+          <ac:picMkLst>
+            <pc:docMk/>
+            <pc:sldMk cId="2903075094" sldId="10558"/>
+            <ac:picMk id="16" creationId="{D9ACB206-AC20-D880-C97A-8E5F0DB7ABC9}"/>
+          </ac:picMkLst>
+        </pc:picChg>
+        <pc:picChg chg="add mod">
+          <ac:chgData name="Hasselwander Daniel" userId="c52ad4b4-8117-4235-b9f1-fab9bcac5934" providerId="ADAL" clId="{D38D4B8B-445C-754F-A08B-CFCB37CCC2E2}" dt="2023-03-14T23:41:20.633" v="4456" actId="1035"/>
+          <ac:picMkLst>
+            <pc:docMk/>
+            <pc:sldMk cId="2903075094" sldId="10558"/>
+            <ac:picMk id="17" creationId="{72665E90-FED2-2AC6-1487-A423E330DA4A}"/>
+          </ac:picMkLst>
+        </pc:picChg>
+        <pc:picChg chg="add mod">
+          <ac:chgData name="Hasselwander Daniel" userId="c52ad4b4-8117-4235-b9f1-fab9bcac5934" providerId="ADAL" clId="{D38D4B8B-445C-754F-A08B-CFCB37CCC2E2}" dt="2023-03-14T23:41:20.633" v="4456" actId="1035"/>
+          <ac:picMkLst>
+            <pc:docMk/>
+            <pc:sldMk cId="2903075094" sldId="10558"/>
+            <ac:picMk id="18" creationId="{48DD55BF-DD0D-B662-963A-94117C780429}"/>
+          </ac:picMkLst>
+        </pc:picChg>
+        <pc:picChg chg="mod">
+          <ac:chgData name="Hasselwander Daniel" userId="c52ad4b4-8117-4235-b9f1-fab9bcac5934" providerId="ADAL" clId="{D38D4B8B-445C-754F-A08B-CFCB37CCC2E2}" dt="2023-03-14T23:40:44.519" v="4379" actId="1035"/>
+          <ac:picMkLst>
+            <pc:docMk/>
+            <pc:sldMk cId="2903075094" sldId="10558"/>
+            <ac:picMk id="19" creationId="{E04F4936-F10C-9D0E-4A49-5411B665211A}"/>
+          </ac:picMkLst>
+        </pc:picChg>
+        <pc:picChg chg="mod">
+          <ac:chgData name="Hasselwander Daniel" userId="c52ad4b4-8117-4235-b9f1-fab9bcac5934" providerId="ADAL" clId="{D38D4B8B-445C-754F-A08B-CFCB37CCC2E2}" dt="2023-03-14T23:40:44.519" v="4379" actId="1035"/>
+          <ac:picMkLst>
+            <pc:docMk/>
+            <pc:sldMk cId="2903075094" sldId="10558"/>
+            <ac:picMk id="20" creationId="{C42F8841-778F-816A-CD80-73E02CFBD009}"/>
+          </ac:picMkLst>
+        </pc:picChg>
+        <pc:picChg chg="mod">
+          <ac:chgData name="Hasselwander Daniel" userId="c52ad4b4-8117-4235-b9f1-fab9bcac5934" providerId="ADAL" clId="{D38D4B8B-445C-754F-A08B-CFCB37CCC2E2}" dt="2023-03-14T23:40:44.519" v="4379" actId="1035"/>
+          <ac:picMkLst>
+            <pc:docMk/>
+            <pc:sldMk cId="2903075094" sldId="10558"/>
+            <ac:picMk id="21" creationId="{91B460F7-C326-506E-46CB-CD0A1A4A6052}"/>
+          </ac:picMkLst>
+        </pc:picChg>
+        <pc:picChg chg="add mod">
+          <ac:chgData name="Hasselwander Daniel" userId="c52ad4b4-8117-4235-b9f1-fab9bcac5934" providerId="ADAL" clId="{D38D4B8B-445C-754F-A08B-CFCB37CCC2E2}" dt="2023-03-14T23:41:20.633" v="4456" actId="1035"/>
+          <ac:picMkLst>
+            <pc:docMk/>
+            <pc:sldMk cId="2903075094" sldId="10558"/>
+            <ac:picMk id="22" creationId="{D3662A50-6AA1-75B2-F01E-045E12A96CCF}"/>
+          </ac:picMkLst>
+        </pc:picChg>
+      </pc:sldChg>
+      <pc:sldChg chg="add del">
+        <pc:chgData name="Hasselwander Daniel" userId="c52ad4b4-8117-4235-b9f1-fab9bcac5934" providerId="ADAL" clId="{D38D4B8B-445C-754F-A08B-CFCB37CCC2E2}" dt="2023-03-14T23:08:36.867" v="3496" actId="2696"/>
+        <pc:sldMkLst>
+          <pc:docMk/>
+          <pc:sldMk cId="1315065310" sldId="10559"/>
+        </pc:sldMkLst>
+      </pc:sldChg>
+      <pc:sldChg chg="add del">
+        <pc:chgData name="Hasselwander Daniel" userId="c52ad4b4-8117-4235-b9f1-fab9bcac5934" providerId="ADAL" clId="{D38D4B8B-445C-754F-A08B-CFCB37CCC2E2}" dt="2023-03-15T00:00:36.406" v="4838" actId="2696"/>
+        <pc:sldMkLst>
+          <pc:docMk/>
+          <pc:sldMk cId="3069852873" sldId="10559"/>
+        </pc:sldMkLst>
+      </pc:sldChg>
+      <pc:sldChg chg="add del">
+        <pc:chgData name="Hasselwander Daniel" userId="c52ad4b4-8117-4235-b9f1-fab9bcac5934" providerId="ADAL" clId="{D38D4B8B-445C-754F-A08B-CFCB37CCC2E2}" dt="2023-03-14T23:08:50.535" v="3512" actId="2696"/>
+        <pc:sldMkLst>
+          <pc:docMk/>
+          <pc:sldMk cId="3309130154" sldId="10559"/>
+        </pc:sldMkLst>
+      </pc:sldChg>
+      <pc:sldChg chg="addSp delSp modSp add mod modNotesTx">
+        <pc:chgData name="Hasselwander Daniel" userId="c52ad4b4-8117-4235-b9f1-fab9bcac5934" providerId="ADAL" clId="{D38D4B8B-445C-754F-A08B-CFCB37CCC2E2}" dt="2023-03-15T01:38:47.318" v="5825" actId="1076"/>
+        <pc:sldMkLst>
+          <pc:docMk/>
+          <pc:sldMk cId="3120055742" sldId="10560"/>
+        </pc:sldMkLst>
+        <pc:spChg chg="add mod">
+          <ac:chgData name="Hasselwander Daniel" userId="c52ad4b4-8117-4235-b9f1-fab9bcac5934" providerId="ADAL" clId="{D38D4B8B-445C-754F-A08B-CFCB37CCC2E2}" dt="2023-03-14T23:51:05.305" v="4603" actId="1076"/>
+          <ac:spMkLst>
+            <pc:docMk/>
+            <pc:sldMk cId="3120055742" sldId="10560"/>
+            <ac:spMk id="3" creationId="{B738DDB0-F9C5-B767-39AF-A191A57642E0}"/>
+          </ac:spMkLst>
+        </pc:spChg>
+        <pc:spChg chg="mod">
+          <ac:chgData name="Hasselwander Daniel" userId="c52ad4b4-8117-4235-b9f1-fab9bcac5934" providerId="ADAL" clId="{D38D4B8B-445C-754F-A08B-CFCB37CCC2E2}" dt="2023-03-14T23:56:31.917" v="4736" actId="1076"/>
+          <ac:spMkLst>
+            <pc:docMk/>
+            <pc:sldMk cId="3120055742" sldId="10560"/>
+            <ac:spMk id="4" creationId="{5AC1C1A7-D90E-01D1-7BB4-9F926415A9CB}"/>
+          </ac:spMkLst>
+        </pc:spChg>
+        <pc:spChg chg="add mod">
+          <ac:chgData name="Hasselwander Daniel" userId="c52ad4b4-8117-4235-b9f1-fab9bcac5934" providerId="ADAL" clId="{D38D4B8B-445C-754F-A08B-CFCB37CCC2E2}" dt="2023-03-15T00:00:29.373" v="4837" actId="1038"/>
+          <ac:spMkLst>
+            <pc:docMk/>
+            <pc:sldMk cId="3120055742" sldId="10560"/>
+            <ac:spMk id="5" creationId="{38773551-C4B9-8501-5E92-22B24FD3EC98}"/>
+          </ac:spMkLst>
+        </pc:spChg>
+        <pc:spChg chg="del mod topLvl">
+          <ac:chgData name="Hasselwander Daniel" userId="c52ad4b4-8117-4235-b9f1-fab9bcac5934" providerId="ADAL" clId="{D38D4B8B-445C-754F-A08B-CFCB37CCC2E2}" dt="2023-03-14T23:53:53.024" v="4663" actId="478"/>
+          <ac:spMkLst>
+            <pc:docMk/>
+            <pc:sldMk cId="3120055742" sldId="10560"/>
+            <ac:spMk id="6" creationId="{06CBD43E-EF12-6B11-306B-329A845A4912}"/>
+          </ac:spMkLst>
+        </pc:spChg>
+        <pc:spChg chg="add mod">
+          <ac:chgData name="Hasselwander Daniel" userId="c52ad4b4-8117-4235-b9f1-fab9bcac5934" providerId="ADAL" clId="{D38D4B8B-445C-754F-A08B-CFCB37CCC2E2}" dt="2023-03-15T01:25:02.294" v="5506" actId="14100"/>
+          <ac:spMkLst>
+            <pc:docMk/>
+            <pc:sldMk cId="3120055742" sldId="10560"/>
+            <ac:spMk id="6" creationId="{4ADC4EF0-E08D-EDB4-822C-31510FE01C55}"/>
+          </ac:spMkLst>
+        </pc:spChg>
+        <pc:spChg chg="add del mod">
+          <ac:chgData name="Hasselwander Daniel" userId="c52ad4b4-8117-4235-b9f1-fab9bcac5934" providerId="ADAL" clId="{D38D4B8B-445C-754F-A08B-CFCB37CCC2E2}" dt="2023-03-15T01:38:40.025" v="5823" actId="478"/>
+          <ac:spMkLst>
+            <pc:docMk/>
+            <pc:sldMk cId="3120055742" sldId="10560"/>
+            <ac:spMk id="7" creationId="{0EA6A17D-C8EC-ECDA-4B26-33F1A4C0F467}"/>
+          </ac:spMkLst>
+        </pc:spChg>
+        <pc:spChg chg="add mod">
+          <ac:chgData name="Hasselwander Daniel" userId="c52ad4b4-8117-4235-b9f1-fab9bcac5934" providerId="ADAL" clId="{D38D4B8B-445C-754F-A08B-CFCB37CCC2E2}" dt="2023-03-15T01:38:47.318" v="5825" actId="1076"/>
+          <ac:spMkLst>
+            <pc:docMk/>
+            <pc:sldMk cId="3120055742" sldId="10560"/>
+            <ac:spMk id="8" creationId="{FA488A4B-89C3-E0DF-8472-5E86F429219C}"/>
+          </ac:spMkLst>
+        </pc:spChg>
+        <pc:spChg chg="del mod">
+          <ac:chgData name="Hasselwander Daniel" userId="c52ad4b4-8117-4235-b9f1-fab9bcac5934" providerId="ADAL" clId="{D38D4B8B-445C-754F-A08B-CFCB37CCC2E2}" dt="2023-03-14T23:55:25.850" v="4696" actId="478"/>
+          <ac:spMkLst>
+            <pc:docMk/>
+            <pc:sldMk cId="3120055742" sldId="10560"/>
+            <ac:spMk id="13" creationId="{5732D903-9239-BAAE-756E-28573EF086BB}"/>
+          </ac:spMkLst>
+        </pc:spChg>
+        <pc:spChg chg="mod">
+          <ac:chgData name="Hasselwander Daniel" userId="c52ad4b4-8117-4235-b9f1-fab9bcac5934" providerId="ADAL" clId="{D38D4B8B-445C-754F-A08B-CFCB37CCC2E2}" dt="2023-03-14T23:50:42.977" v="4598" actId="20577"/>
+          <ac:spMkLst>
+            <pc:docMk/>
+            <pc:sldMk cId="3120055742" sldId="10560"/>
+            <ac:spMk id="15" creationId="{1BD9B7C1-5860-C447-7FC6-D510200F75A2}"/>
+          </ac:spMkLst>
+        </pc:spChg>
+        <pc:spChg chg="add del mod">
+          <ac:chgData name="Hasselwander Daniel" userId="c52ad4b4-8117-4235-b9f1-fab9bcac5934" providerId="ADAL" clId="{D38D4B8B-445C-754F-A08B-CFCB37CCC2E2}" dt="2023-03-14T23:52:55.864" v="4643" actId="478"/>
+          <ac:spMkLst>
+            <pc:docMk/>
+            <pc:sldMk cId="3120055742" sldId="10560"/>
+            <ac:spMk id="24" creationId="{5873BCEE-EFB2-2B6F-93C4-26117739CEB8}"/>
+          </ac:spMkLst>
+        </pc:spChg>
+        <pc:spChg chg="add del mod">
+          <ac:chgData name="Hasselwander Daniel" userId="c52ad4b4-8117-4235-b9f1-fab9bcac5934" providerId="ADAL" clId="{D38D4B8B-445C-754F-A08B-CFCB37CCC2E2}" dt="2023-03-14T23:55:42.530" v="4698" actId="14100"/>
+          <ac:spMkLst>
+            <pc:docMk/>
+            <pc:sldMk cId="3120055742" sldId="10560"/>
+            <ac:spMk id="25" creationId="{D9E47D63-462E-878B-6B6D-7809AC703CC7}"/>
+          </ac:spMkLst>
+        </pc:spChg>
+        <pc:spChg chg="add mod">
+          <ac:chgData name="Hasselwander Daniel" userId="c52ad4b4-8117-4235-b9f1-fab9bcac5934" providerId="ADAL" clId="{D38D4B8B-445C-754F-A08B-CFCB37CCC2E2}" dt="2023-03-15T00:00:27.889" v="4833" actId="1038"/>
+          <ac:spMkLst>
+            <pc:docMk/>
+            <pc:sldMk cId="3120055742" sldId="10560"/>
+            <ac:spMk id="33" creationId="{A6469D15-D0E0-CC8D-963A-72E84396E95E}"/>
+          </ac:spMkLst>
+        </pc:spChg>
+        <pc:spChg chg="add mod">
+          <ac:chgData name="Hasselwander Daniel" userId="c52ad4b4-8117-4235-b9f1-fab9bcac5934" providerId="ADAL" clId="{D38D4B8B-445C-754F-A08B-CFCB37CCC2E2}" dt="2023-03-15T01:24:37.685" v="5484" actId="207"/>
+          <ac:spMkLst>
+            <pc:docMk/>
+            <pc:sldMk cId="3120055742" sldId="10560"/>
+            <ac:spMk id="34" creationId="{5B561C73-7460-F9D1-F1EF-E774F6E19414}"/>
+          </ac:spMkLst>
+        </pc:spChg>
+        <pc:spChg chg="add mod">
+          <ac:chgData name="Hasselwander Daniel" userId="c52ad4b4-8117-4235-b9f1-fab9bcac5934" providerId="ADAL" clId="{D38D4B8B-445C-754F-A08B-CFCB37CCC2E2}" dt="2023-03-15T01:25:34.186" v="5513" actId="20577"/>
+          <ac:spMkLst>
+            <pc:docMk/>
+            <pc:sldMk cId="3120055742" sldId="10560"/>
+            <ac:spMk id="35" creationId="{B9113FCD-F338-64EC-DB8D-E40CE0C13D0B}"/>
+          </ac:spMkLst>
+        </pc:spChg>
+        <pc:grpChg chg="del mod">
+          <ac:chgData name="Hasselwander Daniel" userId="c52ad4b4-8117-4235-b9f1-fab9bcac5934" providerId="ADAL" clId="{D38D4B8B-445C-754F-A08B-CFCB37CCC2E2}" dt="2023-03-14T23:53:38.659" v="4648" actId="478"/>
+          <ac:grpSpMkLst>
+            <pc:docMk/>
+            <pc:sldMk cId="3120055742" sldId="10560"/>
+            <ac:grpSpMk id="9" creationId="{9B753660-4764-2D78-1641-7FBE609CF701}"/>
+          </ac:grpSpMkLst>
+        </pc:grpChg>
+        <pc:grpChg chg="del">
+          <ac:chgData name="Hasselwander Daniel" userId="c52ad4b4-8117-4235-b9f1-fab9bcac5934" providerId="ADAL" clId="{D38D4B8B-445C-754F-A08B-CFCB37CCC2E2}" dt="2023-03-14T23:50:50.760" v="4599" actId="478"/>
+          <ac:grpSpMkLst>
+            <pc:docMk/>
+            <pc:sldMk cId="3120055742" sldId="10560"/>
+            <ac:grpSpMk id="27" creationId="{63533D81-F19A-73A2-CF76-6519662216D5}"/>
+          </ac:grpSpMkLst>
+        </pc:grpChg>
+        <pc:picChg chg="del topLvl">
+          <ac:chgData name="Hasselwander Daniel" userId="c52ad4b4-8117-4235-b9f1-fab9bcac5934" providerId="ADAL" clId="{D38D4B8B-445C-754F-A08B-CFCB37CCC2E2}" dt="2023-03-14T23:53:38.659" v="4648" actId="478"/>
+          <ac:picMkLst>
+            <pc:docMk/>
+            <pc:sldMk cId="3120055742" sldId="10560"/>
+            <ac:picMk id="7" creationId="{6EE2ABEB-FB4C-9202-13A6-444EC68C8F73}"/>
+          </ac:picMkLst>
+        </pc:picChg>
+        <pc:picChg chg="del">
+          <ac:chgData name="Hasselwander Daniel" userId="c52ad4b4-8117-4235-b9f1-fab9bcac5934" providerId="ADAL" clId="{D38D4B8B-445C-754F-A08B-CFCB37CCC2E2}" dt="2023-03-14T23:51:13.227" v="4614" actId="478"/>
+          <ac:picMkLst>
+            <pc:docMk/>
+            <pc:sldMk cId="3120055742" sldId="10560"/>
+            <ac:picMk id="8" creationId="{C5F2824F-2824-A449-812C-BA506124C6A5}"/>
+          </ac:picMkLst>
+        </pc:picChg>
+        <pc:picChg chg="del">
+          <ac:chgData name="Hasselwander Daniel" userId="c52ad4b4-8117-4235-b9f1-fab9bcac5934" providerId="ADAL" clId="{D38D4B8B-445C-754F-A08B-CFCB37CCC2E2}" dt="2023-03-14T23:51:14.930" v="4615" actId="478"/>
+          <ac:picMkLst>
+            <pc:docMk/>
+            <pc:sldMk cId="3120055742" sldId="10560"/>
+            <ac:picMk id="12" creationId="{28D1AE66-C189-ECAA-A581-6FE70CA61743}"/>
+          </ac:picMkLst>
+        </pc:picChg>
+        <pc:picChg chg="del">
+          <ac:chgData name="Hasselwander Daniel" userId="c52ad4b4-8117-4235-b9f1-fab9bcac5934" providerId="ADAL" clId="{D38D4B8B-445C-754F-A08B-CFCB37CCC2E2}" dt="2023-03-14T23:51:16.501" v="4616" actId="478"/>
+          <ac:picMkLst>
+            <pc:docMk/>
+            <pc:sldMk cId="3120055742" sldId="10560"/>
+            <ac:picMk id="16" creationId="{D9ACB206-AC20-D880-C97A-8E5F0DB7ABC9}"/>
+          </ac:picMkLst>
+        </pc:picChg>
+        <pc:picChg chg="del">
+          <ac:chgData name="Hasselwander Daniel" userId="c52ad4b4-8117-4235-b9f1-fab9bcac5934" providerId="ADAL" clId="{D38D4B8B-445C-754F-A08B-CFCB37CCC2E2}" dt="2023-03-14T23:51:16.986" v="4617" actId="478"/>
+          <ac:picMkLst>
+            <pc:docMk/>
+            <pc:sldMk cId="3120055742" sldId="10560"/>
+            <ac:picMk id="17" creationId="{72665E90-FED2-2AC6-1487-A423E330DA4A}"/>
+          </ac:picMkLst>
+        </pc:picChg>
+        <pc:picChg chg="del">
+          <ac:chgData name="Hasselwander Daniel" userId="c52ad4b4-8117-4235-b9f1-fab9bcac5934" providerId="ADAL" clId="{D38D4B8B-445C-754F-A08B-CFCB37CCC2E2}" dt="2023-03-14T23:51:17.781" v="4618" actId="478"/>
+          <ac:picMkLst>
+            <pc:docMk/>
+            <pc:sldMk cId="3120055742" sldId="10560"/>
+            <ac:picMk id="18" creationId="{48DD55BF-DD0D-B662-963A-94117C780429}"/>
+          </ac:picMkLst>
+        </pc:picChg>
+        <pc:picChg chg="del">
+          <ac:chgData name="Hasselwander Daniel" userId="c52ad4b4-8117-4235-b9f1-fab9bcac5934" providerId="ADAL" clId="{D38D4B8B-445C-754F-A08B-CFCB37CCC2E2}" dt="2023-03-14T23:51:18.114" v="4619" actId="478"/>
+          <ac:picMkLst>
+            <pc:docMk/>
+            <pc:sldMk cId="3120055742" sldId="10560"/>
+            <ac:picMk id="22" creationId="{D3662A50-6AA1-75B2-F01E-045E12A96CCF}"/>
+          </ac:picMkLst>
+        </pc:picChg>
+        <pc:picChg chg="add mod">
+          <ac:chgData name="Hasselwander Daniel" userId="c52ad4b4-8117-4235-b9f1-fab9bcac5934" providerId="ADAL" clId="{D38D4B8B-445C-754F-A08B-CFCB37CCC2E2}" dt="2023-03-14T23:53:26.438" v="4647" actId="1076"/>
+          <ac:picMkLst>
+            <pc:docMk/>
+            <pc:sldMk cId="3120055742" sldId="10560"/>
+            <ac:picMk id="23" creationId="{311EDA72-97BC-FD2B-64E4-DCB16B3B7F57}"/>
+          </ac:picMkLst>
+        </pc:picChg>
+        <pc:picChg chg="add mod">
+          <ac:chgData name="Hasselwander Daniel" userId="c52ad4b4-8117-4235-b9f1-fab9bcac5934" providerId="ADAL" clId="{D38D4B8B-445C-754F-A08B-CFCB37CCC2E2}" dt="2023-03-14T23:53:26.438" v="4647" actId="1076"/>
+          <ac:picMkLst>
+            <pc:docMk/>
+            <pc:sldMk cId="3120055742" sldId="10560"/>
+            <ac:picMk id="28" creationId="{82C7379A-8DDE-6980-737C-8F73C787F166}"/>
+          </ac:picMkLst>
+        </pc:picChg>
+        <pc:picChg chg="add mod">
+          <ac:chgData name="Hasselwander Daniel" userId="c52ad4b4-8117-4235-b9f1-fab9bcac5934" providerId="ADAL" clId="{D38D4B8B-445C-754F-A08B-CFCB37CCC2E2}" dt="2023-03-14T23:53:26.438" v="4647" actId="1076"/>
+          <ac:picMkLst>
+            <pc:docMk/>
+            <pc:sldMk cId="3120055742" sldId="10560"/>
+            <ac:picMk id="29" creationId="{2E3D43E7-A169-8010-217C-51FFA25B9302}"/>
+          </ac:picMkLst>
+        </pc:picChg>
+        <pc:picChg chg="add mod">
+          <ac:chgData name="Hasselwander Daniel" userId="c52ad4b4-8117-4235-b9f1-fab9bcac5934" providerId="ADAL" clId="{D38D4B8B-445C-754F-A08B-CFCB37CCC2E2}" dt="2023-03-14T23:53:26.438" v="4647" actId="1076"/>
+          <ac:picMkLst>
+            <pc:docMk/>
+            <pc:sldMk cId="3120055742" sldId="10560"/>
+            <ac:picMk id="30" creationId="{0B513761-116B-BFC7-4BE9-E5C6D8FDDA30}"/>
+          </ac:picMkLst>
+        </pc:picChg>
+        <pc:picChg chg="add mod">
+          <ac:chgData name="Hasselwander Daniel" userId="c52ad4b4-8117-4235-b9f1-fab9bcac5934" providerId="ADAL" clId="{D38D4B8B-445C-754F-A08B-CFCB37CCC2E2}" dt="2023-03-14T23:53:26.438" v="4647" actId="1076"/>
+          <ac:picMkLst>
+            <pc:docMk/>
+            <pc:sldMk cId="3120055742" sldId="10560"/>
+            <ac:picMk id="31" creationId="{0E4E347A-5866-1831-B1AF-CE4CA9A85FA1}"/>
+          </ac:picMkLst>
+        </pc:picChg>
+        <pc:picChg chg="add mod">
+          <ac:chgData name="Hasselwander Daniel" userId="c52ad4b4-8117-4235-b9f1-fab9bcac5934" providerId="ADAL" clId="{D38D4B8B-445C-754F-A08B-CFCB37CCC2E2}" dt="2023-03-14T23:53:26.438" v="4647" actId="1076"/>
+          <ac:picMkLst>
+            <pc:docMk/>
+            <pc:sldMk cId="3120055742" sldId="10560"/>
+            <ac:picMk id="32" creationId="{F2D738AA-54D3-4326-7BC6-F5E1FF7B32F0}"/>
+          </ac:picMkLst>
+        </pc:picChg>
+      </pc:sldChg>
+      <pc:sldChg chg="add del ord">
+        <pc:chgData name="Hasselwander Daniel" userId="c52ad4b4-8117-4235-b9f1-fab9bcac5934" providerId="ADAL" clId="{D38D4B8B-445C-754F-A08B-CFCB37CCC2E2}" dt="2023-03-14T23:38:47.567" v="4335" actId="2696"/>
+        <pc:sldMkLst>
+          <pc:docMk/>
+          <pc:sldMk cId="65471254" sldId="10561"/>
+        </pc:sldMkLst>
+      </pc:sldChg>
+      <pc:sldChg chg="add del">
+        <pc:chgData name="Hasselwander Daniel" userId="c52ad4b4-8117-4235-b9f1-fab9bcac5934" providerId="ADAL" clId="{D38D4B8B-445C-754F-A08B-CFCB37CCC2E2}" dt="2023-03-14T23:50:36.832" v="4588" actId="2696"/>
+        <pc:sldMkLst>
+          <pc:docMk/>
+          <pc:sldMk cId="813636160" sldId="10561"/>
+        </pc:sldMkLst>
+      </pc:sldChg>
+      <pc:sldChg chg="addSp delSp modSp add mod modNotesTx">
+        <pc:chgData name="Hasselwander Daniel" userId="c52ad4b4-8117-4235-b9f1-fab9bcac5934" providerId="ADAL" clId="{D38D4B8B-445C-754F-A08B-CFCB37CCC2E2}" dt="2023-03-15T00:54:22.290" v="4999" actId="478"/>
+        <pc:sldMkLst>
+          <pc:docMk/>
+          <pc:sldMk cId="3455531629" sldId="10562"/>
+        </pc:sldMkLst>
+        <pc:spChg chg="mod">
+          <ac:chgData name="Hasselwander Daniel" userId="c52ad4b4-8117-4235-b9f1-fab9bcac5934" providerId="ADAL" clId="{D38D4B8B-445C-754F-A08B-CFCB37CCC2E2}" dt="2023-03-14T23:46:24.286" v="4548" actId="1076"/>
+          <ac:spMkLst>
+            <pc:docMk/>
+            <pc:sldMk cId="3455531629" sldId="10562"/>
+            <ac:spMk id="4" creationId="{5AC1C1A7-D90E-01D1-7BB4-9F926415A9CB}"/>
+          </ac:spMkLst>
+        </pc:spChg>
+        <pc:spChg chg="del topLvl">
+          <ac:chgData name="Hasselwander Daniel" userId="c52ad4b4-8117-4235-b9f1-fab9bcac5934" providerId="ADAL" clId="{D38D4B8B-445C-754F-A08B-CFCB37CCC2E2}" dt="2023-03-15T00:54:22.290" v="4999" actId="478"/>
+          <ac:spMkLst>
+            <pc:docMk/>
+            <pc:sldMk cId="3455531629" sldId="10562"/>
+            <ac:spMk id="6" creationId="{06CBD43E-EF12-6B11-306B-329A845A4912}"/>
+          </ac:spMkLst>
+        </pc:spChg>
+        <pc:spChg chg="mod">
+          <ac:chgData name="Hasselwander Daniel" userId="c52ad4b4-8117-4235-b9f1-fab9bcac5934" providerId="ADAL" clId="{D38D4B8B-445C-754F-A08B-CFCB37CCC2E2}" dt="2023-03-14T23:46:31.380" v="4550" actId="1076"/>
+          <ac:spMkLst>
+            <pc:docMk/>
+            <pc:sldMk cId="3455531629" sldId="10562"/>
+            <ac:spMk id="13" creationId="{5732D903-9239-BAAE-756E-28573EF086BB}"/>
+          </ac:spMkLst>
+        </pc:spChg>
+        <pc:spChg chg="add del mod">
+          <ac:chgData name="Hasselwander Daniel" userId="c52ad4b4-8117-4235-b9f1-fab9bcac5934" providerId="ADAL" clId="{D38D4B8B-445C-754F-A08B-CFCB37CCC2E2}" dt="2023-03-14T23:48:03.886" v="4579" actId="478"/>
+          <ac:spMkLst>
+            <pc:docMk/>
+            <pc:sldMk cId="3455531629" sldId="10562"/>
+            <ac:spMk id="23" creationId="{513520EB-F103-C0F3-E1A8-2CA6895FAE2C}"/>
+          </ac:spMkLst>
+        </pc:spChg>
+        <pc:spChg chg="mod">
+          <ac:chgData name="Hasselwander Daniel" userId="c52ad4b4-8117-4235-b9f1-fab9bcac5934" providerId="ADAL" clId="{D38D4B8B-445C-754F-A08B-CFCB37CCC2E2}" dt="2023-03-14T23:46:41.480" v="4553" actId="1076"/>
+          <ac:spMkLst>
+            <pc:docMk/>
+            <pc:sldMk cId="3455531629" sldId="10562"/>
+            <ac:spMk id="24" creationId="{5873BCEE-EFB2-2B6F-93C4-26117739CEB8}"/>
+          </ac:spMkLst>
+        </pc:spChg>
+        <pc:spChg chg="mod">
+          <ac:chgData name="Hasselwander Daniel" userId="c52ad4b4-8117-4235-b9f1-fab9bcac5934" providerId="ADAL" clId="{D38D4B8B-445C-754F-A08B-CFCB37CCC2E2}" dt="2023-03-15T00:54:00.048" v="4996" actId="6549"/>
+          <ac:spMkLst>
+            <pc:docMk/>
+            <pc:sldMk cId="3455531629" sldId="10562"/>
+            <ac:spMk id="25" creationId="{D9E47D63-462E-878B-6B6D-7809AC703CC7}"/>
+          </ac:spMkLst>
+        </pc:spChg>
+        <pc:spChg chg="add del mod">
+          <ac:chgData name="Hasselwander Daniel" userId="c52ad4b4-8117-4235-b9f1-fab9bcac5934" providerId="ADAL" clId="{D38D4B8B-445C-754F-A08B-CFCB37CCC2E2}" dt="2023-03-14T23:45:24.802" v="4499" actId="478"/>
+          <ac:spMkLst>
+            <pc:docMk/>
+            <pc:sldMk cId="3455531629" sldId="10562"/>
+            <ac:spMk id="28" creationId="{F8695951-9A4A-6D19-8004-B2341BAAE07A}"/>
+          </ac:spMkLst>
+        </pc:spChg>
+        <pc:spChg chg="add del mod">
+          <ac:chgData name="Hasselwander Daniel" userId="c52ad4b4-8117-4235-b9f1-fab9bcac5934" providerId="ADAL" clId="{D38D4B8B-445C-754F-A08B-CFCB37CCC2E2}" dt="2023-03-14T23:48:02.400" v="4578" actId="478"/>
+          <ac:spMkLst>
+            <pc:docMk/>
+            <pc:sldMk cId="3455531629" sldId="10562"/>
+            <ac:spMk id="29" creationId="{18A716D3-98F5-E16A-3613-E046C8A5EC33}"/>
+          </ac:spMkLst>
+        </pc:spChg>
+        <pc:grpChg chg="del mod">
+          <ac:chgData name="Hasselwander Daniel" userId="c52ad4b4-8117-4235-b9f1-fab9bcac5934" providerId="ADAL" clId="{D38D4B8B-445C-754F-A08B-CFCB37CCC2E2}" dt="2023-03-15T00:54:20.019" v="4998" actId="478"/>
+          <ac:grpSpMkLst>
+            <pc:docMk/>
+            <pc:sldMk cId="3455531629" sldId="10562"/>
+            <ac:grpSpMk id="9" creationId="{9B753660-4764-2D78-1641-7FBE609CF701}"/>
+          </ac:grpSpMkLst>
+        </pc:grpChg>
+        <pc:picChg chg="del topLvl">
+          <ac:chgData name="Hasselwander Daniel" userId="c52ad4b4-8117-4235-b9f1-fab9bcac5934" providerId="ADAL" clId="{D38D4B8B-445C-754F-A08B-CFCB37CCC2E2}" dt="2023-03-15T00:54:20.019" v="4998" actId="478"/>
+          <ac:picMkLst>
+            <pc:docMk/>
+            <pc:sldMk cId="3455531629" sldId="10562"/>
+            <ac:picMk id="7" creationId="{6EE2ABEB-FB4C-9202-13A6-444EC68C8F73}"/>
+          </ac:picMkLst>
+        </pc:picChg>
+        <pc:picChg chg="del mod">
+          <ac:chgData name="Hasselwander Daniel" userId="c52ad4b4-8117-4235-b9f1-fab9bcac5934" providerId="ADAL" clId="{D38D4B8B-445C-754F-A08B-CFCB37CCC2E2}" dt="2023-03-15T00:53:52.103" v="4992" actId="478"/>
+          <ac:picMkLst>
+            <pc:docMk/>
+            <pc:sldMk cId="3455531629" sldId="10562"/>
+            <ac:picMk id="8" creationId="{C5F2824F-2824-A449-812C-BA506124C6A5}"/>
+          </ac:picMkLst>
+        </pc:picChg>
+        <pc:picChg chg="del mod">
+          <ac:chgData name="Hasselwander Daniel" userId="c52ad4b4-8117-4235-b9f1-fab9bcac5934" providerId="ADAL" clId="{D38D4B8B-445C-754F-A08B-CFCB37CCC2E2}" dt="2023-03-15T00:53:52.103" v="4992" actId="478"/>
+          <ac:picMkLst>
+            <pc:docMk/>
+            <pc:sldMk cId="3455531629" sldId="10562"/>
+            <ac:picMk id="12" creationId="{28D1AE66-C189-ECAA-A581-6FE70CA61743}"/>
+          </ac:picMkLst>
+        </pc:picChg>
+        <pc:picChg chg="del mod">
+          <ac:chgData name="Hasselwander Daniel" userId="c52ad4b4-8117-4235-b9f1-fab9bcac5934" providerId="ADAL" clId="{D38D4B8B-445C-754F-A08B-CFCB37CCC2E2}" dt="2023-03-15T00:53:52.103" v="4992" actId="478"/>
+          <ac:picMkLst>
+            <pc:docMk/>
+            <pc:sldMk cId="3455531629" sldId="10562"/>
+            <ac:picMk id="16" creationId="{D9ACB206-AC20-D880-C97A-8E5F0DB7ABC9}"/>
+          </ac:picMkLst>
+        </pc:picChg>
+        <pc:picChg chg="del mod">
+          <ac:chgData name="Hasselwander Daniel" userId="c52ad4b4-8117-4235-b9f1-fab9bcac5934" providerId="ADAL" clId="{D38D4B8B-445C-754F-A08B-CFCB37CCC2E2}" dt="2023-03-15T00:53:52.103" v="4992" actId="478"/>
+          <ac:picMkLst>
+            <pc:docMk/>
+            <pc:sldMk cId="3455531629" sldId="10562"/>
+            <ac:picMk id="17" creationId="{72665E90-FED2-2AC6-1487-A423E330DA4A}"/>
+          </ac:picMkLst>
+        </pc:picChg>
+        <pc:picChg chg="del mod">
+          <ac:chgData name="Hasselwander Daniel" userId="c52ad4b4-8117-4235-b9f1-fab9bcac5934" providerId="ADAL" clId="{D38D4B8B-445C-754F-A08B-CFCB37CCC2E2}" dt="2023-03-15T00:53:52.103" v="4992" actId="478"/>
+          <ac:picMkLst>
+            <pc:docMk/>
+            <pc:sldMk cId="3455531629" sldId="10562"/>
+            <ac:picMk id="18" creationId="{48DD55BF-DD0D-B662-963A-94117C780429}"/>
+          </ac:picMkLst>
+        </pc:picChg>
+        <pc:picChg chg="del mod">
+          <ac:chgData name="Hasselwander Daniel" userId="c52ad4b4-8117-4235-b9f1-fab9bcac5934" providerId="ADAL" clId="{D38D4B8B-445C-754F-A08B-CFCB37CCC2E2}" dt="2023-03-15T00:53:53.977" v="4993" actId="478"/>
+          <ac:picMkLst>
+            <pc:docMk/>
+            <pc:sldMk cId="3455531629" sldId="10562"/>
+            <ac:picMk id="22" creationId="{D3662A50-6AA1-75B2-F01E-045E12A96CCF}"/>
+          </ac:picMkLst>
+        </pc:picChg>
+        <pc:cxnChg chg="add del">
+          <ac:chgData name="Hasselwander Daniel" userId="c52ad4b4-8117-4235-b9f1-fab9bcac5934" providerId="ADAL" clId="{D38D4B8B-445C-754F-A08B-CFCB37CCC2E2}" dt="2023-03-14T23:44:11.189" v="4484" actId="478"/>
+          <ac:cxnSpMkLst>
+            <pc:docMk/>
+            <pc:sldMk cId="3455531629" sldId="10562"/>
+            <ac:cxnSpMk id="5" creationId="{CC513A2E-6A3D-2D6C-6060-051B6099B0D0}"/>
+          </ac:cxnSpMkLst>
+        </pc:cxnChg>
+      </pc:sldChg>
+      <pc:sldChg chg="add del">
+        <pc:chgData name="Hasselwander Daniel" userId="c52ad4b4-8117-4235-b9f1-fab9bcac5934" providerId="ADAL" clId="{D38D4B8B-445C-754F-A08B-CFCB37CCC2E2}" dt="2023-03-14T23:49:12.547" v="4585" actId="2696"/>
+        <pc:sldMkLst>
+          <pc:docMk/>
+          <pc:sldMk cId="1105059018" sldId="10563"/>
+        </pc:sldMkLst>
+      </pc:sldChg>
+      <pc:sldChg chg="addSp delSp modSp add mod modNotesTx">
+        <pc:chgData name="Hasselwander Daniel" userId="c52ad4b4-8117-4235-b9f1-fab9bcac5934" providerId="ADAL" clId="{D38D4B8B-445C-754F-A08B-CFCB37CCC2E2}" dt="2023-03-15T00:54:34.109" v="5007" actId="20577"/>
+        <pc:sldMkLst>
+          <pc:docMk/>
+          <pc:sldMk cId="3829906805" sldId="10564"/>
+        </pc:sldMkLst>
+        <pc:spChg chg="add del">
+          <ac:chgData name="Hasselwander Daniel" userId="c52ad4b4-8117-4235-b9f1-fab9bcac5934" providerId="ADAL" clId="{D38D4B8B-445C-754F-A08B-CFCB37CCC2E2}" dt="2023-03-15T00:53:14.095" v="4980" actId="22"/>
+          <ac:spMkLst>
+            <pc:docMk/>
+            <pc:sldMk cId="3829906805" sldId="10564"/>
+            <ac:spMk id="5" creationId="{B451FA53-F5BA-2081-46C5-45BCF0771E39}"/>
+          </ac:spMkLst>
+        </pc:spChg>
+        <pc:spChg chg="del">
+          <ac:chgData name="Hasselwander Daniel" userId="c52ad4b4-8117-4235-b9f1-fab9bcac5934" providerId="ADAL" clId="{D38D4B8B-445C-754F-A08B-CFCB37CCC2E2}" dt="2023-03-15T00:54:26.317" v="5000" actId="478"/>
+          <ac:spMkLst>
+            <pc:docMk/>
+            <pc:sldMk cId="3829906805" sldId="10564"/>
+            <ac:spMk id="23" creationId="{513520EB-F103-C0F3-E1A8-2CA6895FAE2C}"/>
+          </ac:spMkLst>
+        </pc:spChg>
+        <pc:spChg chg="mod">
+          <ac:chgData name="Hasselwander Daniel" userId="c52ad4b4-8117-4235-b9f1-fab9bcac5934" providerId="ADAL" clId="{D38D4B8B-445C-754F-A08B-CFCB37CCC2E2}" dt="2023-03-15T00:54:34.109" v="5007" actId="20577"/>
+          <ac:spMkLst>
+            <pc:docMk/>
+            <pc:sldMk cId="3829906805" sldId="10564"/>
+            <ac:spMk id="25" creationId="{D9E47D63-462E-878B-6B6D-7809AC703CC7}"/>
+          </ac:spMkLst>
+        </pc:spChg>
+        <pc:picChg chg="del">
+          <ac:chgData name="Hasselwander Daniel" userId="c52ad4b4-8117-4235-b9f1-fab9bcac5934" providerId="ADAL" clId="{D38D4B8B-445C-754F-A08B-CFCB37CCC2E2}" dt="2023-03-15T00:54:28.085" v="5001" actId="478"/>
+          <ac:picMkLst>
+            <pc:docMk/>
+            <pc:sldMk cId="3829906805" sldId="10564"/>
+            <ac:picMk id="8" creationId="{C5F2824F-2824-A449-812C-BA506124C6A5}"/>
+          </ac:picMkLst>
+        </pc:picChg>
+        <pc:picChg chg="del">
+          <ac:chgData name="Hasselwander Daniel" userId="c52ad4b4-8117-4235-b9f1-fab9bcac5934" providerId="ADAL" clId="{D38D4B8B-445C-754F-A08B-CFCB37CCC2E2}" dt="2023-03-15T00:54:28.934" v="5002" actId="478"/>
+          <ac:picMkLst>
+            <pc:docMk/>
+            <pc:sldMk cId="3829906805" sldId="10564"/>
+            <ac:picMk id="12" creationId="{28D1AE66-C189-ECAA-A581-6FE70CA61743}"/>
+          </ac:picMkLst>
+        </pc:picChg>
+        <pc:picChg chg="del">
+          <ac:chgData name="Hasselwander Daniel" userId="c52ad4b4-8117-4235-b9f1-fab9bcac5934" providerId="ADAL" clId="{D38D4B8B-445C-754F-A08B-CFCB37CCC2E2}" dt="2023-03-15T00:54:29.790" v="5004" actId="478"/>
+          <ac:picMkLst>
+            <pc:docMk/>
+            <pc:sldMk cId="3829906805" sldId="10564"/>
+            <ac:picMk id="16" creationId="{D9ACB206-AC20-D880-C97A-8E5F0DB7ABC9}"/>
+          </ac:picMkLst>
+        </pc:picChg>
+        <pc:picChg chg="del">
+          <ac:chgData name="Hasselwander Daniel" userId="c52ad4b4-8117-4235-b9f1-fab9bcac5934" providerId="ADAL" clId="{D38D4B8B-445C-754F-A08B-CFCB37CCC2E2}" dt="2023-03-15T00:54:29.233" v="5003" actId="478"/>
+          <ac:picMkLst>
+            <pc:docMk/>
+            <pc:sldMk cId="3829906805" sldId="10564"/>
+            <ac:picMk id="17" creationId="{72665E90-FED2-2AC6-1487-A423E330DA4A}"/>
+          </ac:picMkLst>
+        </pc:picChg>
+        <pc:picChg chg="del">
+          <ac:chgData name="Hasselwander Daniel" userId="c52ad4b4-8117-4235-b9f1-fab9bcac5934" providerId="ADAL" clId="{D38D4B8B-445C-754F-A08B-CFCB37CCC2E2}" dt="2023-03-15T00:54:30.541" v="5005" actId="478"/>
+          <ac:picMkLst>
+            <pc:docMk/>
+            <pc:sldMk cId="3829906805" sldId="10564"/>
+            <ac:picMk id="18" creationId="{48DD55BF-DD0D-B662-963A-94117C780429}"/>
+          </ac:picMkLst>
+        </pc:picChg>
+        <pc:picChg chg="del">
+          <ac:chgData name="Hasselwander Daniel" userId="c52ad4b4-8117-4235-b9f1-fab9bcac5934" providerId="ADAL" clId="{D38D4B8B-445C-754F-A08B-CFCB37CCC2E2}" dt="2023-03-15T00:54:31.078" v="5006" actId="478"/>
+          <ac:picMkLst>
+            <pc:docMk/>
+            <pc:sldMk cId="3829906805" sldId="10564"/>
+            <ac:picMk id="22" creationId="{D3662A50-6AA1-75B2-F01E-045E12A96CCF}"/>
+          </ac:picMkLst>
+        </pc:picChg>
+      </pc:sldChg>
+      <pc:sldChg chg="modSp add mod">
+        <pc:chgData name="Hasselwander Daniel" userId="c52ad4b4-8117-4235-b9f1-fab9bcac5934" providerId="ADAL" clId="{D38D4B8B-445C-754F-A08B-CFCB37CCC2E2}" dt="2023-03-14T23:59:53.441" v="4829" actId="20577"/>
+        <pc:sldMkLst>
+          <pc:docMk/>
+          <pc:sldMk cId="634954430" sldId="10565"/>
+        </pc:sldMkLst>
+        <pc:spChg chg="mod">
+          <ac:chgData name="Hasselwander Daniel" userId="c52ad4b4-8117-4235-b9f1-fab9bcac5934" providerId="ADAL" clId="{D38D4B8B-445C-754F-A08B-CFCB37CCC2E2}" dt="2023-03-14T23:48:22.731" v="4584" actId="20577"/>
+          <ac:spMkLst>
+            <pc:docMk/>
+            <pc:sldMk cId="634954430" sldId="10565"/>
+            <ac:spMk id="13" creationId="{5732D903-9239-BAAE-756E-28573EF086BB}"/>
+          </ac:spMkLst>
+        </pc:spChg>
+        <pc:spChg chg="mod">
+          <ac:chgData name="Hasselwander Daniel" userId="c52ad4b4-8117-4235-b9f1-fab9bcac5934" providerId="ADAL" clId="{D38D4B8B-445C-754F-A08B-CFCB37CCC2E2}" dt="2023-03-14T23:49:16.943" v="4587" actId="20577"/>
+          <ac:spMkLst>
+            <pc:docMk/>
+            <pc:sldMk cId="634954430" sldId="10565"/>
+            <ac:spMk id="15" creationId="{1BD9B7C1-5860-C447-7FC6-D510200F75A2}"/>
+          </ac:spMkLst>
+        </pc:spChg>
+        <pc:spChg chg="mod">
+          <ac:chgData name="Hasselwander Daniel" userId="c52ad4b4-8117-4235-b9f1-fab9bcac5934" providerId="ADAL" clId="{D38D4B8B-445C-754F-A08B-CFCB37CCC2E2}" dt="2023-03-14T23:59:53.441" v="4829" actId="20577"/>
+          <ac:spMkLst>
+            <pc:docMk/>
+            <pc:sldMk cId="634954430" sldId="10565"/>
+            <ac:spMk id="29" creationId="{11173C7D-821B-313F-DA53-6779D5BC5D28}"/>
+          </ac:spMkLst>
+        </pc:spChg>
+      </pc:sldChg>
+      <pc:sldChg chg="addSp modSp add mod">
+        <pc:chgData name="Hasselwander Daniel" userId="c52ad4b4-8117-4235-b9f1-fab9bcac5934" providerId="ADAL" clId="{D38D4B8B-445C-754F-A08B-CFCB37CCC2E2}" dt="2023-03-15T01:35:27.061" v="5717" actId="1076"/>
+        <pc:sldMkLst>
+          <pc:docMk/>
+          <pc:sldMk cId="722920419" sldId="10566"/>
+        </pc:sldMkLst>
+        <pc:spChg chg="add mod">
+          <ac:chgData name="Hasselwander Daniel" userId="c52ad4b4-8117-4235-b9f1-fab9bcac5934" providerId="ADAL" clId="{D38D4B8B-445C-754F-A08B-CFCB37CCC2E2}" dt="2023-03-15T01:35:19.811" v="5715" actId="1076"/>
+          <ac:spMkLst>
+            <pc:docMk/>
+            <pc:sldMk cId="722920419" sldId="10566"/>
+            <ac:spMk id="3" creationId="{81682AF2-248E-BACC-D7E9-E9B03274A0D7}"/>
+          </ac:spMkLst>
+        </pc:spChg>
+        <pc:spChg chg="add mod">
+          <ac:chgData name="Hasselwander Daniel" userId="c52ad4b4-8117-4235-b9f1-fab9bcac5934" providerId="ADAL" clId="{D38D4B8B-445C-754F-A08B-CFCB37CCC2E2}" dt="2023-03-15T01:35:27.061" v="5717" actId="1076"/>
+          <ac:spMkLst>
+            <pc:docMk/>
+            <pc:sldMk cId="722920419" sldId="10566"/>
+            <ac:spMk id="4" creationId="{19110061-F58F-0866-5C21-22FA7442E899}"/>
+          </ac:spMkLst>
+        </pc:spChg>
+      </pc:sldChg>
+      <pc:sldChg chg="add">
+        <pc:chgData name="Hasselwander Daniel" userId="c52ad4b4-8117-4235-b9f1-fab9bcac5934" providerId="ADAL" clId="{D38D4B8B-445C-754F-A08B-CFCB37CCC2E2}" dt="2023-03-15T00:01:04.511" v="4842"/>
+        <pc:sldMkLst>
+          <pc:docMk/>
+          <pc:sldMk cId="486624425" sldId="10567"/>
+        </pc:sldMkLst>
+      </pc:sldChg>
+      <pc:sldChg chg="modSp add del mod">
+        <pc:chgData name="Hasselwander Daniel" userId="c52ad4b4-8117-4235-b9f1-fab9bcac5934" providerId="ADAL" clId="{D38D4B8B-445C-754F-A08B-CFCB37CCC2E2}" dt="2023-03-15T00:01:41.367" v="4852" actId="2696"/>
+        <pc:sldMkLst>
+          <pc:docMk/>
+          <pc:sldMk cId="1562337545" sldId="10568"/>
+        </pc:sldMkLst>
+        <pc:spChg chg="mod">
+          <ac:chgData name="Hasselwander Daniel" userId="c52ad4b4-8117-4235-b9f1-fab9bcac5934" providerId="ADAL" clId="{D38D4B8B-445C-754F-A08B-CFCB37CCC2E2}" dt="2023-03-15T00:01:34.099" v="4851" actId="20577"/>
+          <ac:spMkLst>
+            <pc:docMk/>
+            <pc:sldMk cId="1562337545" sldId="10568"/>
+            <ac:spMk id="15" creationId="{1BD9B7C1-5860-C447-7FC6-D510200F75A2}"/>
+          </ac:spMkLst>
+        </pc:spChg>
+      </pc:sldChg>
+      <pc:sldChg chg="addSp delSp modSp add del mod">
+        <pc:chgData name="Hasselwander Daniel" userId="c52ad4b4-8117-4235-b9f1-fab9bcac5934" providerId="ADAL" clId="{D38D4B8B-445C-754F-A08B-CFCB37CCC2E2}" dt="2023-03-15T00:29:16.275" v="4952" actId="2696"/>
+        <pc:sldMkLst>
+          <pc:docMk/>
+          <pc:sldMk cId="2761545047" sldId="10568"/>
+        </pc:sldMkLst>
+        <pc:spChg chg="add del mod">
+          <ac:chgData name="Hasselwander Daniel" userId="c52ad4b4-8117-4235-b9f1-fab9bcac5934" providerId="ADAL" clId="{D38D4B8B-445C-754F-A08B-CFCB37CCC2E2}" dt="2023-03-15T00:29:09.290" v="4950" actId="478"/>
+          <ac:spMkLst>
+            <pc:docMk/>
+            <pc:sldMk cId="2761545047" sldId="10568"/>
+            <ac:spMk id="9" creationId="{D34E4A32-78AC-FDEA-742D-5A727060EEF8}"/>
+          </ac:spMkLst>
+        </pc:spChg>
+      </pc:sldChg>
+      <pc:sldChg chg="delSp modSp add mod ord">
+        <pc:chgData name="Hasselwander Daniel" userId="c52ad4b4-8117-4235-b9f1-fab9bcac5934" providerId="ADAL" clId="{D38D4B8B-445C-754F-A08B-CFCB37CCC2E2}" dt="2023-03-15T02:23:01.436" v="5964" actId="1076"/>
+        <pc:sldMkLst>
+          <pc:docMk/>
+          <pc:sldMk cId="58686688" sldId="10569"/>
+        </pc:sldMkLst>
+        <pc:spChg chg="del mod">
+          <ac:chgData name="Hasselwander Daniel" userId="c52ad4b4-8117-4235-b9f1-fab9bcac5934" providerId="ADAL" clId="{D38D4B8B-445C-754F-A08B-CFCB37CCC2E2}" dt="2023-03-15T02:22:48.870" v="5947" actId="478"/>
+          <ac:spMkLst>
+            <pc:docMk/>
+            <pc:sldMk cId="58686688" sldId="10569"/>
+            <ac:spMk id="13" creationId="{5732D903-9239-BAAE-756E-28573EF086BB}"/>
+          </ac:spMkLst>
+        </pc:spChg>
+        <pc:spChg chg="mod">
+          <ac:chgData name="Hasselwander Daniel" userId="c52ad4b4-8117-4235-b9f1-fab9bcac5934" providerId="ADAL" clId="{D38D4B8B-445C-754F-A08B-CFCB37CCC2E2}" dt="2023-03-15T02:23:01.436" v="5964" actId="1076"/>
+          <ac:spMkLst>
+            <pc:docMk/>
+            <pc:sldMk cId="58686688" sldId="10569"/>
+            <ac:spMk id="15" creationId="{1BD9B7C1-5860-C447-7FC6-D510200F75A2}"/>
+          </ac:spMkLst>
+        </pc:spChg>
+        <pc:spChg chg="del">
+          <ac:chgData name="Hasselwander Daniel" userId="c52ad4b4-8117-4235-b9f1-fab9bcac5934" providerId="ADAL" clId="{D38D4B8B-445C-754F-A08B-CFCB37CCC2E2}" dt="2023-03-15T00:29:17.907" v="4953" actId="478"/>
+          <ac:spMkLst>
+            <pc:docMk/>
+            <pc:sldMk cId="58686688" sldId="10569"/>
+            <ac:spMk id="29" creationId="{11173C7D-821B-313F-DA53-6779D5BC5D28}"/>
+          </ac:spMkLst>
+        </pc:spChg>
+      </pc:sldChg>
+      <pc:sldChg chg="modSp add del mod">
+        <pc:chgData name="Hasselwander Daniel" userId="c52ad4b4-8117-4235-b9f1-fab9bcac5934" providerId="ADAL" clId="{D38D4B8B-445C-754F-A08B-CFCB37CCC2E2}" dt="2023-03-15T00:53:34.809" v="4989" actId="2696"/>
+        <pc:sldMkLst>
+          <pc:docMk/>
+          <pc:sldMk cId="418902253" sldId="10570"/>
+        </pc:sldMkLst>
+        <pc:spChg chg="mod">
+          <ac:chgData name="Hasselwander Daniel" userId="c52ad4b4-8117-4235-b9f1-fab9bcac5934" providerId="ADAL" clId="{D38D4B8B-445C-754F-A08B-CFCB37CCC2E2}" dt="2023-03-15T00:53:30.413" v="4988" actId="20577"/>
+          <ac:spMkLst>
+            <pc:docMk/>
+            <pc:sldMk cId="418902253" sldId="10570"/>
+            <ac:spMk id="15" creationId="{1BD9B7C1-5860-C447-7FC6-D510200F75A2}"/>
+          </ac:spMkLst>
+        </pc:spChg>
+      </pc:sldChg>
+      <pc:sldChg chg="add">
+        <pc:chgData name="Hasselwander Daniel" userId="c52ad4b4-8117-4235-b9f1-fab9bcac5934" providerId="ADAL" clId="{D38D4B8B-445C-754F-A08B-CFCB37CCC2E2}" dt="2023-03-15T00:54:12.179" v="4997"/>
+        <pc:sldMkLst>
+          <pc:docMk/>
+          <pc:sldMk cId="2249409234" sldId="10570"/>
+        </pc:sldMkLst>
+      </pc:sldChg>
+      <pc:sldChg chg="addSp delSp modSp add del mod">
+        <pc:chgData name="Hasselwander Daniel" userId="c52ad4b4-8117-4235-b9f1-fab9bcac5934" providerId="ADAL" clId="{D38D4B8B-445C-754F-A08B-CFCB37CCC2E2}" dt="2023-03-15T01:10:55.641" v="5203" actId="2696"/>
+        <pc:sldMkLst>
+          <pc:docMk/>
+          <pc:sldMk cId="860943082" sldId="10571"/>
+        </pc:sldMkLst>
+        <pc:spChg chg="del">
+          <ac:chgData name="Hasselwander Daniel" userId="c52ad4b4-8117-4235-b9f1-fab9bcac5934" providerId="ADAL" clId="{D38D4B8B-445C-754F-A08B-CFCB37CCC2E2}" dt="2023-03-15T00:56:43.759" v="5017" actId="478"/>
+          <ac:spMkLst>
+            <pc:docMk/>
+            <pc:sldMk cId="860943082" sldId="10571"/>
+            <ac:spMk id="4" creationId="{5AC1C1A7-D90E-01D1-7BB4-9F926415A9CB}"/>
+          </ac:spMkLst>
+        </pc:spChg>
+        <pc:spChg chg="add del mod">
+          <ac:chgData name="Hasselwander Daniel" userId="c52ad4b4-8117-4235-b9f1-fab9bcac5934" providerId="ADAL" clId="{D38D4B8B-445C-754F-A08B-CFCB37CCC2E2}" dt="2023-03-15T01:01:27.589" v="5066"/>
+          <ac:spMkLst>
+            <pc:docMk/>
+            <pc:sldMk cId="860943082" sldId="10571"/>
+            <ac:spMk id="12" creationId="{0099B699-3AAC-986E-95BB-CA2E13FFA9E5}"/>
+          </ac:spMkLst>
+        </pc:spChg>
+        <pc:spChg chg="mod">
+          <ac:chgData name="Hasselwander Daniel" userId="c52ad4b4-8117-4235-b9f1-fab9bcac5934" providerId="ADAL" clId="{D38D4B8B-445C-754F-A08B-CFCB37CCC2E2}" dt="2023-03-15T01:08:45.519" v="5129" actId="14100"/>
+          <ac:spMkLst>
+            <pc:docMk/>
+            <pc:sldMk cId="860943082" sldId="10571"/>
+            <ac:spMk id="13" creationId="{5732D903-9239-BAAE-756E-28573EF086BB}"/>
+          </ac:spMkLst>
+        </pc:spChg>
+        <pc:spChg chg="mod">
+          <ac:chgData name="Hasselwander Daniel" userId="c52ad4b4-8117-4235-b9f1-fab9bcac5934" providerId="ADAL" clId="{D38D4B8B-445C-754F-A08B-CFCB37CCC2E2}" dt="2023-03-15T01:04:26.458" v="5085" actId="20577"/>
+          <ac:spMkLst>
+            <pc:docMk/>
+            <pc:sldMk cId="860943082" sldId="10571"/>
+            <ac:spMk id="15" creationId="{1BD9B7C1-5860-C447-7FC6-D510200F75A2}"/>
+          </ac:spMkLst>
+        </pc:spChg>
+        <pc:spChg chg="add del mod">
+          <ac:chgData name="Hasselwander Daniel" userId="c52ad4b4-8117-4235-b9f1-fab9bcac5934" providerId="ADAL" clId="{D38D4B8B-445C-754F-A08B-CFCB37CCC2E2}" dt="2023-03-15T01:04:20.204" v="5082" actId="478"/>
+          <ac:spMkLst>
+            <pc:docMk/>
+            <pc:sldMk cId="860943082" sldId="10571"/>
+            <ac:spMk id="18" creationId="{129750B7-0604-7172-4F76-E12A30025D6C}"/>
+          </ac:spMkLst>
+        </pc:spChg>
+        <pc:spChg chg="add mod">
+          <ac:chgData name="Hasselwander Daniel" userId="c52ad4b4-8117-4235-b9f1-fab9bcac5934" providerId="ADAL" clId="{D38D4B8B-445C-754F-A08B-CFCB37CCC2E2}" dt="2023-03-15T01:09:03.463" v="5140" actId="20577"/>
+          <ac:spMkLst>
+            <pc:docMk/>
+            <pc:sldMk cId="860943082" sldId="10571"/>
+            <ac:spMk id="22" creationId="{70658820-527D-CD03-038B-85381B5A6EE3}"/>
+          </ac:spMkLst>
+        </pc:spChg>
+        <pc:spChg chg="del">
+          <ac:chgData name="Hasselwander Daniel" userId="c52ad4b4-8117-4235-b9f1-fab9bcac5934" providerId="ADAL" clId="{D38D4B8B-445C-754F-A08B-CFCB37CCC2E2}" dt="2023-03-15T00:56:40.634" v="5014" actId="478"/>
+          <ac:spMkLst>
+            <pc:docMk/>
+            <pc:sldMk cId="860943082" sldId="10571"/>
+            <ac:spMk id="24" creationId="{5873BCEE-EFB2-2B6F-93C4-26117739CEB8}"/>
+          </ac:spMkLst>
+        </pc:spChg>
+        <pc:spChg chg="del">
+          <ac:chgData name="Hasselwander Daniel" userId="c52ad4b4-8117-4235-b9f1-fab9bcac5934" providerId="ADAL" clId="{D38D4B8B-445C-754F-A08B-CFCB37CCC2E2}" dt="2023-03-15T00:56:43.171" v="5016" actId="478"/>
+          <ac:spMkLst>
+            <pc:docMk/>
+            <pc:sldMk cId="860943082" sldId="10571"/>
+            <ac:spMk id="25" creationId="{D9E47D63-462E-878B-6B6D-7809AC703CC7}"/>
+          </ac:spMkLst>
+        </pc:spChg>
+        <pc:spChg chg="del">
+          <ac:chgData name="Hasselwander Daniel" userId="c52ad4b4-8117-4235-b9f1-fab9bcac5934" providerId="ADAL" clId="{D38D4B8B-445C-754F-A08B-CFCB37CCC2E2}" dt="2023-03-15T00:56:39.533" v="5013" actId="478"/>
+          <ac:spMkLst>
+            <pc:docMk/>
+            <pc:sldMk cId="860943082" sldId="10571"/>
+            <ac:spMk id="29" creationId="{18A716D3-98F5-E16A-3613-E046C8A5EC33}"/>
+          </ac:spMkLst>
+        </pc:spChg>
+        <pc:spChg chg="add mod">
+          <ac:chgData name="Hasselwander Daniel" userId="c52ad4b4-8117-4235-b9f1-fab9bcac5934" providerId="ADAL" clId="{D38D4B8B-445C-754F-A08B-CFCB37CCC2E2}" dt="2023-03-15T01:10:08.564" v="5151" actId="1035"/>
+          <ac:spMkLst>
+            <pc:docMk/>
+            <pc:sldMk cId="860943082" sldId="10571"/>
+            <ac:spMk id="30" creationId="{4FFBB5AA-F89A-4741-A212-0319E8F163A8}"/>
+          </ac:spMkLst>
+        </pc:spChg>
+        <pc:spChg chg="add mod">
+          <ac:chgData name="Hasselwander Daniel" userId="c52ad4b4-8117-4235-b9f1-fab9bcac5934" providerId="ADAL" clId="{D38D4B8B-445C-754F-A08B-CFCB37CCC2E2}" dt="2023-03-15T01:10:14.246" v="5176" actId="1035"/>
+          <ac:spMkLst>
+            <pc:docMk/>
+            <pc:sldMk cId="860943082" sldId="10571"/>
+            <ac:spMk id="31" creationId="{7C6CE0DC-40FA-FD94-79BA-88B072C95273}"/>
+          </ac:spMkLst>
+        </pc:spChg>
+        <pc:spChg chg="add mod">
+          <ac:chgData name="Hasselwander Daniel" userId="c52ad4b4-8117-4235-b9f1-fab9bcac5934" providerId="ADAL" clId="{D38D4B8B-445C-754F-A08B-CFCB37CCC2E2}" dt="2023-03-15T01:10:24.865" v="5189" actId="1037"/>
+          <ac:spMkLst>
+            <pc:docMk/>
+            <pc:sldMk cId="860943082" sldId="10571"/>
+            <ac:spMk id="32" creationId="{2E81B158-E36D-F431-6DA9-7CD4CA135EE8}"/>
+          </ac:spMkLst>
+        </pc:spChg>
+        <pc:spChg chg="add mod">
+          <ac:chgData name="Hasselwander Daniel" userId="c52ad4b4-8117-4235-b9f1-fab9bcac5934" providerId="ADAL" clId="{D38D4B8B-445C-754F-A08B-CFCB37CCC2E2}" dt="2023-03-15T01:10:37.880" v="5201" actId="1037"/>
+          <ac:spMkLst>
+            <pc:docMk/>
+            <pc:sldMk cId="860943082" sldId="10571"/>
+            <ac:spMk id="33" creationId="{CAD9A848-4C6E-9EDF-1851-1AFE88E65911}"/>
+          </ac:spMkLst>
+        </pc:spChg>
+        <pc:grpChg chg="del mod">
+          <ac:chgData name="Hasselwander Daniel" userId="c52ad4b4-8117-4235-b9f1-fab9bcac5934" providerId="ADAL" clId="{D38D4B8B-445C-754F-A08B-CFCB37CCC2E2}" dt="2023-03-15T00:56:55.691" v="5027" actId="478"/>
+          <ac:grpSpMkLst>
+            <pc:docMk/>
+            <pc:sldMk cId="860943082" sldId="10571"/>
+            <ac:grpSpMk id="9" creationId="{9B753660-4764-2D78-1641-7FBE609CF701}"/>
+          </ac:grpSpMkLst>
+        </pc:grpChg>
+        <pc:grpChg chg="del">
+          <ac:chgData name="Hasselwander Daniel" userId="c52ad4b4-8117-4235-b9f1-fab9bcac5934" providerId="ADAL" clId="{D38D4B8B-445C-754F-A08B-CFCB37CCC2E2}" dt="2023-03-15T00:56:41.786" v="5015" actId="478"/>
+          <ac:grpSpMkLst>
+            <pc:docMk/>
+            <pc:sldMk cId="860943082" sldId="10571"/>
+            <ac:grpSpMk id="27" creationId="{63533D81-F19A-73A2-CF76-6519662216D5}"/>
+          </ac:grpSpMkLst>
+        </pc:grpChg>
+        <pc:picChg chg="add del mod modCrop">
+          <ac:chgData name="Hasselwander Daniel" userId="c52ad4b4-8117-4235-b9f1-fab9bcac5934" providerId="ADAL" clId="{D38D4B8B-445C-754F-A08B-CFCB37CCC2E2}" dt="2023-03-15T00:59:31.159" v="5046" actId="478"/>
+          <ac:picMkLst>
+            <pc:docMk/>
+            <pc:sldMk cId="860943082" sldId="10571"/>
+            <ac:picMk id="5" creationId="{4F4A7BAB-AFCB-B0AA-CB93-23966DB4DBAD}"/>
+          </ac:picMkLst>
+        </pc:picChg>
+        <pc:picChg chg="add del mod">
+          <ac:chgData name="Hasselwander Daniel" userId="c52ad4b4-8117-4235-b9f1-fab9bcac5934" providerId="ADAL" clId="{D38D4B8B-445C-754F-A08B-CFCB37CCC2E2}" dt="2023-03-15T01:08:29.112" v="5122" actId="478"/>
+          <ac:picMkLst>
+            <pc:docMk/>
+            <pc:sldMk cId="860943082" sldId="10571"/>
+            <ac:picMk id="17" creationId="{ADDF7F67-E869-B721-E272-968D51B0B7A5}"/>
+          </ac:picMkLst>
+        </pc:picChg>
+        <pc:picChg chg="add mod">
+          <ac:chgData name="Hasselwander Daniel" userId="c52ad4b4-8117-4235-b9f1-fab9bcac5934" providerId="ADAL" clId="{D38D4B8B-445C-754F-A08B-CFCB37CCC2E2}" dt="2023-03-15T01:09:11.691" v="5142" actId="1076"/>
+          <ac:picMkLst>
+            <pc:docMk/>
+            <pc:sldMk cId="860943082" sldId="10571"/>
+            <ac:picMk id="28" creationId="{698B3CD7-1576-6317-2CD1-E6D7DDEFC7AE}"/>
+          </ac:picMkLst>
+        </pc:picChg>
+      </pc:sldChg>
+      <pc:sldChg chg="add del">
+        <pc:chgData name="Hasselwander Daniel" userId="c52ad4b4-8117-4235-b9f1-fab9bcac5934" providerId="ADAL" clId="{D38D4B8B-445C-754F-A08B-CFCB37CCC2E2}" dt="2023-03-15T00:56:31.280" v="5009" actId="2696"/>
+        <pc:sldMkLst>
+          <pc:docMk/>
+          <pc:sldMk cId="959435808" sldId="10571"/>
+        </pc:sldMkLst>
+      </pc:sldChg>
+      <pc:sldChg chg="add del">
+        <pc:chgData name="Hasselwander Daniel" userId="c52ad4b4-8117-4235-b9f1-fab9bcac5934" providerId="ADAL" clId="{D38D4B8B-445C-754F-A08B-CFCB37CCC2E2}" dt="2023-03-15T00:56:33.697" v="5011"/>
+        <pc:sldMkLst>
+          <pc:docMk/>
+          <pc:sldMk cId="4132366281" sldId="10571"/>
+        </pc:sldMkLst>
+      </pc:sldChg>
+      <pc:sldChg chg="addSp modSp add mod">
+        <pc:chgData name="Hasselwander Daniel" userId="c52ad4b4-8117-4235-b9f1-fab9bcac5934" providerId="ADAL" clId="{D38D4B8B-445C-754F-A08B-CFCB37CCC2E2}" dt="2023-03-15T01:11:45.484" v="5250" actId="20577"/>
+        <pc:sldMkLst>
+          <pc:docMk/>
+          <pc:sldMk cId="2909474175" sldId="10572"/>
+        </pc:sldMkLst>
+        <pc:spChg chg="mod">
+          <ac:chgData name="Hasselwander Daniel" userId="c52ad4b4-8117-4235-b9f1-fab9bcac5934" providerId="ADAL" clId="{D38D4B8B-445C-754F-A08B-CFCB37CCC2E2}" dt="2023-03-15T01:11:19.915" v="5208" actId="20577"/>
+          <ac:spMkLst>
+            <pc:docMk/>
+            <pc:sldMk cId="2909474175" sldId="10572"/>
+            <ac:spMk id="13" creationId="{5732D903-9239-BAAE-756E-28573EF086BB}"/>
+          </ac:spMkLst>
+        </pc:spChg>
+        <pc:spChg chg="mod">
+          <ac:chgData name="Hasselwander Daniel" userId="c52ad4b4-8117-4235-b9f1-fab9bcac5934" providerId="ADAL" clId="{D38D4B8B-445C-754F-A08B-CFCB37CCC2E2}" dt="2023-03-15T01:11:45.484" v="5250" actId="20577"/>
+          <ac:spMkLst>
+            <pc:docMk/>
+            <pc:sldMk cId="2909474175" sldId="10572"/>
+            <ac:spMk id="15" creationId="{1BD9B7C1-5860-C447-7FC6-D510200F75A2}"/>
+          </ac:spMkLst>
+        </pc:spChg>
+        <pc:picChg chg="add mod">
+          <ac:chgData name="Hasselwander Daniel" userId="c52ad4b4-8117-4235-b9f1-fab9bcac5934" providerId="ADAL" clId="{D38D4B8B-445C-754F-A08B-CFCB37CCC2E2}" dt="2023-03-15T01:11:29.490" v="5212" actId="1076"/>
+          <ac:picMkLst>
+            <pc:docMk/>
+            <pc:sldMk cId="2909474175" sldId="10572"/>
+            <ac:picMk id="4" creationId="{6E6F6356-F2FC-BFE5-9EAC-E78402524D69}"/>
+          </ac:picMkLst>
+        </pc:picChg>
+      </pc:sldChg>
+      <pc:sldChg chg="modSp add mod ord">
+        <pc:chgData name="Hasselwander Daniel" userId="c52ad4b4-8117-4235-b9f1-fab9bcac5934" providerId="ADAL" clId="{D38D4B8B-445C-754F-A08B-CFCB37CCC2E2}" dt="2023-03-15T01:22:54.028" v="5481" actId="20577"/>
+        <pc:sldMkLst>
+          <pc:docMk/>
+          <pc:sldMk cId="2289162217" sldId="10573"/>
+        </pc:sldMkLst>
+        <pc:spChg chg="mod">
+          <ac:chgData name="Hasselwander Daniel" userId="c52ad4b4-8117-4235-b9f1-fab9bcac5934" providerId="ADAL" clId="{D38D4B8B-445C-754F-A08B-CFCB37CCC2E2}" dt="2023-03-15T01:12:32.659" v="5333" actId="20577"/>
+          <ac:spMkLst>
+            <pc:docMk/>
+            <pc:sldMk cId="2289162217" sldId="10573"/>
+            <ac:spMk id="13" creationId="{5732D903-9239-BAAE-756E-28573EF086BB}"/>
+          </ac:spMkLst>
+        </pc:spChg>
+        <pc:spChg chg="mod">
+          <ac:chgData name="Hasselwander Daniel" userId="c52ad4b4-8117-4235-b9f1-fab9bcac5934" providerId="ADAL" clId="{D38D4B8B-445C-754F-A08B-CFCB37CCC2E2}" dt="2023-03-15T01:22:54.028" v="5481" actId="20577"/>
+          <ac:spMkLst>
+            <pc:docMk/>
+            <pc:sldMk cId="2289162217" sldId="10573"/>
+            <ac:spMk id="15" creationId="{1BD9B7C1-5860-C447-7FC6-D510200F75A2}"/>
+          </ac:spMkLst>
+        </pc:spChg>
+      </pc:sldChg>
+      <pc:sldChg chg="add">
+        <pc:chgData name="Hasselwander Daniel" userId="c52ad4b4-8117-4235-b9f1-fab9bcac5934" providerId="ADAL" clId="{D38D4B8B-445C-754F-A08B-CFCB37CCC2E2}" dt="2023-03-15T01:13:01.362" v="5334"/>
+        <pc:sldMkLst>
+          <pc:docMk/>
+          <pc:sldMk cId="121771212" sldId="10574"/>
+        </pc:sldMkLst>
+      </pc:sldChg>
+      <pc:sldChg chg="addSp delSp modSp add mod">
+        <pc:chgData name="Hasselwander Daniel" userId="c52ad4b4-8117-4235-b9f1-fab9bcac5934" providerId="ADAL" clId="{D38D4B8B-445C-754F-A08B-CFCB37CCC2E2}" dt="2023-03-15T02:20:45.245" v="5946" actId="20577"/>
+        <pc:sldMkLst>
+          <pc:docMk/>
+          <pc:sldMk cId="2257496839" sldId="10575"/>
+        </pc:sldMkLst>
+        <pc:spChg chg="add del mod">
+          <ac:chgData name="Hasselwander Daniel" userId="c52ad4b4-8117-4235-b9f1-fab9bcac5934" providerId="ADAL" clId="{D38D4B8B-445C-754F-A08B-CFCB37CCC2E2}" dt="2023-03-15T01:30:04.337" v="5539" actId="478"/>
+          <ac:spMkLst>
+            <pc:docMk/>
+            <pc:sldMk cId="2257496839" sldId="10575"/>
+            <ac:spMk id="3" creationId="{F640B621-1586-AB73-01F6-D30236FCEB6B}"/>
+          </ac:spMkLst>
+        </pc:spChg>
+        <pc:spChg chg="add mod">
+          <ac:chgData name="Hasselwander Daniel" userId="c52ad4b4-8117-4235-b9f1-fab9bcac5934" providerId="ADAL" clId="{D38D4B8B-445C-754F-A08B-CFCB37CCC2E2}" dt="2023-03-15T01:34:07.636" v="5699" actId="20577"/>
+          <ac:spMkLst>
+            <pc:docMk/>
+            <pc:sldMk cId="2257496839" sldId="10575"/>
+            <ac:spMk id="4" creationId="{9B25C2C4-0EA7-A492-27D6-668580E4F0D2}"/>
+          </ac:spMkLst>
+        </pc:spChg>
+        <pc:spChg chg="del">
+          <ac:chgData name="Hasselwander Daniel" userId="c52ad4b4-8117-4235-b9f1-fab9bcac5934" providerId="ADAL" clId="{D38D4B8B-445C-754F-A08B-CFCB37CCC2E2}" dt="2023-03-15T01:19:35.559" v="5392" actId="478"/>
+          <ac:spMkLst>
+            <pc:docMk/>
+            <pc:sldMk cId="2257496839" sldId="10575"/>
+            <ac:spMk id="12" creationId="{0099B699-3AAC-986E-95BB-CA2E13FFA9E5}"/>
+          </ac:spMkLst>
+        </pc:spChg>
+        <pc:spChg chg="mod">
+          <ac:chgData name="Hasselwander Daniel" userId="c52ad4b4-8117-4235-b9f1-fab9bcac5934" providerId="ADAL" clId="{D38D4B8B-445C-754F-A08B-CFCB37CCC2E2}" dt="2023-03-15T02:20:45.245" v="5946" actId="20577"/>
+          <ac:spMkLst>
+            <pc:docMk/>
+            <pc:sldMk cId="2257496839" sldId="10575"/>
+            <ac:spMk id="13" creationId="{5732D903-9239-BAAE-756E-28573EF086BB}"/>
+          </ac:spMkLst>
+        </pc:spChg>
+        <pc:spChg chg="mod">
+          <ac:chgData name="Hasselwander Daniel" userId="c52ad4b4-8117-4235-b9f1-fab9bcac5934" providerId="ADAL" clId="{D38D4B8B-445C-754F-A08B-CFCB37CCC2E2}" dt="2023-03-15T01:16:33.728" v="5348" actId="20577"/>
+          <ac:spMkLst>
+            <pc:docMk/>
+            <pc:sldMk cId="2257496839" sldId="10575"/>
+            <ac:spMk id="15" creationId="{1BD9B7C1-5860-C447-7FC6-D510200F75A2}"/>
+          </ac:spMkLst>
+        </pc:spChg>
+        <pc:picChg chg="add del mod modCrop">
+          <ac:chgData name="Hasselwander Daniel" userId="c52ad4b4-8117-4235-b9f1-fab9bcac5934" providerId="ADAL" clId="{D38D4B8B-445C-754F-A08B-CFCB37CCC2E2}" dt="2023-03-15T01:29:41.950" v="5522" actId="478"/>
+          <ac:picMkLst>
+            <pc:docMk/>
+            <pc:sldMk cId="2257496839" sldId="10575"/>
+            <ac:picMk id="5" creationId="{3246F0E8-4AE4-D5B8-110E-695F26FE50D9}"/>
+          </ac:picMkLst>
+        </pc:picChg>
+        <pc:picChg chg="add mod">
+          <ac:chgData name="Hasselwander Daniel" userId="c52ad4b4-8117-4235-b9f1-fab9bcac5934" providerId="ADAL" clId="{D38D4B8B-445C-754F-A08B-CFCB37CCC2E2}" dt="2023-03-15T01:34:11.875" v="5702" actId="1076"/>
+          <ac:picMkLst>
+            <pc:docMk/>
+            <pc:sldMk cId="2257496839" sldId="10575"/>
+            <ac:picMk id="6" creationId="{B220DA00-1A0A-40ED-476A-76679E7FD670}"/>
+          </ac:picMkLst>
+        </pc:picChg>
+      </pc:sldChg>
+      <pc:sldChg chg="add del">
+        <pc:chgData name="Hasselwander Daniel" userId="c52ad4b4-8117-4235-b9f1-fab9bcac5934" providerId="ADAL" clId="{D38D4B8B-445C-754F-A08B-CFCB37CCC2E2}" dt="2023-03-15T01:20:32.574" v="5402" actId="2696"/>
+        <pc:sldMkLst>
+          <pc:docMk/>
+          <pc:sldMk cId="344646382" sldId="10576"/>
+        </pc:sldMkLst>
+      </pc:sldChg>
+      <pc:sldChg chg="delSp modSp add del mod">
+        <pc:chgData name="Hasselwander Daniel" userId="c52ad4b4-8117-4235-b9f1-fab9bcac5934" providerId="ADAL" clId="{D38D4B8B-445C-754F-A08B-CFCB37CCC2E2}" dt="2023-03-15T01:34:49.503" v="5713" actId="2696"/>
+        <pc:sldMkLst>
+          <pc:docMk/>
+          <pc:sldMk cId="799046287" sldId="10576"/>
+        </pc:sldMkLst>
+        <pc:spChg chg="mod">
+          <ac:chgData name="Hasselwander Daniel" userId="c52ad4b4-8117-4235-b9f1-fab9bcac5934" providerId="ADAL" clId="{D38D4B8B-445C-754F-A08B-CFCB37CCC2E2}" dt="2023-03-15T01:29:30.183" v="5518" actId="14100"/>
+          <ac:spMkLst>
+            <pc:docMk/>
+            <pc:sldMk cId="799046287" sldId="10576"/>
+            <ac:spMk id="3" creationId="{F640B621-1586-AB73-01F6-D30236FCEB6B}"/>
+          </ac:spMkLst>
+        </pc:spChg>
+        <pc:spChg chg="del">
+          <ac:chgData name="Hasselwander Daniel" userId="c52ad4b4-8117-4235-b9f1-fab9bcac5934" providerId="ADAL" clId="{D38D4B8B-445C-754F-A08B-CFCB37CCC2E2}" dt="2023-03-15T01:29:24.006" v="5517" actId="478"/>
+          <ac:spMkLst>
+            <pc:docMk/>
+            <pc:sldMk cId="799046287" sldId="10576"/>
+            <ac:spMk id="13" creationId="{5732D903-9239-BAAE-756E-28573EF086BB}"/>
+          </ac:spMkLst>
+        </pc:spChg>
+        <pc:picChg chg="mod">
+          <ac:chgData name="Hasselwander Daniel" userId="c52ad4b4-8117-4235-b9f1-fab9bcac5934" providerId="ADAL" clId="{D38D4B8B-445C-754F-A08B-CFCB37CCC2E2}" dt="2023-03-15T01:29:36.500" v="5521" actId="1076"/>
+          <ac:picMkLst>
+            <pc:docMk/>
+            <pc:sldMk cId="799046287" sldId="10576"/>
+            <ac:picMk id="5" creationId="{3246F0E8-4AE4-D5B8-110E-695F26FE50D9}"/>
+          </ac:picMkLst>
+        </pc:picChg>
+      </pc:sldChg>
+      <pc:sldChg chg="add del">
+        <pc:chgData name="Hasselwander Daniel" userId="c52ad4b4-8117-4235-b9f1-fab9bcac5934" providerId="ADAL" clId="{D38D4B8B-445C-754F-A08B-CFCB37CCC2E2}" dt="2023-03-15T01:27:59.850" v="5515"/>
+        <pc:sldMkLst>
+          <pc:docMk/>
+          <pc:sldMk cId="1128982316" sldId="10576"/>
+        </pc:sldMkLst>
+      </pc:sldChg>
+      <pc:sldChg chg="addSp delSp modSp add mod">
+        <pc:chgData name="Hasselwander Daniel" userId="c52ad4b4-8117-4235-b9f1-fab9bcac5934" providerId="ADAL" clId="{D38D4B8B-445C-754F-A08B-CFCB37CCC2E2}" dt="2023-03-15T01:34:38.598" v="5712" actId="171"/>
+        <pc:sldMkLst>
+          <pc:docMk/>
+          <pc:sldMk cId="1135132019" sldId="10577"/>
+        </pc:sldMkLst>
+        <pc:spChg chg="add del mod">
+          <ac:chgData name="Hasselwander Daniel" userId="c52ad4b4-8117-4235-b9f1-fab9bcac5934" providerId="ADAL" clId="{D38D4B8B-445C-754F-A08B-CFCB37CCC2E2}" dt="2023-03-15T01:34:26.105" v="5708" actId="21"/>
+          <ac:spMkLst>
+            <pc:docMk/>
+            <pc:sldMk cId="1135132019" sldId="10577"/>
+            <ac:spMk id="3" creationId="{F640B621-1586-AB73-01F6-D30236FCEB6B}"/>
+          </ac:spMkLst>
+        </pc:spChg>
+        <pc:spChg chg="add mod">
+          <ac:chgData name="Hasselwander Daniel" userId="c52ad4b4-8117-4235-b9f1-fab9bcac5934" providerId="ADAL" clId="{D38D4B8B-445C-754F-A08B-CFCB37CCC2E2}" dt="2023-03-15T01:34:00.875" v="5698" actId="1076"/>
+          <ac:spMkLst>
+            <pc:docMk/>
+            <pc:sldMk cId="1135132019" sldId="10577"/>
+            <ac:spMk id="4" creationId="{9F2C35A9-A235-A257-2754-529ED1050221}"/>
+          </ac:spMkLst>
+        </pc:spChg>
+        <pc:spChg chg="add mod">
+          <ac:chgData name="Hasselwander Daniel" userId="c52ad4b4-8117-4235-b9f1-fab9bcac5934" providerId="ADAL" clId="{D38D4B8B-445C-754F-A08B-CFCB37CCC2E2}" dt="2023-03-15T01:34:38.598" v="5712" actId="171"/>
+          <ac:spMkLst>
+            <pc:docMk/>
+            <pc:sldMk cId="1135132019" sldId="10577"/>
+            <ac:spMk id="8" creationId="{F1DDA503-5A1C-74E5-2AAF-D3EDBF87027A}"/>
+          </ac:spMkLst>
+        </pc:spChg>
+        <pc:spChg chg="mod">
+          <ac:chgData name="Hasselwander Daniel" userId="c52ad4b4-8117-4235-b9f1-fab9bcac5934" providerId="ADAL" clId="{D38D4B8B-445C-754F-A08B-CFCB37CCC2E2}" dt="2023-03-15T01:33:28.316" v="5687" actId="20577"/>
+          <ac:spMkLst>
+            <pc:docMk/>
+            <pc:sldMk cId="1135132019" sldId="10577"/>
+            <ac:spMk id="15" creationId="{1BD9B7C1-5860-C447-7FC6-D510200F75A2}"/>
+          </ac:spMkLst>
+        </pc:spChg>
+        <pc:picChg chg="del">
+          <ac:chgData name="Hasselwander Daniel" userId="c52ad4b4-8117-4235-b9f1-fab9bcac5934" providerId="ADAL" clId="{D38D4B8B-445C-754F-A08B-CFCB37CCC2E2}" dt="2023-03-15T01:33:08.797" v="5667" actId="478"/>
+          <ac:picMkLst>
+            <pc:docMk/>
+            <pc:sldMk cId="1135132019" sldId="10577"/>
+            <ac:picMk id="5" creationId="{3246F0E8-4AE4-D5B8-110E-695F26FE50D9}"/>
+          </ac:picMkLst>
+        </pc:picChg>
+        <pc:picChg chg="add mod">
+          <ac:chgData name="Hasselwander Daniel" userId="c52ad4b4-8117-4235-b9f1-fab9bcac5934" providerId="ADAL" clId="{D38D4B8B-445C-754F-A08B-CFCB37CCC2E2}" dt="2023-03-15T01:33:46.491" v="5694" actId="1076"/>
+          <ac:picMkLst>
+            <pc:docMk/>
+            <pc:sldMk cId="1135132019" sldId="10577"/>
+            <ac:picMk id="6" creationId="{8EECCF52-F385-4062-3BC3-773A56BDC968}"/>
+          </ac:picMkLst>
+        </pc:picChg>
+        <pc:picChg chg="add mod">
+          <ac:chgData name="Hasselwander Daniel" userId="c52ad4b4-8117-4235-b9f1-fab9bcac5934" providerId="ADAL" clId="{D38D4B8B-445C-754F-A08B-CFCB37CCC2E2}" dt="2023-03-15T01:34:18.326" v="5704" actId="1076"/>
+          <ac:picMkLst>
+            <pc:docMk/>
+            <pc:sldMk cId="1135132019" sldId="10577"/>
+            <ac:picMk id="7" creationId="{2D5A32AF-D921-275D-6024-92053C7DC9E8}"/>
+          </ac:picMkLst>
+        </pc:picChg>
+      </pc:sldChg>
+      <pc:sldChg chg="delSp modSp add mod">
+        <pc:chgData name="Hasselwander Daniel" userId="c52ad4b4-8117-4235-b9f1-fab9bcac5934" providerId="ADAL" clId="{D38D4B8B-445C-754F-A08B-CFCB37CCC2E2}" dt="2023-03-15T01:36:59.527" v="5817" actId="20577"/>
+        <pc:sldMkLst>
+          <pc:docMk/>
+          <pc:sldMk cId="3043037482" sldId="10578"/>
+        </pc:sldMkLst>
+        <pc:spChg chg="mod">
+          <ac:chgData name="Hasselwander Daniel" userId="c52ad4b4-8117-4235-b9f1-fab9bcac5934" providerId="ADAL" clId="{D38D4B8B-445C-754F-A08B-CFCB37CCC2E2}" dt="2023-03-15T01:36:13.646" v="5743" actId="14100"/>
+          <ac:spMkLst>
+            <pc:docMk/>
+            <pc:sldMk cId="3043037482" sldId="10578"/>
+            <ac:spMk id="3" creationId="{F640B621-1586-AB73-01F6-D30236FCEB6B}"/>
+          </ac:spMkLst>
+        </pc:spChg>
+        <pc:spChg chg="mod">
+          <ac:chgData name="Hasselwander Daniel" userId="c52ad4b4-8117-4235-b9f1-fab9bcac5934" providerId="ADAL" clId="{D38D4B8B-445C-754F-A08B-CFCB37CCC2E2}" dt="2023-03-15T01:36:59.527" v="5817" actId="20577"/>
+          <ac:spMkLst>
+            <pc:docMk/>
+            <pc:sldMk cId="3043037482" sldId="10578"/>
+            <ac:spMk id="4" creationId="{9F2C35A9-A235-A257-2754-529ED1050221}"/>
+          </ac:spMkLst>
+        </pc:spChg>
+        <pc:spChg chg="del">
+          <ac:chgData name="Hasselwander Daniel" userId="c52ad4b4-8117-4235-b9f1-fab9bcac5934" providerId="ADAL" clId="{D38D4B8B-445C-754F-A08B-CFCB37CCC2E2}" dt="2023-03-15T01:36:09.768" v="5742" actId="478"/>
+          <ac:spMkLst>
+            <pc:docMk/>
+            <pc:sldMk cId="3043037482" sldId="10578"/>
+            <ac:spMk id="8" creationId="{F1DDA503-5A1C-74E5-2AAF-D3EDBF87027A}"/>
+          </ac:spMkLst>
+        </pc:spChg>
+        <pc:spChg chg="mod">
+          <ac:chgData name="Hasselwander Daniel" userId="c52ad4b4-8117-4235-b9f1-fab9bcac5934" providerId="ADAL" clId="{D38D4B8B-445C-754F-A08B-CFCB37CCC2E2}" dt="2023-03-15T01:36:04.672" v="5739" actId="20577"/>
+          <ac:spMkLst>
+            <pc:docMk/>
+            <pc:sldMk cId="3043037482" sldId="10578"/>
+            <ac:spMk id="15" creationId="{1BD9B7C1-5860-C447-7FC6-D510200F75A2}"/>
+          </ac:spMkLst>
+        </pc:spChg>
+        <pc:picChg chg="del">
+          <ac:chgData name="Hasselwander Daniel" userId="c52ad4b4-8117-4235-b9f1-fab9bcac5934" providerId="ADAL" clId="{D38D4B8B-445C-754F-A08B-CFCB37CCC2E2}" dt="2023-03-15T01:36:08.349" v="5741" actId="478"/>
+          <ac:picMkLst>
+            <pc:docMk/>
+            <pc:sldMk cId="3043037482" sldId="10578"/>
+            <ac:picMk id="6" creationId="{8EECCF52-F385-4062-3BC3-773A56BDC968}"/>
+          </ac:picMkLst>
+        </pc:picChg>
+        <pc:picChg chg="del">
+          <ac:chgData name="Hasselwander Daniel" userId="c52ad4b4-8117-4235-b9f1-fab9bcac5934" providerId="ADAL" clId="{D38D4B8B-445C-754F-A08B-CFCB37CCC2E2}" dt="2023-03-15T01:36:06.743" v="5740" actId="478"/>
+          <ac:picMkLst>
+            <pc:docMk/>
+            <pc:sldMk cId="3043037482" sldId="10578"/>
+            <ac:picMk id="7" creationId="{2D5A32AF-D921-275D-6024-92053C7DC9E8}"/>
+          </ac:picMkLst>
+        </pc:picChg>
+      </pc:sldChg>
+    </pc:docChg>
+  </pc:docChgLst>
   <pc:docChgLst>
     <pc:chgData name="Hasselwander Daniel" userId="c52ad4b4-8117-4235-b9f1-fab9bcac5934" providerId="ADAL" clId="{5F0AE9F1-6B6D-444C-B1BC-76A2AC3A53FC}"/>
     <pc:docChg chg="undo custSel addSld delSld modSld sldOrd">
@@ -1995,4241 +6229,6 @@
       </pc:sldChg>
     </pc:docChg>
   </pc:docChgLst>
-  <pc:docChgLst>
-    <pc:chgData name="Hasselwander Daniel" userId="c52ad4b4-8117-4235-b9f1-fab9bcac5934" providerId="ADAL" clId="{45D56052-2FB0-8D4F-ADC0-9D650DA7993A}"/>
-    <pc:docChg chg="custSel modSld">
-      <pc:chgData name="Hasselwander Daniel" userId="c52ad4b4-8117-4235-b9f1-fab9bcac5934" providerId="ADAL" clId="{45D56052-2FB0-8D4F-ADC0-9D650DA7993A}" dt="2023-03-09T18:22:59.875" v="3" actId="478"/>
-      <pc:docMkLst>
-        <pc:docMk/>
-      </pc:docMkLst>
-      <pc:sldChg chg="delSp mod">
-        <pc:chgData name="Hasselwander Daniel" userId="c52ad4b4-8117-4235-b9f1-fab9bcac5934" providerId="ADAL" clId="{45D56052-2FB0-8D4F-ADC0-9D650DA7993A}" dt="2023-03-09T18:22:47.967" v="0" actId="478"/>
-        <pc:sldMkLst>
-          <pc:docMk/>
-          <pc:sldMk cId="2986690466" sldId="10528"/>
-        </pc:sldMkLst>
-        <pc:spChg chg="del">
-          <ac:chgData name="Hasselwander Daniel" userId="c52ad4b4-8117-4235-b9f1-fab9bcac5934" providerId="ADAL" clId="{45D56052-2FB0-8D4F-ADC0-9D650DA7993A}" dt="2023-03-09T18:22:47.967" v="0" actId="478"/>
-          <ac:spMkLst>
-            <pc:docMk/>
-            <pc:sldMk cId="2986690466" sldId="10528"/>
-            <ac:spMk id="4" creationId="{5504FC7F-0065-E8C7-8F30-BA1A606C1CE2}"/>
-          </ac:spMkLst>
-        </pc:spChg>
-      </pc:sldChg>
-      <pc:sldChg chg="delSp mod">
-        <pc:chgData name="Hasselwander Daniel" userId="c52ad4b4-8117-4235-b9f1-fab9bcac5934" providerId="ADAL" clId="{45D56052-2FB0-8D4F-ADC0-9D650DA7993A}" dt="2023-03-09T18:22:53.993" v="1" actId="478"/>
-        <pc:sldMkLst>
-          <pc:docMk/>
-          <pc:sldMk cId="1935912093" sldId="10530"/>
-        </pc:sldMkLst>
-        <pc:spChg chg="del">
-          <ac:chgData name="Hasselwander Daniel" userId="c52ad4b4-8117-4235-b9f1-fab9bcac5934" providerId="ADAL" clId="{45D56052-2FB0-8D4F-ADC0-9D650DA7993A}" dt="2023-03-09T18:22:53.993" v="1" actId="478"/>
-          <ac:spMkLst>
-            <pc:docMk/>
-            <pc:sldMk cId="1935912093" sldId="10530"/>
-            <ac:spMk id="4" creationId="{5504FC7F-0065-E8C7-8F30-BA1A606C1CE2}"/>
-          </ac:spMkLst>
-        </pc:spChg>
-      </pc:sldChg>
-      <pc:sldChg chg="delSp mod">
-        <pc:chgData name="Hasselwander Daniel" userId="c52ad4b4-8117-4235-b9f1-fab9bcac5934" providerId="ADAL" clId="{45D56052-2FB0-8D4F-ADC0-9D650DA7993A}" dt="2023-03-09T18:22:56.816" v="2" actId="478"/>
-        <pc:sldMkLst>
-          <pc:docMk/>
-          <pc:sldMk cId="2347116881" sldId="10532"/>
-        </pc:sldMkLst>
-        <pc:spChg chg="del">
-          <ac:chgData name="Hasselwander Daniel" userId="c52ad4b4-8117-4235-b9f1-fab9bcac5934" providerId="ADAL" clId="{45D56052-2FB0-8D4F-ADC0-9D650DA7993A}" dt="2023-03-09T18:22:56.816" v="2" actId="478"/>
-          <ac:spMkLst>
-            <pc:docMk/>
-            <pc:sldMk cId="2347116881" sldId="10532"/>
-            <ac:spMk id="3" creationId="{07FBCD94-96E1-EE60-164C-A99A43DBE4EF}"/>
-          </ac:spMkLst>
-        </pc:spChg>
-      </pc:sldChg>
-      <pc:sldChg chg="delSp mod">
-        <pc:chgData name="Hasselwander Daniel" userId="c52ad4b4-8117-4235-b9f1-fab9bcac5934" providerId="ADAL" clId="{45D56052-2FB0-8D4F-ADC0-9D650DA7993A}" dt="2023-03-09T18:22:59.875" v="3" actId="478"/>
-        <pc:sldMkLst>
-          <pc:docMk/>
-          <pc:sldMk cId="619672983" sldId="10534"/>
-        </pc:sldMkLst>
-        <pc:spChg chg="del">
-          <ac:chgData name="Hasselwander Daniel" userId="c52ad4b4-8117-4235-b9f1-fab9bcac5934" providerId="ADAL" clId="{45D56052-2FB0-8D4F-ADC0-9D650DA7993A}" dt="2023-03-09T18:22:59.875" v="3" actId="478"/>
-          <ac:spMkLst>
-            <pc:docMk/>
-            <pc:sldMk cId="619672983" sldId="10534"/>
-            <ac:spMk id="3" creationId="{07FBCD94-96E1-EE60-164C-A99A43DBE4EF}"/>
-          </ac:spMkLst>
-        </pc:spChg>
-      </pc:sldChg>
-    </pc:docChg>
-  </pc:docChgLst>
-  <pc:docChgLst>
-    <pc:chgData name="Hasselwander Daniel" userId="c52ad4b4-8117-4235-b9f1-fab9bcac5934" providerId="ADAL" clId="{D38D4B8B-445C-754F-A08B-CFCB37CCC2E2}"/>
-    <pc:docChg chg="undo custSel addSld delSld modSld sldOrd">
-      <pc:chgData name="Hasselwander Daniel" userId="c52ad4b4-8117-4235-b9f1-fab9bcac5934" providerId="ADAL" clId="{D38D4B8B-445C-754F-A08B-CFCB37CCC2E2}" dt="2023-03-15T02:23:01.436" v="5964" actId="1076"/>
-      <pc:docMkLst>
-        <pc:docMk/>
-      </pc:docMkLst>
-      <pc:sldChg chg="addSp delSp modSp mod">
-        <pc:chgData name="Hasselwander Daniel" userId="c52ad4b4-8117-4235-b9f1-fab9bcac5934" providerId="ADAL" clId="{D38D4B8B-445C-754F-A08B-CFCB37CCC2E2}" dt="2023-03-14T01:09:31.696" v="4"/>
-        <pc:sldMkLst>
-          <pc:docMk/>
-          <pc:sldMk cId="227324334" sldId="10465"/>
-        </pc:sldMkLst>
-        <pc:spChg chg="del">
-          <ac:chgData name="Hasselwander Daniel" userId="c52ad4b4-8117-4235-b9f1-fab9bcac5934" providerId="ADAL" clId="{D38D4B8B-445C-754F-A08B-CFCB37CCC2E2}" dt="2023-03-14T01:09:23.421" v="0" actId="478"/>
-          <ac:spMkLst>
-            <pc:docMk/>
-            <pc:sldMk cId="227324334" sldId="10465"/>
-            <ac:spMk id="2" creationId="{FB9AF20B-5F37-A842-827B-39675ABE276A}"/>
-          </ac:spMkLst>
-        </pc:spChg>
-        <pc:spChg chg="add del mod">
-          <ac:chgData name="Hasselwander Daniel" userId="c52ad4b4-8117-4235-b9f1-fab9bcac5934" providerId="ADAL" clId="{D38D4B8B-445C-754F-A08B-CFCB37CCC2E2}" dt="2023-03-14T01:09:31.304" v="3" actId="478"/>
-          <ac:spMkLst>
-            <pc:docMk/>
-            <pc:sldMk cId="227324334" sldId="10465"/>
-            <ac:spMk id="6" creationId="{930556E1-B8D5-9A11-9C3A-E6DF2B35308E}"/>
-          </ac:spMkLst>
-        </pc:spChg>
-        <pc:spChg chg="add del mod">
-          <ac:chgData name="Hasselwander Daniel" userId="c52ad4b4-8117-4235-b9f1-fab9bcac5934" providerId="ADAL" clId="{D38D4B8B-445C-754F-A08B-CFCB37CCC2E2}" dt="2023-03-14T01:09:28.981" v="2" actId="478"/>
-          <ac:spMkLst>
-            <pc:docMk/>
-            <pc:sldMk cId="227324334" sldId="10465"/>
-            <ac:spMk id="7" creationId="{E61C34AF-E482-A28E-A188-F755A6E07A8E}"/>
-          </ac:spMkLst>
-        </pc:spChg>
-        <pc:spChg chg="add mod">
-          <ac:chgData name="Hasselwander Daniel" userId="c52ad4b4-8117-4235-b9f1-fab9bcac5934" providerId="ADAL" clId="{D38D4B8B-445C-754F-A08B-CFCB37CCC2E2}" dt="2023-03-14T01:09:31.696" v="4"/>
-          <ac:spMkLst>
-            <pc:docMk/>
-            <pc:sldMk cId="227324334" sldId="10465"/>
-            <ac:spMk id="8" creationId="{B8A65971-E572-0095-FAE0-69880EB0BBDB}"/>
-          </ac:spMkLst>
-        </pc:spChg>
-      </pc:sldChg>
-      <pc:sldChg chg="addSp delSp modSp del mod">
-        <pc:chgData name="Hasselwander Daniel" userId="c52ad4b4-8117-4235-b9f1-fab9bcac5934" providerId="ADAL" clId="{D38D4B8B-445C-754F-A08B-CFCB37CCC2E2}" dt="2023-03-14T09:41:50.860" v="554" actId="2696"/>
-        <pc:sldMkLst>
-          <pc:docMk/>
-          <pc:sldMk cId="1338123478" sldId="10483"/>
-        </pc:sldMkLst>
-        <pc:spChg chg="mod">
-          <ac:chgData name="Hasselwander Daniel" userId="c52ad4b4-8117-4235-b9f1-fab9bcac5934" providerId="ADAL" clId="{D38D4B8B-445C-754F-A08B-CFCB37CCC2E2}" dt="2023-03-14T08:51:53.399" v="163" actId="20577"/>
-          <ac:spMkLst>
-            <pc:docMk/>
-            <pc:sldMk cId="1338123478" sldId="10483"/>
-            <ac:spMk id="2" creationId="{A0B7C6DE-253F-0374-F735-8A4174830D91}"/>
-          </ac:spMkLst>
-        </pc:spChg>
-        <pc:spChg chg="add mod topLvl">
-          <ac:chgData name="Hasselwander Daniel" userId="c52ad4b4-8117-4235-b9f1-fab9bcac5934" providerId="ADAL" clId="{D38D4B8B-445C-754F-A08B-CFCB37CCC2E2}" dt="2023-03-14T09:03:22.827" v="364" actId="1038"/>
-          <ac:spMkLst>
-            <pc:docMk/>
-            <pc:sldMk cId="1338123478" sldId="10483"/>
-            <ac:spMk id="3" creationId="{36755C72-F177-7EF1-0AC4-9432D00E6E75}"/>
-          </ac:spMkLst>
-        </pc:spChg>
-        <pc:spChg chg="mod">
-          <ac:chgData name="Hasselwander Daniel" userId="c52ad4b4-8117-4235-b9f1-fab9bcac5934" providerId="ADAL" clId="{D38D4B8B-445C-754F-A08B-CFCB37CCC2E2}" dt="2023-03-14T01:25:49.388" v="104"/>
-          <ac:spMkLst>
-            <pc:docMk/>
-            <pc:sldMk cId="1338123478" sldId="10483"/>
-            <ac:spMk id="4" creationId="{80D92B32-5B65-44AA-8F03-F2A8649970C0}"/>
-          </ac:spMkLst>
-        </pc:spChg>
-        <pc:spChg chg="add mod">
-          <ac:chgData name="Hasselwander Daniel" userId="c52ad4b4-8117-4235-b9f1-fab9bcac5934" providerId="ADAL" clId="{D38D4B8B-445C-754F-A08B-CFCB37CCC2E2}" dt="2023-03-14T09:01:35.826" v="275" actId="1076"/>
-          <ac:spMkLst>
-            <pc:docMk/>
-            <pc:sldMk cId="1338123478" sldId="10483"/>
-            <ac:spMk id="5" creationId="{2B2A5ACC-8876-8562-0CF0-4D95718D1516}"/>
-          </ac:spMkLst>
-        </pc:spChg>
-        <pc:spChg chg="add mod">
-          <ac:chgData name="Hasselwander Daniel" userId="c52ad4b4-8117-4235-b9f1-fab9bcac5934" providerId="ADAL" clId="{D38D4B8B-445C-754F-A08B-CFCB37CCC2E2}" dt="2023-03-14T09:23:49.244" v="426" actId="20577"/>
-          <ac:spMkLst>
-            <pc:docMk/>
-            <pc:sldMk cId="1338123478" sldId="10483"/>
-            <ac:spMk id="6" creationId="{684A0A98-418F-699A-B739-985CC5B81A8B}"/>
-          </ac:spMkLst>
-        </pc:spChg>
-        <pc:spChg chg="mod">
-          <ac:chgData name="Hasselwander Daniel" userId="c52ad4b4-8117-4235-b9f1-fab9bcac5934" providerId="ADAL" clId="{D38D4B8B-445C-754F-A08B-CFCB37CCC2E2}" dt="2023-03-14T09:11:52.672" v="381" actId="20577"/>
-          <ac:spMkLst>
-            <pc:docMk/>
-            <pc:sldMk cId="1338123478" sldId="10483"/>
-            <ac:spMk id="15" creationId="{1BD9B7C1-5860-C447-7FC6-D510200F75A2}"/>
-          </ac:spMkLst>
-        </pc:spChg>
-        <pc:grpChg chg="add del mod">
-          <ac:chgData name="Hasselwander Daniel" userId="c52ad4b4-8117-4235-b9f1-fab9bcac5934" providerId="ADAL" clId="{D38D4B8B-445C-754F-A08B-CFCB37CCC2E2}" dt="2023-03-14T09:01:19.158" v="270" actId="165"/>
-          <ac:grpSpMkLst>
-            <pc:docMk/>
-            <pc:sldMk cId="1338123478" sldId="10483"/>
-            <ac:grpSpMk id="9" creationId="{ED459303-16F2-5DB1-E446-7928B5E4DAFD}"/>
-          </ac:grpSpMkLst>
-        </pc:grpChg>
-        <pc:picChg chg="add del mod topLvl">
-          <ac:chgData name="Hasselwander Daniel" userId="c52ad4b4-8117-4235-b9f1-fab9bcac5934" providerId="ADAL" clId="{D38D4B8B-445C-754F-A08B-CFCB37CCC2E2}" dt="2023-03-14T09:11:27.068" v="373" actId="478"/>
-          <ac:picMkLst>
-            <pc:docMk/>
-            <pc:sldMk cId="1338123478" sldId="10483"/>
-            <ac:picMk id="8" creationId="{C6208381-D361-5353-E6F9-E4E8813A3159}"/>
-          </ac:picMkLst>
-        </pc:picChg>
-        <pc:picChg chg="add del mod">
-          <ac:chgData name="Hasselwander Daniel" userId="c52ad4b4-8117-4235-b9f1-fab9bcac5934" providerId="ADAL" clId="{D38D4B8B-445C-754F-A08B-CFCB37CCC2E2}" dt="2023-03-14T09:10:14.709" v="371" actId="478"/>
-          <ac:picMkLst>
-            <pc:docMk/>
-            <pc:sldMk cId="1338123478" sldId="10483"/>
-            <ac:picMk id="11" creationId="{5A82FD12-0968-F6F3-440C-A3E7ADFA722D}"/>
-          </ac:picMkLst>
-        </pc:picChg>
-        <pc:picChg chg="add mod">
-          <ac:chgData name="Hasselwander Daniel" userId="c52ad4b4-8117-4235-b9f1-fab9bcac5934" providerId="ADAL" clId="{D38D4B8B-445C-754F-A08B-CFCB37CCC2E2}" dt="2023-03-14T09:24:11.399" v="432" actId="1076"/>
-          <ac:picMkLst>
-            <pc:docMk/>
-            <pc:sldMk cId="1338123478" sldId="10483"/>
-            <ac:picMk id="13" creationId="{C7ACBCE4-970F-90D2-E37F-45CC580AF4E0}"/>
-          </ac:picMkLst>
-        </pc:picChg>
-        <pc:picChg chg="add mod">
-          <ac:chgData name="Hasselwander Daniel" userId="c52ad4b4-8117-4235-b9f1-fab9bcac5934" providerId="ADAL" clId="{D38D4B8B-445C-754F-A08B-CFCB37CCC2E2}" dt="2023-03-14T09:23:57.349" v="429" actId="1076"/>
-          <ac:picMkLst>
-            <pc:docMk/>
-            <pc:sldMk cId="1338123478" sldId="10483"/>
-            <ac:picMk id="16" creationId="{10AD8254-C80C-BDC7-73F8-FFB6349F92DF}"/>
-          </ac:picMkLst>
-        </pc:picChg>
-      </pc:sldChg>
-      <pc:sldChg chg="modSp mod">
-        <pc:chgData name="Hasselwander Daniel" userId="c52ad4b4-8117-4235-b9f1-fab9bcac5934" providerId="ADAL" clId="{D38D4B8B-445C-754F-A08B-CFCB37CCC2E2}" dt="2023-03-15T00:04:13.737" v="4875" actId="20577"/>
-        <pc:sldMkLst>
-          <pc:docMk/>
-          <pc:sldMk cId="3273907781" sldId="10529"/>
-        </pc:sldMkLst>
-        <pc:spChg chg="mod">
-          <ac:chgData name="Hasselwander Daniel" userId="c52ad4b4-8117-4235-b9f1-fab9bcac5934" providerId="ADAL" clId="{D38D4B8B-445C-754F-A08B-CFCB37CCC2E2}" dt="2023-03-14T01:15:21.449" v="75" actId="20577"/>
-          <ac:spMkLst>
-            <pc:docMk/>
-            <pc:sldMk cId="3273907781" sldId="10529"/>
-            <ac:spMk id="2" creationId="{A0B7C6DE-253F-0374-F735-8A4174830D91}"/>
-          </ac:spMkLst>
-        </pc:spChg>
-        <pc:spChg chg="mod">
-          <ac:chgData name="Hasselwander Daniel" userId="c52ad4b4-8117-4235-b9f1-fab9bcac5934" providerId="ADAL" clId="{D38D4B8B-445C-754F-A08B-CFCB37CCC2E2}" dt="2023-03-15T00:04:13.737" v="4875" actId="20577"/>
-          <ac:spMkLst>
-            <pc:docMk/>
-            <pc:sldMk cId="3273907781" sldId="10529"/>
-            <ac:spMk id="6" creationId="{8B875B02-AC0C-63DB-381B-E0E897C11CEA}"/>
-          </ac:spMkLst>
-        </pc:spChg>
-        <pc:picChg chg="mod">
-          <ac:chgData name="Hasselwander Daniel" userId="c52ad4b4-8117-4235-b9f1-fab9bcac5934" providerId="ADAL" clId="{D38D4B8B-445C-754F-A08B-CFCB37CCC2E2}" dt="2023-03-15T00:04:00.043" v="4865" actId="1076"/>
-          <ac:picMkLst>
-            <pc:docMk/>
-            <pc:sldMk cId="3273907781" sldId="10529"/>
-            <ac:picMk id="3" creationId="{C20DF687-7B9D-0379-CE04-82E2DF5EA484}"/>
-          </ac:picMkLst>
-        </pc:picChg>
-      </pc:sldChg>
-      <pc:sldChg chg="modSp mod">
-        <pc:chgData name="Hasselwander Daniel" userId="c52ad4b4-8117-4235-b9f1-fab9bcac5934" providerId="ADAL" clId="{D38D4B8B-445C-754F-A08B-CFCB37CCC2E2}" dt="2023-03-14T13:07:55.136" v="1530" actId="207"/>
-        <pc:sldMkLst>
-          <pc:docMk/>
-          <pc:sldMk cId="3859057315" sldId="10536"/>
-        </pc:sldMkLst>
-        <pc:spChg chg="mod">
-          <ac:chgData name="Hasselwander Daniel" userId="c52ad4b4-8117-4235-b9f1-fab9bcac5934" providerId="ADAL" clId="{D38D4B8B-445C-754F-A08B-CFCB37CCC2E2}" dt="2023-03-14T13:07:55.136" v="1530" actId="207"/>
-          <ac:spMkLst>
-            <pc:docMk/>
-            <pc:sldMk cId="3859057315" sldId="10536"/>
-            <ac:spMk id="9" creationId="{D34E4A32-78AC-FDEA-742D-5A727060EEF8}"/>
-          </ac:spMkLst>
-        </pc:spChg>
-      </pc:sldChg>
-      <pc:sldChg chg="addSp delSp modSp mod ord modNotesTx">
-        <pc:chgData name="Hasselwander Daniel" userId="c52ad4b4-8117-4235-b9f1-fab9bcac5934" providerId="ADAL" clId="{D38D4B8B-445C-754F-A08B-CFCB37CCC2E2}" dt="2023-03-15T00:11:12.052" v="4948" actId="1076"/>
-        <pc:sldMkLst>
-          <pc:docMk/>
-          <pc:sldMk cId="3419381171" sldId="10537"/>
-        </pc:sldMkLst>
-        <pc:spChg chg="mod">
-          <ac:chgData name="Hasselwander Daniel" userId="c52ad4b4-8117-4235-b9f1-fab9bcac5934" providerId="ADAL" clId="{D38D4B8B-445C-754F-A08B-CFCB37CCC2E2}" dt="2023-03-14T17:56:54.364" v="1946" actId="20577"/>
-          <ac:spMkLst>
-            <pc:docMk/>
-            <pc:sldMk cId="3419381171" sldId="10537"/>
-            <ac:spMk id="2" creationId="{A0B7C6DE-253F-0374-F735-8A4174830D91}"/>
-          </ac:spMkLst>
-        </pc:spChg>
-        <pc:spChg chg="add del mod">
-          <ac:chgData name="Hasselwander Daniel" userId="c52ad4b4-8117-4235-b9f1-fab9bcac5934" providerId="ADAL" clId="{D38D4B8B-445C-754F-A08B-CFCB37CCC2E2}" dt="2023-03-14T12:03:26.301" v="1080" actId="767"/>
-          <ac:spMkLst>
-            <pc:docMk/>
-            <pc:sldMk cId="3419381171" sldId="10537"/>
-            <ac:spMk id="3" creationId="{D1C3CB94-845A-8720-6760-9FECEB56AF56}"/>
-          </ac:spMkLst>
-        </pc:spChg>
-        <pc:spChg chg="add mod">
-          <ac:chgData name="Hasselwander Daniel" userId="c52ad4b4-8117-4235-b9f1-fab9bcac5934" providerId="ADAL" clId="{D38D4B8B-445C-754F-A08B-CFCB37CCC2E2}" dt="2023-03-15T00:11:12.052" v="4948" actId="1076"/>
-          <ac:spMkLst>
-            <pc:docMk/>
-            <pc:sldMk cId="3419381171" sldId="10537"/>
-            <ac:spMk id="3" creationId="{F0B50195-A82F-DD11-B3D6-E2C55196E2D2}"/>
-          </ac:spMkLst>
-        </pc:spChg>
-        <pc:spChg chg="add mod">
-          <ac:chgData name="Hasselwander Daniel" userId="c52ad4b4-8117-4235-b9f1-fab9bcac5934" providerId="ADAL" clId="{D38D4B8B-445C-754F-A08B-CFCB37CCC2E2}" dt="2023-03-15T00:11:12.052" v="4948" actId="1076"/>
-          <ac:spMkLst>
-            <pc:docMk/>
-            <pc:sldMk cId="3419381171" sldId="10537"/>
-            <ac:spMk id="4" creationId="{2C987B5D-D062-97AD-44E4-C662E69A03D3}"/>
-          </ac:spMkLst>
-        </pc:spChg>
-        <pc:spChg chg="add mod">
-          <ac:chgData name="Hasselwander Daniel" userId="c52ad4b4-8117-4235-b9f1-fab9bcac5934" providerId="ADAL" clId="{D38D4B8B-445C-754F-A08B-CFCB37CCC2E2}" dt="2023-03-15T00:11:12.052" v="4948" actId="1076"/>
-          <ac:spMkLst>
-            <pc:docMk/>
-            <pc:sldMk cId="3419381171" sldId="10537"/>
-            <ac:spMk id="5" creationId="{15D977DF-7839-DBAD-5FFC-B811405ABFDF}"/>
-          </ac:spMkLst>
-        </pc:spChg>
-        <pc:spChg chg="add del mod">
-          <ac:chgData name="Hasselwander Daniel" userId="c52ad4b4-8117-4235-b9f1-fab9bcac5934" providerId="ADAL" clId="{D38D4B8B-445C-754F-A08B-CFCB37CCC2E2}" dt="2023-03-14T12:03:39.149" v="1083" actId="12084"/>
-          <ac:spMkLst>
-            <pc:docMk/>
-            <pc:sldMk cId="3419381171" sldId="10537"/>
-            <ac:spMk id="5" creationId="{78E8FA79-B71C-7BEB-8A79-099D87B80830}"/>
-          </ac:spMkLst>
-        </pc:spChg>
-        <pc:spChg chg="add mod">
-          <ac:chgData name="Hasselwander Daniel" userId="c52ad4b4-8117-4235-b9f1-fab9bcac5934" providerId="ADAL" clId="{D38D4B8B-445C-754F-A08B-CFCB37CCC2E2}" dt="2023-03-15T00:11:12.052" v="4948" actId="1076"/>
-          <ac:spMkLst>
-            <pc:docMk/>
-            <pc:sldMk cId="3419381171" sldId="10537"/>
-            <ac:spMk id="6" creationId="{4608B39E-3A9D-B6E3-18CE-206019E68FAC}"/>
-          </ac:spMkLst>
-        </pc:spChg>
-        <pc:spChg chg="del mod">
-          <ac:chgData name="Hasselwander Daniel" userId="c52ad4b4-8117-4235-b9f1-fab9bcac5934" providerId="ADAL" clId="{D38D4B8B-445C-754F-A08B-CFCB37CCC2E2}" dt="2023-03-14T12:08:02.288" v="1186" actId="478"/>
-          <ac:spMkLst>
-            <pc:docMk/>
-            <pc:sldMk cId="3419381171" sldId="10537"/>
-            <ac:spMk id="8" creationId="{AE09E7A7-C11C-D43C-7BDC-307CA78B6E48}"/>
-          </ac:spMkLst>
-        </pc:spChg>
-        <pc:spChg chg="add del mod">
-          <ac:chgData name="Hasselwander Daniel" userId="c52ad4b4-8117-4235-b9f1-fab9bcac5934" providerId="ADAL" clId="{D38D4B8B-445C-754F-A08B-CFCB37CCC2E2}" dt="2023-03-15T00:10:40.420" v="4901" actId="478"/>
-          <ac:spMkLst>
-            <pc:docMk/>
-            <pc:sldMk cId="3419381171" sldId="10537"/>
-            <ac:spMk id="8" creationId="{DC4BC729-97A2-CACC-FD3F-B9A95E9E9DF9}"/>
-          </ac:spMkLst>
-        </pc:spChg>
-        <pc:spChg chg="mod">
-          <ac:chgData name="Hasselwander Daniel" userId="c52ad4b4-8117-4235-b9f1-fab9bcac5934" providerId="ADAL" clId="{D38D4B8B-445C-754F-A08B-CFCB37CCC2E2}" dt="2023-03-14T22:48:45.040" v="3232" actId="404"/>
-          <ac:spMkLst>
-            <pc:docMk/>
-            <pc:sldMk cId="3419381171" sldId="10537"/>
-            <ac:spMk id="9" creationId="{2F07173A-7517-1062-BFF5-2B1A3E248B1A}"/>
-          </ac:spMkLst>
-        </pc:spChg>
-        <pc:spChg chg="add del mod modCrop">
-          <ac:chgData name="Hasselwander Daniel" userId="c52ad4b4-8117-4235-b9f1-fab9bcac5934" providerId="ADAL" clId="{D38D4B8B-445C-754F-A08B-CFCB37CCC2E2}" dt="2023-03-14T22:35:16.326" v="2842" actId="478"/>
-          <ac:spMkLst>
-            <pc:docMk/>
-            <pc:sldMk cId="3419381171" sldId="10537"/>
-            <ac:spMk id="10" creationId="{4BEF2BA8-AEAB-4E99-0F4A-A5B1F29A30E7}"/>
-          </ac:spMkLst>
-        </pc:spChg>
-        <pc:spChg chg="del mod">
-          <ac:chgData name="Hasselwander Daniel" userId="c52ad4b4-8117-4235-b9f1-fab9bcac5934" providerId="ADAL" clId="{D38D4B8B-445C-754F-A08B-CFCB37CCC2E2}" dt="2023-03-14T12:08:10.168" v="1189" actId="478"/>
-          <ac:spMkLst>
-            <pc:docMk/>
-            <pc:sldMk cId="3419381171" sldId="10537"/>
-            <ac:spMk id="11" creationId="{98E0411B-020F-DBFE-2CCA-7C81D71C517B}"/>
-          </ac:spMkLst>
-        </pc:spChg>
-        <pc:spChg chg="add del mod">
-          <ac:chgData name="Hasselwander Daniel" userId="c52ad4b4-8117-4235-b9f1-fab9bcac5934" providerId="ADAL" clId="{D38D4B8B-445C-754F-A08B-CFCB37CCC2E2}" dt="2023-03-15T00:10:39.462" v="4900" actId="478"/>
-          <ac:spMkLst>
-            <pc:docMk/>
-            <pc:sldMk cId="3419381171" sldId="10537"/>
-            <ac:spMk id="11" creationId="{D65A799A-10EC-D200-132F-8EC14E1AEFA8}"/>
-          </ac:spMkLst>
-        </pc:spChg>
-        <pc:spChg chg="add del mod">
-          <ac:chgData name="Hasselwander Daniel" userId="c52ad4b4-8117-4235-b9f1-fab9bcac5934" providerId="ADAL" clId="{D38D4B8B-445C-754F-A08B-CFCB37CCC2E2}" dt="2023-03-14T22:35:15.427" v="2841" actId="478"/>
-          <ac:spMkLst>
-            <pc:docMk/>
-            <pc:sldMk cId="3419381171" sldId="10537"/>
-            <ac:spMk id="12" creationId="{913E7FF6-6493-48BE-F433-D7EA49F4F3EA}"/>
-          </ac:spMkLst>
-        </pc:spChg>
-        <pc:spChg chg="mod modCrop">
-          <ac:chgData name="Hasselwander Daniel" userId="c52ad4b4-8117-4235-b9f1-fab9bcac5934" providerId="ADAL" clId="{D38D4B8B-445C-754F-A08B-CFCB37CCC2E2}" dt="2023-03-14T12:08:34.408" v="1227" actId="18131"/>
-          <ac:spMkLst>
-            <pc:docMk/>
-            <pc:sldMk cId="3419381171" sldId="10537"/>
-            <ac:spMk id="13" creationId="{7C0292DD-B8F7-6EE1-93EF-4DB884C923DC}"/>
-          </ac:spMkLst>
-        </pc:spChg>
-        <pc:spChg chg="del mod">
-          <ac:chgData name="Hasselwander Daniel" userId="c52ad4b4-8117-4235-b9f1-fab9bcac5934" providerId="ADAL" clId="{D38D4B8B-445C-754F-A08B-CFCB37CCC2E2}" dt="2023-03-14T12:08:12.822" v="1190" actId="478"/>
-          <ac:spMkLst>
-            <pc:docMk/>
-            <pc:sldMk cId="3419381171" sldId="10537"/>
-            <ac:spMk id="14" creationId="{263B3935-E228-78F3-1FC9-29839491FD6B}"/>
-          </ac:spMkLst>
-        </pc:spChg>
-        <pc:spChg chg="add mod">
-          <ac:chgData name="Hasselwander Daniel" userId="c52ad4b4-8117-4235-b9f1-fab9bcac5934" providerId="ADAL" clId="{D38D4B8B-445C-754F-A08B-CFCB37CCC2E2}" dt="2023-03-15T00:11:12.052" v="4948" actId="1076"/>
-          <ac:spMkLst>
-            <pc:docMk/>
-            <pc:sldMk cId="3419381171" sldId="10537"/>
-            <ac:spMk id="14" creationId="{BBD1063B-04C2-18AD-7C8F-65E900354F34}"/>
-          </ac:spMkLst>
-        </pc:spChg>
-        <pc:spChg chg="mod">
-          <ac:chgData name="Hasselwander Daniel" userId="c52ad4b4-8117-4235-b9f1-fab9bcac5934" providerId="ADAL" clId="{D38D4B8B-445C-754F-A08B-CFCB37CCC2E2}" dt="2023-03-14T18:01:46.176" v="2124" actId="20577"/>
-          <ac:spMkLst>
-            <pc:docMk/>
-            <pc:sldMk cId="3419381171" sldId="10537"/>
-            <ac:spMk id="15" creationId="{1BD9B7C1-5860-C447-7FC6-D510200F75A2}"/>
-          </ac:spMkLst>
-        </pc:spChg>
-        <pc:spChg chg="mod">
-          <ac:chgData name="Hasselwander Daniel" userId="c52ad4b4-8117-4235-b9f1-fab9bcac5934" providerId="ADAL" clId="{D38D4B8B-445C-754F-A08B-CFCB37CCC2E2}" dt="2023-03-14T12:07:58.233" v="1185" actId="18245"/>
-          <ac:spMkLst>
-            <pc:docMk/>
-            <pc:sldMk cId="3419381171" sldId="10537"/>
-            <ac:spMk id="16" creationId="{6AF2C3AC-7F1F-FF37-D763-D96D31220148}"/>
-          </ac:spMkLst>
-        </pc:spChg>
-        <pc:spChg chg="add mod">
-          <ac:chgData name="Hasselwander Daniel" userId="c52ad4b4-8117-4235-b9f1-fab9bcac5934" providerId="ADAL" clId="{D38D4B8B-445C-754F-A08B-CFCB37CCC2E2}" dt="2023-03-15T00:11:12.052" v="4948" actId="1076"/>
-          <ac:spMkLst>
-            <pc:docMk/>
-            <pc:sldMk cId="3419381171" sldId="10537"/>
-            <ac:spMk id="17" creationId="{45740EC2-BCC9-0E49-1987-EB381DFF8EDD}"/>
-          </ac:spMkLst>
-        </pc:spChg>
-        <pc:spChg chg="del mod">
-          <ac:chgData name="Hasselwander Daniel" userId="c52ad4b4-8117-4235-b9f1-fab9bcac5934" providerId="ADAL" clId="{D38D4B8B-445C-754F-A08B-CFCB37CCC2E2}" dt="2023-03-14T11:53:09.841" v="844" actId="478"/>
-          <ac:spMkLst>
-            <pc:docMk/>
-            <pc:sldMk cId="3419381171" sldId="10537"/>
-            <ac:spMk id="17" creationId="{65DE4C6B-3CCC-1FDC-E3D2-BC269159A4C2}"/>
-          </ac:spMkLst>
-        </pc:spChg>
-        <pc:spChg chg="add mod">
-          <ac:chgData name="Hasselwander Daniel" userId="c52ad4b4-8117-4235-b9f1-fab9bcac5934" providerId="ADAL" clId="{D38D4B8B-445C-754F-A08B-CFCB37CCC2E2}" dt="2023-03-15T00:11:12.052" v="4948" actId="1076"/>
-          <ac:spMkLst>
-            <pc:docMk/>
-            <pc:sldMk cId="3419381171" sldId="10537"/>
-            <ac:spMk id="18" creationId="{8030C120-4884-41EA-9F2B-78237BD402AF}"/>
-          </ac:spMkLst>
-        </pc:spChg>
-        <pc:spChg chg="del">
-          <ac:chgData name="Hasselwander Daniel" userId="c52ad4b4-8117-4235-b9f1-fab9bcac5934" providerId="ADAL" clId="{D38D4B8B-445C-754F-A08B-CFCB37CCC2E2}" dt="2023-03-14T11:42:48.624" v="582" actId="478"/>
-          <ac:spMkLst>
-            <pc:docMk/>
-            <pc:sldMk cId="3419381171" sldId="10537"/>
-            <ac:spMk id="18" creationId="{8711D1E7-A5BD-7F2C-CFD7-8B8D16D6BF7C}"/>
-          </ac:spMkLst>
-        </pc:spChg>
-        <pc:spChg chg="mod modCrop">
-          <ac:chgData name="Hasselwander Daniel" userId="c52ad4b4-8117-4235-b9f1-fab9bcac5934" providerId="ADAL" clId="{D38D4B8B-445C-754F-A08B-CFCB37CCC2E2}" dt="2023-03-14T12:08:51.258" v="1267" actId="18131"/>
-          <ac:spMkLst>
-            <pc:docMk/>
-            <pc:sldMk cId="3419381171" sldId="10537"/>
-            <ac:spMk id="19" creationId="{C6C42883-7B6F-8AFA-2745-470A23373108}"/>
-          </ac:spMkLst>
-        </pc:spChg>
-        <pc:spChg chg="del">
-          <ac:chgData name="Hasselwander Daniel" userId="c52ad4b4-8117-4235-b9f1-fab9bcac5934" providerId="ADAL" clId="{D38D4B8B-445C-754F-A08B-CFCB37CCC2E2}" dt="2023-03-14T11:42:48.624" v="582" actId="478"/>
-          <ac:spMkLst>
-            <pc:docMk/>
-            <pc:sldMk cId="3419381171" sldId="10537"/>
-            <ac:spMk id="20" creationId="{48D362E2-ABB6-380A-B156-F08E5F4A8FE1}"/>
-          </ac:spMkLst>
-        </pc:spChg>
-        <pc:spChg chg="add mod">
-          <ac:chgData name="Hasselwander Daniel" userId="c52ad4b4-8117-4235-b9f1-fab9bcac5934" providerId="ADAL" clId="{D38D4B8B-445C-754F-A08B-CFCB37CCC2E2}" dt="2023-03-15T00:11:12.052" v="4948" actId="1076"/>
-          <ac:spMkLst>
-            <pc:docMk/>
-            <pc:sldMk cId="3419381171" sldId="10537"/>
-            <ac:spMk id="20" creationId="{E1FB261A-1698-C4C5-2BC3-C50CD6221C61}"/>
-          </ac:spMkLst>
-        </pc:spChg>
-        <pc:spChg chg="del">
-          <ac:chgData name="Hasselwander Daniel" userId="c52ad4b4-8117-4235-b9f1-fab9bcac5934" providerId="ADAL" clId="{D38D4B8B-445C-754F-A08B-CFCB37CCC2E2}" dt="2023-03-14T11:42:48.624" v="582" actId="478"/>
-          <ac:spMkLst>
-            <pc:docMk/>
-            <pc:sldMk cId="3419381171" sldId="10537"/>
-            <ac:spMk id="21" creationId="{1F860A9A-04C5-6A35-4788-3C19D3B52D76}"/>
-          </ac:spMkLst>
-        </pc:spChg>
-        <pc:spChg chg="del">
-          <ac:chgData name="Hasselwander Daniel" userId="c52ad4b4-8117-4235-b9f1-fab9bcac5934" providerId="ADAL" clId="{D38D4B8B-445C-754F-A08B-CFCB37CCC2E2}" dt="2023-03-14T11:42:48.624" v="582" actId="478"/>
-          <ac:spMkLst>
-            <pc:docMk/>
-            <pc:sldMk cId="3419381171" sldId="10537"/>
-            <ac:spMk id="22" creationId="{5F1404C9-60B9-4B32-E4A9-DBD7C7DE9E28}"/>
-          </ac:spMkLst>
-        </pc:spChg>
-        <pc:spChg chg="del">
-          <ac:chgData name="Hasselwander Daniel" userId="c52ad4b4-8117-4235-b9f1-fab9bcac5934" providerId="ADAL" clId="{D38D4B8B-445C-754F-A08B-CFCB37CCC2E2}" dt="2023-03-14T11:42:48.624" v="582" actId="478"/>
-          <ac:spMkLst>
-            <pc:docMk/>
-            <pc:sldMk cId="3419381171" sldId="10537"/>
-            <ac:spMk id="23" creationId="{D176DB3B-9C98-9065-6112-61B081E94828}"/>
-          </ac:spMkLst>
-        </pc:spChg>
-        <pc:grpChg chg="add del mod">
-          <ac:chgData name="Hasselwander Daniel" userId="c52ad4b4-8117-4235-b9f1-fab9bcac5934" providerId="ADAL" clId="{D38D4B8B-445C-754F-A08B-CFCB37CCC2E2}" dt="2023-03-15T00:10:19.043" v="4896" actId="478"/>
-          <ac:grpSpMkLst>
-            <pc:docMk/>
-            <pc:sldMk cId="3419381171" sldId="10537"/>
-            <ac:grpSpMk id="7" creationId="{0DD6AA30-2471-9795-5CE7-2070E3D65000}"/>
-          </ac:grpSpMkLst>
-        </pc:grpChg>
-        <pc:graphicFrameChg chg="add del mod">
-          <ac:chgData name="Hasselwander Daniel" userId="c52ad4b4-8117-4235-b9f1-fab9bcac5934" providerId="ADAL" clId="{D38D4B8B-445C-754F-A08B-CFCB37CCC2E2}" dt="2023-03-14T12:03:25.920" v="1079" actId="12084"/>
-          <ac:graphicFrameMkLst>
-            <pc:docMk/>
-            <pc:sldMk cId="3419381171" sldId="10537"/>
-            <ac:graphicFrameMk id="4" creationId="{280A9548-6052-850B-1997-5841EBDAFECB}"/>
-          </ac:graphicFrameMkLst>
-        </pc:graphicFrameChg>
-        <pc:graphicFrameChg chg="add del mod">
-          <ac:chgData name="Hasselwander Daniel" userId="c52ad4b4-8117-4235-b9f1-fab9bcac5934" providerId="ADAL" clId="{D38D4B8B-445C-754F-A08B-CFCB37CCC2E2}" dt="2023-03-14T12:07:58.233" v="1185" actId="18245"/>
-          <ac:graphicFrameMkLst>
-            <pc:docMk/>
-            <pc:sldMk cId="3419381171" sldId="10537"/>
-            <ac:graphicFrameMk id="6" creationId="{66CA2A47-8D8E-FB8F-6705-68C2E4CF874A}"/>
-          </ac:graphicFrameMkLst>
-        </pc:graphicFrameChg>
-      </pc:sldChg>
-      <pc:sldChg chg="del">
-        <pc:chgData name="Hasselwander Daniel" userId="c52ad4b4-8117-4235-b9f1-fab9bcac5934" providerId="ADAL" clId="{D38D4B8B-445C-754F-A08B-CFCB37CCC2E2}" dt="2023-03-14T17:29:44.513" v="1799" actId="2696"/>
-        <pc:sldMkLst>
-          <pc:docMk/>
-          <pc:sldMk cId="818592116" sldId="10539"/>
-        </pc:sldMkLst>
-      </pc:sldChg>
-      <pc:sldChg chg="addSp delSp modSp del mod modNotesTx">
-        <pc:chgData name="Hasselwander Daniel" userId="c52ad4b4-8117-4235-b9f1-fab9bcac5934" providerId="ADAL" clId="{D38D4B8B-445C-754F-A08B-CFCB37CCC2E2}" dt="2023-03-15T00:00:42.672" v="4841" actId="2696"/>
-        <pc:sldMkLst>
-          <pc:docMk/>
-          <pc:sldMk cId="675175934" sldId="10540"/>
-        </pc:sldMkLst>
-        <pc:spChg chg="del">
-          <ac:chgData name="Hasselwander Daniel" userId="c52ad4b4-8117-4235-b9f1-fab9bcac5934" providerId="ADAL" clId="{D38D4B8B-445C-754F-A08B-CFCB37CCC2E2}" dt="2023-03-14T17:57:14.405" v="1973" actId="478"/>
-          <ac:spMkLst>
-            <pc:docMk/>
-            <pc:sldMk cId="675175934" sldId="10540"/>
-            <ac:spMk id="2" creationId="{701834F6-AA5E-2227-A9DA-4BDC91F1FE4E}"/>
-          </ac:spMkLst>
-        </pc:spChg>
-        <pc:spChg chg="del">
-          <ac:chgData name="Hasselwander Daniel" userId="c52ad4b4-8117-4235-b9f1-fab9bcac5934" providerId="ADAL" clId="{D38D4B8B-445C-754F-A08B-CFCB37CCC2E2}" dt="2023-03-14T17:57:32.103" v="1980" actId="478"/>
-          <ac:spMkLst>
-            <pc:docMk/>
-            <pc:sldMk cId="675175934" sldId="10540"/>
-            <ac:spMk id="3" creationId="{3CBB926F-2A68-28CF-634E-DE837DD87134}"/>
-          </ac:spMkLst>
-        </pc:spChg>
-        <pc:spChg chg="add del mod">
-          <ac:chgData name="Hasselwander Daniel" userId="c52ad4b4-8117-4235-b9f1-fab9bcac5934" providerId="ADAL" clId="{D38D4B8B-445C-754F-A08B-CFCB37CCC2E2}" dt="2023-03-14T17:57:23.119" v="1976" actId="478"/>
-          <ac:spMkLst>
-            <pc:docMk/>
-            <pc:sldMk cId="675175934" sldId="10540"/>
-            <ac:spMk id="10" creationId="{B3E5443F-4635-FD3A-6227-523AC6026070}"/>
-          </ac:spMkLst>
-        </pc:spChg>
-        <pc:spChg chg="add del mod">
-          <ac:chgData name="Hasselwander Daniel" userId="c52ad4b4-8117-4235-b9f1-fab9bcac5934" providerId="ADAL" clId="{D38D4B8B-445C-754F-A08B-CFCB37CCC2E2}" dt="2023-03-14T17:57:34.427" v="1981" actId="478"/>
-          <ac:spMkLst>
-            <pc:docMk/>
-            <pc:sldMk cId="675175934" sldId="10540"/>
-            <ac:spMk id="12" creationId="{14997FD0-6F34-DFFE-3F99-7AACFA48F093}"/>
-          </ac:spMkLst>
-        </pc:spChg>
-        <pc:picChg chg="del">
-          <ac:chgData name="Hasselwander Daniel" userId="c52ad4b4-8117-4235-b9f1-fab9bcac5934" providerId="ADAL" clId="{D38D4B8B-445C-754F-A08B-CFCB37CCC2E2}" dt="2023-03-14T17:57:11.032" v="1972" actId="478"/>
-          <ac:picMkLst>
-            <pc:docMk/>
-            <pc:sldMk cId="675175934" sldId="10540"/>
-            <ac:picMk id="9" creationId="{15458870-5619-7F95-07F5-79F7F613FF21}"/>
-          </ac:picMkLst>
-        </pc:picChg>
-        <pc:picChg chg="del">
-          <ac:chgData name="Hasselwander Daniel" userId="c52ad4b4-8117-4235-b9f1-fab9bcac5934" providerId="ADAL" clId="{D38D4B8B-445C-754F-A08B-CFCB37CCC2E2}" dt="2023-03-14T17:57:21.018" v="1975" actId="478"/>
-          <ac:picMkLst>
-            <pc:docMk/>
-            <pc:sldMk cId="675175934" sldId="10540"/>
-            <ac:picMk id="14" creationId="{F8AC9605-1F7D-2D86-99E7-0AB140D1A2A6}"/>
-          </ac:picMkLst>
-        </pc:picChg>
-        <pc:picChg chg="del">
-          <ac:chgData name="Hasselwander Daniel" userId="c52ad4b4-8117-4235-b9f1-fab9bcac5934" providerId="ADAL" clId="{D38D4B8B-445C-754F-A08B-CFCB37CCC2E2}" dt="2023-03-14T17:57:18.523" v="1974" actId="478"/>
-          <ac:picMkLst>
-            <pc:docMk/>
-            <pc:sldMk cId="675175934" sldId="10540"/>
-            <ac:picMk id="19" creationId="{B68B23F9-4B89-5CB8-6504-5321226C0392}"/>
-          </ac:picMkLst>
-        </pc:picChg>
-        <pc:picChg chg="del">
-          <ac:chgData name="Hasselwander Daniel" userId="c52ad4b4-8117-4235-b9f1-fab9bcac5934" providerId="ADAL" clId="{D38D4B8B-445C-754F-A08B-CFCB37CCC2E2}" dt="2023-03-14T17:57:27.097" v="1978" actId="478"/>
-          <ac:picMkLst>
-            <pc:docMk/>
-            <pc:sldMk cId="675175934" sldId="10540"/>
-            <ac:picMk id="22" creationId="{D058C22A-3938-DE50-2D7F-13A391FE9D22}"/>
-          </ac:picMkLst>
-        </pc:picChg>
-        <pc:picChg chg="del">
-          <ac:chgData name="Hasselwander Daniel" userId="c52ad4b4-8117-4235-b9f1-fab9bcac5934" providerId="ADAL" clId="{D38D4B8B-445C-754F-A08B-CFCB37CCC2E2}" dt="2023-03-14T17:57:28.626" v="1979" actId="478"/>
-          <ac:picMkLst>
-            <pc:docMk/>
-            <pc:sldMk cId="675175934" sldId="10540"/>
-            <ac:picMk id="24" creationId="{D54ECCD8-7E6A-F717-7D04-B25B02D00DD0}"/>
-          </ac:picMkLst>
-        </pc:picChg>
-        <pc:cxnChg chg="del">
-          <ac:chgData name="Hasselwander Daniel" userId="c52ad4b4-8117-4235-b9f1-fab9bcac5934" providerId="ADAL" clId="{D38D4B8B-445C-754F-A08B-CFCB37CCC2E2}" dt="2023-03-14T17:57:25.367" v="1977" actId="478"/>
-          <ac:cxnSpMkLst>
-            <pc:docMk/>
-            <pc:sldMk cId="675175934" sldId="10540"/>
-            <ac:cxnSpMk id="20" creationId="{5D0B75B3-6876-D677-6F16-686849F46CC1}"/>
-          </ac:cxnSpMkLst>
-        </pc:cxnChg>
-      </pc:sldChg>
-      <pc:sldChg chg="modSp del mod ord">
-        <pc:chgData name="Hasselwander Daniel" userId="c52ad4b4-8117-4235-b9f1-fab9bcac5934" providerId="ADAL" clId="{D38D4B8B-445C-754F-A08B-CFCB37CCC2E2}" dt="2023-03-15T00:00:41.146" v="4840" actId="2696"/>
-        <pc:sldMkLst>
-          <pc:docMk/>
-          <pc:sldMk cId="3212215526" sldId="10541"/>
-        </pc:sldMkLst>
-        <pc:spChg chg="mod">
-          <ac:chgData name="Hasselwander Daniel" userId="c52ad4b4-8117-4235-b9f1-fab9bcac5934" providerId="ADAL" clId="{D38D4B8B-445C-754F-A08B-CFCB37CCC2E2}" dt="2023-03-14T17:57:06.352" v="1971" actId="20577"/>
-          <ac:spMkLst>
-            <pc:docMk/>
-            <pc:sldMk cId="3212215526" sldId="10541"/>
-            <ac:spMk id="2" creationId="{A0B7C6DE-253F-0374-F735-8A4174830D91}"/>
-          </ac:spMkLst>
-        </pc:spChg>
-        <pc:spChg chg="mod">
-          <ac:chgData name="Hasselwander Daniel" userId="c52ad4b4-8117-4235-b9f1-fab9bcac5934" providerId="ADAL" clId="{D38D4B8B-445C-754F-A08B-CFCB37CCC2E2}" dt="2023-03-14T17:57:46.034" v="1985" actId="20577"/>
-          <ac:spMkLst>
-            <pc:docMk/>
-            <pc:sldMk cId="3212215526" sldId="10541"/>
-            <ac:spMk id="15" creationId="{1BD9B7C1-5860-C447-7FC6-D510200F75A2}"/>
-          </ac:spMkLst>
-        </pc:spChg>
-        <pc:spChg chg="mod">
-          <ac:chgData name="Hasselwander Daniel" userId="c52ad4b4-8117-4235-b9f1-fab9bcac5934" providerId="ADAL" clId="{D38D4B8B-445C-754F-A08B-CFCB37CCC2E2}" dt="2023-03-14T17:58:49.799" v="2071" actId="20577"/>
-          <ac:spMkLst>
-            <pc:docMk/>
-            <pc:sldMk cId="3212215526" sldId="10541"/>
-            <ac:spMk id="17" creationId="{65DE4C6B-3CCC-1FDC-E3D2-BC269159A4C2}"/>
-          </ac:spMkLst>
-        </pc:spChg>
-      </pc:sldChg>
-      <pc:sldChg chg="addSp delSp modSp add del mod modNotesTx">
-        <pc:chgData name="Hasselwander Daniel" userId="c52ad4b4-8117-4235-b9f1-fab9bcac5934" providerId="ADAL" clId="{D38D4B8B-445C-754F-A08B-CFCB37CCC2E2}" dt="2023-03-14T13:17:00.215" v="1751" actId="2696"/>
-        <pc:sldMkLst>
-          <pc:docMk/>
-          <pc:sldMk cId="3858175508" sldId="10542"/>
-        </pc:sldMkLst>
-        <pc:spChg chg="mod">
-          <ac:chgData name="Hasselwander Daniel" userId="c52ad4b4-8117-4235-b9f1-fab9bcac5934" providerId="ADAL" clId="{D38D4B8B-445C-754F-A08B-CFCB37CCC2E2}" dt="2023-03-14T09:24:18.033" v="434" actId="1076"/>
-          <ac:spMkLst>
-            <pc:docMk/>
-            <pc:sldMk cId="3858175508" sldId="10542"/>
-            <ac:spMk id="3" creationId="{36755C72-F177-7EF1-0AC4-9432D00E6E75}"/>
-          </ac:spMkLst>
-        </pc:spChg>
-        <pc:spChg chg="mod">
-          <ac:chgData name="Hasselwander Daniel" userId="c52ad4b4-8117-4235-b9f1-fab9bcac5934" providerId="ADAL" clId="{D38D4B8B-445C-754F-A08B-CFCB37CCC2E2}" dt="2023-03-14T09:24:31.183" v="437" actId="1076"/>
-          <ac:spMkLst>
-            <pc:docMk/>
-            <pc:sldMk cId="3858175508" sldId="10542"/>
-            <ac:spMk id="5" creationId="{2B2A5ACC-8876-8562-0CF0-4D95718D1516}"/>
-          </ac:spMkLst>
-        </pc:spChg>
-        <pc:spChg chg="mod topLvl">
-          <ac:chgData name="Hasselwander Daniel" userId="c52ad4b4-8117-4235-b9f1-fab9bcac5934" providerId="ADAL" clId="{D38D4B8B-445C-754F-A08B-CFCB37CCC2E2}" dt="2023-03-14T09:38:40.726" v="553" actId="20577"/>
-          <ac:spMkLst>
-            <pc:docMk/>
-            <pc:sldMk cId="3858175508" sldId="10542"/>
-            <ac:spMk id="6" creationId="{684A0A98-418F-699A-B739-985CC5B81A8B}"/>
-          </ac:spMkLst>
-        </pc:spChg>
-        <pc:spChg chg="add del mod">
-          <ac:chgData name="Hasselwander Daniel" userId="c52ad4b4-8117-4235-b9f1-fab9bcac5934" providerId="ADAL" clId="{D38D4B8B-445C-754F-A08B-CFCB37CCC2E2}" dt="2023-03-14T09:36:41.393" v="518" actId="478"/>
-          <ac:spMkLst>
-            <pc:docMk/>
-            <pc:sldMk cId="3858175508" sldId="10542"/>
-            <ac:spMk id="9" creationId="{867D0616-146D-1638-644B-098C970B0E3A}"/>
-          </ac:spMkLst>
-        </pc:spChg>
-        <pc:spChg chg="add mod">
-          <ac:chgData name="Hasselwander Daniel" userId="c52ad4b4-8117-4235-b9f1-fab9bcac5934" providerId="ADAL" clId="{D38D4B8B-445C-754F-A08B-CFCB37CCC2E2}" dt="2023-03-14T09:37:28.090" v="538" actId="20577"/>
-          <ac:spMkLst>
-            <pc:docMk/>
-            <pc:sldMk cId="3858175508" sldId="10542"/>
-            <ac:spMk id="10" creationId="{D0D3C6FB-C02D-E50F-5590-A3ADF7C00D8F}"/>
-          </ac:spMkLst>
-        </pc:spChg>
-        <pc:spChg chg="add mod">
-          <ac:chgData name="Hasselwander Daniel" userId="c52ad4b4-8117-4235-b9f1-fab9bcac5934" providerId="ADAL" clId="{D38D4B8B-445C-754F-A08B-CFCB37CCC2E2}" dt="2023-03-14T09:36:17.111" v="509"/>
-          <ac:spMkLst>
-            <pc:docMk/>
-            <pc:sldMk cId="3858175508" sldId="10542"/>
-            <ac:spMk id="11" creationId="{21834C15-B39B-CA2C-7F10-17FFC602C545}"/>
-          </ac:spMkLst>
-        </pc:spChg>
-        <pc:spChg chg="add mod">
-          <ac:chgData name="Hasselwander Daniel" userId="c52ad4b4-8117-4235-b9f1-fab9bcac5934" providerId="ADAL" clId="{D38D4B8B-445C-754F-A08B-CFCB37CCC2E2}" dt="2023-03-14T11:45:23.117" v="820" actId="20577"/>
-          <ac:spMkLst>
-            <pc:docMk/>
-            <pc:sldMk cId="3858175508" sldId="10542"/>
-            <ac:spMk id="12" creationId="{F1F698D5-F597-A8FB-837B-5986C6717184}"/>
-          </ac:spMkLst>
-        </pc:spChg>
-        <pc:grpChg chg="add">
-          <ac:chgData name="Hasselwander Daniel" userId="c52ad4b4-8117-4235-b9f1-fab9bcac5934" providerId="ADAL" clId="{D38D4B8B-445C-754F-A08B-CFCB37CCC2E2}" dt="2023-03-14T09:24:27.909" v="436" actId="164"/>
-          <ac:grpSpMkLst>
-            <pc:docMk/>
-            <pc:sldMk cId="3858175508" sldId="10542"/>
-            <ac:grpSpMk id="7" creationId="{DE95AAF3-9769-CF4F-E259-F7B6A859E653}"/>
-          </ac:grpSpMkLst>
-        </pc:grpChg>
-        <pc:grpChg chg="add del">
-          <ac:chgData name="Hasselwander Daniel" userId="c52ad4b4-8117-4235-b9f1-fab9bcac5934" providerId="ADAL" clId="{D38D4B8B-445C-754F-A08B-CFCB37CCC2E2}" dt="2023-03-14T09:36:31.351" v="516" actId="165"/>
-          <ac:grpSpMkLst>
-            <pc:docMk/>
-            <pc:sldMk cId="3858175508" sldId="10542"/>
-            <ac:grpSpMk id="8" creationId="{1363335D-3451-A13A-7D87-F978BC0AF296}"/>
-          </ac:grpSpMkLst>
-        </pc:grpChg>
-        <pc:picChg chg="mod">
-          <ac:chgData name="Hasselwander Daniel" userId="c52ad4b4-8117-4235-b9f1-fab9bcac5934" providerId="ADAL" clId="{D38D4B8B-445C-754F-A08B-CFCB37CCC2E2}" dt="2023-03-14T09:24:21.949" v="435" actId="1076"/>
-          <ac:picMkLst>
-            <pc:docMk/>
-            <pc:sldMk cId="3858175508" sldId="10542"/>
-            <ac:picMk id="13" creationId="{C7ACBCE4-970F-90D2-E37F-45CC580AF4E0}"/>
-          </ac:picMkLst>
-        </pc:picChg>
-        <pc:picChg chg="add del mod">
-          <ac:chgData name="Hasselwander Daniel" userId="c52ad4b4-8117-4235-b9f1-fab9bcac5934" providerId="ADAL" clId="{D38D4B8B-445C-754F-A08B-CFCB37CCC2E2}" dt="2023-03-14T11:45:17.302" v="816" actId="478"/>
-          <ac:picMkLst>
-            <pc:docMk/>
-            <pc:sldMk cId="3858175508" sldId="10542"/>
-            <ac:picMk id="14" creationId="{48C593DB-CA6B-6E83-5603-15A12664F178}"/>
-          </ac:picMkLst>
-        </pc:picChg>
-        <pc:picChg chg="del mod topLvl">
-          <ac:chgData name="Hasselwander Daniel" userId="c52ad4b4-8117-4235-b9f1-fab9bcac5934" providerId="ADAL" clId="{D38D4B8B-445C-754F-A08B-CFCB37CCC2E2}" dt="2023-03-14T09:37:35.183" v="539" actId="478"/>
-          <ac:picMkLst>
-            <pc:docMk/>
-            <pc:sldMk cId="3858175508" sldId="10542"/>
-            <ac:picMk id="16" creationId="{10AD8254-C80C-BDC7-73F8-FFB6349F92DF}"/>
-          </ac:picMkLst>
-        </pc:picChg>
-      </pc:sldChg>
-      <pc:sldChg chg="addSp delSp modSp new mod ord modClrScheme chgLayout">
-        <pc:chgData name="Hasselwander Daniel" userId="c52ad4b4-8117-4235-b9f1-fab9bcac5934" providerId="ADAL" clId="{D38D4B8B-445C-754F-A08B-CFCB37CCC2E2}" dt="2023-03-14T22:36:26.294" v="2929" actId="20577"/>
-        <pc:sldMkLst>
-          <pc:docMk/>
-          <pc:sldMk cId="1053625338" sldId="10543"/>
-        </pc:sldMkLst>
-        <pc:spChg chg="del mod modVis">
-          <ac:chgData name="Hasselwander Daniel" userId="c52ad4b4-8117-4235-b9f1-fab9bcac5934" providerId="ADAL" clId="{D38D4B8B-445C-754F-A08B-CFCB37CCC2E2}" dt="2023-03-14T11:57:12.758" v="946" actId="478"/>
-          <ac:spMkLst>
-            <pc:docMk/>
-            <pc:sldMk cId="1053625338" sldId="10543"/>
-            <ac:spMk id="2" creationId="{88F2ED19-3CF5-BC25-8008-7D464277FBD2}"/>
-          </ac:spMkLst>
-        </pc:spChg>
-        <pc:spChg chg="mod modVis">
-          <ac:chgData name="Hasselwander Daniel" userId="c52ad4b4-8117-4235-b9f1-fab9bcac5934" providerId="ADAL" clId="{D38D4B8B-445C-754F-A08B-CFCB37CCC2E2}" dt="2023-03-14T11:55:07.524" v="860" actId="26606"/>
-          <ac:spMkLst>
-            <pc:docMk/>
-            <pc:sldMk cId="1053625338" sldId="10543"/>
-            <ac:spMk id="3" creationId="{0CB9ECD8-9FDD-98E2-ED6F-432548E80708}"/>
-          </ac:spMkLst>
-        </pc:spChg>
-        <pc:spChg chg="del mod">
-          <ac:chgData name="Hasselwander Daniel" userId="c52ad4b4-8117-4235-b9f1-fab9bcac5934" providerId="ADAL" clId="{D38D4B8B-445C-754F-A08B-CFCB37CCC2E2}" dt="2023-03-14T11:55:02.935" v="859" actId="478"/>
-          <ac:spMkLst>
-            <pc:docMk/>
-            <pc:sldMk cId="1053625338" sldId="10543"/>
-            <ac:spMk id="4" creationId="{4892F577-5737-4A61-0406-8B0C6DA0233D}"/>
-          </ac:spMkLst>
-        </pc:spChg>
-        <pc:spChg chg="del">
-          <ac:chgData name="Hasselwander Daniel" userId="c52ad4b4-8117-4235-b9f1-fab9bcac5934" providerId="ADAL" clId="{D38D4B8B-445C-754F-A08B-CFCB37CCC2E2}" dt="2023-03-14T11:54:26.014" v="846" actId="478"/>
-          <ac:spMkLst>
-            <pc:docMk/>
-            <pc:sldMk cId="1053625338" sldId="10543"/>
-            <ac:spMk id="5" creationId="{E858962A-4344-A53A-321B-5B3517D19BB2}"/>
-          </ac:spMkLst>
-        </pc:spChg>
-        <pc:spChg chg="add mod">
-          <ac:chgData name="Hasselwander Daniel" userId="c52ad4b4-8117-4235-b9f1-fab9bcac5934" providerId="ADAL" clId="{D38D4B8B-445C-754F-A08B-CFCB37CCC2E2}" dt="2023-03-14T22:36:26.294" v="2929" actId="20577"/>
-          <ac:spMkLst>
-            <pc:docMk/>
-            <pc:sldMk cId="1053625338" sldId="10543"/>
-            <ac:spMk id="12" creationId="{E62DCD0F-6DEC-0217-E980-99865FD66892}"/>
-          </ac:spMkLst>
-        </pc:spChg>
-        <pc:picChg chg="add del mod ord">
-          <ac:chgData name="Hasselwander Daniel" userId="c52ad4b4-8117-4235-b9f1-fab9bcac5934" providerId="ADAL" clId="{D38D4B8B-445C-754F-A08B-CFCB37CCC2E2}" dt="2023-03-14T11:55:07.524" v="860" actId="26606"/>
-          <ac:picMkLst>
-            <pc:docMk/>
-            <pc:sldMk cId="1053625338" sldId="10543"/>
-            <ac:picMk id="7" creationId="{7E4E2BC0-3343-12B8-37C7-62AD93CE7132}"/>
-          </ac:picMkLst>
-        </pc:picChg>
-      </pc:sldChg>
-      <pc:sldChg chg="addSp delSp modSp add del mod ord">
-        <pc:chgData name="Hasselwander Daniel" userId="c52ad4b4-8117-4235-b9f1-fab9bcac5934" providerId="ADAL" clId="{D38D4B8B-445C-754F-A08B-CFCB37CCC2E2}" dt="2023-03-14T13:16:42.879" v="1749" actId="2696"/>
-        <pc:sldMkLst>
-          <pc:docMk/>
-          <pc:sldMk cId="2147780309" sldId="10544"/>
-        </pc:sldMkLst>
-        <pc:spChg chg="mod">
-          <ac:chgData name="Hasselwander Daniel" userId="c52ad4b4-8117-4235-b9f1-fab9bcac5934" providerId="ADAL" clId="{D38D4B8B-445C-754F-A08B-CFCB37CCC2E2}" dt="2023-03-14T12:47:09.498" v="1277" actId="1076"/>
-          <ac:spMkLst>
-            <pc:docMk/>
-            <pc:sldMk cId="2147780309" sldId="10544"/>
-            <ac:spMk id="5" creationId="{2B2A5ACC-8876-8562-0CF0-4D95718D1516}"/>
-          </ac:spMkLst>
-        </pc:spChg>
-        <pc:spChg chg="mod">
-          <ac:chgData name="Hasselwander Daniel" userId="c52ad4b4-8117-4235-b9f1-fab9bcac5934" providerId="ADAL" clId="{D38D4B8B-445C-754F-A08B-CFCB37CCC2E2}" dt="2023-03-14T12:47:11.298" v="1278" actId="1076"/>
-          <ac:spMkLst>
-            <pc:docMk/>
-            <pc:sldMk cId="2147780309" sldId="10544"/>
-            <ac:spMk id="6" creationId="{684A0A98-418F-699A-B739-985CC5B81A8B}"/>
-          </ac:spMkLst>
-        </pc:spChg>
-        <pc:spChg chg="add del mod">
-          <ac:chgData name="Hasselwander Daniel" userId="c52ad4b4-8117-4235-b9f1-fab9bcac5934" providerId="ADAL" clId="{D38D4B8B-445C-754F-A08B-CFCB37CCC2E2}" dt="2023-03-14T12:47:17.897" v="1280"/>
-          <ac:spMkLst>
-            <pc:docMk/>
-            <pc:sldMk cId="2147780309" sldId="10544"/>
-            <ac:spMk id="8" creationId="{DF42ECD3-79F9-0AE6-ADCC-F7107A36A263}"/>
-          </ac:spMkLst>
-        </pc:spChg>
-        <pc:grpChg chg="del">
-          <ac:chgData name="Hasselwander Daniel" userId="c52ad4b4-8117-4235-b9f1-fab9bcac5934" providerId="ADAL" clId="{D38D4B8B-445C-754F-A08B-CFCB37CCC2E2}" dt="2023-03-14T12:47:06.127" v="1276" actId="478"/>
-          <ac:grpSpMkLst>
-            <pc:docMk/>
-            <pc:sldMk cId="2147780309" sldId="10544"/>
-            <ac:grpSpMk id="7" creationId="{DE95AAF3-9769-CF4F-E259-F7B6A859E653}"/>
-          </ac:grpSpMkLst>
-        </pc:grpChg>
-      </pc:sldChg>
-      <pc:sldChg chg="addSp delSp modSp add mod modClrScheme chgLayout modNotesTx">
-        <pc:chgData name="Hasselwander Daniel" userId="c52ad4b4-8117-4235-b9f1-fab9bcac5934" providerId="ADAL" clId="{D38D4B8B-445C-754F-A08B-CFCB37CCC2E2}" dt="2023-03-14T18:22:39.434" v="2596" actId="1076"/>
-        <pc:sldMkLst>
-          <pc:docMk/>
-          <pc:sldMk cId="1311562754" sldId="10545"/>
-        </pc:sldMkLst>
-        <pc:spChg chg="add mod">
-          <ac:chgData name="Hasselwander Daniel" userId="c52ad4b4-8117-4235-b9f1-fab9bcac5934" providerId="ADAL" clId="{D38D4B8B-445C-754F-A08B-CFCB37CCC2E2}" dt="2023-03-14T18:11:38.319" v="2388" actId="14100"/>
-          <ac:spMkLst>
-            <pc:docMk/>
-            <pc:sldMk cId="1311562754" sldId="10545"/>
-            <ac:spMk id="2" creationId="{21764F6D-632E-79AE-82FF-774B2346AAB2}"/>
-          </ac:spMkLst>
-        </pc:spChg>
-        <pc:spChg chg="mod ord">
-          <ac:chgData name="Hasselwander Daniel" userId="c52ad4b4-8117-4235-b9f1-fab9bcac5934" providerId="ADAL" clId="{D38D4B8B-445C-754F-A08B-CFCB37CCC2E2}" dt="2023-03-14T11:59:24.804" v="953" actId="26606"/>
-          <ac:spMkLst>
-            <pc:docMk/>
-            <pc:sldMk cId="1311562754" sldId="10545"/>
-            <ac:spMk id="3" creationId="{0CB9ECD8-9FDD-98E2-ED6F-432548E80708}"/>
-          </ac:spMkLst>
-        </pc:spChg>
-        <pc:spChg chg="add mod">
-          <ac:chgData name="Hasselwander Daniel" userId="c52ad4b4-8117-4235-b9f1-fab9bcac5934" providerId="ADAL" clId="{D38D4B8B-445C-754F-A08B-CFCB37CCC2E2}" dt="2023-03-14T17:28:36.348" v="1793" actId="14100"/>
-          <ac:spMkLst>
-            <pc:docMk/>
-            <pc:sldMk cId="1311562754" sldId="10545"/>
-            <ac:spMk id="4" creationId="{EE008AA6-7580-4542-69E5-1F9B1DB70DCD}"/>
-          </ac:spMkLst>
-        </pc:spChg>
-        <pc:spChg chg="add mod">
-          <ac:chgData name="Hasselwander Daniel" userId="c52ad4b4-8117-4235-b9f1-fab9bcac5934" providerId="ADAL" clId="{D38D4B8B-445C-754F-A08B-CFCB37CCC2E2}" dt="2023-03-14T17:28:47.990" v="1798" actId="1038"/>
-          <ac:spMkLst>
-            <pc:docMk/>
-            <pc:sldMk cId="1311562754" sldId="10545"/>
-            <ac:spMk id="5" creationId="{E438D42A-CDF3-A167-108B-CD42B25CC0E0}"/>
-          </ac:spMkLst>
-        </pc:spChg>
-        <pc:spChg chg="add del mod">
-          <ac:chgData name="Hasselwander Daniel" userId="c52ad4b4-8117-4235-b9f1-fab9bcac5934" providerId="ADAL" clId="{D38D4B8B-445C-754F-A08B-CFCB37CCC2E2}" dt="2023-03-14T18:11:20.123" v="2382"/>
-          <ac:spMkLst>
-            <pc:docMk/>
-            <pc:sldMk cId="1311562754" sldId="10545"/>
-            <ac:spMk id="6" creationId="{7F5A2E40-B48C-58B7-9909-0A27087A691C}"/>
-          </ac:spMkLst>
-        </pc:spChg>
-        <pc:spChg chg="add del mod">
-          <ac:chgData name="Hasselwander Daniel" userId="c52ad4b4-8117-4235-b9f1-fab9bcac5934" providerId="ADAL" clId="{D38D4B8B-445C-754F-A08B-CFCB37CCC2E2}" dt="2023-03-14T11:59:41.916" v="963" actId="478"/>
-          <ac:spMkLst>
-            <pc:docMk/>
-            <pc:sldMk cId="1311562754" sldId="10545"/>
-            <ac:spMk id="6" creationId="{C8D4EE47-6C3B-8EF5-96EF-7C99A3BC7C23}"/>
-          </ac:spMkLst>
-        </pc:spChg>
-        <pc:spChg chg="add del mod">
-          <ac:chgData name="Hasselwander Daniel" userId="c52ad4b4-8117-4235-b9f1-fab9bcac5934" providerId="ADAL" clId="{D38D4B8B-445C-754F-A08B-CFCB37CCC2E2}" dt="2023-03-14T11:59:43.734" v="964" actId="478"/>
-          <ac:spMkLst>
-            <pc:docMk/>
-            <pc:sldMk cId="1311562754" sldId="10545"/>
-            <ac:spMk id="9" creationId="{E50E9BE5-CE47-14F9-2A74-F2478BBF7F59}"/>
-          </ac:spMkLst>
-        </pc:spChg>
-        <pc:spChg chg="del mod ord">
-          <ac:chgData name="Hasselwander Daniel" userId="c52ad4b4-8117-4235-b9f1-fab9bcac5934" providerId="ADAL" clId="{D38D4B8B-445C-754F-A08B-CFCB37CCC2E2}" dt="2023-03-14T11:59:29.947" v="955" actId="478"/>
-          <ac:spMkLst>
-            <pc:docMk/>
-            <pc:sldMk cId="1311562754" sldId="10545"/>
-            <ac:spMk id="12" creationId="{E62DCD0F-6DEC-0217-E980-99865FD66892}"/>
-          </ac:spMkLst>
-        </pc:spChg>
-        <pc:spChg chg="add mod">
-          <ac:chgData name="Hasselwander Daniel" userId="c52ad4b4-8117-4235-b9f1-fab9bcac5934" providerId="ADAL" clId="{D38D4B8B-445C-754F-A08B-CFCB37CCC2E2}" dt="2023-03-14T13:17:43.816" v="1753" actId="207"/>
-          <ac:spMkLst>
-            <pc:docMk/>
-            <pc:sldMk cId="1311562754" sldId="10545"/>
-            <ac:spMk id="13" creationId="{F53BF11A-AA6E-6526-895D-7341B694C478}"/>
-          </ac:spMkLst>
-        </pc:spChg>
-        <pc:spChg chg="add del mod">
-          <ac:chgData name="Hasselwander Daniel" userId="c52ad4b4-8117-4235-b9f1-fab9bcac5934" providerId="ADAL" clId="{D38D4B8B-445C-754F-A08B-CFCB37CCC2E2}" dt="2023-03-14T18:12:28.575" v="2393" actId="478"/>
-          <ac:spMkLst>
-            <pc:docMk/>
-            <pc:sldMk cId="1311562754" sldId="10545"/>
-            <ac:spMk id="15" creationId="{9079C2DE-BBC0-7758-5CB7-198A324D59D0}"/>
-          </ac:spMkLst>
-        </pc:spChg>
-        <pc:spChg chg="add del mod">
-          <ac:chgData name="Hasselwander Daniel" userId="c52ad4b4-8117-4235-b9f1-fab9bcac5934" providerId="ADAL" clId="{D38D4B8B-445C-754F-A08B-CFCB37CCC2E2}" dt="2023-03-14T18:12:30.383" v="2394" actId="478"/>
-          <ac:spMkLst>
-            <pc:docMk/>
-            <pc:sldMk cId="1311562754" sldId="10545"/>
-            <ac:spMk id="16" creationId="{E544DAF1-E2F2-BC3E-A5B9-E26BAE6EE7AB}"/>
-          </ac:spMkLst>
-        </pc:spChg>
-        <pc:spChg chg="add del mod">
-          <ac:chgData name="Hasselwander Daniel" userId="c52ad4b4-8117-4235-b9f1-fab9bcac5934" providerId="ADAL" clId="{D38D4B8B-445C-754F-A08B-CFCB37CCC2E2}" dt="2023-03-14T11:59:24.804" v="953" actId="26606"/>
-          <ac:spMkLst>
-            <pc:docMk/>
-            <pc:sldMk cId="1311562754" sldId="10545"/>
-            <ac:spMk id="17" creationId="{8CE1C7FE-1F4B-4F60-47CC-A5409E76C8F7}"/>
-          </ac:spMkLst>
-        </pc:spChg>
-        <pc:spChg chg="add del mod">
-          <ac:chgData name="Hasselwander Daniel" userId="c52ad4b4-8117-4235-b9f1-fab9bcac5934" providerId="ADAL" clId="{D38D4B8B-445C-754F-A08B-CFCB37CCC2E2}" dt="2023-03-14T11:59:24.804" v="953" actId="26606"/>
-          <ac:spMkLst>
-            <pc:docMk/>
-            <pc:sldMk cId="1311562754" sldId="10545"/>
-            <ac:spMk id="19" creationId="{3C2E1EC8-F1F7-A7E0-189F-A00B1E011C6A}"/>
-          </ac:spMkLst>
-        </pc:spChg>
-        <pc:spChg chg="add del mod">
-          <ac:chgData name="Hasselwander Daniel" userId="c52ad4b4-8117-4235-b9f1-fab9bcac5934" providerId="ADAL" clId="{D38D4B8B-445C-754F-A08B-CFCB37CCC2E2}" dt="2023-03-14T11:59:24.804" v="953" actId="26606"/>
-          <ac:spMkLst>
-            <pc:docMk/>
-            <pc:sldMk cId="1311562754" sldId="10545"/>
-            <ac:spMk id="21" creationId="{50160385-AA33-A912-96FF-97F179D1E28D}"/>
-          </ac:spMkLst>
-        </pc:spChg>
-        <pc:spChg chg="add del mod">
-          <ac:chgData name="Hasselwander Daniel" userId="c52ad4b4-8117-4235-b9f1-fab9bcac5934" providerId="ADAL" clId="{D38D4B8B-445C-754F-A08B-CFCB37CCC2E2}" dt="2023-03-14T11:59:24.804" v="953" actId="26606"/>
-          <ac:spMkLst>
-            <pc:docMk/>
-            <pc:sldMk cId="1311562754" sldId="10545"/>
-            <ac:spMk id="23" creationId="{E81CC860-9AEA-4733-5C27-B310A397582B}"/>
-          </ac:spMkLst>
-        </pc:spChg>
-        <pc:spChg chg="add">
-          <ac:chgData name="Hasselwander Daniel" userId="c52ad4b4-8117-4235-b9f1-fab9bcac5934" providerId="ADAL" clId="{D38D4B8B-445C-754F-A08B-CFCB37CCC2E2}" dt="2023-03-14T11:59:24.806" v="954" actId="26606"/>
-          <ac:spMkLst>
-            <pc:docMk/>
-            <pc:sldMk cId="1311562754" sldId="10545"/>
-            <ac:spMk id="25" creationId="{F517D322-C6E9-E507-6DCC-6D7AD94E94A1}"/>
-          </ac:spMkLst>
-        </pc:spChg>
-        <pc:grpChg chg="add del">
-          <ac:chgData name="Hasselwander Daniel" userId="c52ad4b4-8117-4235-b9f1-fab9bcac5934" providerId="ADAL" clId="{D38D4B8B-445C-754F-A08B-CFCB37CCC2E2}" dt="2023-03-14T18:11:18.214" v="2380" actId="478"/>
-          <ac:grpSpMkLst>
-            <pc:docMk/>
-            <pc:sldMk cId="1311562754" sldId="10545"/>
-            <ac:grpSpMk id="14" creationId="{2372A97B-CFD6-9903-E8CD-12005059518A}"/>
-          </ac:grpSpMkLst>
-        </pc:grpChg>
-        <pc:picChg chg="add del mod ord">
-          <ac:chgData name="Hasselwander Daniel" userId="c52ad4b4-8117-4235-b9f1-fab9bcac5934" providerId="ADAL" clId="{D38D4B8B-445C-754F-A08B-CFCB37CCC2E2}" dt="2023-03-14T13:06:04.093" v="1521" actId="478"/>
-          <ac:picMkLst>
-            <pc:docMk/>
-            <pc:sldMk cId="1311562754" sldId="10545"/>
-            <ac:picMk id="4" creationId="{BE6D702B-B263-E528-8A61-B7260761933B}"/>
-          </ac:picMkLst>
-        </pc:picChg>
-        <pc:picChg chg="del mod">
-          <ac:chgData name="Hasselwander Daniel" userId="c52ad4b4-8117-4235-b9f1-fab9bcac5934" providerId="ADAL" clId="{D38D4B8B-445C-754F-A08B-CFCB37CCC2E2}" dt="2023-03-14T11:59:12.499" v="951" actId="478"/>
-          <ac:picMkLst>
-            <pc:docMk/>
-            <pc:sldMk cId="1311562754" sldId="10545"/>
-            <ac:picMk id="7" creationId="{7E4E2BC0-3343-12B8-37C7-62AD93CE7132}"/>
-          </ac:picMkLst>
-        </pc:picChg>
-        <pc:picChg chg="add del mod">
-          <ac:chgData name="Hasselwander Daniel" userId="c52ad4b4-8117-4235-b9f1-fab9bcac5934" providerId="ADAL" clId="{D38D4B8B-445C-754F-A08B-CFCB37CCC2E2}" dt="2023-03-14T18:21:55.023" v="2590" actId="478"/>
-          <ac:picMkLst>
-            <pc:docMk/>
-            <pc:sldMk cId="1311562754" sldId="10545"/>
-            <ac:picMk id="7" creationId="{C642F292-FD0C-450E-7511-81CF65B6D7BA}"/>
-          </ac:picMkLst>
-        </pc:picChg>
-        <pc:picChg chg="add mod">
-          <ac:chgData name="Hasselwander Daniel" userId="c52ad4b4-8117-4235-b9f1-fab9bcac5934" providerId="ADAL" clId="{D38D4B8B-445C-754F-A08B-CFCB37CCC2E2}" dt="2023-03-14T18:22:39.434" v="2596" actId="1076"/>
-          <ac:picMkLst>
-            <pc:docMk/>
-            <pc:sldMk cId="1311562754" sldId="10545"/>
-            <ac:picMk id="9" creationId="{42EC973D-45DE-1848-6254-28AC3F4762A7}"/>
-          </ac:picMkLst>
-        </pc:picChg>
-        <pc:picChg chg="add mod">
-          <ac:chgData name="Hasselwander Daniel" userId="c52ad4b4-8117-4235-b9f1-fab9bcac5934" providerId="ADAL" clId="{D38D4B8B-445C-754F-A08B-CFCB37CCC2E2}" dt="2023-03-14T13:06:24.275" v="1526" actId="14100"/>
-          <ac:picMkLst>
-            <pc:docMk/>
-            <pc:sldMk cId="1311562754" sldId="10545"/>
-            <ac:picMk id="11" creationId="{18AD3A22-9404-C8BC-0ABB-170A893CF819}"/>
-          </ac:picMkLst>
-        </pc:picChg>
-      </pc:sldChg>
-      <pc:sldChg chg="addSp delSp modSp add del mod ord setBg modClrScheme chgLayout">
-        <pc:chgData name="Hasselwander Daniel" userId="c52ad4b4-8117-4235-b9f1-fab9bcac5934" providerId="ADAL" clId="{D38D4B8B-445C-754F-A08B-CFCB37CCC2E2}" dt="2023-03-14T13:16:45.824" v="1750" actId="2696"/>
-        <pc:sldMkLst>
-          <pc:docMk/>
-          <pc:sldMk cId="2174932521" sldId="10546"/>
-        </pc:sldMkLst>
-        <pc:spChg chg="mod">
-          <ac:chgData name="Hasselwander Daniel" userId="c52ad4b4-8117-4235-b9f1-fab9bcac5934" providerId="ADAL" clId="{D38D4B8B-445C-754F-A08B-CFCB37CCC2E2}" dt="2023-03-14T12:47:54.641" v="1292" actId="26606"/>
-          <ac:spMkLst>
-            <pc:docMk/>
-            <pc:sldMk cId="2174932521" sldId="10546"/>
-            <ac:spMk id="2" creationId="{A0B7C6DE-253F-0374-F735-8A4174830D91}"/>
-          </ac:spMkLst>
-        </pc:spChg>
-        <pc:spChg chg="del ord">
-          <ac:chgData name="Hasselwander Daniel" userId="c52ad4b4-8117-4235-b9f1-fab9bcac5934" providerId="ADAL" clId="{D38D4B8B-445C-754F-A08B-CFCB37CCC2E2}" dt="2023-03-14T12:49:28.623" v="1354" actId="478"/>
-          <ac:spMkLst>
-            <pc:docMk/>
-            <pc:sldMk cId="2174932521" sldId="10546"/>
-            <ac:spMk id="4" creationId="{80D92B32-5B65-44AA-8F03-F2A8649970C0}"/>
-          </ac:spMkLst>
-        </pc:spChg>
-        <pc:spChg chg="del mod ord">
-          <ac:chgData name="Hasselwander Daniel" userId="c52ad4b4-8117-4235-b9f1-fab9bcac5934" providerId="ADAL" clId="{D38D4B8B-445C-754F-A08B-CFCB37CCC2E2}" dt="2023-03-14T12:49:08.384" v="1317" actId="478"/>
-          <ac:spMkLst>
-            <pc:docMk/>
-            <pc:sldMk cId="2174932521" sldId="10546"/>
-            <ac:spMk id="5" creationId="{2B2A5ACC-8876-8562-0CF0-4D95718D1516}"/>
-          </ac:spMkLst>
-        </pc:spChg>
-        <pc:spChg chg="mod ord">
-          <ac:chgData name="Hasselwander Daniel" userId="c52ad4b4-8117-4235-b9f1-fab9bcac5934" providerId="ADAL" clId="{D38D4B8B-445C-754F-A08B-CFCB37CCC2E2}" dt="2023-03-14T12:47:54.628" v="1291" actId="26606"/>
-          <ac:spMkLst>
-            <pc:docMk/>
-            <pc:sldMk cId="2174932521" sldId="10546"/>
-            <ac:spMk id="6" creationId="{684A0A98-418F-699A-B739-985CC5B81A8B}"/>
-          </ac:spMkLst>
-        </pc:spChg>
-        <pc:spChg chg="mod ord">
-          <ac:chgData name="Hasselwander Daniel" userId="c52ad4b4-8117-4235-b9f1-fab9bcac5934" providerId="ADAL" clId="{D38D4B8B-445C-754F-A08B-CFCB37CCC2E2}" dt="2023-03-14T12:47:54.641" v="1292" actId="26606"/>
-          <ac:spMkLst>
-            <pc:docMk/>
-            <pc:sldMk cId="2174932521" sldId="10546"/>
-            <ac:spMk id="10" creationId="{D0D3C6FB-C02D-E50F-5590-A3ADF7C00D8F}"/>
-          </ac:spMkLst>
-        </pc:spChg>
-        <pc:spChg chg="del mod ord">
-          <ac:chgData name="Hasselwander Daniel" userId="c52ad4b4-8117-4235-b9f1-fab9bcac5934" providerId="ADAL" clId="{D38D4B8B-445C-754F-A08B-CFCB37CCC2E2}" dt="2023-03-14T12:49:07.248" v="1316" actId="478"/>
-          <ac:spMkLst>
-            <pc:docMk/>
-            <pc:sldMk cId="2174932521" sldId="10546"/>
-            <ac:spMk id="11" creationId="{21834C15-B39B-CA2C-7F10-17FFC602C545}"/>
-          </ac:spMkLst>
-        </pc:spChg>
-        <pc:spChg chg="del">
-          <ac:chgData name="Hasselwander Daniel" userId="c52ad4b4-8117-4235-b9f1-fab9bcac5934" providerId="ADAL" clId="{D38D4B8B-445C-754F-A08B-CFCB37CCC2E2}" dt="2023-03-14T12:47:23.127" v="1282" actId="478"/>
-          <ac:spMkLst>
-            <pc:docMk/>
-            <pc:sldMk cId="2174932521" sldId="10546"/>
-            <ac:spMk id="12" creationId="{F1F698D5-F597-A8FB-837B-5986C6717184}"/>
-          </ac:spMkLst>
-        </pc:spChg>
-        <pc:spChg chg="mod ord">
-          <ac:chgData name="Hasselwander Daniel" userId="c52ad4b4-8117-4235-b9f1-fab9bcac5934" providerId="ADAL" clId="{D38D4B8B-445C-754F-A08B-CFCB37CCC2E2}" dt="2023-03-14T12:47:54.641" v="1292" actId="26606"/>
-          <ac:spMkLst>
-            <pc:docMk/>
-            <pc:sldMk cId="2174932521" sldId="10546"/>
-            <ac:spMk id="15" creationId="{1BD9B7C1-5860-C447-7FC6-D510200F75A2}"/>
-          </ac:spMkLst>
-        </pc:spChg>
-        <pc:spChg chg="add del mod">
-          <ac:chgData name="Hasselwander Daniel" userId="c52ad4b4-8117-4235-b9f1-fab9bcac5934" providerId="ADAL" clId="{D38D4B8B-445C-754F-A08B-CFCB37CCC2E2}" dt="2023-03-14T12:47:36.161" v="1284" actId="26606"/>
-          <ac:spMkLst>
-            <pc:docMk/>
-            <pc:sldMk cId="2174932521" sldId="10546"/>
-            <ac:spMk id="42" creationId="{4248031C-1ACE-21BF-C6F2-820C8D9A82C2}"/>
-          </ac:spMkLst>
-        </pc:spChg>
-        <pc:spChg chg="add del mod">
-          <ac:chgData name="Hasselwander Daniel" userId="c52ad4b4-8117-4235-b9f1-fab9bcac5934" providerId="ADAL" clId="{D38D4B8B-445C-754F-A08B-CFCB37CCC2E2}" dt="2023-03-14T12:47:36.161" v="1284" actId="26606"/>
-          <ac:spMkLst>
-            <pc:docMk/>
-            <pc:sldMk cId="2174932521" sldId="10546"/>
-            <ac:spMk id="44" creationId="{A1E000EF-5DD3-C760-B8DC-5AE2AE76204F}"/>
-          </ac:spMkLst>
-        </pc:spChg>
-        <pc:spChg chg="add del mod">
-          <ac:chgData name="Hasselwander Daniel" userId="c52ad4b4-8117-4235-b9f1-fab9bcac5934" providerId="ADAL" clId="{D38D4B8B-445C-754F-A08B-CFCB37CCC2E2}" dt="2023-03-14T12:47:36.161" v="1284" actId="26606"/>
-          <ac:spMkLst>
-            <pc:docMk/>
-            <pc:sldMk cId="2174932521" sldId="10546"/>
-            <ac:spMk id="46" creationId="{6D51FEF0-82D3-EA42-BF8E-9240EC749AF1}"/>
-          </ac:spMkLst>
-        </pc:spChg>
-        <pc:spChg chg="add del mod">
-          <ac:chgData name="Hasselwander Daniel" userId="c52ad4b4-8117-4235-b9f1-fab9bcac5934" providerId="ADAL" clId="{D38D4B8B-445C-754F-A08B-CFCB37CCC2E2}" dt="2023-03-14T12:47:37.529" v="1286" actId="26606"/>
-          <ac:spMkLst>
-            <pc:docMk/>
-            <pc:sldMk cId="2174932521" sldId="10546"/>
-            <ac:spMk id="48" creationId="{B8393D5F-297F-7008-865D-BBBE7910C635}"/>
-          </ac:spMkLst>
-        </pc:spChg>
-        <pc:spChg chg="add del mod">
-          <ac:chgData name="Hasselwander Daniel" userId="c52ad4b4-8117-4235-b9f1-fab9bcac5934" providerId="ADAL" clId="{D38D4B8B-445C-754F-A08B-CFCB37CCC2E2}" dt="2023-03-14T12:47:37.529" v="1286" actId="26606"/>
-          <ac:spMkLst>
-            <pc:docMk/>
-            <pc:sldMk cId="2174932521" sldId="10546"/>
-            <ac:spMk id="49" creationId="{3E237EA3-6575-CADB-3BDC-E543717CDB3F}"/>
-          </ac:spMkLst>
-        </pc:spChg>
-        <pc:spChg chg="add del mod">
-          <ac:chgData name="Hasselwander Daniel" userId="c52ad4b4-8117-4235-b9f1-fab9bcac5934" providerId="ADAL" clId="{D38D4B8B-445C-754F-A08B-CFCB37CCC2E2}" dt="2023-03-14T12:47:37.529" v="1286" actId="26606"/>
-          <ac:spMkLst>
-            <pc:docMk/>
-            <pc:sldMk cId="2174932521" sldId="10546"/>
-            <ac:spMk id="50" creationId="{FDE51AE1-6234-A9FA-2F4E-B509CE6EBD27}"/>
-          </ac:spMkLst>
-        </pc:spChg>
-        <pc:spChg chg="add del mod">
-          <ac:chgData name="Hasselwander Daniel" userId="c52ad4b4-8117-4235-b9f1-fab9bcac5934" providerId="ADAL" clId="{D38D4B8B-445C-754F-A08B-CFCB37CCC2E2}" dt="2023-03-14T12:47:37.529" v="1286" actId="26606"/>
-          <ac:spMkLst>
-            <pc:docMk/>
-            <pc:sldMk cId="2174932521" sldId="10546"/>
-            <ac:spMk id="51" creationId="{5439BEE9-33AE-11CC-406F-775CFD8F6BFE}"/>
-          </ac:spMkLst>
-        </pc:spChg>
-        <pc:spChg chg="add del mod">
-          <ac:chgData name="Hasselwander Daniel" userId="c52ad4b4-8117-4235-b9f1-fab9bcac5934" providerId="ADAL" clId="{D38D4B8B-445C-754F-A08B-CFCB37CCC2E2}" dt="2023-03-14T12:47:37.529" v="1286" actId="26606"/>
-          <ac:spMkLst>
-            <pc:docMk/>
-            <pc:sldMk cId="2174932521" sldId="10546"/>
-            <ac:spMk id="52" creationId="{F461A3FB-1318-DCA7-31E5-4A733B77E202}"/>
-          </ac:spMkLst>
-        </pc:spChg>
-        <pc:spChg chg="add del mod">
-          <ac:chgData name="Hasselwander Daniel" userId="c52ad4b4-8117-4235-b9f1-fab9bcac5934" providerId="ADAL" clId="{D38D4B8B-445C-754F-A08B-CFCB37CCC2E2}" dt="2023-03-14T12:47:38.761" v="1288" actId="26606"/>
-          <ac:spMkLst>
-            <pc:docMk/>
-            <pc:sldMk cId="2174932521" sldId="10546"/>
-            <ac:spMk id="54" creationId="{333FC8D4-5DA4-2D61-8342-1B80DF99CFEF}"/>
-          </ac:spMkLst>
-        </pc:spChg>
-        <pc:spChg chg="add del mod">
-          <ac:chgData name="Hasselwander Daniel" userId="c52ad4b4-8117-4235-b9f1-fab9bcac5934" providerId="ADAL" clId="{D38D4B8B-445C-754F-A08B-CFCB37CCC2E2}" dt="2023-03-14T12:47:38.761" v="1288" actId="26606"/>
-          <ac:spMkLst>
-            <pc:docMk/>
-            <pc:sldMk cId="2174932521" sldId="10546"/>
-            <ac:spMk id="55" creationId="{8F618E76-824B-C991-0824-2748198C388F}"/>
-          </ac:spMkLst>
-        </pc:spChg>
-        <pc:spChg chg="add del mod">
-          <ac:chgData name="Hasselwander Daniel" userId="c52ad4b4-8117-4235-b9f1-fab9bcac5934" providerId="ADAL" clId="{D38D4B8B-445C-754F-A08B-CFCB37CCC2E2}" dt="2023-03-14T12:47:38.761" v="1288" actId="26606"/>
-          <ac:spMkLst>
-            <pc:docMk/>
-            <pc:sldMk cId="2174932521" sldId="10546"/>
-            <ac:spMk id="56" creationId="{0E6619A9-C08F-2A06-ABB6-AB21F05FE2CF}"/>
-          </ac:spMkLst>
-        </pc:spChg>
-        <pc:spChg chg="add del mod">
-          <ac:chgData name="Hasselwander Daniel" userId="c52ad4b4-8117-4235-b9f1-fab9bcac5934" providerId="ADAL" clId="{D38D4B8B-445C-754F-A08B-CFCB37CCC2E2}" dt="2023-03-14T12:47:38.761" v="1288" actId="26606"/>
-          <ac:spMkLst>
-            <pc:docMk/>
-            <pc:sldMk cId="2174932521" sldId="10546"/>
-            <ac:spMk id="57" creationId="{C04D6638-7A83-F260-6EE4-1B5A0414E828}"/>
-          </ac:spMkLst>
-        </pc:spChg>
-        <pc:spChg chg="add del mod">
-          <ac:chgData name="Hasselwander Daniel" userId="c52ad4b4-8117-4235-b9f1-fab9bcac5934" providerId="ADAL" clId="{D38D4B8B-445C-754F-A08B-CFCB37CCC2E2}" dt="2023-03-14T12:47:38.761" v="1288" actId="26606"/>
-          <ac:spMkLst>
-            <pc:docMk/>
-            <pc:sldMk cId="2174932521" sldId="10546"/>
-            <ac:spMk id="58" creationId="{E19DD74F-0C9E-9DBF-33F4-268330E07D20}"/>
-          </ac:spMkLst>
-        </pc:spChg>
-        <pc:spChg chg="add del mod">
-          <ac:chgData name="Hasselwander Daniel" userId="c52ad4b4-8117-4235-b9f1-fab9bcac5934" providerId="ADAL" clId="{D38D4B8B-445C-754F-A08B-CFCB37CCC2E2}" dt="2023-03-14T12:47:38.761" v="1288" actId="26606"/>
-          <ac:spMkLst>
-            <pc:docMk/>
-            <pc:sldMk cId="2174932521" sldId="10546"/>
-            <ac:spMk id="59" creationId="{CB5DBFA9-22CA-CC31-A4A6-C1F1C6D1C85D}"/>
-          </ac:spMkLst>
-        </pc:spChg>
-        <pc:spChg chg="add del mod">
-          <ac:chgData name="Hasselwander Daniel" userId="c52ad4b4-8117-4235-b9f1-fab9bcac5934" providerId="ADAL" clId="{D38D4B8B-445C-754F-A08B-CFCB37CCC2E2}" dt="2023-03-14T12:47:38.761" v="1288" actId="26606"/>
-          <ac:spMkLst>
-            <pc:docMk/>
-            <pc:sldMk cId="2174932521" sldId="10546"/>
-            <ac:spMk id="60" creationId="{21D026AC-DD55-E759-2807-22E29998C982}"/>
-          </ac:spMkLst>
-        </pc:spChg>
-        <pc:spChg chg="add del mod">
-          <ac:chgData name="Hasselwander Daniel" userId="c52ad4b4-8117-4235-b9f1-fab9bcac5934" providerId="ADAL" clId="{D38D4B8B-445C-754F-A08B-CFCB37CCC2E2}" dt="2023-03-14T12:47:38.761" v="1288" actId="26606"/>
-          <ac:spMkLst>
-            <pc:docMk/>
-            <pc:sldMk cId="2174932521" sldId="10546"/>
-            <ac:spMk id="61" creationId="{6291F9C8-B46B-3DCE-E52B-AD4BE4CDA01B}"/>
-          </ac:spMkLst>
-        </pc:spChg>
-        <pc:spChg chg="add del mod">
-          <ac:chgData name="Hasselwander Daniel" userId="c52ad4b4-8117-4235-b9f1-fab9bcac5934" providerId="ADAL" clId="{D38D4B8B-445C-754F-A08B-CFCB37CCC2E2}" dt="2023-03-14T12:47:38.761" v="1288" actId="26606"/>
-          <ac:spMkLst>
-            <pc:docMk/>
-            <pc:sldMk cId="2174932521" sldId="10546"/>
-            <ac:spMk id="62" creationId="{A214B312-7051-4D6D-6387-667A36CD05EF}"/>
-          </ac:spMkLst>
-        </pc:spChg>
-        <pc:spChg chg="add del mod">
-          <ac:chgData name="Hasselwander Daniel" userId="c52ad4b4-8117-4235-b9f1-fab9bcac5934" providerId="ADAL" clId="{D38D4B8B-445C-754F-A08B-CFCB37CCC2E2}" dt="2023-03-14T12:47:38.761" v="1288" actId="26606"/>
-          <ac:spMkLst>
-            <pc:docMk/>
-            <pc:sldMk cId="2174932521" sldId="10546"/>
-            <ac:spMk id="63" creationId="{C18C38C8-DD6F-5B3F-C069-F7C5269C5FA6}"/>
-          </ac:spMkLst>
-        </pc:spChg>
-        <pc:spChg chg="add del mod">
-          <ac:chgData name="Hasselwander Daniel" userId="c52ad4b4-8117-4235-b9f1-fab9bcac5934" providerId="ADAL" clId="{D38D4B8B-445C-754F-A08B-CFCB37CCC2E2}" dt="2023-03-14T12:47:38.761" v="1288" actId="26606"/>
-          <ac:spMkLst>
-            <pc:docMk/>
-            <pc:sldMk cId="2174932521" sldId="10546"/>
-            <ac:spMk id="64" creationId="{DF045A85-CA18-57AF-9C55-1D9DBD203296}"/>
-          </ac:spMkLst>
-        </pc:spChg>
-        <pc:spChg chg="add del mod">
-          <ac:chgData name="Hasselwander Daniel" userId="c52ad4b4-8117-4235-b9f1-fab9bcac5934" providerId="ADAL" clId="{D38D4B8B-445C-754F-A08B-CFCB37CCC2E2}" dt="2023-03-14T12:47:38.761" v="1288" actId="26606"/>
-          <ac:spMkLst>
-            <pc:docMk/>
-            <pc:sldMk cId="2174932521" sldId="10546"/>
-            <ac:spMk id="65" creationId="{38EC8276-DA59-5C46-D356-CD2634B84EDE}"/>
-          </ac:spMkLst>
-        </pc:spChg>
-        <pc:spChg chg="add del mod">
-          <ac:chgData name="Hasselwander Daniel" userId="c52ad4b4-8117-4235-b9f1-fab9bcac5934" providerId="ADAL" clId="{D38D4B8B-445C-754F-A08B-CFCB37CCC2E2}" dt="2023-03-14T12:47:38.761" v="1288" actId="26606"/>
-          <ac:spMkLst>
-            <pc:docMk/>
-            <pc:sldMk cId="2174932521" sldId="10546"/>
-            <ac:spMk id="66" creationId="{B9994CDB-F943-472D-569F-5BB37A784B94}"/>
-          </ac:spMkLst>
-        </pc:spChg>
-        <pc:spChg chg="add del mod">
-          <ac:chgData name="Hasselwander Daniel" userId="c52ad4b4-8117-4235-b9f1-fab9bcac5934" providerId="ADAL" clId="{D38D4B8B-445C-754F-A08B-CFCB37CCC2E2}" dt="2023-03-14T12:47:38.761" v="1288" actId="26606"/>
-          <ac:spMkLst>
-            <pc:docMk/>
-            <pc:sldMk cId="2174932521" sldId="10546"/>
-            <ac:spMk id="68" creationId="{D09F855E-4416-9720-4DA1-C40E896CDE90}"/>
-          </ac:spMkLst>
-        </pc:spChg>
-        <pc:spChg chg="add del mod">
-          <ac:chgData name="Hasselwander Daniel" userId="c52ad4b4-8117-4235-b9f1-fab9bcac5934" providerId="ADAL" clId="{D38D4B8B-445C-754F-A08B-CFCB37CCC2E2}" dt="2023-03-14T12:47:38.761" v="1288" actId="26606"/>
-          <ac:spMkLst>
-            <pc:docMk/>
-            <pc:sldMk cId="2174932521" sldId="10546"/>
-            <ac:spMk id="70" creationId="{95F2B527-D59D-8695-9BAE-99B0AAB07B70}"/>
-          </ac:spMkLst>
-        </pc:spChg>
-        <pc:spChg chg="add del mod">
-          <ac:chgData name="Hasselwander Daniel" userId="c52ad4b4-8117-4235-b9f1-fab9bcac5934" providerId="ADAL" clId="{D38D4B8B-445C-754F-A08B-CFCB37CCC2E2}" dt="2023-03-14T12:47:38.761" v="1288" actId="26606"/>
-          <ac:spMkLst>
-            <pc:docMk/>
-            <pc:sldMk cId="2174932521" sldId="10546"/>
-            <ac:spMk id="72" creationId="{8F363684-0D19-D0DD-1F8E-032BF2D57410}"/>
-          </ac:spMkLst>
-        </pc:spChg>
-        <pc:spChg chg="add del mod">
-          <ac:chgData name="Hasselwander Daniel" userId="c52ad4b4-8117-4235-b9f1-fab9bcac5934" providerId="ADAL" clId="{D38D4B8B-445C-754F-A08B-CFCB37CCC2E2}" dt="2023-03-14T12:47:38.761" v="1288" actId="26606"/>
-          <ac:spMkLst>
-            <pc:docMk/>
-            <pc:sldMk cId="2174932521" sldId="10546"/>
-            <ac:spMk id="74" creationId="{80A3DAEA-C960-DE3F-F4D6-3F30EB01839B}"/>
-          </ac:spMkLst>
-        </pc:spChg>
-        <pc:spChg chg="add mod">
-          <ac:chgData name="Hasselwander Daniel" userId="c52ad4b4-8117-4235-b9f1-fab9bcac5934" providerId="ADAL" clId="{D38D4B8B-445C-754F-A08B-CFCB37CCC2E2}" dt="2023-03-14T12:47:54.641" v="1292" actId="26606"/>
-          <ac:spMkLst>
-            <pc:docMk/>
-            <pc:sldMk cId="2174932521" sldId="10546"/>
-            <ac:spMk id="76" creationId="{3E237EA3-6575-CADB-3BDC-E543717CDB3F}"/>
-          </ac:spMkLst>
-        </pc:spChg>
-        <pc:spChg chg="add mod">
-          <ac:chgData name="Hasselwander Daniel" userId="c52ad4b4-8117-4235-b9f1-fab9bcac5934" providerId="ADAL" clId="{D38D4B8B-445C-754F-A08B-CFCB37CCC2E2}" dt="2023-03-14T12:47:54.641" v="1292" actId="26606"/>
-          <ac:spMkLst>
-            <pc:docMk/>
-            <pc:sldMk cId="2174932521" sldId="10546"/>
-            <ac:spMk id="77" creationId="{5439BEE9-33AE-11CC-406F-775CFD8F6BFE}"/>
-          </ac:spMkLst>
-        </pc:spChg>
-        <pc:spChg chg="add del mod">
-          <ac:chgData name="Hasselwander Daniel" userId="c52ad4b4-8117-4235-b9f1-fab9bcac5934" providerId="ADAL" clId="{D38D4B8B-445C-754F-A08B-CFCB37CCC2E2}" dt="2023-03-14T12:47:54.641" v="1292" actId="26606"/>
-          <ac:spMkLst>
-            <pc:docMk/>
-            <pc:sldMk cId="2174932521" sldId="10546"/>
-            <ac:spMk id="78" creationId="{F461A3FB-1318-DCA7-31E5-4A733B77E202}"/>
-          </ac:spMkLst>
-        </pc:spChg>
-        <pc:spChg chg="add del mod">
-          <ac:chgData name="Hasselwander Daniel" userId="c52ad4b4-8117-4235-b9f1-fab9bcac5934" providerId="ADAL" clId="{D38D4B8B-445C-754F-A08B-CFCB37CCC2E2}" dt="2023-03-14T12:47:54.641" v="1292" actId="26606"/>
-          <ac:spMkLst>
-            <pc:docMk/>
-            <pc:sldMk cId="2174932521" sldId="10546"/>
-            <ac:spMk id="79" creationId="{B8393D5F-297F-7008-865D-BBBE7910C635}"/>
-          </ac:spMkLst>
-        </pc:spChg>
-        <pc:spChg chg="add del mod">
-          <ac:chgData name="Hasselwander Daniel" userId="c52ad4b4-8117-4235-b9f1-fab9bcac5934" providerId="ADAL" clId="{D38D4B8B-445C-754F-A08B-CFCB37CCC2E2}" dt="2023-03-14T12:47:54.641" v="1292" actId="26606"/>
-          <ac:spMkLst>
-            <pc:docMk/>
-            <pc:sldMk cId="2174932521" sldId="10546"/>
-            <ac:spMk id="80" creationId="{FDE51AE1-6234-A9FA-2F4E-B509CE6EBD27}"/>
-          </ac:spMkLst>
-        </pc:spChg>
-        <pc:spChg chg="add del mod">
-          <ac:chgData name="Hasselwander Daniel" userId="c52ad4b4-8117-4235-b9f1-fab9bcac5934" providerId="ADAL" clId="{D38D4B8B-445C-754F-A08B-CFCB37CCC2E2}" dt="2023-03-14T12:47:54.628" v="1291" actId="26606"/>
-          <ac:spMkLst>
-            <pc:docMk/>
-            <pc:sldMk cId="2174932521" sldId="10546"/>
-            <ac:spMk id="85" creationId="{58D2253D-07DF-C29B-5E8A-49120F993D71}"/>
-          </ac:spMkLst>
-        </pc:spChg>
-        <pc:spChg chg="add del mod">
-          <ac:chgData name="Hasselwander Daniel" userId="c52ad4b4-8117-4235-b9f1-fab9bcac5934" providerId="ADAL" clId="{D38D4B8B-445C-754F-A08B-CFCB37CCC2E2}" dt="2023-03-14T12:47:54.628" v="1291" actId="26606"/>
-          <ac:spMkLst>
-            <pc:docMk/>
-            <pc:sldMk cId="2174932521" sldId="10546"/>
-            <ac:spMk id="87" creationId="{1BB9D0C6-37A6-CD0D-35E1-606C91D52B9B}"/>
-          </ac:spMkLst>
-        </pc:spChg>
-        <pc:spChg chg="add del mod">
-          <ac:chgData name="Hasselwander Daniel" userId="c52ad4b4-8117-4235-b9f1-fab9bcac5934" providerId="ADAL" clId="{D38D4B8B-445C-754F-A08B-CFCB37CCC2E2}" dt="2023-03-14T12:47:54.628" v="1291" actId="26606"/>
-          <ac:spMkLst>
-            <pc:docMk/>
-            <pc:sldMk cId="2174932521" sldId="10546"/>
-            <ac:spMk id="89" creationId="{3B2FCF1B-8797-190D-84AC-757367470C03}"/>
-          </ac:spMkLst>
-        </pc:spChg>
-        <pc:spChg chg="add del mod">
-          <ac:chgData name="Hasselwander Daniel" userId="c52ad4b4-8117-4235-b9f1-fab9bcac5934" providerId="ADAL" clId="{D38D4B8B-445C-754F-A08B-CFCB37CCC2E2}" dt="2023-03-14T12:47:54.628" v="1291" actId="26606"/>
-          <ac:spMkLst>
-            <pc:docMk/>
-            <pc:sldMk cId="2174932521" sldId="10546"/>
-            <ac:spMk id="91" creationId="{E413375C-F6AB-C78E-9F0E-F9F971B55704}"/>
-          </ac:spMkLst>
-        </pc:spChg>
-        <pc:spChg chg="add del mod">
-          <ac:chgData name="Hasselwander Daniel" userId="c52ad4b4-8117-4235-b9f1-fab9bcac5934" providerId="ADAL" clId="{D38D4B8B-445C-754F-A08B-CFCB37CCC2E2}" dt="2023-03-14T12:47:54.628" v="1291" actId="26606"/>
-          <ac:spMkLst>
-            <pc:docMk/>
-            <pc:sldMk cId="2174932521" sldId="10546"/>
-            <ac:spMk id="93" creationId="{3C6AF4AD-AA4D-6A3F-53F6-F73305E56125}"/>
-          </ac:spMkLst>
-        </pc:spChg>
-        <pc:spChg chg="add del mod">
-          <ac:chgData name="Hasselwander Daniel" userId="c52ad4b4-8117-4235-b9f1-fab9bcac5934" providerId="ADAL" clId="{D38D4B8B-445C-754F-A08B-CFCB37CCC2E2}" dt="2023-03-14T12:47:54.628" v="1291" actId="26606"/>
-          <ac:spMkLst>
-            <pc:docMk/>
-            <pc:sldMk cId="2174932521" sldId="10546"/>
-            <ac:spMk id="95" creationId="{E0FE26F4-5765-52F5-5878-4811028D678F}"/>
-          </ac:spMkLst>
-        </pc:spChg>
-        <pc:spChg chg="add del mod">
-          <ac:chgData name="Hasselwander Daniel" userId="c52ad4b4-8117-4235-b9f1-fab9bcac5934" providerId="ADAL" clId="{D38D4B8B-445C-754F-A08B-CFCB37CCC2E2}" dt="2023-03-14T12:47:54.628" v="1291" actId="26606"/>
-          <ac:spMkLst>
-            <pc:docMk/>
-            <pc:sldMk cId="2174932521" sldId="10546"/>
-            <ac:spMk id="97" creationId="{F80D867E-60DC-4275-6ED8-BD1F55272F94}"/>
-          </ac:spMkLst>
-        </pc:spChg>
-        <pc:spChg chg="add del mod">
-          <ac:chgData name="Hasselwander Daniel" userId="c52ad4b4-8117-4235-b9f1-fab9bcac5934" providerId="ADAL" clId="{D38D4B8B-445C-754F-A08B-CFCB37CCC2E2}" dt="2023-03-14T12:47:54.628" v="1291" actId="26606"/>
-          <ac:spMkLst>
-            <pc:docMk/>
-            <pc:sldMk cId="2174932521" sldId="10546"/>
-            <ac:spMk id="99" creationId="{E7F55D47-6D37-A173-A987-269C9DDBB03D}"/>
-          </ac:spMkLst>
-        </pc:spChg>
-        <pc:spChg chg="add del mod">
-          <ac:chgData name="Hasselwander Daniel" userId="c52ad4b4-8117-4235-b9f1-fab9bcac5934" providerId="ADAL" clId="{D38D4B8B-445C-754F-A08B-CFCB37CCC2E2}" dt="2023-03-14T12:47:54.628" v="1291" actId="26606"/>
-          <ac:spMkLst>
-            <pc:docMk/>
-            <pc:sldMk cId="2174932521" sldId="10546"/>
-            <ac:spMk id="101" creationId="{0120FBB4-A411-68EB-3DF0-92CE397E12D4}"/>
-          </ac:spMkLst>
-        </pc:spChg>
-        <pc:spChg chg="add del mod">
-          <ac:chgData name="Hasselwander Daniel" userId="c52ad4b4-8117-4235-b9f1-fab9bcac5934" providerId="ADAL" clId="{D38D4B8B-445C-754F-A08B-CFCB37CCC2E2}" dt="2023-03-14T12:47:54.628" v="1291" actId="26606"/>
-          <ac:spMkLst>
-            <pc:docMk/>
-            <pc:sldMk cId="2174932521" sldId="10546"/>
-            <ac:spMk id="103" creationId="{1EB4B01F-BD0A-EEA2-A748-905449A8B714}"/>
-          </ac:spMkLst>
-        </pc:spChg>
-        <pc:spChg chg="add del mod">
-          <ac:chgData name="Hasselwander Daniel" userId="c52ad4b4-8117-4235-b9f1-fab9bcac5934" providerId="ADAL" clId="{D38D4B8B-445C-754F-A08B-CFCB37CCC2E2}" dt="2023-03-14T12:47:54.628" v="1291" actId="26606"/>
-          <ac:spMkLst>
-            <pc:docMk/>
-            <pc:sldMk cId="2174932521" sldId="10546"/>
-            <ac:spMk id="105" creationId="{08C322B3-9083-5B5B-EF34-213218BDB0A6}"/>
-          </ac:spMkLst>
-        </pc:spChg>
-        <pc:spChg chg="add del mod">
-          <ac:chgData name="Hasselwander Daniel" userId="c52ad4b4-8117-4235-b9f1-fab9bcac5934" providerId="ADAL" clId="{D38D4B8B-445C-754F-A08B-CFCB37CCC2E2}" dt="2023-03-14T12:47:54.628" v="1291" actId="26606"/>
-          <ac:spMkLst>
-            <pc:docMk/>
-            <pc:sldMk cId="2174932521" sldId="10546"/>
-            <ac:spMk id="107" creationId="{1DF4359F-5B6B-B217-22DE-3005E247F4F6}"/>
-          </ac:spMkLst>
-        </pc:spChg>
-        <pc:spChg chg="add del mod">
-          <ac:chgData name="Hasselwander Daniel" userId="c52ad4b4-8117-4235-b9f1-fab9bcac5934" providerId="ADAL" clId="{D38D4B8B-445C-754F-A08B-CFCB37CCC2E2}" dt="2023-03-14T12:47:54.628" v="1291" actId="26606"/>
-          <ac:spMkLst>
-            <pc:docMk/>
-            <pc:sldMk cId="2174932521" sldId="10546"/>
-            <ac:spMk id="109" creationId="{35AB4FC3-C14A-010C-A439-BA240D850C0F}"/>
-          </ac:spMkLst>
-        </pc:spChg>
-        <pc:spChg chg="add del mod">
-          <ac:chgData name="Hasselwander Daniel" userId="c52ad4b4-8117-4235-b9f1-fab9bcac5934" providerId="ADAL" clId="{D38D4B8B-445C-754F-A08B-CFCB37CCC2E2}" dt="2023-03-14T12:47:54.628" v="1291" actId="26606"/>
-          <ac:spMkLst>
-            <pc:docMk/>
-            <pc:sldMk cId="2174932521" sldId="10546"/>
-            <ac:spMk id="111" creationId="{139CBFD0-90BF-0303-A498-6BC025A165C4}"/>
-          </ac:spMkLst>
-        </pc:spChg>
-        <pc:spChg chg="add del mod">
-          <ac:chgData name="Hasselwander Daniel" userId="c52ad4b4-8117-4235-b9f1-fab9bcac5934" providerId="ADAL" clId="{D38D4B8B-445C-754F-A08B-CFCB37CCC2E2}" dt="2023-03-14T12:47:54.628" v="1291" actId="26606"/>
-          <ac:spMkLst>
-            <pc:docMk/>
-            <pc:sldMk cId="2174932521" sldId="10546"/>
-            <ac:spMk id="113" creationId="{01A9AB1D-7E76-ADE9-8127-66A6544BCF96}"/>
-          </ac:spMkLst>
-        </pc:spChg>
-        <pc:spChg chg="add del mod">
-          <ac:chgData name="Hasselwander Daniel" userId="c52ad4b4-8117-4235-b9f1-fab9bcac5934" providerId="ADAL" clId="{D38D4B8B-445C-754F-A08B-CFCB37CCC2E2}" dt="2023-03-14T13:03:47.036" v="1466" actId="931"/>
-          <ac:spMkLst>
-            <pc:docMk/>
-            <pc:sldMk cId="2174932521" sldId="10546"/>
-            <ac:spMk id="115" creationId="{76F184EC-977E-725B-506D-7F6CBF835DE3}"/>
-          </ac:spMkLst>
-        </pc:spChg>
-        <pc:spChg chg="add del mod">
-          <ac:chgData name="Hasselwander Daniel" userId="c52ad4b4-8117-4235-b9f1-fab9bcac5934" providerId="ADAL" clId="{D38D4B8B-445C-754F-A08B-CFCB37CCC2E2}" dt="2023-03-14T12:48:10.276" v="1295" actId="478"/>
-          <ac:spMkLst>
-            <pc:docMk/>
-            <pc:sldMk cId="2174932521" sldId="10546"/>
-            <ac:spMk id="116" creationId="{593B8CE6-7236-4AE8-ABD9-21AD2C8F1D21}"/>
-          </ac:spMkLst>
-        </pc:spChg>
-        <pc:spChg chg="add del mod">
-          <ac:chgData name="Hasselwander Daniel" userId="c52ad4b4-8117-4235-b9f1-fab9bcac5934" providerId="ADAL" clId="{D38D4B8B-445C-754F-A08B-CFCB37CCC2E2}" dt="2023-03-14T13:08:54.446" v="1533" actId="931"/>
-          <ac:spMkLst>
-            <pc:docMk/>
-            <pc:sldMk cId="2174932521" sldId="10546"/>
-            <ac:spMk id="117" creationId="{0EB53DC6-ED78-B845-B288-D266849B0276}"/>
-          </ac:spMkLst>
-        </pc:spChg>
-        <pc:spChg chg="add del mod">
-          <ac:chgData name="Hasselwander Daniel" userId="c52ad4b4-8117-4235-b9f1-fab9bcac5934" providerId="ADAL" clId="{D38D4B8B-445C-754F-A08B-CFCB37CCC2E2}" dt="2023-03-14T13:11:31.079" v="1600" actId="931"/>
-          <ac:spMkLst>
-            <pc:docMk/>
-            <pc:sldMk cId="2174932521" sldId="10546"/>
-            <ac:spMk id="118" creationId="{CFEAA792-27A1-7ECA-1621-78AAC8353C13}"/>
-          </ac:spMkLst>
-        </pc:spChg>
-        <pc:spChg chg="add mod">
-          <ac:chgData name="Hasselwander Daniel" userId="c52ad4b4-8117-4235-b9f1-fab9bcac5934" providerId="ADAL" clId="{D38D4B8B-445C-754F-A08B-CFCB37CCC2E2}" dt="2023-03-14T12:49:20.455" v="1352" actId="20577"/>
-          <ac:spMkLst>
-            <pc:docMk/>
-            <pc:sldMk cId="2174932521" sldId="10546"/>
-            <ac:spMk id="119" creationId="{0ACC9D12-C51E-C8D4-47C8-AB4355067613}"/>
-          </ac:spMkLst>
-        </pc:spChg>
-        <pc:spChg chg="add del mod">
-          <ac:chgData name="Hasselwander Daniel" userId="c52ad4b4-8117-4235-b9f1-fab9bcac5934" providerId="ADAL" clId="{D38D4B8B-445C-754F-A08B-CFCB37CCC2E2}" dt="2023-03-14T12:49:24.911" v="1353" actId="478"/>
-          <ac:spMkLst>
-            <pc:docMk/>
-            <pc:sldMk cId="2174932521" sldId="10546"/>
-            <ac:spMk id="120" creationId="{BE3550CB-1C19-04F9-A5D6-95B23BE43FF9}"/>
-          </ac:spMkLst>
-        </pc:spChg>
-        <pc:spChg chg="add mod">
-          <ac:chgData name="Hasselwander Daniel" userId="c52ad4b4-8117-4235-b9f1-fab9bcac5934" providerId="ADAL" clId="{D38D4B8B-445C-754F-A08B-CFCB37CCC2E2}" dt="2023-03-14T12:49:01.870" v="1315" actId="20577"/>
-          <ac:spMkLst>
-            <pc:docMk/>
-            <pc:sldMk cId="2174932521" sldId="10546"/>
-            <ac:spMk id="121" creationId="{597D7639-6240-2E60-2E61-65AF5F177CB0}"/>
-          </ac:spMkLst>
-        </pc:spChg>
-        <pc:spChg chg="add del mod">
-          <ac:chgData name="Hasselwander Daniel" userId="c52ad4b4-8117-4235-b9f1-fab9bcac5934" providerId="ADAL" clId="{D38D4B8B-445C-754F-A08B-CFCB37CCC2E2}" dt="2023-03-14T12:48:32.034" v="1301" actId="478"/>
-          <ac:spMkLst>
-            <pc:docMk/>
-            <pc:sldMk cId="2174932521" sldId="10546"/>
-            <ac:spMk id="122" creationId="{4A6B1AAE-A2E3-E293-D7A7-B24F1C81E497}"/>
-          </ac:spMkLst>
-        </pc:spChg>
-        <pc:spChg chg="add del mod">
-          <ac:chgData name="Hasselwander Daniel" userId="c52ad4b4-8117-4235-b9f1-fab9bcac5934" providerId="ADAL" clId="{D38D4B8B-445C-754F-A08B-CFCB37CCC2E2}" dt="2023-03-14T12:48:01.884" v="1293" actId="478"/>
-          <ac:spMkLst>
-            <pc:docMk/>
-            <pc:sldMk cId="2174932521" sldId="10546"/>
-            <ac:spMk id="123" creationId="{DE1F1850-B5DD-4DE4-4182-4C0A7AE86EDD}"/>
-          </ac:spMkLst>
-        </pc:spChg>
-        <pc:spChg chg="add del mod">
-          <ac:chgData name="Hasselwander Daniel" userId="c52ad4b4-8117-4235-b9f1-fab9bcac5934" providerId="ADAL" clId="{D38D4B8B-445C-754F-A08B-CFCB37CCC2E2}" dt="2023-03-14T12:48:06.024" v="1294" actId="478"/>
-          <ac:spMkLst>
-            <pc:docMk/>
-            <pc:sldMk cId="2174932521" sldId="10546"/>
-            <ac:spMk id="124" creationId="{AF82734E-0627-6F24-BB9D-D0A5D8AE8D2C}"/>
-          </ac:spMkLst>
-        </pc:spChg>
-        <pc:spChg chg="add del mod">
-          <ac:chgData name="Hasselwander Daniel" userId="c52ad4b4-8117-4235-b9f1-fab9bcac5934" providerId="ADAL" clId="{D38D4B8B-445C-754F-A08B-CFCB37CCC2E2}" dt="2023-03-14T12:48:13.651" v="1296" actId="478"/>
-          <ac:spMkLst>
-            <pc:docMk/>
-            <pc:sldMk cId="2174932521" sldId="10546"/>
-            <ac:spMk id="125" creationId="{1B29BE7A-4065-33B9-2486-204EED4CA653}"/>
-          </ac:spMkLst>
-        </pc:spChg>
-        <pc:picChg chg="add mod">
-          <ac:chgData name="Hasselwander Daniel" userId="c52ad4b4-8117-4235-b9f1-fab9bcac5934" providerId="ADAL" clId="{D38D4B8B-445C-754F-A08B-CFCB37CCC2E2}" dt="2023-03-14T12:58:23.620" v="1359" actId="571"/>
-          <ac:picMkLst>
-            <pc:docMk/>
-            <pc:sldMk cId="2174932521" sldId="10546"/>
-            <ac:picMk id="3" creationId="{6F6F5DEE-14EC-C861-F421-92CC4881893C}"/>
-          </ac:picMkLst>
-        </pc:picChg>
-        <pc:picChg chg="add mod">
-          <ac:chgData name="Hasselwander Daniel" userId="c52ad4b4-8117-4235-b9f1-fab9bcac5934" providerId="ADAL" clId="{D38D4B8B-445C-754F-A08B-CFCB37CCC2E2}" dt="2023-03-14T12:58:23.215" v="1358" actId="571"/>
-          <ac:picMkLst>
-            <pc:docMk/>
-            <pc:sldMk cId="2174932521" sldId="10546"/>
-            <ac:picMk id="7" creationId="{E31B8C88-C94A-EFAF-B079-1B98112FDEC5}"/>
-          </ac:picMkLst>
-        </pc:picChg>
-        <pc:picChg chg="add mod modCrop">
-          <ac:chgData name="Hasselwander Daniel" userId="c52ad4b4-8117-4235-b9f1-fab9bcac5934" providerId="ADAL" clId="{D38D4B8B-445C-754F-A08B-CFCB37CCC2E2}" dt="2023-03-14T13:04:00.606" v="1510" actId="18131"/>
-          <ac:picMkLst>
-            <pc:docMk/>
-            <pc:sldMk cId="2174932521" sldId="10546"/>
-            <ac:picMk id="9" creationId="{0705A87A-FF03-E083-12C7-CBD8FBCD93FB}"/>
-          </ac:picMkLst>
-        </pc:picChg>
-        <pc:picChg chg="add mod modCrop">
-          <ac:chgData name="Hasselwander Daniel" userId="c52ad4b4-8117-4235-b9f1-fab9bcac5934" providerId="ADAL" clId="{D38D4B8B-445C-754F-A08B-CFCB37CCC2E2}" dt="2023-03-14T13:09:08.281" v="1599" actId="18131"/>
-          <ac:picMkLst>
-            <pc:docMk/>
-            <pc:sldMk cId="2174932521" sldId="10546"/>
-            <ac:picMk id="14" creationId="{DDC6EF32-9FEE-4F43-6D80-7BCE61D7DCC9}"/>
-          </ac:picMkLst>
-        </pc:picChg>
-        <pc:picChg chg="add mod">
-          <ac:chgData name="Hasselwander Daniel" userId="c52ad4b4-8117-4235-b9f1-fab9bcac5934" providerId="ADAL" clId="{D38D4B8B-445C-754F-A08B-CFCB37CCC2E2}" dt="2023-03-14T13:11:31.079" v="1600" actId="931"/>
-          <ac:picMkLst>
-            <pc:docMk/>
-            <pc:sldMk cId="2174932521" sldId="10546"/>
-            <ac:picMk id="17" creationId="{CA943BB9-8402-828F-7150-B3AB75FBA356}"/>
-          </ac:picMkLst>
-        </pc:picChg>
-        <pc:picChg chg="add mod">
-          <ac:chgData name="Hasselwander Daniel" userId="c52ad4b4-8117-4235-b9f1-fab9bcac5934" providerId="ADAL" clId="{D38D4B8B-445C-754F-A08B-CFCB37CCC2E2}" dt="2023-03-14T13:11:48.418" v="1605" actId="1076"/>
-          <ac:picMkLst>
-            <pc:docMk/>
-            <pc:sldMk cId="2174932521" sldId="10546"/>
-            <ac:picMk id="19" creationId="{503C2CF4-BF3B-ADE9-74A5-07BE1CFF31ED}"/>
-          </ac:picMkLst>
-        </pc:picChg>
-        <pc:picChg chg="mod ord">
-          <ac:chgData name="Hasselwander Daniel" userId="c52ad4b4-8117-4235-b9f1-fab9bcac5934" providerId="ADAL" clId="{D38D4B8B-445C-754F-A08B-CFCB37CCC2E2}" dt="2023-03-14T12:59:34.902" v="1465" actId="18131"/>
-          <ac:picMkLst>
-            <pc:docMk/>
-            <pc:sldMk cId="2174932521" sldId="10546"/>
-            <ac:picMk id="37" creationId="{C266C303-516D-2245-88FB-5B3B9717F8F5}"/>
-          </ac:picMkLst>
-        </pc:picChg>
-      </pc:sldChg>
-      <pc:sldChg chg="add del">
-        <pc:chgData name="Hasselwander Daniel" userId="c52ad4b4-8117-4235-b9f1-fab9bcac5934" providerId="ADAL" clId="{D38D4B8B-445C-754F-A08B-CFCB37CCC2E2}" dt="2023-03-15T00:03:23.736" v="4857" actId="2696"/>
-        <pc:sldMkLst>
-          <pc:docMk/>
-          <pc:sldMk cId="2261122877" sldId="10547"/>
-        </pc:sldMkLst>
-      </pc:sldChg>
-      <pc:sldChg chg="addSp delSp modSp add mod modNotesTx">
-        <pc:chgData name="Hasselwander Daniel" userId="c52ad4b4-8117-4235-b9f1-fab9bcac5934" providerId="ADAL" clId="{D38D4B8B-445C-754F-A08B-CFCB37CCC2E2}" dt="2023-03-15T00:02:58.056" v="4856" actId="20577"/>
-        <pc:sldMkLst>
-          <pc:docMk/>
-          <pc:sldMk cId="1018578036" sldId="10548"/>
-        </pc:sldMkLst>
-        <pc:spChg chg="del">
-          <ac:chgData name="Hasselwander Daniel" userId="c52ad4b4-8117-4235-b9f1-fab9bcac5934" providerId="ADAL" clId="{D38D4B8B-445C-754F-A08B-CFCB37CCC2E2}" dt="2023-03-14T13:12:46.764" v="1617" actId="478"/>
-          <ac:spMkLst>
-            <pc:docMk/>
-            <pc:sldMk cId="1018578036" sldId="10548"/>
-            <ac:spMk id="5" creationId="{2B2A5ACC-8876-8562-0CF0-4D95718D1516}"/>
-          </ac:spMkLst>
-        </pc:spChg>
-        <pc:spChg chg="del">
-          <ac:chgData name="Hasselwander Daniel" userId="c52ad4b4-8117-4235-b9f1-fab9bcac5934" providerId="ADAL" clId="{D38D4B8B-445C-754F-A08B-CFCB37CCC2E2}" dt="2023-03-14T13:12:48.429" v="1618" actId="478"/>
-          <ac:spMkLst>
-            <pc:docMk/>
-            <pc:sldMk cId="1018578036" sldId="10548"/>
-            <ac:spMk id="6" creationId="{684A0A98-418F-699A-B739-985CC5B81A8B}"/>
-          </ac:spMkLst>
-        </pc:spChg>
-        <pc:spChg chg="add del mod">
-          <ac:chgData name="Hasselwander Daniel" userId="c52ad4b4-8117-4235-b9f1-fab9bcac5934" providerId="ADAL" clId="{D38D4B8B-445C-754F-A08B-CFCB37CCC2E2}" dt="2023-03-14T13:14:43.307" v="1672" actId="478"/>
-          <ac:spMkLst>
-            <pc:docMk/>
-            <pc:sldMk cId="1018578036" sldId="10548"/>
-            <ac:spMk id="9" creationId="{C2943B54-2578-8D15-AB70-6D46EC60F26D}"/>
-          </ac:spMkLst>
-        </pc:spChg>
-        <pc:spChg chg="del">
-          <ac:chgData name="Hasselwander Daniel" userId="c52ad4b4-8117-4235-b9f1-fab9bcac5934" providerId="ADAL" clId="{D38D4B8B-445C-754F-A08B-CFCB37CCC2E2}" dt="2023-03-14T13:12:51.292" v="1621" actId="478"/>
-          <ac:spMkLst>
-            <pc:docMk/>
-            <pc:sldMk cId="1018578036" sldId="10548"/>
-            <ac:spMk id="10" creationId="{D0D3C6FB-C02D-E50F-5590-A3ADF7C00D8F}"/>
-          </ac:spMkLst>
-        </pc:spChg>
-        <pc:spChg chg="del">
-          <ac:chgData name="Hasselwander Daniel" userId="c52ad4b4-8117-4235-b9f1-fab9bcac5934" providerId="ADAL" clId="{D38D4B8B-445C-754F-A08B-CFCB37CCC2E2}" dt="2023-03-14T13:12:51.898" v="1622" actId="478"/>
-          <ac:spMkLst>
-            <pc:docMk/>
-            <pc:sldMk cId="1018578036" sldId="10548"/>
-            <ac:spMk id="11" creationId="{21834C15-B39B-CA2C-7F10-17FFC602C545}"/>
-          </ac:spMkLst>
-        </pc:spChg>
-        <pc:spChg chg="del mod">
-          <ac:chgData name="Hasselwander Daniel" userId="c52ad4b4-8117-4235-b9f1-fab9bcac5934" providerId="ADAL" clId="{D38D4B8B-445C-754F-A08B-CFCB37CCC2E2}" dt="2023-03-14T13:12:50.354" v="1620" actId="478"/>
-          <ac:spMkLst>
-            <pc:docMk/>
-            <pc:sldMk cId="1018578036" sldId="10548"/>
-            <ac:spMk id="12" creationId="{F1F698D5-F597-A8FB-837B-5986C6717184}"/>
-          </ac:spMkLst>
-        </pc:spChg>
-        <pc:spChg chg="add del mod">
-          <ac:chgData name="Hasselwander Daniel" userId="c52ad4b4-8117-4235-b9f1-fab9bcac5934" providerId="ADAL" clId="{D38D4B8B-445C-754F-A08B-CFCB37CCC2E2}" dt="2023-03-14T13:14:32.438" v="1669" actId="478"/>
-          <ac:spMkLst>
-            <pc:docMk/>
-            <pc:sldMk cId="1018578036" sldId="10548"/>
-            <ac:spMk id="13" creationId="{03308F6C-BB3B-91CB-EDFA-ED99071C7E26}"/>
-          </ac:spMkLst>
-        </pc:spChg>
-        <pc:spChg chg="add del mod">
-          <ac:chgData name="Hasselwander Daniel" userId="c52ad4b4-8117-4235-b9f1-fab9bcac5934" providerId="ADAL" clId="{D38D4B8B-445C-754F-A08B-CFCB37CCC2E2}" dt="2023-03-14T13:13:55.965" v="1641" actId="478"/>
-          <ac:spMkLst>
-            <pc:docMk/>
-            <pc:sldMk cId="1018578036" sldId="10548"/>
-            <ac:spMk id="14" creationId="{409C9025-4C3B-A43D-8ABF-68C1E576D5D5}"/>
-          </ac:spMkLst>
-        </pc:spChg>
-        <pc:spChg chg="add mod">
-          <ac:chgData name="Hasselwander Daniel" userId="c52ad4b4-8117-4235-b9f1-fab9bcac5934" providerId="ADAL" clId="{D38D4B8B-445C-754F-A08B-CFCB37CCC2E2}" dt="2023-03-14T13:16:19.531" v="1745" actId="1038"/>
-          <ac:spMkLst>
-            <pc:docMk/>
-            <pc:sldMk cId="1018578036" sldId="10548"/>
-            <ac:spMk id="16" creationId="{21275B17-28D8-82F2-3E1C-392A52108842}"/>
-          </ac:spMkLst>
-        </pc:spChg>
-        <pc:spChg chg="add mod">
-          <ac:chgData name="Hasselwander Daniel" userId="c52ad4b4-8117-4235-b9f1-fab9bcac5934" providerId="ADAL" clId="{D38D4B8B-445C-754F-A08B-CFCB37CCC2E2}" dt="2023-03-14T13:16:22.681" v="1748" actId="1038"/>
-          <ac:spMkLst>
-            <pc:docMk/>
-            <pc:sldMk cId="1018578036" sldId="10548"/>
-            <ac:spMk id="19" creationId="{74ED64AB-CA80-5CBE-1761-0C1F7ECF8B2C}"/>
-          </ac:spMkLst>
-        </pc:spChg>
-        <pc:spChg chg="add del mod">
-          <ac:chgData name="Hasselwander Daniel" userId="c52ad4b4-8117-4235-b9f1-fab9bcac5934" providerId="ADAL" clId="{D38D4B8B-445C-754F-A08B-CFCB37CCC2E2}" dt="2023-03-14T13:13:11.748" v="1627"/>
-          <ac:spMkLst>
-            <pc:docMk/>
-            <pc:sldMk cId="1018578036" sldId="10548"/>
-            <ac:spMk id="20" creationId="{AF747DEF-75DB-9D8C-1552-92E775AA00F5}"/>
-          </ac:spMkLst>
-        </pc:spChg>
-        <pc:spChg chg="add del mod">
-          <ac:chgData name="Hasselwander Daniel" userId="c52ad4b4-8117-4235-b9f1-fab9bcac5934" providerId="ADAL" clId="{D38D4B8B-445C-754F-A08B-CFCB37CCC2E2}" dt="2023-03-14T13:13:11.748" v="1627"/>
-          <ac:spMkLst>
-            <pc:docMk/>
-            <pc:sldMk cId="1018578036" sldId="10548"/>
-            <ac:spMk id="21" creationId="{9DE9A2BE-222E-5007-1050-932366D1F0CA}"/>
-          </ac:spMkLst>
-        </pc:spChg>
-        <pc:spChg chg="add del mod">
-          <ac:chgData name="Hasselwander Daniel" userId="c52ad4b4-8117-4235-b9f1-fab9bcac5934" providerId="ADAL" clId="{D38D4B8B-445C-754F-A08B-CFCB37CCC2E2}" dt="2023-03-14T13:13:19.853" v="1629" actId="478"/>
-          <ac:spMkLst>
-            <pc:docMk/>
-            <pc:sldMk cId="1018578036" sldId="10548"/>
-            <ac:spMk id="22" creationId="{6CAB3BB4-4BAE-41F1-ED1C-8BAD1C1DD774}"/>
-          </ac:spMkLst>
-        </pc:spChg>
-        <pc:spChg chg="add mod">
-          <ac:chgData name="Hasselwander Daniel" userId="c52ad4b4-8117-4235-b9f1-fab9bcac5934" providerId="ADAL" clId="{D38D4B8B-445C-754F-A08B-CFCB37CCC2E2}" dt="2023-03-14T13:14:00.889" v="1643" actId="1076"/>
-          <ac:spMkLst>
-            <pc:docMk/>
-            <pc:sldMk cId="1018578036" sldId="10548"/>
-            <ac:spMk id="23" creationId="{6E7000A6-7AC4-6DB7-6E83-A412845B3BB3}"/>
-          </ac:spMkLst>
-        </pc:spChg>
-        <pc:spChg chg="add mod">
-          <ac:chgData name="Hasselwander Daniel" userId="c52ad4b4-8117-4235-b9f1-fab9bcac5934" providerId="ADAL" clId="{D38D4B8B-445C-754F-A08B-CFCB37CCC2E2}" dt="2023-03-14T13:14:37.273" v="1670" actId="1076"/>
-          <ac:spMkLst>
-            <pc:docMk/>
-            <pc:sldMk cId="1018578036" sldId="10548"/>
-            <ac:spMk id="24" creationId="{EFAAFD1C-FF4C-5E14-E2C9-8299CF5BE361}"/>
-          </ac:spMkLst>
-        </pc:spChg>
-        <pc:spChg chg="add mod">
-          <ac:chgData name="Hasselwander Daniel" userId="c52ad4b4-8117-4235-b9f1-fab9bcac5934" providerId="ADAL" clId="{D38D4B8B-445C-754F-A08B-CFCB37CCC2E2}" dt="2023-03-14T13:15:28.297" v="1678" actId="1037"/>
-          <ac:spMkLst>
-            <pc:docMk/>
-            <pc:sldMk cId="1018578036" sldId="10548"/>
-            <ac:spMk id="25" creationId="{328EEF79-0C87-3F52-7281-D947D7A57167}"/>
-          </ac:spMkLst>
-        </pc:spChg>
-        <pc:spChg chg="add mod">
-          <ac:chgData name="Hasselwander Daniel" userId="c52ad4b4-8117-4235-b9f1-fab9bcac5934" providerId="ADAL" clId="{D38D4B8B-445C-754F-A08B-CFCB37CCC2E2}" dt="2023-03-14T13:15:44.401" v="1735" actId="167"/>
-          <ac:spMkLst>
-            <pc:docMk/>
-            <pc:sldMk cId="1018578036" sldId="10548"/>
-            <ac:spMk id="26" creationId="{ED3247BF-4C8A-7446-8A91-BEAB69F6D628}"/>
-          </ac:spMkLst>
-        </pc:spChg>
-        <pc:spChg chg="add mod">
-          <ac:chgData name="Hasselwander Daniel" userId="c52ad4b4-8117-4235-b9f1-fab9bcac5934" providerId="ADAL" clId="{D38D4B8B-445C-754F-A08B-CFCB37CCC2E2}" dt="2023-03-14T13:16:17.202" v="1742" actId="167"/>
-          <ac:spMkLst>
-            <pc:docMk/>
-            <pc:sldMk cId="1018578036" sldId="10548"/>
-            <ac:spMk id="27" creationId="{6A10987A-FAE2-E626-20D2-35A4449516E7}"/>
-          </ac:spMkLst>
-        </pc:spChg>
-        <pc:spChg chg="add mod">
-          <ac:chgData name="Hasselwander Daniel" userId="c52ad4b4-8117-4235-b9f1-fab9bcac5934" providerId="ADAL" clId="{D38D4B8B-445C-754F-A08B-CFCB37CCC2E2}" dt="2023-03-14T13:16:13.152" v="1741" actId="167"/>
-          <ac:spMkLst>
-            <pc:docMk/>
-            <pc:sldMk cId="1018578036" sldId="10548"/>
-            <ac:spMk id="28" creationId="{DD073484-A554-8FBB-83C6-EA4E4AC5D164}"/>
-          </ac:spMkLst>
-        </pc:spChg>
-        <pc:picChg chg="add mod">
-          <ac:chgData name="Hasselwander Daniel" userId="c52ad4b4-8117-4235-b9f1-fab9bcac5934" providerId="ADAL" clId="{D38D4B8B-445C-754F-A08B-CFCB37CCC2E2}" dt="2023-03-14T17:54:19.624" v="1915" actId="1036"/>
-          <ac:picMkLst>
-            <pc:docMk/>
-            <pc:sldMk cId="1018578036" sldId="10548"/>
-            <ac:picMk id="3" creationId="{9C2056B7-A78A-E605-E100-271F2DCF1011}"/>
-          </ac:picMkLst>
-        </pc:picChg>
-        <pc:picChg chg="add mod">
-          <ac:chgData name="Hasselwander Daniel" userId="c52ad4b4-8117-4235-b9f1-fab9bcac5934" providerId="ADAL" clId="{D38D4B8B-445C-754F-A08B-CFCB37CCC2E2}" dt="2023-03-14T13:12:52.892" v="1623"/>
-          <ac:picMkLst>
-            <pc:docMk/>
-            <pc:sldMk cId="1018578036" sldId="10548"/>
-            <ac:picMk id="7" creationId="{D9B4C275-D3DC-BD48-9C89-82571D0D7379}"/>
-          </ac:picMkLst>
-        </pc:picChg>
-        <pc:picChg chg="add mod">
-          <ac:chgData name="Hasselwander Daniel" userId="c52ad4b4-8117-4235-b9f1-fab9bcac5934" providerId="ADAL" clId="{D38D4B8B-445C-754F-A08B-CFCB37CCC2E2}" dt="2023-03-14T17:54:24.270" v="1924" actId="1038"/>
-          <ac:picMkLst>
-            <pc:docMk/>
-            <pc:sldMk cId="1018578036" sldId="10548"/>
-            <ac:picMk id="8" creationId="{609FA378-09BB-AE79-5C8A-6D16231797DF}"/>
-          </ac:picMkLst>
-        </pc:picChg>
-        <pc:picChg chg="add mod">
-          <ac:chgData name="Hasselwander Daniel" userId="c52ad4b4-8117-4235-b9f1-fab9bcac5934" providerId="ADAL" clId="{D38D4B8B-445C-754F-A08B-CFCB37CCC2E2}" dt="2023-03-14T13:12:52.892" v="1623"/>
-          <ac:picMkLst>
-            <pc:docMk/>
-            <pc:sldMk cId="1018578036" sldId="10548"/>
-            <ac:picMk id="17" creationId="{242E72F0-D16F-ACDC-6EC9-2E6835D3930B}"/>
-          </ac:picMkLst>
-        </pc:picChg>
-        <pc:picChg chg="add mod">
-          <ac:chgData name="Hasselwander Daniel" userId="c52ad4b4-8117-4235-b9f1-fab9bcac5934" providerId="ADAL" clId="{D38D4B8B-445C-754F-A08B-CFCB37CCC2E2}" dt="2023-03-14T17:54:29.468" v="1928" actId="1038"/>
-          <ac:picMkLst>
-            <pc:docMk/>
-            <pc:sldMk cId="1018578036" sldId="10548"/>
-            <ac:picMk id="18" creationId="{BAD84CFB-678B-D993-6C37-61561FFDB4CF}"/>
-          </ac:picMkLst>
-        </pc:picChg>
-      </pc:sldChg>
-      <pc:sldChg chg="new del">
-        <pc:chgData name="Hasselwander Daniel" userId="c52ad4b4-8117-4235-b9f1-fab9bcac5934" providerId="ADAL" clId="{D38D4B8B-445C-754F-A08B-CFCB37CCC2E2}" dt="2023-03-14T13:12:31.965" v="1615" actId="2696"/>
-        <pc:sldMkLst>
-          <pc:docMk/>
-          <pc:sldMk cId="2503482480" sldId="10548"/>
-        </pc:sldMkLst>
-      </pc:sldChg>
-      <pc:sldChg chg="add del">
-        <pc:chgData name="Hasselwander Daniel" userId="c52ad4b4-8117-4235-b9f1-fab9bcac5934" providerId="ADAL" clId="{D38D4B8B-445C-754F-A08B-CFCB37CCC2E2}" dt="2023-03-14T17:58:49.467" v="2069"/>
-        <pc:sldMkLst>
-          <pc:docMk/>
-          <pc:sldMk cId="499763250" sldId="10549"/>
-        </pc:sldMkLst>
-      </pc:sldChg>
-      <pc:sldChg chg="addSp delSp modSp add del mod ord">
-        <pc:chgData name="Hasselwander Daniel" userId="c52ad4b4-8117-4235-b9f1-fab9bcac5934" providerId="ADAL" clId="{D38D4B8B-445C-754F-A08B-CFCB37CCC2E2}" dt="2023-03-14T22:59:07.829" v="3327" actId="2696"/>
-        <pc:sldMkLst>
-          <pc:docMk/>
-          <pc:sldMk cId="2446745551" sldId="10549"/>
-        </pc:sldMkLst>
-        <pc:spChg chg="add del mod">
-          <ac:chgData name="Hasselwander Daniel" userId="c52ad4b4-8117-4235-b9f1-fab9bcac5934" providerId="ADAL" clId="{D38D4B8B-445C-754F-A08B-CFCB37CCC2E2}" dt="2023-03-14T17:59:23.714" v="2089" actId="478"/>
-          <ac:spMkLst>
-            <pc:docMk/>
-            <pc:sldMk cId="2446745551" sldId="10549"/>
-            <ac:spMk id="4" creationId="{80D92B32-5B65-44AA-8F03-F2A8649970C0}"/>
-          </ac:spMkLst>
-        </pc:spChg>
-        <pc:spChg chg="mod">
-          <ac:chgData name="Hasselwander Daniel" userId="c52ad4b4-8117-4235-b9f1-fab9bcac5934" providerId="ADAL" clId="{D38D4B8B-445C-754F-A08B-CFCB37CCC2E2}" dt="2023-03-14T22:58:59.909" v="3326" actId="20577"/>
-          <ac:spMkLst>
-            <pc:docMk/>
-            <pc:sldMk cId="2446745551" sldId="10549"/>
-            <ac:spMk id="15" creationId="{1BD9B7C1-5860-C447-7FC6-D510200F75A2}"/>
-          </ac:spMkLst>
-        </pc:spChg>
-        <pc:spChg chg="del mod">
-          <ac:chgData name="Hasselwander Daniel" userId="c52ad4b4-8117-4235-b9f1-fab9bcac5934" providerId="ADAL" clId="{D38D4B8B-445C-754F-A08B-CFCB37CCC2E2}" dt="2023-03-14T18:28:56.144" v="2678" actId="478"/>
-          <ac:spMkLst>
-            <pc:docMk/>
-            <pc:sldMk cId="2446745551" sldId="10549"/>
-            <ac:spMk id="16" creationId="{21275B17-28D8-82F2-3E1C-392A52108842}"/>
-          </ac:spMkLst>
-        </pc:spChg>
-        <pc:spChg chg="del">
-          <ac:chgData name="Hasselwander Daniel" userId="c52ad4b4-8117-4235-b9f1-fab9bcac5934" providerId="ADAL" clId="{D38D4B8B-445C-754F-A08B-CFCB37CCC2E2}" dt="2023-03-14T17:59:21.505" v="2086" actId="478"/>
-          <ac:spMkLst>
-            <pc:docMk/>
-            <pc:sldMk cId="2446745551" sldId="10549"/>
-            <ac:spMk id="19" creationId="{74ED64AB-CA80-5CBE-1761-0C1F7ECF8B2C}"/>
-          </ac:spMkLst>
-        </pc:spChg>
-        <pc:spChg chg="add del mod">
-          <ac:chgData name="Hasselwander Daniel" userId="c52ad4b4-8117-4235-b9f1-fab9bcac5934" providerId="ADAL" clId="{D38D4B8B-445C-754F-A08B-CFCB37CCC2E2}" dt="2023-03-14T22:31:55.310" v="2788" actId="478"/>
-          <ac:spMkLst>
-            <pc:docMk/>
-            <pc:sldMk cId="2446745551" sldId="10549"/>
-            <ac:spMk id="23" creationId="{6E7000A6-7AC4-6DB7-6E83-A412845B3BB3}"/>
-          </ac:spMkLst>
-        </pc:spChg>
-        <pc:spChg chg="del">
-          <ac:chgData name="Hasselwander Daniel" userId="c52ad4b4-8117-4235-b9f1-fab9bcac5934" providerId="ADAL" clId="{D38D4B8B-445C-754F-A08B-CFCB37CCC2E2}" dt="2023-03-14T17:59:02.507" v="2075" actId="478"/>
-          <ac:spMkLst>
-            <pc:docMk/>
-            <pc:sldMk cId="2446745551" sldId="10549"/>
-            <ac:spMk id="24" creationId="{EFAAFD1C-FF4C-5E14-E2C9-8299CF5BE361}"/>
-          </ac:spMkLst>
-        </pc:spChg>
-        <pc:spChg chg="del">
-          <ac:chgData name="Hasselwander Daniel" userId="c52ad4b4-8117-4235-b9f1-fab9bcac5934" providerId="ADAL" clId="{D38D4B8B-445C-754F-A08B-CFCB37CCC2E2}" dt="2023-03-14T17:59:00.640" v="2074" actId="478"/>
-          <ac:spMkLst>
-            <pc:docMk/>
-            <pc:sldMk cId="2446745551" sldId="10549"/>
-            <ac:spMk id="25" creationId="{328EEF79-0C87-3F52-7281-D947D7A57167}"/>
-          </ac:spMkLst>
-        </pc:spChg>
-        <pc:spChg chg="add del mod">
-          <ac:chgData name="Hasselwander Daniel" userId="c52ad4b4-8117-4235-b9f1-fab9bcac5934" providerId="ADAL" clId="{D38D4B8B-445C-754F-A08B-CFCB37CCC2E2}" dt="2023-03-14T22:31:53.567" v="2787" actId="478"/>
-          <ac:spMkLst>
-            <pc:docMk/>
-            <pc:sldMk cId="2446745551" sldId="10549"/>
-            <ac:spMk id="26" creationId="{ED3247BF-4C8A-7446-8A91-BEAB69F6D628}"/>
-          </ac:spMkLst>
-        </pc:spChg>
-        <pc:spChg chg="del mod">
-          <ac:chgData name="Hasselwander Daniel" userId="c52ad4b4-8117-4235-b9f1-fab9bcac5934" providerId="ADAL" clId="{D38D4B8B-445C-754F-A08B-CFCB37CCC2E2}" dt="2023-03-14T18:28:54.367" v="2677" actId="478"/>
-          <ac:spMkLst>
-            <pc:docMk/>
-            <pc:sldMk cId="2446745551" sldId="10549"/>
-            <ac:spMk id="27" creationId="{6A10987A-FAE2-E626-20D2-35A4449516E7}"/>
-          </ac:spMkLst>
-        </pc:spChg>
-        <pc:spChg chg="del">
-          <ac:chgData name="Hasselwander Daniel" userId="c52ad4b4-8117-4235-b9f1-fab9bcac5934" providerId="ADAL" clId="{D38D4B8B-445C-754F-A08B-CFCB37CCC2E2}" dt="2023-03-14T17:59:22.077" v="2087" actId="478"/>
-          <ac:spMkLst>
-            <pc:docMk/>
-            <pc:sldMk cId="2446745551" sldId="10549"/>
-            <ac:spMk id="28" creationId="{DD073484-A554-8FBB-83C6-EA4E4AC5D164}"/>
-          </ac:spMkLst>
-        </pc:spChg>
-        <pc:picChg chg="del">
-          <ac:chgData name="Hasselwander Daniel" userId="c52ad4b4-8117-4235-b9f1-fab9bcac5934" providerId="ADAL" clId="{D38D4B8B-445C-754F-A08B-CFCB37CCC2E2}" dt="2023-03-14T17:59:19.285" v="2084" actId="478"/>
-          <ac:picMkLst>
-            <pc:docMk/>
-            <pc:sldMk cId="2446745551" sldId="10549"/>
-            <ac:picMk id="3" creationId="{9C2056B7-A78A-E605-E100-271F2DCF1011}"/>
-          </ac:picMkLst>
-        </pc:picChg>
-        <pc:picChg chg="del">
-          <ac:chgData name="Hasselwander Daniel" userId="c52ad4b4-8117-4235-b9f1-fab9bcac5934" providerId="ADAL" clId="{D38D4B8B-445C-754F-A08B-CFCB37CCC2E2}" dt="2023-03-14T17:58:59.021" v="2073" actId="478"/>
-          <ac:picMkLst>
-            <pc:docMk/>
-            <pc:sldMk cId="2446745551" sldId="10549"/>
-            <ac:picMk id="7" creationId="{D9B4C275-D3DC-BD48-9C89-82571D0D7379}"/>
-          </ac:picMkLst>
-        </pc:picChg>
-        <pc:picChg chg="add del">
-          <ac:chgData name="Hasselwander Daniel" userId="c52ad4b4-8117-4235-b9f1-fab9bcac5934" providerId="ADAL" clId="{D38D4B8B-445C-754F-A08B-CFCB37CCC2E2}" dt="2023-03-14T17:59:17.119" v="2082" actId="478"/>
-          <ac:picMkLst>
-            <pc:docMk/>
-            <pc:sldMk cId="2446745551" sldId="10549"/>
-            <ac:picMk id="8" creationId="{609FA378-09BB-AE79-5C8A-6D16231797DF}"/>
-          </ac:picMkLst>
-        </pc:picChg>
-        <pc:picChg chg="add del">
-          <ac:chgData name="Hasselwander Daniel" userId="c52ad4b4-8117-4235-b9f1-fab9bcac5934" providerId="ADAL" clId="{D38D4B8B-445C-754F-A08B-CFCB37CCC2E2}" dt="2023-03-14T17:59:18.189" v="2083" actId="478"/>
-          <ac:picMkLst>
-            <pc:docMk/>
-            <pc:sldMk cId="2446745551" sldId="10549"/>
-            <ac:picMk id="17" creationId="{242E72F0-D16F-ACDC-6EC9-2E6835D3930B}"/>
-          </ac:picMkLst>
-        </pc:picChg>
-        <pc:picChg chg="del">
-          <ac:chgData name="Hasselwander Daniel" userId="c52ad4b4-8117-4235-b9f1-fab9bcac5934" providerId="ADAL" clId="{D38D4B8B-445C-754F-A08B-CFCB37CCC2E2}" dt="2023-03-14T17:59:20.533" v="2085" actId="478"/>
-          <ac:picMkLst>
-            <pc:docMk/>
-            <pc:sldMk cId="2446745551" sldId="10549"/>
-            <ac:picMk id="18" creationId="{BAD84CFB-678B-D993-6C37-61561FFDB4CF}"/>
-          </ac:picMkLst>
-        </pc:picChg>
-      </pc:sldChg>
-      <pc:sldChg chg="addSp delSp modSp add mod ord">
-        <pc:chgData name="Hasselwander Daniel" userId="c52ad4b4-8117-4235-b9f1-fab9bcac5934" providerId="ADAL" clId="{D38D4B8B-445C-754F-A08B-CFCB37CCC2E2}" dt="2023-03-14T18:24:21.218" v="2628" actId="20577"/>
-        <pc:sldMkLst>
-          <pc:docMk/>
-          <pc:sldMk cId="225751421" sldId="10550"/>
-        </pc:sldMkLst>
-        <pc:spChg chg="mod">
-          <ac:chgData name="Hasselwander Daniel" userId="c52ad4b4-8117-4235-b9f1-fab9bcac5934" providerId="ADAL" clId="{D38D4B8B-445C-754F-A08B-CFCB37CCC2E2}" dt="2023-03-14T18:10:00.431" v="2349" actId="20577"/>
-          <ac:spMkLst>
-            <pc:docMk/>
-            <pc:sldMk cId="225751421" sldId="10550"/>
-            <ac:spMk id="2" creationId="{21764F6D-632E-79AE-82FF-774B2346AAB2}"/>
-          </ac:spMkLst>
-        </pc:spChg>
-        <pc:spChg chg="del">
-          <ac:chgData name="Hasselwander Daniel" userId="c52ad4b4-8117-4235-b9f1-fab9bcac5934" providerId="ADAL" clId="{D38D4B8B-445C-754F-A08B-CFCB37CCC2E2}" dt="2023-03-14T18:03:10.845" v="2134" actId="478"/>
-          <ac:spMkLst>
-            <pc:docMk/>
-            <pc:sldMk cId="225751421" sldId="10550"/>
-            <ac:spMk id="4" creationId="{EE008AA6-7580-4542-69E5-1F9B1DB70DCD}"/>
-          </ac:spMkLst>
-        </pc:spChg>
-        <pc:spChg chg="del">
-          <ac:chgData name="Hasselwander Daniel" userId="c52ad4b4-8117-4235-b9f1-fab9bcac5934" providerId="ADAL" clId="{D38D4B8B-445C-754F-A08B-CFCB37CCC2E2}" dt="2023-03-14T18:03:10.845" v="2134" actId="478"/>
-          <ac:spMkLst>
-            <pc:docMk/>
-            <pc:sldMk cId="225751421" sldId="10550"/>
-            <ac:spMk id="5" creationId="{E438D42A-CDF3-A167-108B-CD42B25CC0E0}"/>
-          </ac:spMkLst>
-        </pc:spChg>
-        <pc:spChg chg="add del mod">
-          <ac:chgData name="Hasselwander Daniel" userId="c52ad4b4-8117-4235-b9f1-fab9bcac5934" providerId="ADAL" clId="{D38D4B8B-445C-754F-A08B-CFCB37CCC2E2}" dt="2023-03-14T18:03:10.845" v="2134" actId="478"/>
-          <ac:spMkLst>
-            <pc:docMk/>
-            <pc:sldMk cId="225751421" sldId="10550"/>
-            <ac:spMk id="6" creationId="{8512CD20-CE8D-7B86-B19C-795AD3D307B5}"/>
-          </ac:spMkLst>
-        </pc:spChg>
-        <pc:spChg chg="add mod">
-          <ac:chgData name="Hasselwander Daniel" userId="c52ad4b4-8117-4235-b9f1-fab9bcac5934" providerId="ADAL" clId="{D38D4B8B-445C-754F-A08B-CFCB37CCC2E2}" dt="2023-03-14T18:02:34.402" v="2132" actId="14100"/>
-          <ac:spMkLst>
-            <pc:docMk/>
-            <pc:sldMk cId="225751421" sldId="10550"/>
-            <ac:spMk id="7" creationId="{FD4052DE-6347-CA68-A661-AE851E99699A}"/>
-          </ac:spMkLst>
-        </pc:spChg>
-        <pc:spChg chg="del topLvl">
-          <ac:chgData name="Hasselwander Daniel" userId="c52ad4b4-8117-4235-b9f1-fab9bcac5934" providerId="ADAL" clId="{D38D4B8B-445C-754F-A08B-CFCB37CCC2E2}" dt="2023-03-14T18:03:10.845" v="2134" actId="478"/>
-          <ac:spMkLst>
-            <pc:docMk/>
-            <pc:sldMk cId="225751421" sldId="10550"/>
-            <ac:spMk id="13" creationId="{F53BF11A-AA6E-6526-895D-7341B694C478}"/>
-          </ac:spMkLst>
-        </pc:spChg>
-        <pc:spChg chg="del">
-          <ac:chgData name="Hasselwander Daniel" userId="c52ad4b4-8117-4235-b9f1-fab9bcac5934" providerId="ADAL" clId="{D38D4B8B-445C-754F-A08B-CFCB37CCC2E2}" dt="2023-03-14T18:03:10.845" v="2134" actId="478"/>
-          <ac:spMkLst>
-            <pc:docMk/>
-            <pc:sldMk cId="225751421" sldId="10550"/>
-            <ac:spMk id="16" creationId="{E544DAF1-E2F2-BC3E-A5B9-E26BAE6EE7AB}"/>
-          </ac:spMkLst>
-        </pc:spChg>
-        <pc:spChg chg="add del mod">
-          <ac:chgData name="Hasselwander Daniel" userId="c52ad4b4-8117-4235-b9f1-fab9bcac5934" providerId="ADAL" clId="{D38D4B8B-445C-754F-A08B-CFCB37CCC2E2}" dt="2023-03-14T18:17:21.057" v="2520" actId="478"/>
-          <ac:spMkLst>
-            <pc:docMk/>
-            <pc:sldMk cId="225751421" sldId="10550"/>
-            <ac:spMk id="17" creationId="{32D368FE-71B7-3FA4-313A-CC3D5CC3ACD4}"/>
-          </ac:spMkLst>
-        </pc:spChg>
-        <pc:spChg chg="add del mod">
-          <ac:chgData name="Hasselwander Daniel" userId="c52ad4b4-8117-4235-b9f1-fab9bcac5934" providerId="ADAL" clId="{D38D4B8B-445C-754F-A08B-CFCB37CCC2E2}" dt="2023-03-14T18:14:06.113" v="2399" actId="478"/>
-          <ac:spMkLst>
-            <pc:docMk/>
-            <pc:sldMk cId="225751421" sldId="10550"/>
-            <ac:spMk id="18" creationId="{D2CC1389-3218-CC81-47A0-F6EBD1196C63}"/>
-          </ac:spMkLst>
-        </pc:spChg>
-        <pc:spChg chg="add del mod">
-          <ac:chgData name="Hasselwander Daniel" userId="c52ad4b4-8117-4235-b9f1-fab9bcac5934" providerId="ADAL" clId="{D38D4B8B-445C-754F-A08B-CFCB37CCC2E2}" dt="2023-03-14T18:06:48.595" v="2230" actId="478"/>
-          <ac:spMkLst>
-            <pc:docMk/>
-            <pc:sldMk cId="225751421" sldId="10550"/>
-            <ac:spMk id="19" creationId="{37D6CC08-BD35-AB53-DCBA-8765BD616586}"/>
-          </ac:spMkLst>
-        </pc:spChg>
-        <pc:spChg chg="add del mod">
-          <ac:chgData name="Hasselwander Daniel" userId="c52ad4b4-8117-4235-b9f1-fab9bcac5934" providerId="ADAL" clId="{D38D4B8B-445C-754F-A08B-CFCB37CCC2E2}" dt="2023-03-14T18:08:11.192" v="2279" actId="478"/>
-          <ac:spMkLst>
-            <pc:docMk/>
-            <pc:sldMk cId="225751421" sldId="10550"/>
-            <ac:spMk id="20" creationId="{C4ED478D-F5E5-3B94-4B6A-B04BA513A7D6}"/>
-          </ac:spMkLst>
-        </pc:spChg>
-        <pc:spChg chg="add mod">
-          <ac:chgData name="Hasselwander Daniel" userId="c52ad4b4-8117-4235-b9f1-fab9bcac5934" providerId="ADAL" clId="{D38D4B8B-445C-754F-A08B-CFCB37CCC2E2}" dt="2023-03-14T18:17:45.912" v="2525" actId="20577"/>
-          <ac:spMkLst>
-            <pc:docMk/>
-            <pc:sldMk cId="225751421" sldId="10550"/>
-            <ac:spMk id="21" creationId="{DBAE13EC-FB78-824A-7F16-C512353AF017}"/>
-          </ac:spMkLst>
-        </pc:spChg>
-        <pc:spChg chg="add del mod">
-          <ac:chgData name="Hasselwander Daniel" userId="c52ad4b4-8117-4235-b9f1-fab9bcac5934" providerId="ADAL" clId="{D38D4B8B-445C-754F-A08B-CFCB37CCC2E2}" dt="2023-03-14T18:11:23.756" v="2384"/>
-          <ac:spMkLst>
-            <pc:docMk/>
-            <pc:sldMk cId="225751421" sldId="10550"/>
-            <ac:spMk id="22" creationId="{F8A7CE5E-5C8C-4FD2-FFE7-3F5EEC912555}"/>
-          </ac:spMkLst>
-        </pc:spChg>
-        <pc:spChg chg="add mod">
-          <ac:chgData name="Hasselwander Daniel" userId="c52ad4b4-8117-4235-b9f1-fab9bcac5934" providerId="ADAL" clId="{D38D4B8B-445C-754F-A08B-CFCB37CCC2E2}" dt="2023-03-14T18:24:21.218" v="2628" actId="20577"/>
-          <ac:spMkLst>
-            <pc:docMk/>
-            <pc:sldMk cId="225751421" sldId="10550"/>
-            <ac:spMk id="23" creationId="{47CEDAD9-D469-80AF-33FD-309A0E30D418}"/>
-          </ac:spMkLst>
-        </pc:spChg>
-        <pc:spChg chg="add mod">
-          <ac:chgData name="Hasselwander Daniel" userId="c52ad4b4-8117-4235-b9f1-fab9bcac5934" providerId="ADAL" clId="{D38D4B8B-445C-754F-A08B-CFCB37CCC2E2}" dt="2023-03-14T18:17:23.156" v="2522"/>
-          <ac:spMkLst>
-            <pc:docMk/>
-            <pc:sldMk cId="225751421" sldId="10550"/>
-            <ac:spMk id="26" creationId="{8A987C24-E107-438D-9551-38C10751269F}"/>
-          </ac:spMkLst>
-        </pc:spChg>
-        <pc:grpChg chg="del">
-          <ac:chgData name="Hasselwander Daniel" userId="c52ad4b4-8117-4235-b9f1-fab9bcac5934" providerId="ADAL" clId="{D38D4B8B-445C-754F-A08B-CFCB37CCC2E2}" dt="2023-03-14T18:03:06.863" v="2133" actId="478"/>
-          <ac:grpSpMkLst>
-            <pc:docMk/>
-            <pc:sldMk cId="225751421" sldId="10550"/>
-            <ac:grpSpMk id="14" creationId="{2372A97B-CFD6-9903-E8CD-12005059518A}"/>
-          </ac:grpSpMkLst>
-        </pc:grpChg>
-        <pc:picChg chg="add del mod">
-          <ac:chgData name="Hasselwander Daniel" userId="c52ad4b4-8117-4235-b9f1-fab9bcac5934" providerId="ADAL" clId="{D38D4B8B-445C-754F-A08B-CFCB37CCC2E2}" dt="2023-03-14T18:17:22.766" v="2521" actId="478"/>
-          <ac:picMkLst>
-            <pc:docMk/>
-            <pc:sldMk cId="225751421" sldId="10550"/>
-            <ac:picMk id="9" creationId="{F748C100-8516-4592-39A6-A872C7826B34}"/>
-          </ac:picMkLst>
-        </pc:picChg>
-        <pc:picChg chg="add del mod">
-          <ac:chgData name="Hasselwander Daniel" userId="c52ad4b4-8117-4235-b9f1-fab9bcac5934" providerId="ADAL" clId="{D38D4B8B-445C-754F-A08B-CFCB37CCC2E2}" dt="2023-03-14T18:03:45.687" v="2141" actId="478"/>
-          <ac:picMkLst>
-            <pc:docMk/>
-            <pc:sldMk cId="225751421" sldId="10550"/>
-            <ac:picMk id="10" creationId="{761CD048-45B8-A3E4-C14F-FD9EE94908CA}"/>
-          </ac:picMkLst>
-        </pc:picChg>
-        <pc:picChg chg="del topLvl">
-          <ac:chgData name="Hasselwander Daniel" userId="c52ad4b4-8117-4235-b9f1-fab9bcac5934" providerId="ADAL" clId="{D38D4B8B-445C-754F-A08B-CFCB37CCC2E2}" dt="2023-03-14T18:03:06.863" v="2133" actId="478"/>
-          <ac:picMkLst>
-            <pc:docMk/>
-            <pc:sldMk cId="225751421" sldId="10550"/>
-            <ac:picMk id="11" creationId="{18AD3A22-9404-C8BC-0ABB-170A893CF819}"/>
-          </ac:picMkLst>
-        </pc:picChg>
-        <pc:picChg chg="add del mod">
-          <ac:chgData name="Hasselwander Daniel" userId="c52ad4b4-8117-4235-b9f1-fab9bcac5934" providerId="ADAL" clId="{D38D4B8B-445C-754F-A08B-CFCB37CCC2E2}" dt="2023-03-14T18:14:06.113" v="2399" actId="478"/>
-          <ac:picMkLst>
-            <pc:docMk/>
-            <pc:sldMk cId="225751421" sldId="10550"/>
-            <ac:picMk id="12" creationId="{6CE4CCFD-D1DC-F61D-BC69-52643A3D9147}"/>
-          </ac:picMkLst>
-        </pc:picChg>
-        <pc:picChg chg="add del mod">
-          <ac:chgData name="Hasselwander Daniel" userId="c52ad4b4-8117-4235-b9f1-fab9bcac5934" providerId="ADAL" clId="{D38D4B8B-445C-754F-A08B-CFCB37CCC2E2}" dt="2023-03-14T18:22:44.713" v="2597" actId="478"/>
-          <ac:picMkLst>
-            <pc:docMk/>
-            <pc:sldMk cId="225751421" sldId="10550"/>
-            <ac:picMk id="24" creationId="{1E053C87-495F-F5B6-A05E-26CF254D061F}"/>
-          </ac:picMkLst>
-        </pc:picChg>
-        <pc:picChg chg="add mod">
-          <ac:chgData name="Hasselwander Daniel" userId="c52ad4b4-8117-4235-b9f1-fab9bcac5934" providerId="ADAL" clId="{D38D4B8B-445C-754F-A08B-CFCB37CCC2E2}" dt="2023-03-14T18:22:58.652" v="2618" actId="1036"/>
-          <ac:picMkLst>
-            <pc:docMk/>
-            <pc:sldMk cId="225751421" sldId="10550"/>
-            <ac:picMk id="27" creationId="{D5A7953A-FDA5-DD71-10D8-9FC6CB8667D8}"/>
-          </ac:picMkLst>
-        </pc:picChg>
-      </pc:sldChg>
-      <pc:sldChg chg="addSp delSp modSp add mod">
-        <pc:chgData name="Hasselwander Daniel" userId="c52ad4b4-8117-4235-b9f1-fab9bcac5934" providerId="ADAL" clId="{D38D4B8B-445C-754F-A08B-CFCB37CCC2E2}" dt="2023-03-14T22:29:37.585" v="2785" actId="20577"/>
-        <pc:sldMkLst>
-          <pc:docMk/>
-          <pc:sldMk cId="1467881768" sldId="10551"/>
-        </pc:sldMkLst>
-        <pc:spChg chg="add del">
-          <ac:chgData name="Hasselwander Daniel" userId="c52ad4b4-8117-4235-b9f1-fab9bcac5934" providerId="ADAL" clId="{D38D4B8B-445C-754F-A08B-CFCB37CCC2E2}" dt="2023-03-14T18:18:15.999" v="2537" actId="11529"/>
-          <ac:spMkLst>
-            <pc:docMk/>
-            <pc:sldMk cId="1467881768" sldId="10551"/>
-            <ac:spMk id="4" creationId="{9D67D44B-D867-2035-6507-86A847DBD0D3}"/>
-          </ac:spMkLst>
-        </pc:spChg>
-        <pc:spChg chg="del">
-          <ac:chgData name="Hasselwander Daniel" userId="c52ad4b4-8117-4235-b9f1-fab9bcac5934" providerId="ADAL" clId="{D38D4B8B-445C-754F-A08B-CFCB37CCC2E2}" dt="2023-03-14T18:19:42.505" v="2570" actId="478"/>
-          <ac:spMkLst>
-            <pc:docMk/>
-            <pc:sldMk cId="1467881768" sldId="10551"/>
-            <ac:spMk id="7" creationId="{FD4052DE-6347-CA68-A661-AE851E99699A}"/>
-          </ac:spMkLst>
-        </pc:spChg>
-        <pc:spChg chg="add del mod">
-          <ac:chgData name="Hasselwander Daniel" userId="c52ad4b4-8117-4235-b9f1-fab9bcac5934" providerId="ADAL" clId="{D38D4B8B-445C-754F-A08B-CFCB37CCC2E2}" dt="2023-03-14T18:19:56.861" v="2573"/>
-          <ac:spMkLst>
-            <pc:docMk/>
-            <pc:sldMk cId="1467881768" sldId="10551"/>
-            <ac:spMk id="8" creationId="{F2326911-20FE-0BF9-1A2B-B9AE40AB6B40}"/>
-          </ac:spMkLst>
-        </pc:spChg>
-        <pc:spChg chg="add mod">
-          <ac:chgData name="Hasselwander Daniel" userId="c52ad4b4-8117-4235-b9f1-fab9bcac5934" providerId="ADAL" clId="{D38D4B8B-445C-754F-A08B-CFCB37CCC2E2}" dt="2023-03-14T18:23:47.238" v="2623" actId="1076"/>
-          <ac:spMkLst>
-            <pc:docMk/>
-            <pc:sldMk cId="1467881768" sldId="10551"/>
-            <ac:spMk id="10" creationId="{BC60192B-C3A1-5A4A-BFDC-87A796E6470C}"/>
-          </ac:spMkLst>
-        </pc:spChg>
-        <pc:spChg chg="del mod">
-          <ac:chgData name="Hasselwander Daniel" userId="c52ad4b4-8117-4235-b9f1-fab9bcac5934" providerId="ADAL" clId="{D38D4B8B-445C-754F-A08B-CFCB37CCC2E2}" dt="2023-03-14T18:19:34.834" v="2559" actId="478"/>
-          <ac:spMkLst>
-            <pc:docMk/>
-            <pc:sldMk cId="1467881768" sldId="10551"/>
-            <ac:spMk id="15" creationId="{9079C2DE-BBC0-7758-5CB7-198A324D59D0}"/>
-          </ac:spMkLst>
-        </pc:spChg>
-        <pc:spChg chg="mod">
-          <ac:chgData name="Hasselwander Daniel" userId="c52ad4b4-8117-4235-b9f1-fab9bcac5934" providerId="ADAL" clId="{D38D4B8B-445C-754F-A08B-CFCB37CCC2E2}" dt="2023-03-14T18:23:50.053" v="2624" actId="1076"/>
-          <ac:spMkLst>
-            <pc:docMk/>
-            <pc:sldMk cId="1467881768" sldId="10551"/>
-            <ac:spMk id="17" creationId="{32D368FE-71B7-3FA4-313A-CC3D5CC3ACD4}"/>
-          </ac:spMkLst>
-        </pc:spChg>
-        <pc:spChg chg="del mod">
-          <ac:chgData name="Hasselwander Daniel" userId="c52ad4b4-8117-4235-b9f1-fab9bcac5934" providerId="ADAL" clId="{D38D4B8B-445C-754F-A08B-CFCB37CCC2E2}" dt="2023-03-14T18:23:43.439" v="2622" actId="478"/>
-          <ac:spMkLst>
-            <pc:docMk/>
-            <pc:sldMk cId="1467881768" sldId="10551"/>
-            <ac:spMk id="18" creationId="{D2CC1389-3218-CC81-47A0-F6EBD1196C63}"/>
-          </ac:spMkLst>
-        </pc:spChg>
-        <pc:spChg chg="mod">
-          <ac:chgData name="Hasselwander Daniel" userId="c52ad4b4-8117-4235-b9f1-fab9bcac5934" providerId="ADAL" clId="{D38D4B8B-445C-754F-A08B-CFCB37CCC2E2}" dt="2023-03-14T22:29:37.585" v="2785" actId="20577"/>
-          <ac:spMkLst>
-            <pc:docMk/>
-            <pc:sldMk cId="1467881768" sldId="10551"/>
-            <ac:spMk id="21" creationId="{DBAE13EC-FB78-824A-7F16-C512353AF017}"/>
-          </ac:spMkLst>
-        </pc:spChg>
-        <pc:picChg chg="add mod">
-          <ac:chgData name="Hasselwander Daniel" userId="c52ad4b4-8117-4235-b9f1-fab9bcac5934" providerId="ADAL" clId="{D38D4B8B-445C-754F-A08B-CFCB37CCC2E2}" dt="2023-03-14T18:23:47.238" v="2623" actId="1076"/>
-          <ac:picMkLst>
-            <pc:docMk/>
-            <pc:sldMk cId="1467881768" sldId="10551"/>
-            <ac:picMk id="6" creationId="{F56FA247-EBC9-F473-3EA7-17AA934131E6}"/>
-          </ac:picMkLst>
-        </pc:picChg>
-        <pc:picChg chg="del mod">
-          <ac:chgData name="Hasselwander Daniel" userId="c52ad4b4-8117-4235-b9f1-fab9bcac5934" providerId="ADAL" clId="{D38D4B8B-445C-754F-A08B-CFCB37CCC2E2}" dt="2023-03-14T18:23:37.195" v="2620" actId="478"/>
-          <ac:picMkLst>
-            <pc:docMk/>
-            <pc:sldMk cId="1467881768" sldId="10551"/>
-            <ac:picMk id="9" creationId="{F748C100-8516-4592-39A6-A872C7826B34}"/>
-          </ac:picMkLst>
-        </pc:picChg>
-        <pc:picChg chg="add mod">
-          <ac:chgData name="Hasselwander Daniel" userId="c52ad4b4-8117-4235-b9f1-fab9bcac5934" providerId="ADAL" clId="{D38D4B8B-445C-754F-A08B-CFCB37CCC2E2}" dt="2023-03-14T18:23:40.352" v="2621" actId="1076"/>
-          <ac:picMkLst>
-            <pc:docMk/>
-            <pc:sldMk cId="1467881768" sldId="10551"/>
-            <ac:picMk id="11" creationId="{0CA14319-B4FE-E010-A77D-34E0E25DDC72}"/>
-          </ac:picMkLst>
-        </pc:picChg>
-        <pc:picChg chg="del">
-          <ac:chgData name="Hasselwander Daniel" userId="c52ad4b4-8117-4235-b9f1-fab9bcac5934" providerId="ADAL" clId="{D38D4B8B-445C-754F-A08B-CFCB37CCC2E2}" dt="2023-03-14T18:18:44.173" v="2538" actId="478"/>
-          <ac:picMkLst>
-            <pc:docMk/>
-            <pc:sldMk cId="1467881768" sldId="10551"/>
-            <ac:picMk id="12" creationId="{6CE4CCFD-D1DC-F61D-BC69-52643A3D9147}"/>
-          </ac:picMkLst>
-        </pc:picChg>
-      </pc:sldChg>
-      <pc:sldChg chg="addSp delSp modSp add mod ord">
-        <pc:chgData name="Hasselwander Daniel" userId="c52ad4b4-8117-4235-b9f1-fab9bcac5934" providerId="ADAL" clId="{D38D4B8B-445C-754F-A08B-CFCB37CCC2E2}" dt="2023-03-15T01:35:37.878" v="5719" actId="1076"/>
-        <pc:sldMkLst>
-          <pc:docMk/>
-          <pc:sldMk cId="3435001583" sldId="10552"/>
-        </pc:sldMkLst>
-        <pc:spChg chg="add mod">
-          <ac:chgData name="Hasselwander Daniel" userId="c52ad4b4-8117-4235-b9f1-fab9bcac5934" providerId="ADAL" clId="{D38D4B8B-445C-754F-A08B-CFCB37CCC2E2}" dt="2023-03-15T01:35:37.878" v="5719" actId="1076"/>
-          <ac:spMkLst>
-            <pc:docMk/>
-            <pc:sldMk cId="3435001583" sldId="10552"/>
-            <ac:spMk id="3" creationId="{0DBC3B8F-7FA6-3CD1-F8CF-E5A907776669}"/>
-          </ac:spMkLst>
-        </pc:spChg>
-        <pc:spChg chg="add del mod">
-          <ac:chgData name="Hasselwander Daniel" userId="c52ad4b4-8117-4235-b9f1-fab9bcac5934" providerId="ADAL" clId="{D38D4B8B-445C-754F-A08B-CFCB37CCC2E2}" dt="2023-03-14T22:32:12.936" v="2794"/>
-          <ac:spMkLst>
-            <pc:docMk/>
-            <pc:sldMk cId="3435001583" sldId="10552"/>
-            <ac:spMk id="3" creationId="{39905F84-145C-ECBC-2EF9-FBC07C12532B}"/>
-          </ac:spMkLst>
-        </pc:spChg>
-        <pc:spChg chg="add del mod">
-          <ac:chgData name="Hasselwander Daniel" userId="c52ad4b4-8117-4235-b9f1-fab9bcac5934" providerId="ADAL" clId="{D38D4B8B-445C-754F-A08B-CFCB37CCC2E2}" dt="2023-03-14T22:32:12.936" v="2794"/>
-          <ac:spMkLst>
-            <pc:docMk/>
-            <pc:sldMk cId="3435001583" sldId="10552"/>
-            <ac:spMk id="5" creationId="{11E4201D-9070-7C8C-18F8-EAEA799478FF}"/>
-          </ac:spMkLst>
-        </pc:spChg>
-        <pc:spChg chg="add mod topLvl">
-          <ac:chgData name="Hasselwander Daniel" userId="c52ad4b4-8117-4235-b9f1-fab9bcac5934" providerId="ADAL" clId="{D38D4B8B-445C-754F-A08B-CFCB37CCC2E2}" dt="2023-03-14T23:31:28.407" v="4090" actId="478"/>
-          <ac:spMkLst>
-            <pc:docMk/>
-            <pc:sldMk cId="3435001583" sldId="10552"/>
-            <ac:spMk id="6" creationId="{06CBD43E-EF12-6B11-306B-329A845A4912}"/>
-          </ac:spMkLst>
-        </pc:spChg>
-        <pc:spChg chg="add del mod">
-          <ac:chgData name="Hasselwander Daniel" userId="c52ad4b4-8117-4235-b9f1-fab9bcac5934" providerId="ADAL" clId="{D38D4B8B-445C-754F-A08B-CFCB37CCC2E2}" dt="2023-03-14T23:30:01.098" v="4075" actId="478"/>
-          <ac:spMkLst>
-            <pc:docMk/>
-            <pc:sldMk cId="3435001583" sldId="10552"/>
-            <ac:spMk id="8" creationId="{FF5F2A7A-4D47-F1A2-6E3A-4494E55178D4}"/>
-          </ac:spMkLst>
-        </pc:spChg>
-        <pc:spChg chg="add mod topLvl">
-          <ac:chgData name="Hasselwander Daniel" userId="c52ad4b4-8117-4235-b9f1-fab9bcac5934" providerId="ADAL" clId="{D38D4B8B-445C-754F-A08B-CFCB37CCC2E2}" dt="2023-03-14T23:39:29.244" v="4342" actId="20577"/>
-          <ac:spMkLst>
-            <pc:docMk/>
-            <pc:sldMk cId="3435001583" sldId="10552"/>
-            <ac:spMk id="13" creationId="{5732D903-9239-BAAE-756E-28573EF086BB}"/>
-          </ac:spMkLst>
-        </pc:spChg>
-        <pc:spChg chg="mod">
-          <ac:chgData name="Hasselwander Daniel" userId="c52ad4b4-8117-4235-b9f1-fab9bcac5934" providerId="ADAL" clId="{D38D4B8B-445C-754F-A08B-CFCB37CCC2E2}" dt="2023-03-14T23:39:40.769" v="4361" actId="20577"/>
-          <ac:spMkLst>
-            <pc:docMk/>
-            <pc:sldMk cId="3435001583" sldId="10552"/>
-            <ac:spMk id="15" creationId="{1BD9B7C1-5860-C447-7FC6-D510200F75A2}"/>
-          </ac:spMkLst>
-        </pc:spChg>
-        <pc:spChg chg="add del mod">
-          <ac:chgData name="Hasselwander Daniel" userId="c52ad4b4-8117-4235-b9f1-fab9bcac5934" providerId="ADAL" clId="{D38D4B8B-445C-754F-A08B-CFCB37CCC2E2}" dt="2023-03-14T23:20:45.393" v="4001"/>
-          <ac:spMkLst>
-            <pc:docMk/>
-            <pc:sldMk cId="3435001583" sldId="10552"/>
-            <ac:spMk id="16" creationId="{FE91AF7E-D5B6-16EB-2CFF-96CDA5C6CD71}"/>
-          </ac:spMkLst>
-        </pc:spChg>
-        <pc:spChg chg="add del mod">
-          <ac:chgData name="Hasselwander Daniel" userId="c52ad4b4-8117-4235-b9f1-fab9bcac5934" providerId="ADAL" clId="{D38D4B8B-445C-754F-A08B-CFCB37CCC2E2}" dt="2023-03-14T23:23:23.770" v="4039" actId="478"/>
-          <ac:spMkLst>
-            <pc:docMk/>
-            <pc:sldMk cId="3435001583" sldId="10552"/>
-            <ac:spMk id="17" creationId="{85901D41-5CB5-B7FA-FDFE-E931A620AD22}"/>
-          </ac:spMkLst>
-        </pc:spChg>
-        <pc:spChg chg="add del">
-          <ac:chgData name="Hasselwander Daniel" userId="c52ad4b4-8117-4235-b9f1-fab9bcac5934" providerId="ADAL" clId="{D38D4B8B-445C-754F-A08B-CFCB37CCC2E2}" dt="2023-03-14T22:32:17.534" v="2797" actId="478"/>
-          <ac:spMkLst>
-            <pc:docMk/>
-            <pc:sldMk cId="3435001583" sldId="10552"/>
-            <ac:spMk id="23" creationId="{6E7000A6-7AC4-6DB7-6E83-A412845B3BB3}"/>
-          </ac:spMkLst>
-        </pc:spChg>
-        <pc:spChg chg="add del mod">
-          <ac:chgData name="Hasselwander Daniel" userId="c52ad4b4-8117-4235-b9f1-fab9bcac5934" providerId="ADAL" clId="{D38D4B8B-445C-754F-A08B-CFCB37CCC2E2}" dt="2023-03-14T23:31:30.314" v="4091" actId="478"/>
-          <ac:spMkLst>
-            <pc:docMk/>
-            <pc:sldMk cId="3435001583" sldId="10552"/>
-            <ac:spMk id="24" creationId="{5873BCEE-EFB2-2B6F-93C4-26117739CEB8}"/>
-          </ac:spMkLst>
-        </pc:spChg>
-        <pc:spChg chg="add del mod">
-          <ac:chgData name="Hasselwander Daniel" userId="c52ad4b4-8117-4235-b9f1-fab9bcac5934" providerId="ADAL" clId="{D38D4B8B-445C-754F-A08B-CFCB37CCC2E2}" dt="2023-03-14T23:31:41.542" v="4107" actId="478"/>
-          <ac:spMkLst>
-            <pc:docMk/>
-            <pc:sldMk cId="3435001583" sldId="10552"/>
-            <ac:spMk id="25" creationId="{D9E47D63-462E-878B-6B6D-7809AC703CC7}"/>
-          </ac:spMkLst>
-        </pc:spChg>
-        <pc:spChg chg="add del mod">
-          <ac:chgData name="Hasselwander Daniel" userId="c52ad4b4-8117-4235-b9f1-fab9bcac5934" providerId="ADAL" clId="{D38D4B8B-445C-754F-A08B-CFCB37CCC2E2}" dt="2023-03-14T23:29:29.509" v="4067" actId="1076"/>
-          <ac:spMkLst>
-            <pc:docMk/>
-            <pc:sldMk cId="3435001583" sldId="10552"/>
-            <ac:spMk id="26" creationId="{ED3247BF-4C8A-7446-8A91-BEAB69F6D628}"/>
-          </ac:spMkLst>
-        </pc:spChg>
-        <pc:spChg chg="add del mod">
-          <ac:chgData name="Hasselwander Daniel" userId="c52ad4b4-8117-4235-b9f1-fab9bcac5934" providerId="ADAL" clId="{D38D4B8B-445C-754F-A08B-CFCB37CCC2E2}" dt="2023-03-14T23:33:34.226" v="4208" actId="478"/>
-          <ac:spMkLst>
-            <pc:docMk/>
-            <pc:sldMk cId="3435001583" sldId="10552"/>
-            <ac:spMk id="28" creationId="{4D707C10-2ECE-F639-6D0C-B19126A86B1B}"/>
-          </ac:spMkLst>
-        </pc:spChg>
-        <pc:spChg chg="add mod">
-          <ac:chgData name="Hasselwander Daniel" userId="c52ad4b4-8117-4235-b9f1-fab9bcac5934" providerId="ADAL" clId="{D38D4B8B-445C-754F-A08B-CFCB37CCC2E2}" dt="2023-03-14T23:59:46.871" v="4827" actId="20577"/>
-          <ac:spMkLst>
-            <pc:docMk/>
-            <pc:sldMk cId="3435001583" sldId="10552"/>
-            <ac:spMk id="29" creationId="{11173C7D-821B-313F-DA53-6779D5BC5D28}"/>
-          </ac:spMkLst>
-        </pc:spChg>
-        <pc:grpChg chg="add del mod topLvl">
-          <ac:chgData name="Hasselwander Daniel" userId="c52ad4b4-8117-4235-b9f1-fab9bcac5934" providerId="ADAL" clId="{D38D4B8B-445C-754F-A08B-CFCB37CCC2E2}" dt="2023-03-14T23:31:28.407" v="4090" actId="478"/>
-          <ac:grpSpMkLst>
-            <pc:docMk/>
-            <pc:sldMk cId="3435001583" sldId="10552"/>
-            <ac:grpSpMk id="9" creationId="{9B753660-4764-2D78-1641-7FBE609CF701}"/>
-          </ac:grpSpMkLst>
-        </pc:grpChg>
-        <pc:grpChg chg="add del">
-          <ac:chgData name="Hasselwander Daniel" userId="c52ad4b4-8117-4235-b9f1-fab9bcac5934" providerId="ADAL" clId="{D38D4B8B-445C-754F-A08B-CFCB37CCC2E2}" dt="2023-03-14T23:27:29.769" v="4050" actId="164"/>
-          <ac:grpSpMkLst>
-            <pc:docMk/>
-            <pc:sldMk cId="3435001583" sldId="10552"/>
-            <ac:grpSpMk id="22" creationId="{27C3DBF9-6B2E-5DF5-65EF-FC492C2DE642}"/>
-          </ac:grpSpMkLst>
-        </pc:grpChg>
-        <pc:grpChg chg="add del mod">
-          <ac:chgData name="Hasselwander Daniel" userId="c52ad4b4-8117-4235-b9f1-fab9bcac5934" providerId="ADAL" clId="{D38D4B8B-445C-754F-A08B-CFCB37CCC2E2}" dt="2023-03-14T23:31:31.442" v="4092" actId="478"/>
-          <ac:grpSpMkLst>
-            <pc:docMk/>
-            <pc:sldMk cId="3435001583" sldId="10552"/>
-            <ac:grpSpMk id="27" creationId="{63533D81-F19A-73A2-CF76-6519662216D5}"/>
-          </ac:grpSpMkLst>
-        </pc:grpChg>
-        <pc:picChg chg="add del mod">
-          <ac:chgData name="Hasselwander Daniel" userId="c52ad4b4-8117-4235-b9f1-fab9bcac5934" providerId="ADAL" clId="{D38D4B8B-445C-754F-A08B-CFCB37CCC2E2}" dt="2023-03-14T22:32:12.936" v="2794"/>
-          <ac:picMkLst>
-            <pc:docMk/>
-            <pc:sldMk cId="3435001583" sldId="10552"/>
-            <ac:picMk id="4" creationId="{AE9690E5-8DE4-7571-A763-E8DF3566F1E0}"/>
-          </ac:picMkLst>
-        </pc:picChg>
-        <pc:picChg chg="add del mod topLvl">
-          <ac:chgData name="Hasselwander Daniel" userId="c52ad4b4-8117-4235-b9f1-fab9bcac5934" providerId="ADAL" clId="{D38D4B8B-445C-754F-A08B-CFCB37CCC2E2}" dt="2023-03-14T23:31:28.407" v="4090" actId="478"/>
-          <ac:picMkLst>
-            <pc:docMk/>
-            <pc:sldMk cId="3435001583" sldId="10552"/>
-            <ac:picMk id="7" creationId="{6EE2ABEB-FB4C-9202-13A6-444EC68C8F73}"/>
-          </ac:picMkLst>
-        </pc:picChg>
-        <pc:picChg chg="add mod">
-          <ac:chgData name="Hasselwander Daniel" userId="c52ad4b4-8117-4235-b9f1-fab9bcac5934" providerId="ADAL" clId="{D38D4B8B-445C-754F-A08B-CFCB37CCC2E2}" dt="2023-03-14T23:29:29.182" v="4066" actId="1076"/>
-          <ac:picMkLst>
-            <pc:docMk/>
-            <pc:sldMk cId="3435001583" sldId="10552"/>
-            <ac:picMk id="10" creationId="{5144DC88-9037-6F92-AF60-94FF0F31E153}"/>
-          </ac:picMkLst>
-        </pc:picChg>
-        <pc:picChg chg="add mod">
-          <ac:chgData name="Hasselwander Daniel" userId="c52ad4b4-8117-4235-b9f1-fab9bcac5934" providerId="ADAL" clId="{D38D4B8B-445C-754F-A08B-CFCB37CCC2E2}" dt="2023-03-14T23:20:33.821" v="3996" actId="1076"/>
-          <ac:picMkLst>
-            <pc:docMk/>
-            <pc:sldMk cId="3435001583" sldId="10552"/>
-            <ac:picMk id="11" creationId="{043322B8-46F7-D641-A6F1-EBBB7D974236}"/>
-          </ac:picMkLst>
-        </pc:picChg>
-        <pc:picChg chg="add del mod">
-          <ac:chgData name="Hasselwander Daniel" userId="c52ad4b4-8117-4235-b9f1-fab9bcac5934" providerId="ADAL" clId="{D38D4B8B-445C-754F-A08B-CFCB37CCC2E2}" dt="2023-03-14T23:19:49.105" v="3976"/>
-          <ac:picMkLst>
-            <pc:docMk/>
-            <pc:sldMk cId="3435001583" sldId="10552"/>
-            <ac:picMk id="12" creationId="{5F14E780-F87E-FDC0-064D-C4CADB53DCD6}"/>
-          </ac:picMkLst>
-        </pc:picChg>
-        <pc:picChg chg="add mod">
-          <ac:chgData name="Hasselwander Daniel" userId="c52ad4b4-8117-4235-b9f1-fab9bcac5934" providerId="ADAL" clId="{D38D4B8B-445C-754F-A08B-CFCB37CCC2E2}" dt="2023-03-14T23:20:38.738" v="3998" actId="1076"/>
-          <ac:picMkLst>
-            <pc:docMk/>
-            <pc:sldMk cId="3435001583" sldId="10552"/>
-            <ac:picMk id="14" creationId="{DC2D6182-0B50-01F6-27C0-10706372A9EC}"/>
-          </ac:picMkLst>
-        </pc:picChg>
-        <pc:picChg chg="add mod">
-          <ac:chgData name="Hasselwander Daniel" userId="c52ad4b4-8117-4235-b9f1-fab9bcac5934" providerId="ADAL" clId="{D38D4B8B-445C-754F-A08B-CFCB37CCC2E2}" dt="2023-03-14T23:26:37.529" v="4044" actId="1076"/>
-          <ac:picMkLst>
-            <pc:docMk/>
-            <pc:sldMk cId="3435001583" sldId="10552"/>
-            <ac:picMk id="19" creationId="{E04F4936-F10C-9D0E-4A49-5411B665211A}"/>
-          </ac:picMkLst>
-        </pc:picChg>
-        <pc:picChg chg="add mod">
-          <ac:chgData name="Hasselwander Daniel" userId="c52ad4b4-8117-4235-b9f1-fab9bcac5934" providerId="ADAL" clId="{D38D4B8B-445C-754F-A08B-CFCB37CCC2E2}" dt="2023-03-14T23:26:40.164" v="4046" actId="1076"/>
-          <ac:picMkLst>
-            <pc:docMk/>
-            <pc:sldMk cId="3435001583" sldId="10552"/>
-            <ac:picMk id="20" creationId="{C42F8841-778F-816A-CD80-73E02CFBD009}"/>
-          </ac:picMkLst>
-        </pc:picChg>
-        <pc:picChg chg="add mod">
-          <ac:chgData name="Hasselwander Daniel" userId="c52ad4b4-8117-4235-b9f1-fab9bcac5934" providerId="ADAL" clId="{D38D4B8B-445C-754F-A08B-CFCB37CCC2E2}" dt="2023-03-14T23:27:34.482" v="4052" actId="1076"/>
-          <ac:picMkLst>
-            <pc:docMk/>
-            <pc:sldMk cId="3435001583" sldId="10552"/>
-            <ac:picMk id="21" creationId="{91B460F7-C326-506E-46CB-CD0A1A4A6052}"/>
-          </ac:picMkLst>
-        </pc:picChg>
-      </pc:sldChg>
-      <pc:sldChg chg="addSp delSp modSp add del mod setBg">
-        <pc:chgData name="Hasselwander Daniel" userId="c52ad4b4-8117-4235-b9f1-fab9bcac5934" providerId="ADAL" clId="{D38D4B8B-445C-754F-A08B-CFCB37CCC2E2}" dt="2023-03-14T22:49:05.347" v="3234" actId="2696"/>
-        <pc:sldMkLst>
-          <pc:docMk/>
-          <pc:sldMk cId="3371191483" sldId="10553"/>
-        </pc:sldMkLst>
-        <pc:spChg chg="add del mod">
-          <ac:chgData name="Hasselwander Daniel" userId="c52ad4b4-8117-4235-b9f1-fab9bcac5934" providerId="ADAL" clId="{D38D4B8B-445C-754F-A08B-CFCB37CCC2E2}" dt="2023-03-14T22:35:58.563" v="2909" actId="478"/>
-          <ac:spMkLst>
-            <pc:docMk/>
-            <pc:sldMk cId="3371191483" sldId="10553"/>
-            <ac:spMk id="3" creationId="{4AA38A5B-4F94-17D1-DE2F-E49B377A1567}"/>
-          </ac:spMkLst>
-        </pc:spChg>
-        <pc:spChg chg="add del mod">
-          <ac:chgData name="Hasselwander Daniel" userId="c52ad4b4-8117-4235-b9f1-fab9bcac5934" providerId="ADAL" clId="{D38D4B8B-445C-754F-A08B-CFCB37CCC2E2}" dt="2023-03-14T22:41:44.046" v="2932"/>
-          <ac:spMkLst>
-            <pc:docMk/>
-            <pc:sldMk cId="3371191483" sldId="10553"/>
-            <ac:spMk id="4" creationId="{06C93CF7-2A3A-7B9A-AE99-2445827D2EF2}"/>
-          </ac:spMkLst>
-        </pc:spChg>
-        <pc:spChg chg="del mod">
-          <ac:chgData name="Hasselwander Daniel" userId="c52ad4b4-8117-4235-b9f1-fab9bcac5934" providerId="ADAL" clId="{D38D4B8B-445C-754F-A08B-CFCB37CCC2E2}" dt="2023-03-14T22:43:04.202" v="2940" actId="478"/>
-          <ac:spMkLst>
-            <pc:docMk/>
-            <pc:sldMk cId="3371191483" sldId="10553"/>
-            <ac:spMk id="15" creationId="{1BD9B7C1-5860-C447-7FC6-D510200F75A2}"/>
-          </ac:spMkLst>
-        </pc:spChg>
-        <pc:grpChg chg="del">
-          <ac:chgData name="Hasselwander Daniel" userId="c52ad4b4-8117-4235-b9f1-fab9bcac5934" providerId="ADAL" clId="{D38D4B8B-445C-754F-A08B-CFCB37CCC2E2}" dt="2023-03-14T22:34:48.649" v="2834" actId="478"/>
-          <ac:grpSpMkLst>
-            <pc:docMk/>
-            <pc:sldMk cId="3371191483" sldId="10553"/>
-            <ac:grpSpMk id="7" creationId="{0DD6AA30-2471-9795-5CE7-2070E3D65000}"/>
-          </ac:grpSpMkLst>
-        </pc:grpChg>
-        <pc:picChg chg="add mod">
-          <ac:chgData name="Hasselwander Daniel" userId="c52ad4b4-8117-4235-b9f1-fab9bcac5934" providerId="ADAL" clId="{D38D4B8B-445C-754F-A08B-CFCB37CCC2E2}" dt="2023-03-14T22:43:01.800" v="2939" actId="1076"/>
-          <ac:picMkLst>
-            <pc:docMk/>
-            <pc:sldMk cId="3371191483" sldId="10553"/>
-            <ac:picMk id="6" creationId="{E85CE4E5-6E64-4459-7478-FF90BC0C25F7}"/>
-          </ac:picMkLst>
-        </pc:picChg>
-      </pc:sldChg>
-      <pc:sldChg chg="add del">
-        <pc:chgData name="Hasselwander Daniel" userId="c52ad4b4-8117-4235-b9f1-fab9bcac5934" providerId="ADAL" clId="{D38D4B8B-445C-754F-A08B-CFCB37CCC2E2}" dt="2023-03-14T22:31:57.659" v="2790"/>
-        <pc:sldMkLst>
-          <pc:docMk/>
-          <pc:sldMk cId="3534304024" sldId="10553"/>
-        </pc:sldMkLst>
-      </pc:sldChg>
-      <pc:sldChg chg="addSp delSp modSp add mod modClrScheme chgLayout">
-        <pc:chgData name="Hasselwander Daniel" userId="c52ad4b4-8117-4235-b9f1-fab9bcac5934" providerId="ADAL" clId="{D38D4B8B-445C-754F-A08B-CFCB37CCC2E2}" dt="2023-03-14T23:18:14.702" v="3945" actId="14100"/>
-        <pc:sldMkLst>
-          <pc:docMk/>
-          <pc:sldMk cId="2726394266" sldId="10554"/>
-        </pc:sldMkLst>
-        <pc:spChg chg="del">
-          <ac:chgData name="Hasselwander Daniel" userId="c52ad4b4-8117-4235-b9f1-fab9bcac5934" providerId="ADAL" clId="{D38D4B8B-445C-754F-A08B-CFCB37CCC2E2}" dt="2023-03-14T22:43:53.907" v="2949" actId="478"/>
-          <ac:spMkLst>
-            <pc:docMk/>
-            <pc:sldMk cId="2726394266" sldId="10554"/>
-            <ac:spMk id="2" creationId="{21764F6D-632E-79AE-82FF-774B2346AAB2}"/>
-          </ac:spMkLst>
-        </pc:spChg>
-        <pc:spChg chg="mod modVis">
-          <ac:chgData name="Hasselwander Daniel" userId="c52ad4b4-8117-4235-b9f1-fab9bcac5934" providerId="ADAL" clId="{D38D4B8B-445C-754F-A08B-CFCB37CCC2E2}" dt="2023-03-14T22:44:03.493" v="2954" actId="26606"/>
-          <ac:spMkLst>
-            <pc:docMk/>
-            <pc:sldMk cId="2726394266" sldId="10554"/>
-            <ac:spMk id="3" creationId="{0CB9ECD8-9FDD-98E2-ED6F-432548E80708}"/>
-          </ac:spMkLst>
-        </pc:spChg>
-        <pc:spChg chg="add del mod">
-          <ac:chgData name="Hasselwander Daniel" userId="c52ad4b4-8117-4235-b9f1-fab9bcac5934" providerId="ADAL" clId="{D38D4B8B-445C-754F-A08B-CFCB37CCC2E2}" dt="2023-03-14T22:43:56.508" v="2950" actId="478"/>
-          <ac:spMkLst>
-            <pc:docMk/>
-            <pc:sldMk cId="2726394266" sldId="10554"/>
-            <ac:spMk id="5" creationId="{221E0A9A-83A8-4044-2BE2-1365E9A7C214}"/>
-          </ac:spMkLst>
-        </pc:spChg>
-        <pc:spChg chg="add del mod">
-          <ac:chgData name="Hasselwander Daniel" userId="c52ad4b4-8117-4235-b9f1-fab9bcac5934" providerId="ADAL" clId="{D38D4B8B-445C-754F-A08B-CFCB37CCC2E2}" dt="2023-03-14T22:44:37.999" v="2958" actId="11529"/>
-          <ac:spMkLst>
-            <pc:docMk/>
-            <pc:sldMk cId="2726394266" sldId="10554"/>
-            <ac:spMk id="8" creationId="{F9401311-D0E2-3129-890A-267E54C9D16C}"/>
-          </ac:spMkLst>
-        </pc:spChg>
-        <pc:spChg chg="add mod">
-          <ac:chgData name="Hasselwander Daniel" userId="c52ad4b4-8117-4235-b9f1-fab9bcac5934" providerId="ADAL" clId="{D38D4B8B-445C-754F-A08B-CFCB37CCC2E2}" dt="2023-03-14T23:18:07.734" v="3942" actId="14100"/>
-          <ac:spMkLst>
-            <pc:docMk/>
-            <pc:sldMk cId="2726394266" sldId="10554"/>
-            <ac:spMk id="9" creationId="{09B5698C-CFF4-1273-4513-6F20966E0A8A}"/>
-          </ac:spMkLst>
-        </pc:spChg>
-        <pc:spChg chg="del">
-          <ac:chgData name="Hasselwander Daniel" userId="c52ad4b4-8117-4235-b9f1-fab9bcac5934" providerId="ADAL" clId="{D38D4B8B-445C-754F-A08B-CFCB37CCC2E2}" dt="2023-03-14T22:43:53.907" v="2949" actId="478"/>
-          <ac:spMkLst>
-            <pc:docMk/>
-            <pc:sldMk cId="2726394266" sldId="10554"/>
-            <ac:spMk id="10" creationId="{BC60192B-C3A1-5A4A-BFDC-87A796E6470C}"/>
-          </ac:spMkLst>
-        </pc:spChg>
-        <pc:spChg chg="add mod">
-          <ac:chgData name="Hasselwander Daniel" userId="c52ad4b4-8117-4235-b9f1-fab9bcac5934" providerId="ADAL" clId="{D38D4B8B-445C-754F-A08B-CFCB37CCC2E2}" dt="2023-03-14T22:45:09.797" v="2965" actId="207"/>
-          <ac:spMkLst>
-            <pc:docMk/>
-            <pc:sldMk cId="2726394266" sldId="10554"/>
-            <ac:spMk id="12" creationId="{428AF254-44F8-15FE-0B08-13692E780826}"/>
-          </ac:spMkLst>
-        </pc:spChg>
-        <pc:spChg chg="add mod">
-          <ac:chgData name="Hasselwander Daniel" userId="c52ad4b4-8117-4235-b9f1-fab9bcac5934" providerId="ADAL" clId="{D38D4B8B-445C-754F-A08B-CFCB37CCC2E2}" dt="2023-03-14T23:18:14.702" v="3945" actId="14100"/>
-          <ac:spMkLst>
-            <pc:docMk/>
-            <pc:sldMk cId="2726394266" sldId="10554"/>
-            <ac:spMk id="13" creationId="{708C394E-43FD-B0A5-EAE9-AFE2C55F0520}"/>
-          </ac:spMkLst>
-        </pc:spChg>
-        <pc:spChg chg="add mod">
-          <ac:chgData name="Hasselwander Daniel" userId="c52ad4b4-8117-4235-b9f1-fab9bcac5934" providerId="ADAL" clId="{D38D4B8B-445C-754F-A08B-CFCB37CCC2E2}" dt="2023-03-14T22:45:42.001" v="2974" actId="207"/>
-          <ac:spMkLst>
-            <pc:docMk/>
-            <pc:sldMk cId="2726394266" sldId="10554"/>
-            <ac:spMk id="14" creationId="{1B2A8970-8772-BF39-5795-38A2101CDC07}"/>
-          </ac:spMkLst>
-        </pc:spChg>
-        <pc:spChg chg="del">
-          <ac:chgData name="Hasselwander Daniel" userId="c52ad4b4-8117-4235-b9f1-fab9bcac5934" providerId="ADAL" clId="{D38D4B8B-445C-754F-A08B-CFCB37CCC2E2}" dt="2023-03-14T22:43:53.907" v="2949" actId="478"/>
-          <ac:spMkLst>
-            <pc:docMk/>
-            <pc:sldMk cId="2726394266" sldId="10554"/>
-            <ac:spMk id="17" creationId="{32D368FE-71B7-3FA4-313A-CC3D5CC3ACD4}"/>
-          </ac:spMkLst>
-        </pc:spChg>
-        <pc:spChg chg="del">
-          <ac:chgData name="Hasselwander Daniel" userId="c52ad4b4-8117-4235-b9f1-fab9bcac5934" providerId="ADAL" clId="{D38D4B8B-445C-754F-A08B-CFCB37CCC2E2}" dt="2023-03-14T22:44:00.091" v="2952" actId="478"/>
-          <ac:spMkLst>
-            <pc:docMk/>
-            <pc:sldMk cId="2726394266" sldId="10554"/>
-            <ac:spMk id="21" creationId="{DBAE13EC-FB78-824A-7F16-C512353AF017}"/>
-          </ac:spMkLst>
-        </pc:spChg>
-        <pc:spChg chg="mod modVis">
-          <ac:chgData name="Hasselwander Daniel" userId="c52ad4b4-8117-4235-b9f1-fab9bcac5934" providerId="ADAL" clId="{D38D4B8B-445C-754F-A08B-CFCB37CCC2E2}" dt="2023-03-14T22:44:03.493" v="2954" actId="26606"/>
-          <ac:spMkLst>
-            <pc:docMk/>
-            <pc:sldMk cId="2726394266" sldId="10554"/>
-            <ac:spMk id="25" creationId="{F517D322-C6E9-E507-6DCC-6D7AD94E94A1}"/>
-          </ac:spMkLst>
-        </pc:spChg>
-        <pc:picChg chg="del">
-          <ac:chgData name="Hasselwander Daniel" userId="c52ad4b4-8117-4235-b9f1-fab9bcac5934" providerId="ADAL" clId="{D38D4B8B-445C-754F-A08B-CFCB37CCC2E2}" dt="2023-03-14T22:43:57.843" v="2951" actId="478"/>
-          <ac:picMkLst>
-            <pc:docMk/>
-            <pc:sldMk cId="2726394266" sldId="10554"/>
-            <ac:picMk id="6" creationId="{F56FA247-EBC9-F473-3EA7-17AA934131E6}"/>
-          </ac:picMkLst>
-        </pc:picChg>
-        <pc:picChg chg="add mod ord">
-          <ac:chgData name="Hasselwander Daniel" userId="c52ad4b4-8117-4235-b9f1-fab9bcac5934" providerId="ADAL" clId="{D38D4B8B-445C-754F-A08B-CFCB37CCC2E2}" dt="2023-03-14T22:45:59.736" v="2985" actId="1076"/>
-          <ac:picMkLst>
-            <pc:docMk/>
-            <pc:sldMk cId="2726394266" sldId="10554"/>
-            <ac:picMk id="7" creationId="{3A69A334-A8E3-BA33-BFF8-5E61FD9F3051}"/>
-          </ac:picMkLst>
-        </pc:picChg>
-        <pc:picChg chg="del">
-          <ac:chgData name="Hasselwander Daniel" userId="c52ad4b4-8117-4235-b9f1-fab9bcac5934" providerId="ADAL" clId="{D38D4B8B-445C-754F-A08B-CFCB37CCC2E2}" dt="2023-03-14T22:43:53.907" v="2949" actId="478"/>
-          <ac:picMkLst>
-            <pc:docMk/>
-            <pc:sldMk cId="2726394266" sldId="10554"/>
-            <ac:picMk id="11" creationId="{0CA14319-B4FE-E010-A77D-34E0E25DDC72}"/>
-          </ac:picMkLst>
-        </pc:picChg>
-      </pc:sldChg>
-      <pc:sldChg chg="addSp delSp modSp add mod modNotesTx">
-        <pc:chgData name="Hasselwander Daniel" userId="c52ad4b4-8117-4235-b9f1-fab9bcac5934" providerId="ADAL" clId="{D38D4B8B-445C-754F-A08B-CFCB37CCC2E2}" dt="2023-03-14T23:05:06.461" v="3433" actId="20577"/>
-        <pc:sldMkLst>
-          <pc:docMk/>
-          <pc:sldMk cId="3043389265" sldId="10555"/>
-        </pc:sldMkLst>
-        <pc:spChg chg="add mod">
-          <ac:chgData name="Hasselwander Daniel" userId="c52ad4b4-8117-4235-b9f1-fab9bcac5934" providerId="ADAL" clId="{D38D4B8B-445C-754F-A08B-CFCB37CCC2E2}" dt="2023-03-14T22:50:48.376" v="3265" actId="6549"/>
-          <ac:spMkLst>
-            <pc:docMk/>
-            <pc:sldMk cId="3043389265" sldId="10555"/>
-            <ac:spMk id="2" creationId="{1ABD9EE9-FC47-FA2F-666E-8BD7D49FB398}"/>
-          </ac:spMkLst>
-        </pc:spChg>
-        <pc:spChg chg="add del mod">
-          <ac:chgData name="Hasselwander Daniel" userId="c52ad4b4-8117-4235-b9f1-fab9bcac5934" providerId="ADAL" clId="{D38D4B8B-445C-754F-A08B-CFCB37CCC2E2}" dt="2023-03-14T22:49:53.470" v="3250"/>
-          <ac:spMkLst>
-            <pc:docMk/>
-            <pc:sldMk cId="3043389265" sldId="10555"/>
-            <ac:spMk id="4" creationId="{107602B2-C277-E9C6-1623-77A90058B0E0}"/>
-          </ac:spMkLst>
-        </pc:spChg>
-        <pc:spChg chg="add mod">
-          <ac:chgData name="Hasselwander Daniel" userId="c52ad4b4-8117-4235-b9f1-fab9bcac5934" providerId="ADAL" clId="{D38D4B8B-445C-754F-A08B-CFCB37CCC2E2}" dt="2023-03-14T22:50:36.623" v="3263" actId="171"/>
-          <ac:spMkLst>
-            <pc:docMk/>
-            <pc:sldMk cId="3043389265" sldId="10555"/>
-            <ac:spMk id="5" creationId="{A7CF0F0E-D5EA-B4F2-20A3-051BBC5EA212}"/>
-          </ac:spMkLst>
-        </pc:spChg>
-        <pc:spChg chg="mod">
-          <ac:chgData name="Hasselwander Daniel" userId="c52ad4b4-8117-4235-b9f1-fab9bcac5934" providerId="ADAL" clId="{D38D4B8B-445C-754F-A08B-CFCB37CCC2E2}" dt="2023-03-14T22:57:00.168" v="3291" actId="403"/>
-          <ac:spMkLst>
-            <pc:docMk/>
-            <pc:sldMk cId="3043389265" sldId="10555"/>
-            <ac:spMk id="9" creationId="{09B5698C-CFF4-1273-4513-6F20966E0A8A}"/>
-          </ac:spMkLst>
-        </pc:spChg>
-        <pc:spChg chg="mod">
-          <ac:chgData name="Hasselwander Daniel" userId="c52ad4b4-8117-4235-b9f1-fab9bcac5934" providerId="ADAL" clId="{D38D4B8B-445C-754F-A08B-CFCB37CCC2E2}" dt="2023-03-14T22:49:57.972" v="3252" actId="14100"/>
-          <ac:spMkLst>
-            <pc:docMk/>
-            <pc:sldMk cId="3043389265" sldId="10555"/>
-            <ac:spMk id="13" creationId="{708C394E-43FD-B0A5-EAE9-AFE2C55F0520}"/>
-          </ac:spMkLst>
-        </pc:spChg>
-        <pc:picChg chg="add mod">
-          <ac:chgData name="Hasselwander Daniel" userId="c52ad4b4-8117-4235-b9f1-fab9bcac5934" providerId="ADAL" clId="{D38D4B8B-445C-754F-A08B-CFCB37CCC2E2}" dt="2023-03-14T22:51:33.359" v="3268" actId="14826"/>
-          <ac:picMkLst>
-            <pc:docMk/>
-            <pc:sldMk cId="3043389265" sldId="10555"/>
-            <ac:picMk id="8" creationId="{0DFC5877-DF6D-F19F-7E45-5005DB6F3ABE}"/>
-          </ac:picMkLst>
-        </pc:picChg>
-      </pc:sldChg>
-      <pc:sldChg chg="add del">
-        <pc:chgData name="Hasselwander Daniel" userId="c52ad4b4-8117-4235-b9f1-fab9bcac5934" providerId="ADAL" clId="{D38D4B8B-445C-754F-A08B-CFCB37CCC2E2}" dt="2023-03-14T22:57:59.436" v="3294" actId="2696"/>
-        <pc:sldMkLst>
-          <pc:docMk/>
-          <pc:sldMk cId="240216865" sldId="10556"/>
-        </pc:sldMkLst>
-      </pc:sldChg>
-      <pc:sldChg chg="add del">
-        <pc:chgData name="Hasselwander Daniel" userId="c52ad4b4-8117-4235-b9f1-fab9bcac5934" providerId="ADAL" clId="{D38D4B8B-445C-754F-A08B-CFCB37CCC2E2}" dt="2023-03-14T22:58:50.468" v="3298" actId="2696"/>
-        <pc:sldMkLst>
-          <pc:docMk/>
-          <pc:sldMk cId="1340356128" sldId="10556"/>
-        </pc:sldMkLst>
-      </pc:sldChg>
-      <pc:sldChg chg="add del">
-        <pc:chgData name="Hasselwander Daniel" userId="c52ad4b4-8117-4235-b9f1-fab9bcac5934" providerId="ADAL" clId="{D38D4B8B-445C-754F-A08B-CFCB37CCC2E2}" dt="2023-03-14T22:58:35.801" v="3296" actId="2696"/>
-        <pc:sldMkLst>
-          <pc:docMk/>
-          <pc:sldMk cId="2007197317" sldId="10556"/>
-        </pc:sldMkLst>
-      </pc:sldChg>
-      <pc:sldChg chg="addSp delSp modSp add mod">
-        <pc:chgData name="Hasselwander Daniel" userId="c52ad4b4-8117-4235-b9f1-fab9bcac5934" providerId="ADAL" clId="{D38D4B8B-445C-754F-A08B-CFCB37CCC2E2}" dt="2023-03-14T23:47:10.627" v="4556" actId="20577"/>
-        <pc:sldMkLst>
-          <pc:docMk/>
-          <pc:sldMk cId="3936017482" sldId="10556"/>
-        </pc:sldMkLst>
-        <pc:spChg chg="mod">
-          <ac:chgData name="Hasselwander Daniel" userId="c52ad4b4-8117-4235-b9f1-fab9bcac5934" providerId="ADAL" clId="{D38D4B8B-445C-754F-A08B-CFCB37CCC2E2}" dt="2023-03-14T23:10:15.403" v="3558" actId="20577"/>
-          <ac:spMkLst>
-            <pc:docMk/>
-            <pc:sldMk cId="3936017482" sldId="10556"/>
-            <ac:spMk id="4" creationId="{1738379B-6C56-DC88-84BA-69665F9E6F7E}"/>
-          </ac:spMkLst>
-        </pc:spChg>
-        <pc:spChg chg="add del mod">
-          <ac:chgData name="Hasselwander Daniel" userId="c52ad4b4-8117-4235-b9f1-fab9bcac5934" providerId="ADAL" clId="{D38D4B8B-445C-754F-A08B-CFCB37CCC2E2}" dt="2023-03-14T23:11:43.910" v="3657" actId="478"/>
-          <ac:spMkLst>
-            <pc:docMk/>
-            <pc:sldMk cId="3936017482" sldId="10556"/>
-            <ac:spMk id="5" creationId="{502BDAC6-A48E-139A-2F67-D487F75E43C2}"/>
-          </ac:spMkLst>
-        </pc:spChg>
-        <pc:spChg chg="mod">
-          <ac:chgData name="Hasselwander Daniel" userId="c52ad4b4-8117-4235-b9f1-fab9bcac5934" providerId="ADAL" clId="{D38D4B8B-445C-754F-A08B-CFCB37CCC2E2}" dt="2023-03-14T23:11:42.695" v="3653" actId="122"/>
-          <ac:spMkLst>
-            <pc:docMk/>
-            <pc:sldMk cId="3936017482" sldId="10556"/>
-            <ac:spMk id="6" creationId="{9901C298-FD2C-EB4A-4F63-23E7FDEC00EE}"/>
-          </ac:spMkLst>
-        </pc:spChg>
-        <pc:spChg chg="add del mod">
-          <ac:chgData name="Hasselwander Daniel" userId="c52ad4b4-8117-4235-b9f1-fab9bcac5934" providerId="ADAL" clId="{D38D4B8B-445C-754F-A08B-CFCB37CCC2E2}" dt="2023-03-14T23:11:43.330" v="3656" actId="478"/>
-          <ac:spMkLst>
-            <pc:docMk/>
-            <pc:sldMk cId="3936017482" sldId="10556"/>
-            <ac:spMk id="7" creationId="{4A183221-A305-AE8C-A097-6E3DBA7FD971}"/>
-          </ac:spMkLst>
-        </pc:spChg>
-        <pc:spChg chg="mod">
-          <ac:chgData name="Hasselwander Daniel" userId="c52ad4b4-8117-4235-b9f1-fab9bcac5934" providerId="ADAL" clId="{D38D4B8B-445C-754F-A08B-CFCB37CCC2E2}" dt="2023-03-14T23:11:42.910" v="3654" actId="122"/>
-          <ac:spMkLst>
-            <pc:docMk/>
-            <pc:sldMk cId="3936017482" sldId="10556"/>
-            <ac:spMk id="8" creationId="{21F744BE-B81C-72F8-C167-D781E439EA89}"/>
-          </ac:spMkLst>
-        </pc:spChg>
-        <pc:spChg chg="add del mod">
-          <ac:chgData name="Hasselwander Daniel" userId="c52ad4b4-8117-4235-b9f1-fab9bcac5934" providerId="ADAL" clId="{D38D4B8B-445C-754F-A08B-CFCB37CCC2E2}" dt="2023-03-14T23:11:43.108" v="3655" actId="478"/>
-          <ac:spMkLst>
-            <pc:docMk/>
-            <pc:sldMk cId="3936017482" sldId="10556"/>
-            <ac:spMk id="9" creationId="{DCB37FEE-C8C5-CB61-3C06-1930C1F6BFD9}"/>
-          </ac:spMkLst>
-        </pc:spChg>
-        <pc:spChg chg="add mod">
-          <ac:chgData name="Hasselwander Daniel" userId="c52ad4b4-8117-4235-b9f1-fab9bcac5934" providerId="ADAL" clId="{D38D4B8B-445C-754F-A08B-CFCB37CCC2E2}" dt="2023-03-14T23:14:03.450" v="3865" actId="20577"/>
-          <ac:spMkLst>
-            <pc:docMk/>
-            <pc:sldMk cId="3936017482" sldId="10556"/>
-            <ac:spMk id="10" creationId="{20F02DE6-A867-1F83-650B-E2DC19759873}"/>
-          </ac:spMkLst>
-        </pc:spChg>
-        <pc:spChg chg="add mod">
-          <ac:chgData name="Hasselwander Daniel" userId="c52ad4b4-8117-4235-b9f1-fab9bcac5934" providerId="ADAL" clId="{D38D4B8B-445C-754F-A08B-CFCB37CCC2E2}" dt="2023-03-14T23:14:43.403" v="3882" actId="20577"/>
-          <ac:spMkLst>
-            <pc:docMk/>
-            <pc:sldMk cId="3936017482" sldId="10556"/>
-            <ac:spMk id="11" creationId="{8BAF1F5D-813A-1E8F-D31E-7C40C76EBF5C}"/>
-          </ac:spMkLst>
-        </pc:spChg>
-        <pc:spChg chg="add mod">
-          <ac:chgData name="Hasselwander Daniel" userId="c52ad4b4-8117-4235-b9f1-fab9bcac5934" providerId="ADAL" clId="{D38D4B8B-445C-754F-A08B-CFCB37CCC2E2}" dt="2023-03-14T23:47:10.627" v="4556" actId="20577"/>
-          <ac:spMkLst>
-            <pc:docMk/>
-            <pc:sldMk cId="3936017482" sldId="10556"/>
-            <ac:spMk id="12" creationId="{C12BC1AD-B7CB-A0AF-4BA8-49DD3D0A577F}"/>
-          </ac:spMkLst>
-        </pc:spChg>
-        <pc:spChg chg="mod">
-          <ac:chgData name="Hasselwander Daniel" userId="c52ad4b4-8117-4235-b9f1-fab9bcac5934" providerId="ADAL" clId="{D38D4B8B-445C-754F-A08B-CFCB37CCC2E2}" dt="2023-03-14T23:08:45.550" v="3510" actId="20577"/>
-          <ac:spMkLst>
-            <pc:docMk/>
-            <pc:sldMk cId="3936017482" sldId="10556"/>
-            <ac:spMk id="15" creationId="{1BD9B7C1-5860-C447-7FC6-D510200F75A2}"/>
-          </ac:spMkLst>
-        </pc:spChg>
-        <pc:grpChg chg="add del mod">
-          <ac:chgData name="Hasselwander Daniel" userId="c52ad4b4-8117-4235-b9f1-fab9bcac5934" providerId="ADAL" clId="{D38D4B8B-445C-754F-A08B-CFCB37CCC2E2}" dt="2023-03-14T23:11:59.100" v="3660" actId="478"/>
-          <ac:grpSpMkLst>
-            <pc:docMk/>
-            <pc:sldMk cId="3936017482" sldId="10556"/>
-            <ac:grpSpMk id="3" creationId="{9E0B0B90-71EF-36AE-C7F3-DA94B0D9D77D}"/>
-          </ac:grpSpMkLst>
-        </pc:grpChg>
-      </pc:sldChg>
-      <pc:sldChg chg="add del">
-        <pc:chgData name="Hasselwander Daniel" userId="c52ad4b4-8117-4235-b9f1-fab9bcac5934" providerId="ADAL" clId="{D38D4B8B-445C-754F-A08B-CFCB37CCC2E2}" dt="2023-03-15T00:00:37.454" v="4839" actId="2696"/>
-        <pc:sldMkLst>
-          <pc:docMk/>
-          <pc:sldMk cId="582448775" sldId="10557"/>
-        </pc:sldMkLst>
-      </pc:sldChg>
-      <pc:sldChg chg="add del">
-        <pc:chgData name="Hasselwander Daniel" userId="c52ad4b4-8117-4235-b9f1-fab9bcac5934" providerId="ADAL" clId="{D38D4B8B-445C-754F-A08B-CFCB37CCC2E2}" dt="2023-03-14T23:13:46.625" v="3848" actId="2696"/>
-        <pc:sldMkLst>
-          <pc:docMk/>
-          <pc:sldMk cId="645365933" sldId="10557"/>
-        </pc:sldMkLst>
-      </pc:sldChg>
-      <pc:sldChg chg="add del">
-        <pc:chgData name="Hasselwander Daniel" userId="c52ad4b4-8117-4235-b9f1-fab9bcac5934" providerId="ADAL" clId="{D38D4B8B-445C-754F-A08B-CFCB37CCC2E2}" dt="2023-03-14T23:09:42.953" v="3515"/>
-        <pc:sldMkLst>
-          <pc:docMk/>
-          <pc:sldMk cId="1264006369" sldId="10557"/>
-        </pc:sldMkLst>
-      </pc:sldChg>
-      <pc:sldChg chg="addSp delSp modSp add del mod">
-        <pc:chgData name="Hasselwander Daniel" userId="c52ad4b4-8117-4235-b9f1-fab9bcac5934" providerId="ADAL" clId="{D38D4B8B-445C-754F-A08B-CFCB37CCC2E2}" dt="2023-03-14T23:08:07.437" v="3472" actId="2696"/>
-        <pc:sldMkLst>
-          <pc:docMk/>
-          <pc:sldMk cId="1370670096" sldId="10557"/>
-        </pc:sldMkLst>
-        <pc:spChg chg="add del mod">
-          <ac:chgData name="Hasselwander Daniel" userId="c52ad4b4-8117-4235-b9f1-fab9bcac5934" providerId="ADAL" clId="{D38D4B8B-445C-754F-A08B-CFCB37CCC2E2}" dt="2023-03-14T23:07:04.605" v="3451" actId="11529"/>
-          <ac:spMkLst>
-            <pc:docMk/>
-            <pc:sldMk cId="1370670096" sldId="10557"/>
-            <ac:spMk id="6" creationId="{BCC4FEE3-885E-58EF-0D83-281CAD5E67C4}"/>
-          </ac:spMkLst>
-        </pc:spChg>
-        <pc:grpChg chg="add mod">
-          <ac:chgData name="Hasselwander Daniel" userId="c52ad4b4-8117-4235-b9f1-fab9bcac5934" providerId="ADAL" clId="{D38D4B8B-445C-754F-A08B-CFCB37CCC2E2}" dt="2023-03-14T23:07:51.016" v="3469" actId="1076"/>
-          <ac:grpSpMkLst>
-            <pc:docMk/>
-            <pc:sldMk cId="1370670096" sldId="10557"/>
-            <ac:grpSpMk id="4" creationId="{3CE32970-5017-1E21-F794-9E8C85E0D46A}"/>
-          </ac:grpSpMkLst>
-        </pc:grpChg>
-        <pc:picChg chg="add del mod">
-          <ac:chgData name="Hasselwander Daniel" userId="c52ad4b4-8117-4235-b9f1-fab9bcac5934" providerId="ADAL" clId="{D38D4B8B-445C-754F-A08B-CFCB37CCC2E2}" dt="2023-03-14T23:07:27.165" v="3458" actId="478"/>
-          <ac:picMkLst>
-            <pc:docMk/>
-            <pc:sldMk cId="1370670096" sldId="10557"/>
-            <ac:picMk id="11" creationId="{A8D3F144-3B9F-BA14-3E50-970749EE2552}"/>
-          </ac:picMkLst>
-        </pc:picChg>
-        <pc:picChg chg="add del mod">
-          <ac:chgData name="Hasselwander Daniel" userId="c52ad4b4-8117-4235-b9f1-fab9bcac5934" providerId="ADAL" clId="{D38D4B8B-445C-754F-A08B-CFCB37CCC2E2}" dt="2023-03-14T23:08:00.189" v="3471" actId="478"/>
-          <ac:picMkLst>
-            <pc:docMk/>
-            <pc:sldMk cId="1370670096" sldId="10557"/>
-            <ac:picMk id="16" creationId="{92161676-C95B-EB6C-C313-3070D81C4B94}"/>
-          </ac:picMkLst>
-        </pc:picChg>
-      </pc:sldChg>
-      <pc:sldChg chg="add del">
-        <pc:chgData name="Hasselwander Daniel" userId="c52ad4b4-8117-4235-b9f1-fab9bcac5934" providerId="ADAL" clId="{D38D4B8B-445C-754F-A08B-CFCB37CCC2E2}" dt="2023-03-14T23:09:48.948" v="3517"/>
-        <pc:sldMkLst>
-          <pc:docMk/>
-          <pc:sldMk cId="2199447489" sldId="10557"/>
-        </pc:sldMkLst>
-      </pc:sldChg>
-      <pc:sldChg chg="add del">
-        <pc:chgData name="Hasselwander Daniel" userId="c52ad4b4-8117-4235-b9f1-fab9bcac5934" providerId="ADAL" clId="{D38D4B8B-445C-754F-A08B-CFCB37CCC2E2}" dt="2023-03-14T23:08:14.279" v="3475" actId="2696"/>
-        <pc:sldMkLst>
-          <pc:docMk/>
-          <pc:sldMk cId="2827469500" sldId="10557"/>
-        </pc:sldMkLst>
-      </pc:sldChg>
-      <pc:sldChg chg="addSp delSp modSp add del mod">
-        <pc:chgData name="Hasselwander Daniel" userId="c52ad4b4-8117-4235-b9f1-fab9bcac5934" providerId="ADAL" clId="{D38D4B8B-445C-754F-A08B-CFCB37CCC2E2}" dt="2023-03-14T23:06:24.234" v="3443"/>
-        <pc:sldMkLst>
-          <pc:docMk/>
-          <pc:sldMk cId="3254633360" sldId="10557"/>
-        </pc:sldMkLst>
-        <pc:spChg chg="topLvl">
-          <ac:chgData name="Hasselwander Daniel" userId="c52ad4b4-8117-4235-b9f1-fab9bcac5934" providerId="ADAL" clId="{D38D4B8B-445C-754F-A08B-CFCB37CCC2E2}" dt="2023-03-14T23:06:22.123" v="3442" actId="164"/>
-          <ac:spMkLst>
-            <pc:docMk/>
-            <pc:sldMk cId="3254633360" sldId="10557"/>
-            <ac:spMk id="2" creationId="{1ABD9EE9-FC47-FA2F-666E-8BD7D49FB398}"/>
-          </ac:spMkLst>
-        </pc:spChg>
-        <pc:spChg chg="topLvl">
-          <ac:chgData name="Hasselwander Daniel" userId="c52ad4b4-8117-4235-b9f1-fab9bcac5934" providerId="ADAL" clId="{D38D4B8B-445C-754F-A08B-CFCB37CCC2E2}" dt="2023-03-14T23:06:22.123" v="3442" actId="164"/>
-          <ac:spMkLst>
-            <pc:docMk/>
-            <pc:sldMk cId="3254633360" sldId="10557"/>
-            <ac:spMk id="5" creationId="{A7CF0F0E-D5EA-B4F2-20A3-051BBC5EA212}"/>
-          </ac:spMkLst>
-        </pc:spChg>
-        <pc:spChg chg="topLvl">
-          <ac:chgData name="Hasselwander Daniel" userId="c52ad4b4-8117-4235-b9f1-fab9bcac5934" providerId="ADAL" clId="{D38D4B8B-445C-754F-A08B-CFCB37CCC2E2}" dt="2023-03-14T23:06:22.123" v="3442" actId="164"/>
-          <ac:spMkLst>
-            <pc:docMk/>
-            <pc:sldMk cId="3254633360" sldId="10557"/>
-            <ac:spMk id="13" creationId="{708C394E-43FD-B0A5-EAE9-AFE2C55F0520}"/>
-          </ac:spMkLst>
-        </pc:spChg>
-        <pc:grpChg chg="add del mod">
-          <ac:chgData name="Hasselwander Daniel" userId="c52ad4b4-8117-4235-b9f1-fab9bcac5934" providerId="ADAL" clId="{D38D4B8B-445C-754F-A08B-CFCB37CCC2E2}" dt="2023-03-14T23:06:22.123" v="3442" actId="164"/>
-          <ac:grpSpMkLst>
-            <pc:docMk/>
-            <pc:sldMk cId="3254633360" sldId="10557"/>
-            <ac:grpSpMk id="4" creationId="{0BF97181-D503-0D7A-84A8-ECD8EDDEEB58}"/>
-          </ac:grpSpMkLst>
-        </pc:grpChg>
-        <pc:picChg chg="topLvl">
-          <ac:chgData name="Hasselwander Daniel" userId="c52ad4b4-8117-4235-b9f1-fab9bcac5934" providerId="ADAL" clId="{D38D4B8B-445C-754F-A08B-CFCB37CCC2E2}" dt="2023-03-14T23:06:22.123" v="3442" actId="164"/>
-          <ac:picMkLst>
-            <pc:docMk/>
-            <pc:sldMk cId="3254633360" sldId="10557"/>
-            <ac:picMk id="7" creationId="{3A69A334-A8E3-BA33-BFF8-5E61FD9F3051}"/>
-          </ac:picMkLst>
-        </pc:picChg>
-        <pc:picChg chg="topLvl">
-          <ac:chgData name="Hasselwander Daniel" userId="c52ad4b4-8117-4235-b9f1-fab9bcac5934" providerId="ADAL" clId="{D38D4B8B-445C-754F-A08B-CFCB37CCC2E2}" dt="2023-03-14T23:06:22.123" v="3442" actId="164"/>
-          <ac:picMkLst>
-            <pc:docMk/>
-            <pc:sldMk cId="3254633360" sldId="10557"/>
-            <ac:picMk id="8" creationId="{0DFC5877-DF6D-F19F-7E45-5005DB6F3ABE}"/>
-          </ac:picMkLst>
-        </pc:picChg>
-      </pc:sldChg>
-      <pc:sldChg chg="add del">
-        <pc:chgData name="Hasselwander Daniel" userId="c52ad4b4-8117-4235-b9f1-fab9bcac5934" providerId="ADAL" clId="{D38D4B8B-445C-754F-A08B-CFCB37CCC2E2}" dt="2023-03-14T23:09:22.319" v="3513" actId="2696"/>
-        <pc:sldMkLst>
-          <pc:docMk/>
-          <pc:sldMk cId="1211589260" sldId="10558"/>
-        </pc:sldMkLst>
-      </pc:sldChg>
-      <pc:sldChg chg="addSp delSp modSp add del mod">
-        <pc:chgData name="Hasselwander Daniel" userId="c52ad4b4-8117-4235-b9f1-fab9bcac5934" providerId="ADAL" clId="{D38D4B8B-445C-754F-A08B-CFCB37CCC2E2}" dt="2023-03-14T23:47:55.548" v="4576" actId="2696"/>
-        <pc:sldMkLst>
-          <pc:docMk/>
-          <pc:sldMk cId="2903075094" sldId="10558"/>
-        </pc:sldMkLst>
-        <pc:spChg chg="add del mod">
-          <ac:chgData name="Hasselwander Daniel" userId="c52ad4b4-8117-4235-b9f1-fab9bcac5934" providerId="ADAL" clId="{D38D4B8B-445C-754F-A08B-CFCB37CCC2E2}" dt="2023-03-14T23:34:49.796" v="4268"/>
-          <ac:spMkLst>
-            <pc:docMk/>
-            <pc:sldMk cId="2903075094" sldId="10558"/>
-            <ac:spMk id="3" creationId="{0E3D867D-EE22-BA82-1E60-8A607ECC1A9A}"/>
-          </ac:spMkLst>
-        </pc:spChg>
-        <pc:spChg chg="add mod">
-          <ac:chgData name="Hasselwander Daniel" userId="c52ad4b4-8117-4235-b9f1-fab9bcac5934" providerId="ADAL" clId="{D38D4B8B-445C-754F-A08B-CFCB37CCC2E2}" dt="2023-03-14T23:34:58.544" v="4271" actId="1076"/>
-          <ac:spMkLst>
-            <pc:docMk/>
-            <pc:sldMk cId="2903075094" sldId="10558"/>
-            <ac:spMk id="4" creationId="{5AC1C1A7-D90E-01D1-7BB4-9F926415A9CB}"/>
-          </ac:spMkLst>
-        </pc:spChg>
-        <pc:spChg chg="add del mod">
-          <ac:chgData name="Hasselwander Daniel" userId="c52ad4b4-8117-4235-b9f1-fab9bcac5934" providerId="ADAL" clId="{D38D4B8B-445C-754F-A08B-CFCB37CCC2E2}" dt="2023-03-14T23:35:54.963" v="4302" actId="478"/>
-          <ac:spMkLst>
-            <pc:docMk/>
-            <pc:sldMk cId="2903075094" sldId="10558"/>
-            <ac:spMk id="5" creationId="{EA7E06CC-EB6D-A3DE-63A4-5EB32C13B87D}"/>
-          </ac:spMkLst>
-        </pc:spChg>
-        <pc:spChg chg="mod topLvl">
-          <ac:chgData name="Hasselwander Daniel" userId="c52ad4b4-8117-4235-b9f1-fab9bcac5934" providerId="ADAL" clId="{D38D4B8B-445C-754F-A08B-CFCB37CCC2E2}" dt="2023-03-14T23:36:44.280" v="4311" actId="21"/>
-          <ac:spMkLst>
-            <pc:docMk/>
-            <pc:sldMk cId="2903075094" sldId="10558"/>
-            <ac:spMk id="6" creationId="{06CBD43E-EF12-6B11-306B-329A845A4912}"/>
-          </ac:spMkLst>
-        </pc:spChg>
-        <pc:spChg chg="mod">
-          <ac:chgData name="Hasselwander Daniel" userId="c52ad4b4-8117-4235-b9f1-fab9bcac5934" providerId="ADAL" clId="{D38D4B8B-445C-754F-A08B-CFCB37CCC2E2}" dt="2023-03-14T23:41:04.118" v="4397" actId="14100"/>
-          <ac:spMkLst>
-            <pc:docMk/>
-            <pc:sldMk cId="2903075094" sldId="10558"/>
-            <ac:spMk id="13" creationId="{5732D903-9239-BAAE-756E-28573EF086BB}"/>
-          </ac:spMkLst>
-        </pc:spChg>
-        <pc:spChg chg="mod">
-          <ac:chgData name="Hasselwander Daniel" userId="c52ad4b4-8117-4235-b9f1-fab9bcac5934" providerId="ADAL" clId="{D38D4B8B-445C-754F-A08B-CFCB37CCC2E2}" dt="2023-03-14T23:34:35.944" v="4266" actId="20577"/>
-          <ac:spMkLst>
-            <pc:docMk/>
-            <pc:sldMk cId="2903075094" sldId="10558"/>
-            <ac:spMk id="15" creationId="{1BD9B7C1-5860-C447-7FC6-D510200F75A2}"/>
-          </ac:spMkLst>
-        </pc:spChg>
-        <pc:spChg chg="add del mod">
-          <ac:chgData name="Hasselwander Daniel" userId="c52ad4b4-8117-4235-b9f1-fab9bcac5934" providerId="ADAL" clId="{D38D4B8B-445C-754F-A08B-CFCB37CCC2E2}" dt="2023-03-14T23:42:04.361" v="4468" actId="478"/>
-          <ac:spMkLst>
-            <pc:docMk/>
-            <pc:sldMk cId="2903075094" sldId="10558"/>
-            <ac:spMk id="23" creationId="{513520EB-F103-C0F3-E1A8-2CA6895FAE2C}"/>
-          </ac:spMkLst>
-        </pc:spChg>
-        <pc:spChg chg="mod">
-          <ac:chgData name="Hasselwander Daniel" userId="c52ad4b4-8117-4235-b9f1-fab9bcac5934" providerId="ADAL" clId="{D38D4B8B-445C-754F-A08B-CFCB37CCC2E2}" dt="2023-03-14T23:41:27.503" v="4457" actId="14100"/>
-          <ac:spMkLst>
-            <pc:docMk/>
-            <pc:sldMk cId="2903075094" sldId="10558"/>
-            <ac:spMk id="25" creationId="{D9E47D63-462E-878B-6B6D-7809AC703CC7}"/>
-          </ac:spMkLst>
-        </pc:spChg>
-        <pc:grpChg chg="add del mod">
-          <ac:chgData name="Hasselwander Daniel" userId="c52ad4b4-8117-4235-b9f1-fab9bcac5934" providerId="ADAL" clId="{D38D4B8B-445C-754F-A08B-CFCB37CCC2E2}" dt="2023-03-14T23:40:26.370" v="4363" actId="14100"/>
-          <ac:grpSpMkLst>
-            <pc:docMk/>
-            <pc:sldMk cId="2903075094" sldId="10558"/>
-            <ac:grpSpMk id="9" creationId="{9B753660-4764-2D78-1641-7FBE609CF701}"/>
-          </ac:grpSpMkLst>
-        </pc:grpChg>
-        <pc:grpChg chg="mod">
-          <ac:chgData name="Hasselwander Daniel" userId="c52ad4b4-8117-4235-b9f1-fab9bcac5934" providerId="ADAL" clId="{D38D4B8B-445C-754F-A08B-CFCB37CCC2E2}" dt="2023-03-14T23:40:53.644" v="4381" actId="14100"/>
-          <ac:grpSpMkLst>
-            <pc:docMk/>
-            <pc:sldMk cId="2903075094" sldId="10558"/>
-            <ac:grpSpMk id="27" creationId="{63533D81-F19A-73A2-CF76-6519662216D5}"/>
-          </ac:grpSpMkLst>
-        </pc:grpChg>
-        <pc:picChg chg="add del mod topLvl">
-          <ac:chgData name="Hasselwander Daniel" userId="c52ad4b4-8117-4235-b9f1-fab9bcac5934" providerId="ADAL" clId="{D38D4B8B-445C-754F-A08B-CFCB37CCC2E2}" dt="2023-03-14T23:40:59.448" v="4396" actId="1035"/>
-          <ac:picMkLst>
-            <pc:docMk/>
-            <pc:sldMk cId="2903075094" sldId="10558"/>
-            <ac:picMk id="7" creationId="{6EE2ABEB-FB4C-9202-13A6-444EC68C8F73}"/>
-          </ac:picMkLst>
-        </pc:picChg>
-        <pc:picChg chg="add mod">
-          <ac:chgData name="Hasselwander Daniel" userId="c52ad4b4-8117-4235-b9f1-fab9bcac5934" providerId="ADAL" clId="{D38D4B8B-445C-754F-A08B-CFCB37CCC2E2}" dt="2023-03-14T23:41:20.633" v="4456" actId="1035"/>
-          <ac:picMkLst>
-            <pc:docMk/>
-            <pc:sldMk cId="2903075094" sldId="10558"/>
-            <ac:picMk id="8" creationId="{C5F2824F-2824-A449-812C-BA506124C6A5}"/>
-          </ac:picMkLst>
-        </pc:picChg>
-        <pc:picChg chg="mod">
-          <ac:chgData name="Hasselwander Daniel" userId="c52ad4b4-8117-4235-b9f1-fab9bcac5934" providerId="ADAL" clId="{D38D4B8B-445C-754F-A08B-CFCB37CCC2E2}" dt="2023-03-14T23:40:44.519" v="4379" actId="1035"/>
-          <ac:picMkLst>
-            <pc:docMk/>
-            <pc:sldMk cId="2903075094" sldId="10558"/>
-            <ac:picMk id="10" creationId="{5144DC88-9037-6F92-AF60-94FF0F31E153}"/>
-          </ac:picMkLst>
-        </pc:picChg>
-        <pc:picChg chg="mod">
-          <ac:chgData name="Hasselwander Daniel" userId="c52ad4b4-8117-4235-b9f1-fab9bcac5934" providerId="ADAL" clId="{D38D4B8B-445C-754F-A08B-CFCB37CCC2E2}" dt="2023-03-14T23:40:44.519" v="4379" actId="1035"/>
-          <ac:picMkLst>
-            <pc:docMk/>
-            <pc:sldMk cId="2903075094" sldId="10558"/>
-            <ac:picMk id="11" creationId="{043322B8-46F7-D641-A6F1-EBBB7D974236}"/>
-          </ac:picMkLst>
-        </pc:picChg>
-        <pc:picChg chg="add mod">
-          <ac:chgData name="Hasselwander Daniel" userId="c52ad4b4-8117-4235-b9f1-fab9bcac5934" providerId="ADAL" clId="{D38D4B8B-445C-754F-A08B-CFCB37CCC2E2}" dt="2023-03-14T23:41:20.633" v="4456" actId="1035"/>
-          <ac:picMkLst>
-            <pc:docMk/>
-            <pc:sldMk cId="2903075094" sldId="10558"/>
-            <ac:picMk id="12" creationId="{28D1AE66-C189-ECAA-A581-6FE70CA61743}"/>
-          </ac:picMkLst>
-        </pc:picChg>
-        <pc:picChg chg="mod">
-          <ac:chgData name="Hasselwander Daniel" userId="c52ad4b4-8117-4235-b9f1-fab9bcac5934" providerId="ADAL" clId="{D38D4B8B-445C-754F-A08B-CFCB37CCC2E2}" dt="2023-03-14T23:40:44.519" v="4379" actId="1035"/>
-          <ac:picMkLst>
-            <pc:docMk/>
-            <pc:sldMk cId="2903075094" sldId="10558"/>
-            <ac:picMk id="14" creationId="{DC2D6182-0B50-01F6-27C0-10706372A9EC}"/>
-          </ac:picMkLst>
-        </pc:picChg>
-        <pc:picChg chg="add mod">
-          <ac:chgData name="Hasselwander Daniel" userId="c52ad4b4-8117-4235-b9f1-fab9bcac5934" providerId="ADAL" clId="{D38D4B8B-445C-754F-A08B-CFCB37CCC2E2}" dt="2023-03-14T23:41:20.633" v="4456" actId="1035"/>
-          <ac:picMkLst>
-            <pc:docMk/>
-            <pc:sldMk cId="2903075094" sldId="10558"/>
-            <ac:picMk id="16" creationId="{D9ACB206-AC20-D880-C97A-8E5F0DB7ABC9}"/>
-          </ac:picMkLst>
-        </pc:picChg>
-        <pc:picChg chg="add mod">
-          <ac:chgData name="Hasselwander Daniel" userId="c52ad4b4-8117-4235-b9f1-fab9bcac5934" providerId="ADAL" clId="{D38D4B8B-445C-754F-A08B-CFCB37CCC2E2}" dt="2023-03-14T23:41:20.633" v="4456" actId="1035"/>
-          <ac:picMkLst>
-            <pc:docMk/>
-            <pc:sldMk cId="2903075094" sldId="10558"/>
-            <ac:picMk id="17" creationId="{72665E90-FED2-2AC6-1487-A423E330DA4A}"/>
-          </ac:picMkLst>
-        </pc:picChg>
-        <pc:picChg chg="add mod">
-          <ac:chgData name="Hasselwander Daniel" userId="c52ad4b4-8117-4235-b9f1-fab9bcac5934" providerId="ADAL" clId="{D38D4B8B-445C-754F-A08B-CFCB37CCC2E2}" dt="2023-03-14T23:41:20.633" v="4456" actId="1035"/>
-          <ac:picMkLst>
-            <pc:docMk/>
-            <pc:sldMk cId="2903075094" sldId="10558"/>
-            <ac:picMk id="18" creationId="{48DD55BF-DD0D-B662-963A-94117C780429}"/>
-          </ac:picMkLst>
-        </pc:picChg>
-        <pc:picChg chg="mod">
-          <ac:chgData name="Hasselwander Daniel" userId="c52ad4b4-8117-4235-b9f1-fab9bcac5934" providerId="ADAL" clId="{D38D4B8B-445C-754F-A08B-CFCB37CCC2E2}" dt="2023-03-14T23:40:44.519" v="4379" actId="1035"/>
-          <ac:picMkLst>
-            <pc:docMk/>
-            <pc:sldMk cId="2903075094" sldId="10558"/>
-            <ac:picMk id="19" creationId="{E04F4936-F10C-9D0E-4A49-5411B665211A}"/>
-          </ac:picMkLst>
-        </pc:picChg>
-        <pc:picChg chg="mod">
-          <ac:chgData name="Hasselwander Daniel" userId="c52ad4b4-8117-4235-b9f1-fab9bcac5934" providerId="ADAL" clId="{D38D4B8B-445C-754F-A08B-CFCB37CCC2E2}" dt="2023-03-14T23:40:44.519" v="4379" actId="1035"/>
-          <ac:picMkLst>
-            <pc:docMk/>
-            <pc:sldMk cId="2903075094" sldId="10558"/>
-            <ac:picMk id="20" creationId="{C42F8841-778F-816A-CD80-73E02CFBD009}"/>
-          </ac:picMkLst>
-        </pc:picChg>
-        <pc:picChg chg="mod">
-          <ac:chgData name="Hasselwander Daniel" userId="c52ad4b4-8117-4235-b9f1-fab9bcac5934" providerId="ADAL" clId="{D38D4B8B-445C-754F-A08B-CFCB37CCC2E2}" dt="2023-03-14T23:40:44.519" v="4379" actId="1035"/>
-          <ac:picMkLst>
-            <pc:docMk/>
-            <pc:sldMk cId="2903075094" sldId="10558"/>
-            <ac:picMk id="21" creationId="{91B460F7-C326-506E-46CB-CD0A1A4A6052}"/>
-          </ac:picMkLst>
-        </pc:picChg>
-        <pc:picChg chg="add mod">
-          <ac:chgData name="Hasselwander Daniel" userId="c52ad4b4-8117-4235-b9f1-fab9bcac5934" providerId="ADAL" clId="{D38D4B8B-445C-754F-A08B-CFCB37CCC2E2}" dt="2023-03-14T23:41:20.633" v="4456" actId="1035"/>
-          <ac:picMkLst>
-            <pc:docMk/>
-            <pc:sldMk cId="2903075094" sldId="10558"/>
-            <ac:picMk id="22" creationId="{D3662A50-6AA1-75B2-F01E-045E12A96CCF}"/>
-          </ac:picMkLst>
-        </pc:picChg>
-      </pc:sldChg>
-      <pc:sldChg chg="add del">
-        <pc:chgData name="Hasselwander Daniel" userId="c52ad4b4-8117-4235-b9f1-fab9bcac5934" providerId="ADAL" clId="{D38D4B8B-445C-754F-A08B-CFCB37CCC2E2}" dt="2023-03-14T23:08:36.867" v="3496" actId="2696"/>
-        <pc:sldMkLst>
-          <pc:docMk/>
-          <pc:sldMk cId="1315065310" sldId="10559"/>
-        </pc:sldMkLst>
-      </pc:sldChg>
-      <pc:sldChg chg="add del">
-        <pc:chgData name="Hasselwander Daniel" userId="c52ad4b4-8117-4235-b9f1-fab9bcac5934" providerId="ADAL" clId="{D38D4B8B-445C-754F-A08B-CFCB37CCC2E2}" dt="2023-03-15T00:00:36.406" v="4838" actId="2696"/>
-        <pc:sldMkLst>
-          <pc:docMk/>
-          <pc:sldMk cId="3069852873" sldId="10559"/>
-        </pc:sldMkLst>
-      </pc:sldChg>
-      <pc:sldChg chg="add del">
-        <pc:chgData name="Hasselwander Daniel" userId="c52ad4b4-8117-4235-b9f1-fab9bcac5934" providerId="ADAL" clId="{D38D4B8B-445C-754F-A08B-CFCB37CCC2E2}" dt="2023-03-14T23:08:50.535" v="3512" actId="2696"/>
-        <pc:sldMkLst>
-          <pc:docMk/>
-          <pc:sldMk cId="3309130154" sldId="10559"/>
-        </pc:sldMkLst>
-      </pc:sldChg>
-      <pc:sldChg chg="addSp delSp modSp add mod modNotesTx">
-        <pc:chgData name="Hasselwander Daniel" userId="c52ad4b4-8117-4235-b9f1-fab9bcac5934" providerId="ADAL" clId="{D38D4B8B-445C-754F-A08B-CFCB37CCC2E2}" dt="2023-03-15T01:38:47.318" v="5825" actId="1076"/>
-        <pc:sldMkLst>
-          <pc:docMk/>
-          <pc:sldMk cId="3120055742" sldId="10560"/>
-        </pc:sldMkLst>
-        <pc:spChg chg="add mod">
-          <ac:chgData name="Hasselwander Daniel" userId="c52ad4b4-8117-4235-b9f1-fab9bcac5934" providerId="ADAL" clId="{D38D4B8B-445C-754F-A08B-CFCB37CCC2E2}" dt="2023-03-14T23:51:05.305" v="4603" actId="1076"/>
-          <ac:spMkLst>
-            <pc:docMk/>
-            <pc:sldMk cId="3120055742" sldId="10560"/>
-            <ac:spMk id="3" creationId="{B738DDB0-F9C5-B767-39AF-A191A57642E0}"/>
-          </ac:spMkLst>
-        </pc:spChg>
-        <pc:spChg chg="mod">
-          <ac:chgData name="Hasselwander Daniel" userId="c52ad4b4-8117-4235-b9f1-fab9bcac5934" providerId="ADAL" clId="{D38D4B8B-445C-754F-A08B-CFCB37CCC2E2}" dt="2023-03-14T23:56:31.917" v="4736" actId="1076"/>
-          <ac:spMkLst>
-            <pc:docMk/>
-            <pc:sldMk cId="3120055742" sldId="10560"/>
-            <ac:spMk id="4" creationId="{5AC1C1A7-D90E-01D1-7BB4-9F926415A9CB}"/>
-          </ac:spMkLst>
-        </pc:spChg>
-        <pc:spChg chg="add mod">
-          <ac:chgData name="Hasselwander Daniel" userId="c52ad4b4-8117-4235-b9f1-fab9bcac5934" providerId="ADAL" clId="{D38D4B8B-445C-754F-A08B-CFCB37CCC2E2}" dt="2023-03-15T00:00:29.373" v="4837" actId="1038"/>
-          <ac:spMkLst>
-            <pc:docMk/>
-            <pc:sldMk cId="3120055742" sldId="10560"/>
-            <ac:spMk id="5" creationId="{38773551-C4B9-8501-5E92-22B24FD3EC98}"/>
-          </ac:spMkLst>
-        </pc:spChg>
-        <pc:spChg chg="del mod topLvl">
-          <ac:chgData name="Hasselwander Daniel" userId="c52ad4b4-8117-4235-b9f1-fab9bcac5934" providerId="ADAL" clId="{D38D4B8B-445C-754F-A08B-CFCB37CCC2E2}" dt="2023-03-14T23:53:53.024" v="4663" actId="478"/>
-          <ac:spMkLst>
-            <pc:docMk/>
-            <pc:sldMk cId="3120055742" sldId="10560"/>
-            <ac:spMk id="6" creationId="{06CBD43E-EF12-6B11-306B-329A845A4912}"/>
-          </ac:spMkLst>
-        </pc:spChg>
-        <pc:spChg chg="add mod">
-          <ac:chgData name="Hasselwander Daniel" userId="c52ad4b4-8117-4235-b9f1-fab9bcac5934" providerId="ADAL" clId="{D38D4B8B-445C-754F-A08B-CFCB37CCC2E2}" dt="2023-03-15T01:25:02.294" v="5506" actId="14100"/>
-          <ac:spMkLst>
-            <pc:docMk/>
-            <pc:sldMk cId="3120055742" sldId="10560"/>
-            <ac:spMk id="6" creationId="{4ADC4EF0-E08D-EDB4-822C-31510FE01C55}"/>
-          </ac:spMkLst>
-        </pc:spChg>
-        <pc:spChg chg="add del mod">
-          <ac:chgData name="Hasselwander Daniel" userId="c52ad4b4-8117-4235-b9f1-fab9bcac5934" providerId="ADAL" clId="{D38D4B8B-445C-754F-A08B-CFCB37CCC2E2}" dt="2023-03-15T01:38:40.025" v="5823" actId="478"/>
-          <ac:spMkLst>
-            <pc:docMk/>
-            <pc:sldMk cId="3120055742" sldId="10560"/>
-            <ac:spMk id="7" creationId="{0EA6A17D-C8EC-ECDA-4B26-33F1A4C0F467}"/>
-          </ac:spMkLst>
-        </pc:spChg>
-        <pc:spChg chg="add mod">
-          <ac:chgData name="Hasselwander Daniel" userId="c52ad4b4-8117-4235-b9f1-fab9bcac5934" providerId="ADAL" clId="{D38D4B8B-445C-754F-A08B-CFCB37CCC2E2}" dt="2023-03-15T01:38:47.318" v="5825" actId="1076"/>
-          <ac:spMkLst>
-            <pc:docMk/>
-            <pc:sldMk cId="3120055742" sldId="10560"/>
-            <ac:spMk id="8" creationId="{FA488A4B-89C3-E0DF-8472-5E86F429219C}"/>
-          </ac:spMkLst>
-        </pc:spChg>
-        <pc:spChg chg="del mod">
-          <ac:chgData name="Hasselwander Daniel" userId="c52ad4b4-8117-4235-b9f1-fab9bcac5934" providerId="ADAL" clId="{D38D4B8B-445C-754F-A08B-CFCB37CCC2E2}" dt="2023-03-14T23:55:25.850" v="4696" actId="478"/>
-          <ac:spMkLst>
-            <pc:docMk/>
-            <pc:sldMk cId="3120055742" sldId="10560"/>
-            <ac:spMk id="13" creationId="{5732D903-9239-BAAE-756E-28573EF086BB}"/>
-          </ac:spMkLst>
-        </pc:spChg>
-        <pc:spChg chg="mod">
-          <ac:chgData name="Hasselwander Daniel" userId="c52ad4b4-8117-4235-b9f1-fab9bcac5934" providerId="ADAL" clId="{D38D4B8B-445C-754F-A08B-CFCB37CCC2E2}" dt="2023-03-14T23:50:42.977" v="4598" actId="20577"/>
-          <ac:spMkLst>
-            <pc:docMk/>
-            <pc:sldMk cId="3120055742" sldId="10560"/>
-            <ac:spMk id="15" creationId="{1BD9B7C1-5860-C447-7FC6-D510200F75A2}"/>
-          </ac:spMkLst>
-        </pc:spChg>
-        <pc:spChg chg="add del mod">
-          <ac:chgData name="Hasselwander Daniel" userId="c52ad4b4-8117-4235-b9f1-fab9bcac5934" providerId="ADAL" clId="{D38D4B8B-445C-754F-A08B-CFCB37CCC2E2}" dt="2023-03-14T23:52:55.864" v="4643" actId="478"/>
-          <ac:spMkLst>
-            <pc:docMk/>
-            <pc:sldMk cId="3120055742" sldId="10560"/>
-            <ac:spMk id="24" creationId="{5873BCEE-EFB2-2B6F-93C4-26117739CEB8}"/>
-          </ac:spMkLst>
-        </pc:spChg>
-        <pc:spChg chg="add del mod">
-          <ac:chgData name="Hasselwander Daniel" userId="c52ad4b4-8117-4235-b9f1-fab9bcac5934" providerId="ADAL" clId="{D38D4B8B-445C-754F-A08B-CFCB37CCC2E2}" dt="2023-03-14T23:55:42.530" v="4698" actId="14100"/>
-          <ac:spMkLst>
-            <pc:docMk/>
-            <pc:sldMk cId="3120055742" sldId="10560"/>
-            <ac:spMk id="25" creationId="{D9E47D63-462E-878B-6B6D-7809AC703CC7}"/>
-          </ac:spMkLst>
-        </pc:spChg>
-        <pc:spChg chg="add mod">
-          <ac:chgData name="Hasselwander Daniel" userId="c52ad4b4-8117-4235-b9f1-fab9bcac5934" providerId="ADAL" clId="{D38D4B8B-445C-754F-A08B-CFCB37CCC2E2}" dt="2023-03-15T00:00:27.889" v="4833" actId="1038"/>
-          <ac:spMkLst>
-            <pc:docMk/>
-            <pc:sldMk cId="3120055742" sldId="10560"/>
-            <ac:spMk id="33" creationId="{A6469D15-D0E0-CC8D-963A-72E84396E95E}"/>
-          </ac:spMkLst>
-        </pc:spChg>
-        <pc:spChg chg="add mod">
-          <ac:chgData name="Hasselwander Daniel" userId="c52ad4b4-8117-4235-b9f1-fab9bcac5934" providerId="ADAL" clId="{D38D4B8B-445C-754F-A08B-CFCB37CCC2E2}" dt="2023-03-15T01:24:37.685" v="5484" actId="207"/>
-          <ac:spMkLst>
-            <pc:docMk/>
-            <pc:sldMk cId="3120055742" sldId="10560"/>
-            <ac:spMk id="34" creationId="{5B561C73-7460-F9D1-F1EF-E774F6E19414}"/>
-          </ac:spMkLst>
-        </pc:spChg>
-        <pc:spChg chg="add mod">
-          <ac:chgData name="Hasselwander Daniel" userId="c52ad4b4-8117-4235-b9f1-fab9bcac5934" providerId="ADAL" clId="{D38D4B8B-445C-754F-A08B-CFCB37CCC2E2}" dt="2023-03-15T01:25:34.186" v="5513" actId="20577"/>
-          <ac:spMkLst>
-            <pc:docMk/>
-            <pc:sldMk cId="3120055742" sldId="10560"/>
-            <ac:spMk id="35" creationId="{B9113FCD-F338-64EC-DB8D-E40CE0C13D0B}"/>
-          </ac:spMkLst>
-        </pc:spChg>
-        <pc:grpChg chg="del mod">
-          <ac:chgData name="Hasselwander Daniel" userId="c52ad4b4-8117-4235-b9f1-fab9bcac5934" providerId="ADAL" clId="{D38D4B8B-445C-754F-A08B-CFCB37CCC2E2}" dt="2023-03-14T23:53:38.659" v="4648" actId="478"/>
-          <ac:grpSpMkLst>
-            <pc:docMk/>
-            <pc:sldMk cId="3120055742" sldId="10560"/>
-            <ac:grpSpMk id="9" creationId="{9B753660-4764-2D78-1641-7FBE609CF701}"/>
-          </ac:grpSpMkLst>
-        </pc:grpChg>
-        <pc:grpChg chg="del">
-          <ac:chgData name="Hasselwander Daniel" userId="c52ad4b4-8117-4235-b9f1-fab9bcac5934" providerId="ADAL" clId="{D38D4B8B-445C-754F-A08B-CFCB37CCC2E2}" dt="2023-03-14T23:50:50.760" v="4599" actId="478"/>
-          <ac:grpSpMkLst>
-            <pc:docMk/>
-            <pc:sldMk cId="3120055742" sldId="10560"/>
-            <ac:grpSpMk id="27" creationId="{63533D81-F19A-73A2-CF76-6519662216D5}"/>
-          </ac:grpSpMkLst>
-        </pc:grpChg>
-        <pc:picChg chg="del topLvl">
-          <ac:chgData name="Hasselwander Daniel" userId="c52ad4b4-8117-4235-b9f1-fab9bcac5934" providerId="ADAL" clId="{D38D4B8B-445C-754F-A08B-CFCB37CCC2E2}" dt="2023-03-14T23:53:38.659" v="4648" actId="478"/>
-          <ac:picMkLst>
-            <pc:docMk/>
-            <pc:sldMk cId="3120055742" sldId="10560"/>
-            <ac:picMk id="7" creationId="{6EE2ABEB-FB4C-9202-13A6-444EC68C8F73}"/>
-          </ac:picMkLst>
-        </pc:picChg>
-        <pc:picChg chg="del">
-          <ac:chgData name="Hasselwander Daniel" userId="c52ad4b4-8117-4235-b9f1-fab9bcac5934" providerId="ADAL" clId="{D38D4B8B-445C-754F-A08B-CFCB37CCC2E2}" dt="2023-03-14T23:51:13.227" v="4614" actId="478"/>
-          <ac:picMkLst>
-            <pc:docMk/>
-            <pc:sldMk cId="3120055742" sldId="10560"/>
-            <ac:picMk id="8" creationId="{C5F2824F-2824-A449-812C-BA506124C6A5}"/>
-          </ac:picMkLst>
-        </pc:picChg>
-        <pc:picChg chg="del">
-          <ac:chgData name="Hasselwander Daniel" userId="c52ad4b4-8117-4235-b9f1-fab9bcac5934" providerId="ADAL" clId="{D38D4B8B-445C-754F-A08B-CFCB37CCC2E2}" dt="2023-03-14T23:51:14.930" v="4615" actId="478"/>
-          <ac:picMkLst>
-            <pc:docMk/>
-            <pc:sldMk cId="3120055742" sldId="10560"/>
-            <ac:picMk id="12" creationId="{28D1AE66-C189-ECAA-A581-6FE70CA61743}"/>
-          </ac:picMkLst>
-        </pc:picChg>
-        <pc:picChg chg="del">
-          <ac:chgData name="Hasselwander Daniel" userId="c52ad4b4-8117-4235-b9f1-fab9bcac5934" providerId="ADAL" clId="{D38D4B8B-445C-754F-A08B-CFCB37CCC2E2}" dt="2023-03-14T23:51:16.501" v="4616" actId="478"/>
-          <ac:picMkLst>
-            <pc:docMk/>
-            <pc:sldMk cId="3120055742" sldId="10560"/>
-            <ac:picMk id="16" creationId="{D9ACB206-AC20-D880-C97A-8E5F0DB7ABC9}"/>
-          </ac:picMkLst>
-        </pc:picChg>
-        <pc:picChg chg="del">
-          <ac:chgData name="Hasselwander Daniel" userId="c52ad4b4-8117-4235-b9f1-fab9bcac5934" providerId="ADAL" clId="{D38D4B8B-445C-754F-A08B-CFCB37CCC2E2}" dt="2023-03-14T23:51:16.986" v="4617" actId="478"/>
-          <ac:picMkLst>
-            <pc:docMk/>
-            <pc:sldMk cId="3120055742" sldId="10560"/>
-            <ac:picMk id="17" creationId="{72665E90-FED2-2AC6-1487-A423E330DA4A}"/>
-          </ac:picMkLst>
-        </pc:picChg>
-        <pc:picChg chg="del">
-          <ac:chgData name="Hasselwander Daniel" userId="c52ad4b4-8117-4235-b9f1-fab9bcac5934" providerId="ADAL" clId="{D38D4B8B-445C-754F-A08B-CFCB37CCC2E2}" dt="2023-03-14T23:51:17.781" v="4618" actId="478"/>
-          <ac:picMkLst>
-            <pc:docMk/>
-            <pc:sldMk cId="3120055742" sldId="10560"/>
-            <ac:picMk id="18" creationId="{48DD55BF-DD0D-B662-963A-94117C780429}"/>
-          </ac:picMkLst>
-        </pc:picChg>
-        <pc:picChg chg="del">
-          <ac:chgData name="Hasselwander Daniel" userId="c52ad4b4-8117-4235-b9f1-fab9bcac5934" providerId="ADAL" clId="{D38D4B8B-445C-754F-A08B-CFCB37CCC2E2}" dt="2023-03-14T23:51:18.114" v="4619" actId="478"/>
-          <ac:picMkLst>
-            <pc:docMk/>
-            <pc:sldMk cId="3120055742" sldId="10560"/>
-            <ac:picMk id="22" creationId="{D3662A50-6AA1-75B2-F01E-045E12A96CCF}"/>
-          </ac:picMkLst>
-        </pc:picChg>
-        <pc:picChg chg="add mod">
-          <ac:chgData name="Hasselwander Daniel" userId="c52ad4b4-8117-4235-b9f1-fab9bcac5934" providerId="ADAL" clId="{D38D4B8B-445C-754F-A08B-CFCB37CCC2E2}" dt="2023-03-14T23:53:26.438" v="4647" actId="1076"/>
-          <ac:picMkLst>
-            <pc:docMk/>
-            <pc:sldMk cId="3120055742" sldId="10560"/>
-            <ac:picMk id="23" creationId="{311EDA72-97BC-FD2B-64E4-DCB16B3B7F57}"/>
-          </ac:picMkLst>
-        </pc:picChg>
-        <pc:picChg chg="add mod">
-          <ac:chgData name="Hasselwander Daniel" userId="c52ad4b4-8117-4235-b9f1-fab9bcac5934" providerId="ADAL" clId="{D38D4B8B-445C-754F-A08B-CFCB37CCC2E2}" dt="2023-03-14T23:53:26.438" v="4647" actId="1076"/>
-          <ac:picMkLst>
-            <pc:docMk/>
-            <pc:sldMk cId="3120055742" sldId="10560"/>
-            <ac:picMk id="28" creationId="{82C7379A-8DDE-6980-737C-8F73C787F166}"/>
-          </ac:picMkLst>
-        </pc:picChg>
-        <pc:picChg chg="add mod">
-          <ac:chgData name="Hasselwander Daniel" userId="c52ad4b4-8117-4235-b9f1-fab9bcac5934" providerId="ADAL" clId="{D38D4B8B-445C-754F-A08B-CFCB37CCC2E2}" dt="2023-03-14T23:53:26.438" v="4647" actId="1076"/>
-          <ac:picMkLst>
-            <pc:docMk/>
-            <pc:sldMk cId="3120055742" sldId="10560"/>
-            <ac:picMk id="29" creationId="{2E3D43E7-A169-8010-217C-51FFA25B9302}"/>
-          </ac:picMkLst>
-        </pc:picChg>
-        <pc:picChg chg="add mod">
-          <ac:chgData name="Hasselwander Daniel" userId="c52ad4b4-8117-4235-b9f1-fab9bcac5934" providerId="ADAL" clId="{D38D4B8B-445C-754F-A08B-CFCB37CCC2E2}" dt="2023-03-14T23:53:26.438" v="4647" actId="1076"/>
-          <ac:picMkLst>
-            <pc:docMk/>
-            <pc:sldMk cId="3120055742" sldId="10560"/>
-            <ac:picMk id="30" creationId="{0B513761-116B-BFC7-4BE9-E5C6D8FDDA30}"/>
-          </ac:picMkLst>
-        </pc:picChg>
-        <pc:picChg chg="add mod">
-          <ac:chgData name="Hasselwander Daniel" userId="c52ad4b4-8117-4235-b9f1-fab9bcac5934" providerId="ADAL" clId="{D38D4B8B-445C-754F-A08B-CFCB37CCC2E2}" dt="2023-03-14T23:53:26.438" v="4647" actId="1076"/>
-          <ac:picMkLst>
-            <pc:docMk/>
-            <pc:sldMk cId="3120055742" sldId="10560"/>
-            <ac:picMk id="31" creationId="{0E4E347A-5866-1831-B1AF-CE4CA9A85FA1}"/>
-          </ac:picMkLst>
-        </pc:picChg>
-        <pc:picChg chg="add mod">
-          <ac:chgData name="Hasselwander Daniel" userId="c52ad4b4-8117-4235-b9f1-fab9bcac5934" providerId="ADAL" clId="{D38D4B8B-445C-754F-A08B-CFCB37CCC2E2}" dt="2023-03-14T23:53:26.438" v="4647" actId="1076"/>
-          <ac:picMkLst>
-            <pc:docMk/>
-            <pc:sldMk cId="3120055742" sldId="10560"/>
-            <ac:picMk id="32" creationId="{F2D738AA-54D3-4326-7BC6-F5E1FF7B32F0}"/>
-          </ac:picMkLst>
-        </pc:picChg>
-      </pc:sldChg>
-      <pc:sldChg chg="add del ord">
-        <pc:chgData name="Hasselwander Daniel" userId="c52ad4b4-8117-4235-b9f1-fab9bcac5934" providerId="ADAL" clId="{D38D4B8B-445C-754F-A08B-CFCB37CCC2E2}" dt="2023-03-14T23:38:47.567" v="4335" actId="2696"/>
-        <pc:sldMkLst>
-          <pc:docMk/>
-          <pc:sldMk cId="65471254" sldId="10561"/>
-        </pc:sldMkLst>
-      </pc:sldChg>
-      <pc:sldChg chg="add del">
-        <pc:chgData name="Hasselwander Daniel" userId="c52ad4b4-8117-4235-b9f1-fab9bcac5934" providerId="ADAL" clId="{D38D4B8B-445C-754F-A08B-CFCB37CCC2E2}" dt="2023-03-14T23:50:36.832" v="4588" actId="2696"/>
-        <pc:sldMkLst>
-          <pc:docMk/>
-          <pc:sldMk cId="813636160" sldId="10561"/>
-        </pc:sldMkLst>
-      </pc:sldChg>
-      <pc:sldChg chg="addSp delSp modSp add mod modNotesTx">
-        <pc:chgData name="Hasselwander Daniel" userId="c52ad4b4-8117-4235-b9f1-fab9bcac5934" providerId="ADAL" clId="{D38D4B8B-445C-754F-A08B-CFCB37CCC2E2}" dt="2023-03-15T00:54:22.290" v="4999" actId="478"/>
-        <pc:sldMkLst>
-          <pc:docMk/>
-          <pc:sldMk cId="3455531629" sldId="10562"/>
-        </pc:sldMkLst>
-        <pc:spChg chg="mod">
-          <ac:chgData name="Hasselwander Daniel" userId="c52ad4b4-8117-4235-b9f1-fab9bcac5934" providerId="ADAL" clId="{D38D4B8B-445C-754F-A08B-CFCB37CCC2E2}" dt="2023-03-14T23:46:24.286" v="4548" actId="1076"/>
-          <ac:spMkLst>
-            <pc:docMk/>
-            <pc:sldMk cId="3455531629" sldId="10562"/>
-            <ac:spMk id="4" creationId="{5AC1C1A7-D90E-01D1-7BB4-9F926415A9CB}"/>
-          </ac:spMkLst>
-        </pc:spChg>
-        <pc:spChg chg="del topLvl">
-          <ac:chgData name="Hasselwander Daniel" userId="c52ad4b4-8117-4235-b9f1-fab9bcac5934" providerId="ADAL" clId="{D38D4B8B-445C-754F-A08B-CFCB37CCC2E2}" dt="2023-03-15T00:54:22.290" v="4999" actId="478"/>
-          <ac:spMkLst>
-            <pc:docMk/>
-            <pc:sldMk cId="3455531629" sldId="10562"/>
-            <ac:spMk id="6" creationId="{06CBD43E-EF12-6B11-306B-329A845A4912}"/>
-          </ac:spMkLst>
-        </pc:spChg>
-        <pc:spChg chg="mod">
-          <ac:chgData name="Hasselwander Daniel" userId="c52ad4b4-8117-4235-b9f1-fab9bcac5934" providerId="ADAL" clId="{D38D4B8B-445C-754F-A08B-CFCB37CCC2E2}" dt="2023-03-14T23:46:31.380" v="4550" actId="1076"/>
-          <ac:spMkLst>
-            <pc:docMk/>
-            <pc:sldMk cId="3455531629" sldId="10562"/>
-            <ac:spMk id="13" creationId="{5732D903-9239-BAAE-756E-28573EF086BB}"/>
-          </ac:spMkLst>
-        </pc:spChg>
-        <pc:spChg chg="add del mod">
-          <ac:chgData name="Hasselwander Daniel" userId="c52ad4b4-8117-4235-b9f1-fab9bcac5934" providerId="ADAL" clId="{D38D4B8B-445C-754F-A08B-CFCB37CCC2E2}" dt="2023-03-14T23:48:03.886" v="4579" actId="478"/>
-          <ac:spMkLst>
-            <pc:docMk/>
-            <pc:sldMk cId="3455531629" sldId="10562"/>
-            <ac:spMk id="23" creationId="{513520EB-F103-C0F3-E1A8-2CA6895FAE2C}"/>
-          </ac:spMkLst>
-        </pc:spChg>
-        <pc:spChg chg="mod">
-          <ac:chgData name="Hasselwander Daniel" userId="c52ad4b4-8117-4235-b9f1-fab9bcac5934" providerId="ADAL" clId="{D38D4B8B-445C-754F-A08B-CFCB37CCC2E2}" dt="2023-03-14T23:46:41.480" v="4553" actId="1076"/>
-          <ac:spMkLst>
-            <pc:docMk/>
-            <pc:sldMk cId="3455531629" sldId="10562"/>
-            <ac:spMk id="24" creationId="{5873BCEE-EFB2-2B6F-93C4-26117739CEB8}"/>
-          </ac:spMkLst>
-        </pc:spChg>
-        <pc:spChg chg="mod">
-          <ac:chgData name="Hasselwander Daniel" userId="c52ad4b4-8117-4235-b9f1-fab9bcac5934" providerId="ADAL" clId="{D38D4B8B-445C-754F-A08B-CFCB37CCC2E2}" dt="2023-03-15T00:54:00.048" v="4996" actId="6549"/>
-          <ac:spMkLst>
-            <pc:docMk/>
-            <pc:sldMk cId="3455531629" sldId="10562"/>
-            <ac:spMk id="25" creationId="{D9E47D63-462E-878B-6B6D-7809AC703CC7}"/>
-          </ac:spMkLst>
-        </pc:spChg>
-        <pc:spChg chg="add del mod">
-          <ac:chgData name="Hasselwander Daniel" userId="c52ad4b4-8117-4235-b9f1-fab9bcac5934" providerId="ADAL" clId="{D38D4B8B-445C-754F-A08B-CFCB37CCC2E2}" dt="2023-03-14T23:45:24.802" v="4499" actId="478"/>
-          <ac:spMkLst>
-            <pc:docMk/>
-            <pc:sldMk cId="3455531629" sldId="10562"/>
-            <ac:spMk id="28" creationId="{F8695951-9A4A-6D19-8004-B2341BAAE07A}"/>
-          </ac:spMkLst>
-        </pc:spChg>
-        <pc:spChg chg="add del mod">
-          <ac:chgData name="Hasselwander Daniel" userId="c52ad4b4-8117-4235-b9f1-fab9bcac5934" providerId="ADAL" clId="{D38D4B8B-445C-754F-A08B-CFCB37CCC2E2}" dt="2023-03-14T23:48:02.400" v="4578" actId="478"/>
-          <ac:spMkLst>
-            <pc:docMk/>
-            <pc:sldMk cId="3455531629" sldId="10562"/>
-            <ac:spMk id="29" creationId="{18A716D3-98F5-E16A-3613-E046C8A5EC33}"/>
-          </ac:spMkLst>
-        </pc:spChg>
-        <pc:grpChg chg="del mod">
-          <ac:chgData name="Hasselwander Daniel" userId="c52ad4b4-8117-4235-b9f1-fab9bcac5934" providerId="ADAL" clId="{D38D4B8B-445C-754F-A08B-CFCB37CCC2E2}" dt="2023-03-15T00:54:20.019" v="4998" actId="478"/>
-          <ac:grpSpMkLst>
-            <pc:docMk/>
-            <pc:sldMk cId="3455531629" sldId="10562"/>
-            <ac:grpSpMk id="9" creationId="{9B753660-4764-2D78-1641-7FBE609CF701}"/>
-          </ac:grpSpMkLst>
-        </pc:grpChg>
-        <pc:picChg chg="del topLvl">
-          <ac:chgData name="Hasselwander Daniel" userId="c52ad4b4-8117-4235-b9f1-fab9bcac5934" providerId="ADAL" clId="{D38D4B8B-445C-754F-A08B-CFCB37CCC2E2}" dt="2023-03-15T00:54:20.019" v="4998" actId="478"/>
-          <ac:picMkLst>
-            <pc:docMk/>
-            <pc:sldMk cId="3455531629" sldId="10562"/>
-            <ac:picMk id="7" creationId="{6EE2ABEB-FB4C-9202-13A6-444EC68C8F73}"/>
-          </ac:picMkLst>
-        </pc:picChg>
-        <pc:picChg chg="del mod">
-          <ac:chgData name="Hasselwander Daniel" userId="c52ad4b4-8117-4235-b9f1-fab9bcac5934" providerId="ADAL" clId="{D38D4B8B-445C-754F-A08B-CFCB37CCC2E2}" dt="2023-03-15T00:53:52.103" v="4992" actId="478"/>
-          <ac:picMkLst>
-            <pc:docMk/>
-            <pc:sldMk cId="3455531629" sldId="10562"/>
-            <ac:picMk id="8" creationId="{C5F2824F-2824-A449-812C-BA506124C6A5}"/>
-          </ac:picMkLst>
-        </pc:picChg>
-        <pc:picChg chg="del mod">
-          <ac:chgData name="Hasselwander Daniel" userId="c52ad4b4-8117-4235-b9f1-fab9bcac5934" providerId="ADAL" clId="{D38D4B8B-445C-754F-A08B-CFCB37CCC2E2}" dt="2023-03-15T00:53:52.103" v="4992" actId="478"/>
-          <ac:picMkLst>
-            <pc:docMk/>
-            <pc:sldMk cId="3455531629" sldId="10562"/>
-            <ac:picMk id="12" creationId="{28D1AE66-C189-ECAA-A581-6FE70CA61743}"/>
-          </ac:picMkLst>
-        </pc:picChg>
-        <pc:picChg chg="del mod">
-          <ac:chgData name="Hasselwander Daniel" userId="c52ad4b4-8117-4235-b9f1-fab9bcac5934" providerId="ADAL" clId="{D38D4B8B-445C-754F-A08B-CFCB37CCC2E2}" dt="2023-03-15T00:53:52.103" v="4992" actId="478"/>
-          <ac:picMkLst>
-            <pc:docMk/>
-            <pc:sldMk cId="3455531629" sldId="10562"/>
-            <ac:picMk id="16" creationId="{D9ACB206-AC20-D880-C97A-8E5F0DB7ABC9}"/>
-          </ac:picMkLst>
-        </pc:picChg>
-        <pc:picChg chg="del mod">
-          <ac:chgData name="Hasselwander Daniel" userId="c52ad4b4-8117-4235-b9f1-fab9bcac5934" providerId="ADAL" clId="{D38D4B8B-445C-754F-A08B-CFCB37CCC2E2}" dt="2023-03-15T00:53:52.103" v="4992" actId="478"/>
-          <ac:picMkLst>
-            <pc:docMk/>
-            <pc:sldMk cId="3455531629" sldId="10562"/>
-            <ac:picMk id="17" creationId="{72665E90-FED2-2AC6-1487-A423E330DA4A}"/>
-          </ac:picMkLst>
-        </pc:picChg>
-        <pc:picChg chg="del mod">
-          <ac:chgData name="Hasselwander Daniel" userId="c52ad4b4-8117-4235-b9f1-fab9bcac5934" providerId="ADAL" clId="{D38D4B8B-445C-754F-A08B-CFCB37CCC2E2}" dt="2023-03-15T00:53:52.103" v="4992" actId="478"/>
-          <ac:picMkLst>
-            <pc:docMk/>
-            <pc:sldMk cId="3455531629" sldId="10562"/>
-            <ac:picMk id="18" creationId="{48DD55BF-DD0D-B662-963A-94117C780429}"/>
-          </ac:picMkLst>
-        </pc:picChg>
-        <pc:picChg chg="del mod">
-          <ac:chgData name="Hasselwander Daniel" userId="c52ad4b4-8117-4235-b9f1-fab9bcac5934" providerId="ADAL" clId="{D38D4B8B-445C-754F-A08B-CFCB37CCC2E2}" dt="2023-03-15T00:53:53.977" v="4993" actId="478"/>
-          <ac:picMkLst>
-            <pc:docMk/>
-            <pc:sldMk cId="3455531629" sldId="10562"/>
-            <ac:picMk id="22" creationId="{D3662A50-6AA1-75B2-F01E-045E12A96CCF}"/>
-          </ac:picMkLst>
-        </pc:picChg>
-        <pc:cxnChg chg="add del">
-          <ac:chgData name="Hasselwander Daniel" userId="c52ad4b4-8117-4235-b9f1-fab9bcac5934" providerId="ADAL" clId="{D38D4B8B-445C-754F-A08B-CFCB37CCC2E2}" dt="2023-03-14T23:44:11.189" v="4484" actId="478"/>
-          <ac:cxnSpMkLst>
-            <pc:docMk/>
-            <pc:sldMk cId="3455531629" sldId="10562"/>
-            <ac:cxnSpMk id="5" creationId="{CC513A2E-6A3D-2D6C-6060-051B6099B0D0}"/>
-          </ac:cxnSpMkLst>
-        </pc:cxnChg>
-      </pc:sldChg>
-      <pc:sldChg chg="add del">
-        <pc:chgData name="Hasselwander Daniel" userId="c52ad4b4-8117-4235-b9f1-fab9bcac5934" providerId="ADAL" clId="{D38D4B8B-445C-754F-A08B-CFCB37CCC2E2}" dt="2023-03-14T23:49:12.547" v="4585" actId="2696"/>
-        <pc:sldMkLst>
-          <pc:docMk/>
-          <pc:sldMk cId="1105059018" sldId="10563"/>
-        </pc:sldMkLst>
-      </pc:sldChg>
-      <pc:sldChg chg="addSp delSp modSp add mod modNotesTx">
-        <pc:chgData name="Hasselwander Daniel" userId="c52ad4b4-8117-4235-b9f1-fab9bcac5934" providerId="ADAL" clId="{D38D4B8B-445C-754F-A08B-CFCB37CCC2E2}" dt="2023-03-15T00:54:34.109" v="5007" actId="20577"/>
-        <pc:sldMkLst>
-          <pc:docMk/>
-          <pc:sldMk cId="3829906805" sldId="10564"/>
-        </pc:sldMkLst>
-        <pc:spChg chg="add del">
-          <ac:chgData name="Hasselwander Daniel" userId="c52ad4b4-8117-4235-b9f1-fab9bcac5934" providerId="ADAL" clId="{D38D4B8B-445C-754F-A08B-CFCB37CCC2E2}" dt="2023-03-15T00:53:14.095" v="4980" actId="22"/>
-          <ac:spMkLst>
-            <pc:docMk/>
-            <pc:sldMk cId="3829906805" sldId="10564"/>
-            <ac:spMk id="5" creationId="{B451FA53-F5BA-2081-46C5-45BCF0771E39}"/>
-          </ac:spMkLst>
-        </pc:spChg>
-        <pc:spChg chg="del">
-          <ac:chgData name="Hasselwander Daniel" userId="c52ad4b4-8117-4235-b9f1-fab9bcac5934" providerId="ADAL" clId="{D38D4B8B-445C-754F-A08B-CFCB37CCC2E2}" dt="2023-03-15T00:54:26.317" v="5000" actId="478"/>
-          <ac:spMkLst>
-            <pc:docMk/>
-            <pc:sldMk cId="3829906805" sldId="10564"/>
-            <ac:spMk id="23" creationId="{513520EB-F103-C0F3-E1A8-2CA6895FAE2C}"/>
-          </ac:spMkLst>
-        </pc:spChg>
-        <pc:spChg chg="mod">
-          <ac:chgData name="Hasselwander Daniel" userId="c52ad4b4-8117-4235-b9f1-fab9bcac5934" providerId="ADAL" clId="{D38D4B8B-445C-754F-A08B-CFCB37CCC2E2}" dt="2023-03-15T00:54:34.109" v="5007" actId="20577"/>
-          <ac:spMkLst>
-            <pc:docMk/>
-            <pc:sldMk cId="3829906805" sldId="10564"/>
-            <ac:spMk id="25" creationId="{D9E47D63-462E-878B-6B6D-7809AC703CC7}"/>
-          </ac:spMkLst>
-        </pc:spChg>
-        <pc:picChg chg="del">
-          <ac:chgData name="Hasselwander Daniel" userId="c52ad4b4-8117-4235-b9f1-fab9bcac5934" providerId="ADAL" clId="{D38D4B8B-445C-754F-A08B-CFCB37CCC2E2}" dt="2023-03-15T00:54:28.085" v="5001" actId="478"/>
-          <ac:picMkLst>
-            <pc:docMk/>
-            <pc:sldMk cId="3829906805" sldId="10564"/>
-            <ac:picMk id="8" creationId="{C5F2824F-2824-A449-812C-BA506124C6A5}"/>
-          </ac:picMkLst>
-        </pc:picChg>
-        <pc:picChg chg="del">
-          <ac:chgData name="Hasselwander Daniel" userId="c52ad4b4-8117-4235-b9f1-fab9bcac5934" providerId="ADAL" clId="{D38D4B8B-445C-754F-A08B-CFCB37CCC2E2}" dt="2023-03-15T00:54:28.934" v="5002" actId="478"/>
-          <ac:picMkLst>
-            <pc:docMk/>
-            <pc:sldMk cId="3829906805" sldId="10564"/>
-            <ac:picMk id="12" creationId="{28D1AE66-C189-ECAA-A581-6FE70CA61743}"/>
-          </ac:picMkLst>
-        </pc:picChg>
-        <pc:picChg chg="del">
-          <ac:chgData name="Hasselwander Daniel" userId="c52ad4b4-8117-4235-b9f1-fab9bcac5934" providerId="ADAL" clId="{D38D4B8B-445C-754F-A08B-CFCB37CCC2E2}" dt="2023-03-15T00:54:29.790" v="5004" actId="478"/>
-          <ac:picMkLst>
-            <pc:docMk/>
-            <pc:sldMk cId="3829906805" sldId="10564"/>
-            <ac:picMk id="16" creationId="{D9ACB206-AC20-D880-C97A-8E5F0DB7ABC9}"/>
-          </ac:picMkLst>
-        </pc:picChg>
-        <pc:picChg chg="del">
-          <ac:chgData name="Hasselwander Daniel" userId="c52ad4b4-8117-4235-b9f1-fab9bcac5934" providerId="ADAL" clId="{D38D4B8B-445C-754F-A08B-CFCB37CCC2E2}" dt="2023-03-15T00:54:29.233" v="5003" actId="478"/>
-          <ac:picMkLst>
-            <pc:docMk/>
-            <pc:sldMk cId="3829906805" sldId="10564"/>
-            <ac:picMk id="17" creationId="{72665E90-FED2-2AC6-1487-A423E330DA4A}"/>
-          </ac:picMkLst>
-        </pc:picChg>
-        <pc:picChg chg="del">
-          <ac:chgData name="Hasselwander Daniel" userId="c52ad4b4-8117-4235-b9f1-fab9bcac5934" providerId="ADAL" clId="{D38D4B8B-445C-754F-A08B-CFCB37CCC2E2}" dt="2023-03-15T00:54:30.541" v="5005" actId="478"/>
-          <ac:picMkLst>
-            <pc:docMk/>
-            <pc:sldMk cId="3829906805" sldId="10564"/>
-            <ac:picMk id="18" creationId="{48DD55BF-DD0D-B662-963A-94117C780429}"/>
-          </ac:picMkLst>
-        </pc:picChg>
-        <pc:picChg chg="del">
-          <ac:chgData name="Hasselwander Daniel" userId="c52ad4b4-8117-4235-b9f1-fab9bcac5934" providerId="ADAL" clId="{D38D4B8B-445C-754F-A08B-CFCB37CCC2E2}" dt="2023-03-15T00:54:31.078" v="5006" actId="478"/>
-          <ac:picMkLst>
-            <pc:docMk/>
-            <pc:sldMk cId="3829906805" sldId="10564"/>
-            <ac:picMk id="22" creationId="{D3662A50-6AA1-75B2-F01E-045E12A96CCF}"/>
-          </ac:picMkLst>
-        </pc:picChg>
-      </pc:sldChg>
-      <pc:sldChg chg="modSp add mod">
-        <pc:chgData name="Hasselwander Daniel" userId="c52ad4b4-8117-4235-b9f1-fab9bcac5934" providerId="ADAL" clId="{D38D4B8B-445C-754F-A08B-CFCB37CCC2E2}" dt="2023-03-14T23:59:53.441" v="4829" actId="20577"/>
-        <pc:sldMkLst>
-          <pc:docMk/>
-          <pc:sldMk cId="634954430" sldId="10565"/>
-        </pc:sldMkLst>
-        <pc:spChg chg="mod">
-          <ac:chgData name="Hasselwander Daniel" userId="c52ad4b4-8117-4235-b9f1-fab9bcac5934" providerId="ADAL" clId="{D38D4B8B-445C-754F-A08B-CFCB37CCC2E2}" dt="2023-03-14T23:48:22.731" v="4584" actId="20577"/>
-          <ac:spMkLst>
-            <pc:docMk/>
-            <pc:sldMk cId="634954430" sldId="10565"/>
-            <ac:spMk id="13" creationId="{5732D903-9239-BAAE-756E-28573EF086BB}"/>
-          </ac:spMkLst>
-        </pc:spChg>
-        <pc:spChg chg="mod">
-          <ac:chgData name="Hasselwander Daniel" userId="c52ad4b4-8117-4235-b9f1-fab9bcac5934" providerId="ADAL" clId="{D38D4B8B-445C-754F-A08B-CFCB37CCC2E2}" dt="2023-03-14T23:49:16.943" v="4587" actId="20577"/>
-          <ac:spMkLst>
-            <pc:docMk/>
-            <pc:sldMk cId="634954430" sldId="10565"/>
-            <ac:spMk id="15" creationId="{1BD9B7C1-5860-C447-7FC6-D510200F75A2}"/>
-          </ac:spMkLst>
-        </pc:spChg>
-        <pc:spChg chg="mod">
-          <ac:chgData name="Hasselwander Daniel" userId="c52ad4b4-8117-4235-b9f1-fab9bcac5934" providerId="ADAL" clId="{D38D4B8B-445C-754F-A08B-CFCB37CCC2E2}" dt="2023-03-14T23:59:53.441" v="4829" actId="20577"/>
-          <ac:spMkLst>
-            <pc:docMk/>
-            <pc:sldMk cId="634954430" sldId="10565"/>
-            <ac:spMk id="29" creationId="{11173C7D-821B-313F-DA53-6779D5BC5D28}"/>
-          </ac:spMkLst>
-        </pc:spChg>
-      </pc:sldChg>
-      <pc:sldChg chg="addSp modSp add mod">
-        <pc:chgData name="Hasselwander Daniel" userId="c52ad4b4-8117-4235-b9f1-fab9bcac5934" providerId="ADAL" clId="{D38D4B8B-445C-754F-A08B-CFCB37CCC2E2}" dt="2023-03-15T01:35:27.061" v="5717" actId="1076"/>
-        <pc:sldMkLst>
-          <pc:docMk/>
-          <pc:sldMk cId="722920419" sldId="10566"/>
-        </pc:sldMkLst>
-        <pc:spChg chg="add mod">
-          <ac:chgData name="Hasselwander Daniel" userId="c52ad4b4-8117-4235-b9f1-fab9bcac5934" providerId="ADAL" clId="{D38D4B8B-445C-754F-A08B-CFCB37CCC2E2}" dt="2023-03-15T01:35:19.811" v="5715" actId="1076"/>
-          <ac:spMkLst>
-            <pc:docMk/>
-            <pc:sldMk cId="722920419" sldId="10566"/>
-            <ac:spMk id="3" creationId="{81682AF2-248E-BACC-D7E9-E9B03274A0D7}"/>
-          </ac:spMkLst>
-        </pc:spChg>
-        <pc:spChg chg="add mod">
-          <ac:chgData name="Hasselwander Daniel" userId="c52ad4b4-8117-4235-b9f1-fab9bcac5934" providerId="ADAL" clId="{D38D4B8B-445C-754F-A08B-CFCB37CCC2E2}" dt="2023-03-15T01:35:27.061" v="5717" actId="1076"/>
-          <ac:spMkLst>
-            <pc:docMk/>
-            <pc:sldMk cId="722920419" sldId="10566"/>
-            <ac:spMk id="4" creationId="{19110061-F58F-0866-5C21-22FA7442E899}"/>
-          </ac:spMkLst>
-        </pc:spChg>
-      </pc:sldChg>
-      <pc:sldChg chg="add">
-        <pc:chgData name="Hasselwander Daniel" userId="c52ad4b4-8117-4235-b9f1-fab9bcac5934" providerId="ADAL" clId="{D38D4B8B-445C-754F-A08B-CFCB37CCC2E2}" dt="2023-03-15T00:01:04.511" v="4842"/>
-        <pc:sldMkLst>
-          <pc:docMk/>
-          <pc:sldMk cId="486624425" sldId="10567"/>
-        </pc:sldMkLst>
-      </pc:sldChg>
-      <pc:sldChg chg="modSp add del mod">
-        <pc:chgData name="Hasselwander Daniel" userId="c52ad4b4-8117-4235-b9f1-fab9bcac5934" providerId="ADAL" clId="{D38D4B8B-445C-754F-A08B-CFCB37CCC2E2}" dt="2023-03-15T00:01:41.367" v="4852" actId="2696"/>
-        <pc:sldMkLst>
-          <pc:docMk/>
-          <pc:sldMk cId="1562337545" sldId="10568"/>
-        </pc:sldMkLst>
-        <pc:spChg chg="mod">
-          <ac:chgData name="Hasselwander Daniel" userId="c52ad4b4-8117-4235-b9f1-fab9bcac5934" providerId="ADAL" clId="{D38D4B8B-445C-754F-A08B-CFCB37CCC2E2}" dt="2023-03-15T00:01:34.099" v="4851" actId="20577"/>
-          <ac:spMkLst>
-            <pc:docMk/>
-            <pc:sldMk cId="1562337545" sldId="10568"/>
-            <ac:spMk id="15" creationId="{1BD9B7C1-5860-C447-7FC6-D510200F75A2}"/>
-          </ac:spMkLst>
-        </pc:spChg>
-      </pc:sldChg>
-      <pc:sldChg chg="addSp delSp modSp add del mod">
-        <pc:chgData name="Hasselwander Daniel" userId="c52ad4b4-8117-4235-b9f1-fab9bcac5934" providerId="ADAL" clId="{D38D4B8B-445C-754F-A08B-CFCB37CCC2E2}" dt="2023-03-15T00:29:16.275" v="4952" actId="2696"/>
-        <pc:sldMkLst>
-          <pc:docMk/>
-          <pc:sldMk cId="2761545047" sldId="10568"/>
-        </pc:sldMkLst>
-        <pc:spChg chg="add del mod">
-          <ac:chgData name="Hasselwander Daniel" userId="c52ad4b4-8117-4235-b9f1-fab9bcac5934" providerId="ADAL" clId="{D38D4B8B-445C-754F-A08B-CFCB37CCC2E2}" dt="2023-03-15T00:29:09.290" v="4950" actId="478"/>
-          <ac:spMkLst>
-            <pc:docMk/>
-            <pc:sldMk cId="2761545047" sldId="10568"/>
-            <ac:spMk id="9" creationId="{D34E4A32-78AC-FDEA-742D-5A727060EEF8}"/>
-          </ac:spMkLst>
-        </pc:spChg>
-      </pc:sldChg>
-      <pc:sldChg chg="delSp modSp add mod ord">
-        <pc:chgData name="Hasselwander Daniel" userId="c52ad4b4-8117-4235-b9f1-fab9bcac5934" providerId="ADAL" clId="{D38D4B8B-445C-754F-A08B-CFCB37CCC2E2}" dt="2023-03-15T02:23:01.436" v="5964" actId="1076"/>
-        <pc:sldMkLst>
-          <pc:docMk/>
-          <pc:sldMk cId="58686688" sldId="10569"/>
-        </pc:sldMkLst>
-        <pc:spChg chg="del mod">
-          <ac:chgData name="Hasselwander Daniel" userId="c52ad4b4-8117-4235-b9f1-fab9bcac5934" providerId="ADAL" clId="{D38D4B8B-445C-754F-A08B-CFCB37CCC2E2}" dt="2023-03-15T02:22:48.870" v="5947" actId="478"/>
-          <ac:spMkLst>
-            <pc:docMk/>
-            <pc:sldMk cId="58686688" sldId="10569"/>
-            <ac:spMk id="13" creationId="{5732D903-9239-BAAE-756E-28573EF086BB}"/>
-          </ac:spMkLst>
-        </pc:spChg>
-        <pc:spChg chg="mod">
-          <ac:chgData name="Hasselwander Daniel" userId="c52ad4b4-8117-4235-b9f1-fab9bcac5934" providerId="ADAL" clId="{D38D4B8B-445C-754F-A08B-CFCB37CCC2E2}" dt="2023-03-15T02:23:01.436" v="5964" actId="1076"/>
-          <ac:spMkLst>
-            <pc:docMk/>
-            <pc:sldMk cId="58686688" sldId="10569"/>
-            <ac:spMk id="15" creationId="{1BD9B7C1-5860-C447-7FC6-D510200F75A2}"/>
-          </ac:spMkLst>
-        </pc:spChg>
-        <pc:spChg chg="del">
-          <ac:chgData name="Hasselwander Daniel" userId="c52ad4b4-8117-4235-b9f1-fab9bcac5934" providerId="ADAL" clId="{D38D4B8B-445C-754F-A08B-CFCB37CCC2E2}" dt="2023-03-15T00:29:17.907" v="4953" actId="478"/>
-          <ac:spMkLst>
-            <pc:docMk/>
-            <pc:sldMk cId="58686688" sldId="10569"/>
-            <ac:spMk id="29" creationId="{11173C7D-821B-313F-DA53-6779D5BC5D28}"/>
-          </ac:spMkLst>
-        </pc:spChg>
-      </pc:sldChg>
-      <pc:sldChg chg="modSp add del mod">
-        <pc:chgData name="Hasselwander Daniel" userId="c52ad4b4-8117-4235-b9f1-fab9bcac5934" providerId="ADAL" clId="{D38D4B8B-445C-754F-A08B-CFCB37CCC2E2}" dt="2023-03-15T00:53:34.809" v="4989" actId="2696"/>
-        <pc:sldMkLst>
-          <pc:docMk/>
-          <pc:sldMk cId="418902253" sldId="10570"/>
-        </pc:sldMkLst>
-        <pc:spChg chg="mod">
-          <ac:chgData name="Hasselwander Daniel" userId="c52ad4b4-8117-4235-b9f1-fab9bcac5934" providerId="ADAL" clId="{D38D4B8B-445C-754F-A08B-CFCB37CCC2E2}" dt="2023-03-15T00:53:30.413" v="4988" actId="20577"/>
-          <ac:spMkLst>
-            <pc:docMk/>
-            <pc:sldMk cId="418902253" sldId="10570"/>
-            <ac:spMk id="15" creationId="{1BD9B7C1-5860-C447-7FC6-D510200F75A2}"/>
-          </ac:spMkLst>
-        </pc:spChg>
-      </pc:sldChg>
-      <pc:sldChg chg="add">
-        <pc:chgData name="Hasselwander Daniel" userId="c52ad4b4-8117-4235-b9f1-fab9bcac5934" providerId="ADAL" clId="{D38D4B8B-445C-754F-A08B-CFCB37CCC2E2}" dt="2023-03-15T00:54:12.179" v="4997"/>
-        <pc:sldMkLst>
-          <pc:docMk/>
-          <pc:sldMk cId="2249409234" sldId="10570"/>
-        </pc:sldMkLst>
-      </pc:sldChg>
-      <pc:sldChg chg="addSp delSp modSp add del mod">
-        <pc:chgData name="Hasselwander Daniel" userId="c52ad4b4-8117-4235-b9f1-fab9bcac5934" providerId="ADAL" clId="{D38D4B8B-445C-754F-A08B-CFCB37CCC2E2}" dt="2023-03-15T01:10:55.641" v="5203" actId="2696"/>
-        <pc:sldMkLst>
-          <pc:docMk/>
-          <pc:sldMk cId="860943082" sldId="10571"/>
-        </pc:sldMkLst>
-        <pc:spChg chg="del">
-          <ac:chgData name="Hasselwander Daniel" userId="c52ad4b4-8117-4235-b9f1-fab9bcac5934" providerId="ADAL" clId="{D38D4B8B-445C-754F-A08B-CFCB37CCC2E2}" dt="2023-03-15T00:56:43.759" v="5017" actId="478"/>
-          <ac:spMkLst>
-            <pc:docMk/>
-            <pc:sldMk cId="860943082" sldId="10571"/>
-            <ac:spMk id="4" creationId="{5AC1C1A7-D90E-01D1-7BB4-9F926415A9CB}"/>
-          </ac:spMkLst>
-        </pc:spChg>
-        <pc:spChg chg="add del mod">
-          <ac:chgData name="Hasselwander Daniel" userId="c52ad4b4-8117-4235-b9f1-fab9bcac5934" providerId="ADAL" clId="{D38D4B8B-445C-754F-A08B-CFCB37CCC2E2}" dt="2023-03-15T01:01:27.589" v="5066"/>
-          <ac:spMkLst>
-            <pc:docMk/>
-            <pc:sldMk cId="860943082" sldId="10571"/>
-            <ac:spMk id="12" creationId="{0099B699-3AAC-986E-95BB-CA2E13FFA9E5}"/>
-          </ac:spMkLst>
-        </pc:spChg>
-        <pc:spChg chg="mod">
-          <ac:chgData name="Hasselwander Daniel" userId="c52ad4b4-8117-4235-b9f1-fab9bcac5934" providerId="ADAL" clId="{D38D4B8B-445C-754F-A08B-CFCB37CCC2E2}" dt="2023-03-15T01:08:45.519" v="5129" actId="14100"/>
-          <ac:spMkLst>
-            <pc:docMk/>
-            <pc:sldMk cId="860943082" sldId="10571"/>
-            <ac:spMk id="13" creationId="{5732D903-9239-BAAE-756E-28573EF086BB}"/>
-          </ac:spMkLst>
-        </pc:spChg>
-        <pc:spChg chg="mod">
-          <ac:chgData name="Hasselwander Daniel" userId="c52ad4b4-8117-4235-b9f1-fab9bcac5934" providerId="ADAL" clId="{D38D4B8B-445C-754F-A08B-CFCB37CCC2E2}" dt="2023-03-15T01:04:26.458" v="5085" actId="20577"/>
-          <ac:spMkLst>
-            <pc:docMk/>
-            <pc:sldMk cId="860943082" sldId="10571"/>
-            <ac:spMk id="15" creationId="{1BD9B7C1-5860-C447-7FC6-D510200F75A2}"/>
-          </ac:spMkLst>
-        </pc:spChg>
-        <pc:spChg chg="add del mod">
-          <ac:chgData name="Hasselwander Daniel" userId="c52ad4b4-8117-4235-b9f1-fab9bcac5934" providerId="ADAL" clId="{D38D4B8B-445C-754F-A08B-CFCB37CCC2E2}" dt="2023-03-15T01:04:20.204" v="5082" actId="478"/>
-          <ac:spMkLst>
-            <pc:docMk/>
-            <pc:sldMk cId="860943082" sldId="10571"/>
-            <ac:spMk id="18" creationId="{129750B7-0604-7172-4F76-E12A30025D6C}"/>
-          </ac:spMkLst>
-        </pc:spChg>
-        <pc:spChg chg="add mod">
-          <ac:chgData name="Hasselwander Daniel" userId="c52ad4b4-8117-4235-b9f1-fab9bcac5934" providerId="ADAL" clId="{D38D4B8B-445C-754F-A08B-CFCB37CCC2E2}" dt="2023-03-15T01:09:03.463" v="5140" actId="20577"/>
-          <ac:spMkLst>
-            <pc:docMk/>
-            <pc:sldMk cId="860943082" sldId="10571"/>
-            <ac:spMk id="22" creationId="{70658820-527D-CD03-038B-85381B5A6EE3}"/>
-          </ac:spMkLst>
-        </pc:spChg>
-        <pc:spChg chg="del">
-          <ac:chgData name="Hasselwander Daniel" userId="c52ad4b4-8117-4235-b9f1-fab9bcac5934" providerId="ADAL" clId="{D38D4B8B-445C-754F-A08B-CFCB37CCC2E2}" dt="2023-03-15T00:56:40.634" v="5014" actId="478"/>
-          <ac:spMkLst>
-            <pc:docMk/>
-            <pc:sldMk cId="860943082" sldId="10571"/>
-            <ac:spMk id="24" creationId="{5873BCEE-EFB2-2B6F-93C4-26117739CEB8}"/>
-          </ac:spMkLst>
-        </pc:spChg>
-        <pc:spChg chg="del">
-          <ac:chgData name="Hasselwander Daniel" userId="c52ad4b4-8117-4235-b9f1-fab9bcac5934" providerId="ADAL" clId="{D38D4B8B-445C-754F-A08B-CFCB37CCC2E2}" dt="2023-03-15T00:56:43.171" v="5016" actId="478"/>
-          <ac:spMkLst>
-            <pc:docMk/>
-            <pc:sldMk cId="860943082" sldId="10571"/>
-            <ac:spMk id="25" creationId="{D9E47D63-462E-878B-6B6D-7809AC703CC7}"/>
-          </ac:spMkLst>
-        </pc:spChg>
-        <pc:spChg chg="del">
-          <ac:chgData name="Hasselwander Daniel" userId="c52ad4b4-8117-4235-b9f1-fab9bcac5934" providerId="ADAL" clId="{D38D4B8B-445C-754F-A08B-CFCB37CCC2E2}" dt="2023-03-15T00:56:39.533" v="5013" actId="478"/>
-          <ac:spMkLst>
-            <pc:docMk/>
-            <pc:sldMk cId="860943082" sldId="10571"/>
-            <ac:spMk id="29" creationId="{18A716D3-98F5-E16A-3613-E046C8A5EC33}"/>
-          </ac:spMkLst>
-        </pc:spChg>
-        <pc:spChg chg="add mod">
-          <ac:chgData name="Hasselwander Daniel" userId="c52ad4b4-8117-4235-b9f1-fab9bcac5934" providerId="ADAL" clId="{D38D4B8B-445C-754F-A08B-CFCB37CCC2E2}" dt="2023-03-15T01:10:08.564" v="5151" actId="1035"/>
-          <ac:spMkLst>
-            <pc:docMk/>
-            <pc:sldMk cId="860943082" sldId="10571"/>
-            <ac:spMk id="30" creationId="{4FFBB5AA-F89A-4741-A212-0319E8F163A8}"/>
-          </ac:spMkLst>
-        </pc:spChg>
-        <pc:spChg chg="add mod">
-          <ac:chgData name="Hasselwander Daniel" userId="c52ad4b4-8117-4235-b9f1-fab9bcac5934" providerId="ADAL" clId="{D38D4B8B-445C-754F-A08B-CFCB37CCC2E2}" dt="2023-03-15T01:10:14.246" v="5176" actId="1035"/>
-          <ac:spMkLst>
-            <pc:docMk/>
-            <pc:sldMk cId="860943082" sldId="10571"/>
-            <ac:spMk id="31" creationId="{7C6CE0DC-40FA-FD94-79BA-88B072C95273}"/>
-          </ac:spMkLst>
-        </pc:spChg>
-        <pc:spChg chg="add mod">
-          <ac:chgData name="Hasselwander Daniel" userId="c52ad4b4-8117-4235-b9f1-fab9bcac5934" providerId="ADAL" clId="{D38D4B8B-445C-754F-A08B-CFCB37CCC2E2}" dt="2023-03-15T01:10:24.865" v="5189" actId="1037"/>
-          <ac:spMkLst>
-            <pc:docMk/>
-            <pc:sldMk cId="860943082" sldId="10571"/>
-            <ac:spMk id="32" creationId="{2E81B158-E36D-F431-6DA9-7CD4CA135EE8}"/>
-          </ac:spMkLst>
-        </pc:spChg>
-        <pc:spChg chg="add mod">
-          <ac:chgData name="Hasselwander Daniel" userId="c52ad4b4-8117-4235-b9f1-fab9bcac5934" providerId="ADAL" clId="{D38D4B8B-445C-754F-A08B-CFCB37CCC2E2}" dt="2023-03-15T01:10:37.880" v="5201" actId="1037"/>
-          <ac:spMkLst>
-            <pc:docMk/>
-            <pc:sldMk cId="860943082" sldId="10571"/>
-            <ac:spMk id="33" creationId="{CAD9A848-4C6E-9EDF-1851-1AFE88E65911}"/>
-          </ac:spMkLst>
-        </pc:spChg>
-        <pc:grpChg chg="del mod">
-          <ac:chgData name="Hasselwander Daniel" userId="c52ad4b4-8117-4235-b9f1-fab9bcac5934" providerId="ADAL" clId="{D38D4B8B-445C-754F-A08B-CFCB37CCC2E2}" dt="2023-03-15T00:56:55.691" v="5027" actId="478"/>
-          <ac:grpSpMkLst>
-            <pc:docMk/>
-            <pc:sldMk cId="860943082" sldId="10571"/>
-            <ac:grpSpMk id="9" creationId="{9B753660-4764-2D78-1641-7FBE609CF701}"/>
-          </ac:grpSpMkLst>
-        </pc:grpChg>
-        <pc:grpChg chg="del">
-          <ac:chgData name="Hasselwander Daniel" userId="c52ad4b4-8117-4235-b9f1-fab9bcac5934" providerId="ADAL" clId="{D38D4B8B-445C-754F-A08B-CFCB37CCC2E2}" dt="2023-03-15T00:56:41.786" v="5015" actId="478"/>
-          <ac:grpSpMkLst>
-            <pc:docMk/>
-            <pc:sldMk cId="860943082" sldId="10571"/>
-            <ac:grpSpMk id="27" creationId="{63533D81-F19A-73A2-CF76-6519662216D5}"/>
-          </ac:grpSpMkLst>
-        </pc:grpChg>
-        <pc:picChg chg="add del mod modCrop">
-          <ac:chgData name="Hasselwander Daniel" userId="c52ad4b4-8117-4235-b9f1-fab9bcac5934" providerId="ADAL" clId="{D38D4B8B-445C-754F-A08B-CFCB37CCC2E2}" dt="2023-03-15T00:59:31.159" v="5046" actId="478"/>
-          <ac:picMkLst>
-            <pc:docMk/>
-            <pc:sldMk cId="860943082" sldId="10571"/>
-            <ac:picMk id="5" creationId="{4F4A7BAB-AFCB-B0AA-CB93-23966DB4DBAD}"/>
-          </ac:picMkLst>
-        </pc:picChg>
-        <pc:picChg chg="add del mod">
-          <ac:chgData name="Hasselwander Daniel" userId="c52ad4b4-8117-4235-b9f1-fab9bcac5934" providerId="ADAL" clId="{D38D4B8B-445C-754F-A08B-CFCB37CCC2E2}" dt="2023-03-15T01:08:29.112" v="5122" actId="478"/>
-          <ac:picMkLst>
-            <pc:docMk/>
-            <pc:sldMk cId="860943082" sldId="10571"/>
-            <ac:picMk id="17" creationId="{ADDF7F67-E869-B721-E272-968D51B0B7A5}"/>
-          </ac:picMkLst>
-        </pc:picChg>
-        <pc:picChg chg="add mod">
-          <ac:chgData name="Hasselwander Daniel" userId="c52ad4b4-8117-4235-b9f1-fab9bcac5934" providerId="ADAL" clId="{D38D4B8B-445C-754F-A08B-CFCB37CCC2E2}" dt="2023-03-15T01:09:11.691" v="5142" actId="1076"/>
-          <ac:picMkLst>
-            <pc:docMk/>
-            <pc:sldMk cId="860943082" sldId="10571"/>
-            <ac:picMk id="28" creationId="{698B3CD7-1576-6317-2CD1-E6D7DDEFC7AE}"/>
-          </ac:picMkLst>
-        </pc:picChg>
-      </pc:sldChg>
-      <pc:sldChg chg="add del">
-        <pc:chgData name="Hasselwander Daniel" userId="c52ad4b4-8117-4235-b9f1-fab9bcac5934" providerId="ADAL" clId="{D38D4B8B-445C-754F-A08B-CFCB37CCC2E2}" dt="2023-03-15T00:56:31.280" v="5009" actId="2696"/>
-        <pc:sldMkLst>
-          <pc:docMk/>
-          <pc:sldMk cId="959435808" sldId="10571"/>
-        </pc:sldMkLst>
-      </pc:sldChg>
-      <pc:sldChg chg="add del">
-        <pc:chgData name="Hasselwander Daniel" userId="c52ad4b4-8117-4235-b9f1-fab9bcac5934" providerId="ADAL" clId="{D38D4B8B-445C-754F-A08B-CFCB37CCC2E2}" dt="2023-03-15T00:56:33.697" v="5011"/>
-        <pc:sldMkLst>
-          <pc:docMk/>
-          <pc:sldMk cId="4132366281" sldId="10571"/>
-        </pc:sldMkLst>
-      </pc:sldChg>
-      <pc:sldChg chg="addSp modSp add mod">
-        <pc:chgData name="Hasselwander Daniel" userId="c52ad4b4-8117-4235-b9f1-fab9bcac5934" providerId="ADAL" clId="{D38D4B8B-445C-754F-A08B-CFCB37CCC2E2}" dt="2023-03-15T01:11:45.484" v="5250" actId="20577"/>
-        <pc:sldMkLst>
-          <pc:docMk/>
-          <pc:sldMk cId="2909474175" sldId="10572"/>
-        </pc:sldMkLst>
-        <pc:spChg chg="mod">
-          <ac:chgData name="Hasselwander Daniel" userId="c52ad4b4-8117-4235-b9f1-fab9bcac5934" providerId="ADAL" clId="{D38D4B8B-445C-754F-A08B-CFCB37CCC2E2}" dt="2023-03-15T01:11:19.915" v="5208" actId="20577"/>
-          <ac:spMkLst>
-            <pc:docMk/>
-            <pc:sldMk cId="2909474175" sldId="10572"/>
-            <ac:spMk id="13" creationId="{5732D903-9239-BAAE-756E-28573EF086BB}"/>
-          </ac:spMkLst>
-        </pc:spChg>
-        <pc:spChg chg="mod">
-          <ac:chgData name="Hasselwander Daniel" userId="c52ad4b4-8117-4235-b9f1-fab9bcac5934" providerId="ADAL" clId="{D38D4B8B-445C-754F-A08B-CFCB37CCC2E2}" dt="2023-03-15T01:11:45.484" v="5250" actId="20577"/>
-          <ac:spMkLst>
-            <pc:docMk/>
-            <pc:sldMk cId="2909474175" sldId="10572"/>
-            <ac:spMk id="15" creationId="{1BD9B7C1-5860-C447-7FC6-D510200F75A2}"/>
-          </ac:spMkLst>
-        </pc:spChg>
-        <pc:picChg chg="add mod">
-          <ac:chgData name="Hasselwander Daniel" userId="c52ad4b4-8117-4235-b9f1-fab9bcac5934" providerId="ADAL" clId="{D38D4B8B-445C-754F-A08B-CFCB37CCC2E2}" dt="2023-03-15T01:11:29.490" v="5212" actId="1076"/>
-          <ac:picMkLst>
-            <pc:docMk/>
-            <pc:sldMk cId="2909474175" sldId="10572"/>
-            <ac:picMk id="4" creationId="{6E6F6356-F2FC-BFE5-9EAC-E78402524D69}"/>
-          </ac:picMkLst>
-        </pc:picChg>
-      </pc:sldChg>
-      <pc:sldChg chg="modSp add mod ord">
-        <pc:chgData name="Hasselwander Daniel" userId="c52ad4b4-8117-4235-b9f1-fab9bcac5934" providerId="ADAL" clId="{D38D4B8B-445C-754F-A08B-CFCB37CCC2E2}" dt="2023-03-15T01:22:54.028" v="5481" actId="20577"/>
-        <pc:sldMkLst>
-          <pc:docMk/>
-          <pc:sldMk cId="2289162217" sldId="10573"/>
-        </pc:sldMkLst>
-        <pc:spChg chg="mod">
-          <ac:chgData name="Hasselwander Daniel" userId="c52ad4b4-8117-4235-b9f1-fab9bcac5934" providerId="ADAL" clId="{D38D4B8B-445C-754F-A08B-CFCB37CCC2E2}" dt="2023-03-15T01:12:32.659" v="5333" actId="20577"/>
-          <ac:spMkLst>
-            <pc:docMk/>
-            <pc:sldMk cId="2289162217" sldId="10573"/>
-            <ac:spMk id="13" creationId="{5732D903-9239-BAAE-756E-28573EF086BB}"/>
-          </ac:spMkLst>
-        </pc:spChg>
-        <pc:spChg chg="mod">
-          <ac:chgData name="Hasselwander Daniel" userId="c52ad4b4-8117-4235-b9f1-fab9bcac5934" providerId="ADAL" clId="{D38D4B8B-445C-754F-A08B-CFCB37CCC2E2}" dt="2023-03-15T01:22:54.028" v="5481" actId="20577"/>
-          <ac:spMkLst>
-            <pc:docMk/>
-            <pc:sldMk cId="2289162217" sldId="10573"/>
-            <ac:spMk id="15" creationId="{1BD9B7C1-5860-C447-7FC6-D510200F75A2}"/>
-          </ac:spMkLst>
-        </pc:spChg>
-      </pc:sldChg>
-      <pc:sldChg chg="add">
-        <pc:chgData name="Hasselwander Daniel" userId="c52ad4b4-8117-4235-b9f1-fab9bcac5934" providerId="ADAL" clId="{D38D4B8B-445C-754F-A08B-CFCB37CCC2E2}" dt="2023-03-15T01:13:01.362" v="5334"/>
-        <pc:sldMkLst>
-          <pc:docMk/>
-          <pc:sldMk cId="121771212" sldId="10574"/>
-        </pc:sldMkLst>
-      </pc:sldChg>
-      <pc:sldChg chg="addSp delSp modSp add mod">
-        <pc:chgData name="Hasselwander Daniel" userId="c52ad4b4-8117-4235-b9f1-fab9bcac5934" providerId="ADAL" clId="{D38D4B8B-445C-754F-A08B-CFCB37CCC2E2}" dt="2023-03-15T02:20:45.245" v="5946" actId="20577"/>
-        <pc:sldMkLst>
-          <pc:docMk/>
-          <pc:sldMk cId="2257496839" sldId="10575"/>
-        </pc:sldMkLst>
-        <pc:spChg chg="add del mod">
-          <ac:chgData name="Hasselwander Daniel" userId="c52ad4b4-8117-4235-b9f1-fab9bcac5934" providerId="ADAL" clId="{D38D4B8B-445C-754F-A08B-CFCB37CCC2E2}" dt="2023-03-15T01:30:04.337" v="5539" actId="478"/>
-          <ac:spMkLst>
-            <pc:docMk/>
-            <pc:sldMk cId="2257496839" sldId="10575"/>
-            <ac:spMk id="3" creationId="{F640B621-1586-AB73-01F6-D30236FCEB6B}"/>
-          </ac:spMkLst>
-        </pc:spChg>
-        <pc:spChg chg="add mod">
-          <ac:chgData name="Hasselwander Daniel" userId="c52ad4b4-8117-4235-b9f1-fab9bcac5934" providerId="ADAL" clId="{D38D4B8B-445C-754F-A08B-CFCB37CCC2E2}" dt="2023-03-15T01:34:07.636" v="5699" actId="20577"/>
-          <ac:spMkLst>
-            <pc:docMk/>
-            <pc:sldMk cId="2257496839" sldId="10575"/>
-            <ac:spMk id="4" creationId="{9B25C2C4-0EA7-A492-27D6-668580E4F0D2}"/>
-          </ac:spMkLst>
-        </pc:spChg>
-        <pc:spChg chg="del">
-          <ac:chgData name="Hasselwander Daniel" userId="c52ad4b4-8117-4235-b9f1-fab9bcac5934" providerId="ADAL" clId="{D38D4B8B-445C-754F-A08B-CFCB37CCC2E2}" dt="2023-03-15T01:19:35.559" v="5392" actId="478"/>
-          <ac:spMkLst>
-            <pc:docMk/>
-            <pc:sldMk cId="2257496839" sldId="10575"/>
-            <ac:spMk id="12" creationId="{0099B699-3AAC-986E-95BB-CA2E13FFA9E5}"/>
-          </ac:spMkLst>
-        </pc:spChg>
-        <pc:spChg chg="mod">
-          <ac:chgData name="Hasselwander Daniel" userId="c52ad4b4-8117-4235-b9f1-fab9bcac5934" providerId="ADAL" clId="{D38D4B8B-445C-754F-A08B-CFCB37CCC2E2}" dt="2023-03-15T02:20:45.245" v="5946" actId="20577"/>
-          <ac:spMkLst>
-            <pc:docMk/>
-            <pc:sldMk cId="2257496839" sldId="10575"/>
-            <ac:spMk id="13" creationId="{5732D903-9239-BAAE-756E-28573EF086BB}"/>
-          </ac:spMkLst>
-        </pc:spChg>
-        <pc:spChg chg="mod">
-          <ac:chgData name="Hasselwander Daniel" userId="c52ad4b4-8117-4235-b9f1-fab9bcac5934" providerId="ADAL" clId="{D38D4B8B-445C-754F-A08B-CFCB37CCC2E2}" dt="2023-03-15T01:16:33.728" v="5348" actId="20577"/>
-          <ac:spMkLst>
-            <pc:docMk/>
-            <pc:sldMk cId="2257496839" sldId="10575"/>
-            <ac:spMk id="15" creationId="{1BD9B7C1-5860-C447-7FC6-D510200F75A2}"/>
-          </ac:spMkLst>
-        </pc:spChg>
-        <pc:picChg chg="add del mod modCrop">
-          <ac:chgData name="Hasselwander Daniel" userId="c52ad4b4-8117-4235-b9f1-fab9bcac5934" providerId="ADAL" clId="{D38D4B8B-445C-754F-A08B-CFCB37CCC2E2}" dt="2023-03-15T01:29:41.950" v="5522" actId="478"/>
-          <ac:picMkLst>
-            <pc:docMk/>
-            <pc:sldMk cId="2257496839" sldId="10575"/>
-            <ac:picMk id="5" creationId="{3246F0E8-4AE4-D5B8-110E-695F26FE50D9}"/>
-          </ac:picMkLst>
-        </pc:picChg>
-        <pc:picChg chg="add mod">
-          <ac:chgData name="Hasselwander Daniel" userId="c52ad4b4-8117-4235-b9f1-fab9bcac5934" providerId="ADAL" clId="{D38D4B8B-445C-754F-A08B-CFCB37CCC2E2}" dt="2023-03-15T01:34:11.875" v="5702" actId="1076"/>
-          <ac:picMkLst>
-            <pc:docMk/>
-            <pc:sldMk cId="2257496839" sldId="10575"/>
-            <ac:picMk id="6" creationId="{B220DA00-1A0A-40ED-476A-76679E7FD670}"/>
-          </ac:picMkLst>
-        </pc:picChg>
-      </pc:sldChg>
-      <pc:sldChg chg="add del">
-        <pc:chgData name="Hasselwander Daniel" userId="c52ad4b4-8117-4235-b9f1-fab9bcac5934" providerId="ADAL" clId="{D38D4B8B-445C-754F-A08B-CFCB37CCC2E2}" dt="2023-03-15T01:20:32.574" v="5402" actId="2696"/>
-        <pc:sldMkLst>
-          <pc:docMk/>
-          <pc:sldMk cId="344646382" sldId="10576"/>
-        </pc:sldMkLst>
-      </pc:sldChg>
-      <pc:sldChg chg="delSp modSp add del mod">
-        <pc:chgData name="Hasselwander Daniel" userId="c52ad4b4-8117-4235-b9f1-fab9bcac5934" providerId="ADAL" clId="{D38D4B8B-445C-754F-A08B-CFCB37CCC2E2}" dt="2023-03-15T01:34:49.503" v="5713" actId="2696"/>
-        <pc:sldMkLst>
-          <pc:docMk/>
-          <pc:sldMk cId="799046287" sldId="10576"/>
-        </pc:sldMkLst>
-        <pc:spChg chg="mod">
-          <ac:chgData name="Hasselwander Daniel" userId="c52ad4b4-8117-4235-b9f1-fab9bcac5934" providerId="ADAL" clId="{D38D4B8B-445C-754F-A08B-CFCB37CCC2E2}" dt="2023-03-15T01:29:30.183" v="5518" actId="14100"/>
-          <ac:spMkLst>
-            <pc:docMk/>
-            <pc:sldMk cId="799046287" sldId="10576"/>
-            <ac:spMk id="3" creationId="{F640B621-1586-AB73-01F6-D30236FCEB6B}"/>
-          </ac:spMkLst>
-        </pc:spChg>
-        <pc:spChg chg="del">
-          <ac:chgData name="Hasselwander Daniel" userId="c52ad4b4-8117-4235-b9f1-fab9bcac5934" providerId="ADAL" clId="{D38D4B8B-445C-754F-A08B-CFCB37CCC2E2}" dt="2023-03-15T01:29:24.006" v="5517" actId="478"/>
-          <ac:spMkLst>
-            <pc:docMk/>
-            <pc:sldMk cId="799046287" sldId="10576"/>
-            <ac:spMk id="13" creationId="{5732D903-9239-BAAE-756E-28573EF086BB}"/>
-          </ac:spMkLst>
-        </pc:spChg>
-        <pc:picChg chg="mod">
-          <ac:chgData name="Hasselwander Daniel" userId="c52ad4b4-8117-4235-b9f1-fab9bcac5934" providerId="ADAL" clId="{D38D4B8B-445C-754F-A08B-CFCB37CCC2E2}" dt="2023-03-15T01:29:36.500" v="5521" actId="1076"/>
-          <ac:picMkLst>
-            <pc:docMk/>
-            <pc:sldMk cId="799046287" sldId="10576"/>
-            <ac:picMk id="5" creationId="{3246F0E8-4AE4-D5B8-110E-695F26FE50D9}"/>
-          </ac:picMkLst>
-        </pc:picChg>
-      </pc:sldChg>
-      <pc:sldChg chg="add del">
-        <pc:chgData name="Hasselwander Daniel" userId="c52ad4b4-8117-4235-b9f1-fab9bcac5934" providerId="ADAL" clId="{D38D4B8B-445C-754F-A08B-CFCB37CCC2E2}" dt="2023-03-15T01:27:59.850" v="5515"/>
-        <pc:sldMkLst>
-          <pc:docMk/>
-          <pc:sldMk cId="1128982316" sldId="10576"/>
-        </pc:sldMkLst>
-      </pc:sldChg>
-      <pc:sldChg chg="addSp delSp modSp add mod">
-        <pc:chgData name="Hasselwander Daniel" userId="c52ad4b4-8117-4235-b9f1-fab9bcac5934" providerId="ADAL" clId="{D38D4B8B-445C-754F-A08B-CFCB37CCC2E2}" dt="2023-03-15T01:34:38.598" v="5712" actId="171"/>
-        <pc:sldMkLst>
-          <pc:docMk/>
-          <pc:sldMk cId="1135132019" sldId="10577"/>
-        </pc:sldMkLst>
-        <pc:spChg chg="add del mod">
-          <ac:chgData name="Hasselwander Daniel" userId="c52ad4b4-8117-4235-b9f1-fab9bcac5934" providerId="ADAL" clId="{D38D4B8B-445C-754F-A08B-CFCB37CCC2E2}" dt="2023-03-15T01:34:26.105" v="5708" actId="21"/>
-          <ac:spMkLst>
-            <pc:docMk/>
-            <pc:sldMk cId="1135132019" sldId="10577"/>
-            <ac:spMk id="3" creationId="{F640B621-1586-AB73-01F6-D30236FCEB6B}"/>
-          </ac:spMkLst>
-        </pc:spChg>
-        <pc:spChg chg="add mod">
-          <ac:chgData name="Hasselwander Daniel" userId="c52ad4b4-8117-4235-b9f1-fab9bcac5934" providerId="ADAL" clId="{D38D4B8B-445C-754F-A08B-CFCB37CCC2E2}" dt="2023-03-15T01:34:00.875" v="5698" actId="1076"/>
-          <ac:spMkLst>
-            <pc:docMk/>
-            <pc:sldMk cId="1135132019" sldId="10577"/>
-            <ac:spMk id="4" creationId="{9F2C35A9-A235-A257-2754-529ED1050221}"/>
-          </ac:spMkLst>
-        </pc:spChg>
-        <pc:spChg chg="add mod">
-          <ac:chgData name="Hasselwander Daniel" userId="c52ad4b4-8117-4235-b9f1-fab9bcac5934" providerId="ADAL" clId="{D38D4B8B-445C-754F-A08B-CFCB37CCC2E2}" dt="2023-03-15T01:34:38.598" v="5712" actId="171"/>
-          <ac:spMkLst>
-            <pc:docMk/>
-            <pc:sldMk cId="1135132019" sldId="10577"/>
-            <ac:spMk id="8" creationId="{F1DDA503-5A1C-74E5-2AAF-D3EDBF87027A}"/>
-          </ac:spMkLst>
-        </pc:spChg>
-        <pc:spChg chg="mod">
-          <ac:chgData name="Hasselwander Daniel" userId="c52ad4b4-8117-4235-b9f1-fab9bcac5934" providerId="ADAL" clId="{D38D4B8B-445C-754F-A08B-CFCB37CCC2E2}" dt="2023-03-15T01:33:28.316" v="5687" actId="20577"/>
-          <ac:spMkLst>
-            <pc:docMk/>
-            <pc:sldMk cId="1135132019" sldId="10577"/>
-            <ac:spMk id="15" creationId="{1BD9B7C1-5860-C447-7FC6-D510200F75A2}"/>
-          </ac:spMkLst>
-        </pc:spChg>
-        <pc:picChg chg="del">
-          <ac:chgData name="Hasselwander Daniel" userId="c52ad4b4-8117-4235-b9f1-fab9bcac5934" providerId="ADAL" clId="{D38D4B8B-445C-754F-A08B-CFCB37CCC2E2}" dt="2023-03-15T01:33:08.797" v="5667" actId="478"/>
-          <ac:picMkLst>
-            <pc:docMk/>
-            <pc:sldMk cId="1135132019" sldId="10577"/>
-            <ac:picMk id="5" creationId="{3246F0E8-4AE4-D5B8-110E-695F26FE50D9}"/>
-          </ac:picMkLst>
-        </pc:picChg>
-        <pc:picChg chg="add mod">
-          <ac:chgData name="Hasselwander Daniel" userId="c52ad4b4-8117-4235-b9f1-fab9bcac5934" providerId="ADAL" clId="{D38D4B8B-445C-754F-A08B-CFCB37CCC2E2}" dt="2023-03-15T01:33:46.491" v="5694" actId="1076"/>
-          <ac:picMkLst>
-            <pc:docMk/>
-            <pc:sldMk cId="1135132019" sldId="10577"/>
-            <ac:picMk id="6" creationId="{8EECCF52-F385-4062-3BC3-773A56BDC968}"/>
-          </ac:picMkLst>
-        </pc:picChg>
-        <pc:picChg chg="add mod">
-          <ac:chgData name="Hasselwander Daniel" userId="c52ad4b4-8117-4235-b9f1-fab9bcac5934" providerId="ADAL" clId="{D38D4B8B-445C-754F-A08B-CFCB37CCC2E2}" dt="2023-03-15T01:34:18.326" v="5704" actId="1076"/>
-          <ac:picMkLst>
-            <pc:docMk/>
-            <pc:sldMk cId="1135132019" sldId="10577"/>
-            <ac:picMk id="7" creationId="{2D5A32AF-D921-275D-6024-92053C7DC9E8}"/>
-          </ac:picMkLst>
-        </pc:picChg>
-      </pc:sldChg>
-      <pc:sldChg chg="delSp modSp add mod">
-        <pc:chgData name="Hasselwander Daniel" userId="c52ad4b4-8117-4235-b9f1-fab9bcac5934" providerId="ADAL" clId="{D38D4B8B-445C-754F-A08B-CFCB37CCC2E2}" dt="2023-03-15T01:36:59.527" v="5817" actId="20577"/>
-        <pc:sldMkLst>
-          <pc:docMk/>
-          <pc:sldMk cId="3043037482" sldId="10578"/>
-        </pc:sldMkLst>
-        <pc:spChg chg="mod">
-          <ac:chgData name="Hasselwander Daniel" userId="c52ad4b4-8117-4235-b9f1-fab9bcac5934" providerId="ADAL" clId="{D38D4B8B-445C-754F-A08B-CFCB37CCC2E2}" dt="2023-03-15T01:36:13.646" v="5743" actId="14100"/>
-          <ac:spMkLst>
-            <pc:docMk/>
-            <pc:sldMk cId="3043037482" sldId="10578"/>
-            <ac:spMk id="3" creationId="{F640B621-1586-AB73-01F6-D30236FCEB6B}"/>
-          </ac:spMkLst>
-        </pc:spChg>
-        <pc:spChg chg="mod">
-          <ac:chgData name="Hasselwander Daniel" userId="c52ad4b4-8117-4235-b9f1-fab9bcac5934" providerId="ADAL" clId="{D38D4B8B-445C-754F-A08B-CFCB37CCC2E2}" dt="2023-03-15T01:36:59.527" v="5817" actId="20577"/>
-          <ac:spMkLst>
-            <pc:docMk/>
-            <pc:sldMk cId="3043037482" sldId="10578"/>
-            <ac:spMk id="4" creationId="{9F2C35A9-A235-A257-2754-529ED1050221}"/>
-          </ac:spMkLst>
-        </pc:spChg>
-        <pc:spChg chg="del">
-          <ac:chgData name="Hasselwander Daniel" userId="c52ad4b4-8117-4235-b9f1-fab9bcac5934" providerId="ADAL" clId="{D38D4B8B-445C-754F-A08B-CFCB37CCC2E2}" dt="2023-03-15T01:36:09.768" v="5742" actId="478"/>
-          <ac:spMkLst>
-            <pc:docMk/>
-            <pc:sldMk cId="3043037482" sldId="10578"/>
-            <ac:spMk id="8" creationId="{F1DDA503-5A1C-74E5-2AAF-D3EDBF87027A}"/>
-          </ac:spMkLst>
-        </pc:spChg>
-        <pc:spChg chg="mod">
-          <ac:chgData name="Hasselwander Daniel" userId="c52ad4b4-8117-4235-b9f1-fab9bcac5934" providerId="ADAL" clId="{D38D4B8B-445C-754F-A08B-CFCB37CCC2E2}" dt="2023-03-15T01:36:04.672" v="5739" actId="20577"/>
-          <ac:spMkLst>
-            <pc:docMk/>
-            <pc:sldMk cId="3043037482" sldId="10578"/>
-            <ac:spMk id="15" creationId="{1BD9B7C1-5860-C447-7FC6-D510200F75A2}"/>
-          </ac:spMkLst>
-        </pc:spChg>
-        <pc:picChg chg="del">
-          <ac:chgData name="Hasselwander Daniel" userId="c52ad4b4-8117-4235-b9f1-fab9bcac5934" providerId="ADAL" clId="{D38D4B8B-445C-754F-A08B-CFCB37CCC2E2}" dt="2023-03-15T01:36:08.349" v="5741" actId="478"/>
-          <ac:picMkLst>
-            <pc:docMk/>
-            <pc:sldMk cId="3043037482" sldId="10578"/>
-            <ac:picMk id="6" creationId="{8EECCF52-F385-4062-3BC3-773A56BDC968}"/>
-          </ac:picMkLst>
-        </pc:picChg>
-        <pc:picChg chg="del">
-          <ac:chgData name="Hasselwander Daniel" userId="c52ad4b4-8117-4235-b9f1-fab9bcac5934" providerId="ADAL" clId="{D38D4B8B-445C-754F-A08B-CFCB37CCC2E2}" dt="2023-03-15T01:36:06.743" v="5740" actId="478"/>
-          <ac:picMkLst>
-            <pc:docMk/>
-            <pc:sldMk cId="3043037482" sldId="10578"/>
-            <ac:picMk id="7" creationId="{2D5A32AF-D921-275D-6024-92053C7DC9E8}"/>
-          </ac:picMkLst>
-        </pc:picChg>
-      </pc:sldChg>
-    </pc:docChg>
-  </pc:docChgLst>
 </pc:chgInfo>
 </file>
 
@@ -7823,6 +7822,33 @@
           <a:bodyPr/>
           <a:lstStyle/>
           <a:p>
+            <a:r>
+              <a:rPr lang="de-CH" dirty="0"/>
+              <a:t>Description </a:t>
+            </a:r>
+            <a:r>
+              <a:rPr lang="de-CH" dirty="0" err="1"/>
+              <a:t>about</a:t>
+            </a:r>
+            <a:r>
+              <a:rPr lang="de-CH" dirty="0"/>
+              <a:t> </a:t>
+            </a:r>
+            <a:r>
+              <a:rPr lang="de-CH" dirty="0" err="1"/>
+              <a:t>our</a:t>
+            </a:r>
+            <a:r>
+              <a:rPr lang="de-CH" dirty="0"/>
+              <a:t> </a:t>
+            </a:r>
+            <a:r>
+              <a:rPr lang="de-CH" dirty="0" err="1"/>
+              <a:t>chart</a:t>
+            </a:r>
+            <a:endParaRPr lang="de-CH" dirty="0"/>
+          </a:p>
+          <a:p>
             <a:endParaRPr lang="de-CH" dirty="0"/>
           </a:p>
           <a:p>
@@ -7856,7 +7882,7 @@
     </p:spTree>
     <p:extLst>
       <p:ext uri="{BB962C8B-B14F-4D97-AF65-F5344CB8AC3E}">
-        <p14:creationId xmlns:p14="http://schemas.microsoft.com/office/powerpoint/2010/main" val="1955498725"/>
+        <p14:creationId xmlns:p14="http://schemas.microsoft.com/office/powerpoint/2010/main" val="2966832406"/>
       </p:ext>
     </p:extLst>
   </p:cSld>
@@ -8435,120 +8461,6 @@
     <p:extLst>
       <p:ext uri="{BB962C8B-B14F-4D97-AF65-F5344CB8AC3E}">
         <p14:creationId xmlns:p14="http://schemas.microsoft.com/office/powerpoint/2010/main" val="3000492705"/>
-      </p:ext>
-    </p:extLst>
-  </p:cSld>
-  <p:clrMapOvr>
-    <a:masterClrMapping/>
-  </p:clrMapOvr>
-</p:notes>
-</file>
-
-<file path=ppt/notesSlides/notesSlide20.xml><?xml version="1.0" encoding="utf-8"?>
-<p:notes xmlns:a="http://schemas.openxmlformats.org/drawingml/2006/main" xmlns:r="http://schemas.openxmlformats.org/officeDocument/2006/relationships" xmlns:p="http://schemas.openxmlformats.org/presentationml/2006/main">
-  <p:cSld>
-    <p:spTree>
-      <p:nvGrpSpPr>
-        <p:cNvPr id="1" name=""/>
-        <p:cNvGrpSpPr/>
-        <p:nvPr/>
-      </p:nvGrpSpPr>
-      <p:grpSpPr>
-        <a:xfrm>
-          <a:off x="0" y="0"/>
-          <a:ext cx="0" cy="0"/>
-          <a:chOff x="0" y="0"/>
-          <a:chExt cx="0" cy="0"/>
-        </a:xfrm>
-      </p:grpSpPr>
-      <p:sp>
-        <p:nvSpPr>
-          <p:cNvPr id="2" name="Folienbildplatzhalter 1"/>
-          <p:cNvSpPr>
-            <a:spLocks noGrp="1" noRot="1" noChangeAspect="1"/>
-          </p:cNvSpPr>
-          <p:nvPr>
-            <p:ph type="sldImg"/>
-          </p:nvPr>
-        </p:nvSpPr>
-        <p:spPr/>
-      </p:sp>
-      <p:sp>
-        <p:nvSpPr>
-          <p:cNvPr id="3" name="Notizenplatzhalter 2"/>
-          <p:cNvSpPr>
-            <a:spLocks noGrp="1"/>
-          </p:cNvSpPr>
-          <p:nvPr>
-            <p:ph type="body" idx="1"/>
-          </p:nvPr>
-        </p:nvSpPr>
-        <p:spPr/>
-        <p:txBody>
-          <a:bodyPr/>
-          <a:lstStyle/>
-          <a:p>
-            <a:r>
-              <a:rPr lang="de-CH" dirty="0"/>
-              <a:t>Description </a:t>
-            </a:r>
-            <a:r>
-              <a:rPr lang="de-CH" dirty="0" err="1"/>
-              <a:t>about</a:t>
-            </a:r>
-            <a:r>
-              <a:rPr lang="de-CH" dirty="0"/>
-              <a:t> </a:t>
-            </a:r>
-            <a:r>
-              <a:rPr lang="de-CH" dirty="0" err="1"/>
-              <a:t>our</a:t>
-            </a:r>
-            <a:r>
-              <a:rPr lang="de-CH" dirty="0"/>
-              <a:t> </a:t>
-            </a:r>
-            <a:r>
-              <a:rPr lang="de-CH" dirty="0" err="1"/>
-              <a:t>chart</a:t>
-            </a:r>
-            <a:endParaRPr lang="de-CH" dirty="0"/>
-          </a:p>
-          <a:p>
-            <a:endParaRPr lang="de-CH" dirty="0"/>
-          </a:p>
-          <a:p>
-            <a:endParaRPr lang="de-CH" dirty="0"/>
-          </a:p>
-        </p:txBody>
-      </p:sp>
-      <p:sp>
-        <p:nvSpPr>
-          <p:cNvPr id="4" name="Foliennummernplatzhalter 3"/>
-          <p:cNvSpPr>
-            <a:spLocks noGrp="1"/>
-          </p:cNvSpPr>
-          <p:nvPr>
-            <p:ph type="sldNum" sz="quarter" idx="5"/>
-          </p:nvPr>
-        </p:nvSpPr>
-        <p:spPr/>
-        <p:txBody>
-          <a:bodyPr/>
-          <a:lstStyle/>
-          <a:p>
-            <a:fld id="{BE65CCB5-C8E4-4ED3-A5C3-0FE3DE15867E}" type="slidenum">
-              <a:rPr lang="de-CH" smtClean="0"/>
-              <a:t>21</a:t>
-            </a:fld>
-            <a:endParaRPr lang="de-CH"/>
-          </a:p>
-        </p:txBody>
-      </p:sp>
-    </p:spTree>
-    <p:extLst>
-      <p:ext uri="{BB962C8B-B14F-4D97-AF65-F5344CB8AC3E}">
-        <p14:creationId xmlns:p14="http://schemas.microsoft.com/office/powerpoint/2010/main" val="2966832406"/>
       </p:ext>
     </p:extLst>
   </p:cSld>
@@ -10532,7 +10444,7 @@
           <a:noFill/>
           <a:extLst>
             <a:ext uri="{909E8E84-426E-40dd-AFC4-6F175D3DCCD1}">
-              <a14:hiddenFill xmlns="" xmlns:a14="http://schemas.microsoft.com/office/drawing/2010/main">
+              <a14:hiddenFill xmlns:a14="http://schemas.microsoft.com/office/drawing/2010/main" xmlns="">
                 <a:solidFill>
                   <a:srgbClr val="FFFFFF"/>
                 </a:solidFill>
@@ -14312,7 +14224,7 @@
           <a:noFill/>
           <a:extLst>
             <a:ext uri="{909E8E84-426E-40dd-AFC4-6F175D3DCCD1}">
-              <a14:hiddenFill xmlns="" xmlns:a14="http://schemas.microsoft.com/office/drawing/2010/main">
+              <a14:hiddenFill xmlns:a14="http://schemas.microsoft.com/office/drawing/2010/main" xmlns="">
                 <a:solidFill>
                   <a:srgbClr val="FFFFFF"/>
                 </a:solidFill>
@@ -14465,7 +14377,7 @@
           <a:noFill/>
           <a:extLst>
             <a:ext uri="{909E8E84-426E-40dd-AFC4-6F175D3DCCD1}">
-              <a14:hiddenFill xmlns="" xmlns:a14="http://schemas.microsoft.com/office/drawing/2010/main">
+              <a14:hiddenFill xmlns:a14="http://schemas.microsoft.com/office/drawing/2010/main" xmlns="">
                 <a:solidFill>
                   <a:srgbClr val="FFFFFF"/>
                 </a:solidFill>
@@ -14810,7 +14722,7 @@
           <a:noFill/>
           <a:extLst>
             <a:ext uri="{909E8E84-426E-40dd-AFC4-6F175D3DCCD1}">
-              <a14:hiddenFill xmlns="" xmlns:a14="http://schemas.microsoft.com/office/drawing/2010/main">
+              <a14:hiddenFill xmlns:a14="http://schemas.microsoft.com/office/drawing/2010/main" xmlns="">
                 <a:solidFill>
                   <a:srgbClr val="FFFFFF"/>
                 </a:solidFill>
@@ -15202,7 +15114,7 @@
           <a:noFill/>
           <a:extLst>
             <a:ext uri="{909E8E84-426E-40dd-AFC4-6F175D3DCCD1}">
-              <a14:hiddenFill xmlns="" xmlns:a14="http://schemas.microsoft.com/office/drawing/2010/main">
+              <a14:hiddenFill xmlns:a14="http://schemas.microsoft.com/office/drawing/2010/main" xmlns="">
                 <a:solidFill>
                   <a:srgbClr val="FFFFFF"/>
                 </a:solidFill>
@@ -19911,7 +19823,7 @@
           <a:noFill/>
           <a:extLst>
             <a:ext uri="{909E8E84-426E-40dd-AFC4-6F175D3DCCD1}">
-              <a14:hiddenFill xmlns="" xmlns:a14="http://schemas.microsoft.com/office/drawing/2010/main">
+              <a14:hiddenFill xmlns:a14="http://schemas.microsoft.com/office/drawing/2010/main" xmlns="">
                 <a:solidFill>
                   <a:srgbClr val="FFFFFF"/>
                 </a:solidFill>
@@ -21199,7 +21111,7 @@
           <a:noFill/>
           <a:extLst>
             <a:ext uri="{909E8E84-426E-40dd-AFC4-6F175D3DCCD1}">
-              <a14:hiddenFill xmlns="" xmlns:a14="http://schemas.microsoft.com/office/drawing/2010/main">
+              <a14:hiddenFill xmlns:a14="http://schemas.microsoft.com/office/drawing/2010/main" xmlns="">
                 <a:solidFill>
                   <a:srgbClr val="FFFFFF"/>
                 </a:solidFill>
@@ -24901,7 +24813,7 @@
           <a:noFill/>
           <a:extLst>
             <a:ext uri="{909E8E84-426E-40dd-AFC4-6F175D3DCCD1}">
-              <a14:hiddenFill xmlns="" xmlns:a14="http://schemas.microsoft.com/office/drawing/2010/main">
+              <a14:hiddenFill xmlns:a14="http://schemas.microsoft.com/office/drawing/2010/main" xmlns="">
                 <a:solidFill>
                   <a:srgbClr val="FFFFFF"/>
                 </a:solidFill>
@@ -29726,246 +29638,6 @@
                 </a:solidFill>
                 <a:latin typeface="+mj-lt"/>
               </a:rPr>
-              <a:t>Helm – Chart – Hooks</a:t>
-            </a:r>
-          </a:p>
-        </p:txBody>
-      </p:sp>
-      <p:sp>
-        <p:nvSpPr>
-          <p:cNvPr id="2" name="Fußzeilenplatzhalter 6">
-            <a:extLst>
-              <a:ext uri="{FF2B5EF4-FFF2-40B4-BE49-F238E27FC236}">
-                <a16:creationId xmlns:a16="http://schemas.microsoft.com/office/drawing/2014/main" id="{A0B7C6DE-253F-0374-F735-8A4174830D91}"/>
-              </a:ext>
-            </a:extLst>
-          </p:cNvPr>
-          <p:cNvSpPr>
-            <a:spLocks noGrp="1"/>
-          </p:cNvSpPr>
-          <p:nvPr>
-            <p:ph type="ftr" sz="quarter" idx="3"/>
-          </p:nvPr>
-        </p:nvSpPr>
-        <p:spPr>
-          <a:xfrm>
-            <a:off x="354210" y="301275"/>
-            <a:ext cx="5580000" cy="139611"/>
-          </a:xfrm>
-        </p:spPr>
-        <p:txBody>
-          <a:bodyPr/>
-          <a:lstStyle/>
-          <a:p>
-            <a:r>
-              <a:rPr lang="de-CH" dirty="0"/>
-              <a:t>Helm</a:t>
-            </a:r>
-          </a:p>
-        </p:txBody>
-      </p:sp>
-      <p:sp>
-        <p:nvSpPr>
-          <p:cNvPr id="13" name="Rechteck 12">
-            <a:extLst>
-              <a:ext uri="{FF2B5EF4-FFF2-40B4-BE49-F238E27FC236}">
-                <a16:creationId xmlns:a16="http://schemas.microsoft.com/office/drawing/2014/main" id="{5732D903-9239-BAAE-756E-28573EF086BB}"/>
-              </a:ext>
-            </a:extLst>
-          </p:cNvPr>
-          <p:cNvSpPr/>
-          <p:nvPr/>
-        </p:nvSpPr>
-        <p:spPr>
-          <a:xfrm>
-            <a:off x="354210" y="1215935"/>
-            <a:ext cx="8432018" cy="3336992"/>
-          </a:xfrm>
-          <a:prstGeom prst="rect">
-            <a:avLst/>
-          </a:prstGeom>
-          <a:solidFill>
-            <a:schemeClr val="accent5"/>
-          </a:solidFill>
-          <a:ln>
-            <a:noFill/>
-          </a:ln>
-        </p:spPr>
-        <p:style>
-          <a:lnRef idx="2">
-            <a:schemeClr val="accent1">
-              <a:shade val="50000"/>
-            </a:schemeClr>
-          </a:lnRef>
-          <a:fillRef idx="1">
-            <a:schemeClr val="accent1"/>
-          </a:fillRef>
-          <a:effectRef idx="0">
-            <a:schemeClr val="accent1"/>
-          </a:effectRef>
-          <a:fontRef idx="minor">
-            <a:schemeClr val="lt1"/>
-          </a:fontRef>
-        </p:style>
-        <p:txBody>
-          <a:bodyPr rtlCol="0" anchor="ctr"/>
-          <a:lstStyle/>
-          <a:p>
-            <a:pPr algn="ctr"/>
-            <a:endParaRPr lang="de-DE" dirty="0"/>
-          </a:p>
-        </p:txBody>
-      </p:sp>
-      <p:pic>
-        <p:nvPicPr>
-          <p:cNvPr id="11" name="Grafik 10" descr="Ein Bild, das Text, Brief enthält.&#10;&#10;Automatisch generierte Beschreibung">
-            <a:extLst>
-              <a:ext uri="{FF2B5EF4-FFF2-40B4-BE49-F238E27FC236}">
-                <a16:creationId xmlns:a16="http://schemas.microsoft.com/office/drawing/2014/main" id="{761D20CF-D64D-829D-009A-E0F3E1C1CEE0}"/>
-              </a:ext>
-            </a:extLst>
-          </p:cNvPr>
-          <p:cNvPicPr>
-            <a:picLocks noChangeAspect="1"/>
-          </p:cNvPicPr>
-          <p:nvPr/>
-        </p:nvPicPr>
-        <p:blipFill>
-          <a:blip r:embed="rId5"/>
-          <a:stretch>
-            <a:fillRect/>
-          </a:stretch>
-        </p:blipFill>
-        <p:spPr>
-          <a:xfrm>
-            <a:off x="1201420" y="1255873"/>
-            <a:ext cx="6428740" cy="3297054"/>
-          </a:xfrm>
-          <a:prstGeom prst="rect">
-            <a:avLst/>
-          </a:prstGeom>
-        </p:spPr>
-      </p:pic>
-    </p:spTree>
-    <p:custDataLst>
-      <p:tags r:id="rId1"/>
-    </p:custDataLst>
-    <p:extLst>
-      <p:ext uri="{BB962C8B-B14F-4D97-AF65-F5344CB8AC3E}">
-        <p14:creationId xmlns:p14="http://schemas.microsoft.com/office/powerpoint/2010/main" val="1304049129"/>
-      </p:ext>
-    </p:extLst>
-  </p:cSld>
-  <p:clrMapOvr>
-    <a:masterClrMapping/>
-  </p:clrMapOvr>
-</p:sld>
-</file>
-
-<file path=ppt/slides/slide21.xml><?xml version="1.0" encoding="utf-8"?>
-<p:sld xmlns:a="http://schemas.openxmlformats.org/drawingml/2006/main" xmlns:r="http://schemas.openxmlformats.org/officeDocument/2006/relationships" xmlns:p="http://schemas.openxmlformats.org/presentationml/2006/main">
-  <p:cSld>
-    <p:spTree>
-      <p:nvGrpSpPr>
-        <p:cNvPr id="1" name=""/>
-        <p:cNvGrpSpPr/>
-        <p:nvPr/>
-      </p:nvGrpSpPr>
-      <p:grpSpPr>
-        <a:xfrm>
-          <a:off x="0" y="0"/>
-          <a:ext cx="0" cy="0"/>
-          <a:chOff x="0" y="0"/>
-          <a:chExt cx="0" cy="0"/>
-        </a:xfrm>
-      </p:grpSpPr>
-      <p:pic>
-        <p:nvPicPr>
-          <p:cNvPr id="37" name="Picture 2" descr="C:\Users\ses\Desktop\ti8m_logo_2014_CMYK.png">
-            <a:extLst>
-              <a:ext uri="{FF2B5EF4-FFF2-40B4-BE49-F238E27FC236}">
-                <a16:creationId xmlns:a16="http://schemas.microsoft.com/office/drawing/2014/main" id="{C266C303-516D-2245-88FB-5B3B9717F8F5}"/>
-              </a:ext>
-            </a:extLst>
-          </p:cNvPr>
-          <p:cNvPicPr preferRelativeResize="0">
-            <a:picLocks noChangeAspect="1" noChangeArrowheads="1"/>
-          </p:cNvPicPr>
-          <p:nvPr/>
-        </p:nvPicPr>
-        <p:blipFill rotWithShape="1">
-          <a:blip r:embed="rId4" cstate="email">
-            <a:biLevel thresh="25000"/>
-            <a:alphaModFix/>
-            <a:extLst>
-              <a:ext uri="{28A0092B-C50C-407E-A947-70E740481C1C}">
-                <a14:useLocalDpi xmlns:a14="http://schemas.microsoft.com/office/drawing/2010/main"/>
-              </a:ext>
-            </a:extLst>
-          </a:blip>
-          <a:srcRect b="20184"/>
-          <a:stretch/>
-        </p:blipFill>
-        <p:spPr bwMode="auto">
-          <a:xfrm>
-            <a:off x="8426228" y="4820335"/>
-            <a:ext cx="360000" cy="135854"/>
-          </a:xfrm>
-          <a:prstGeom prst="rect">
-            <a:avLst/>
-          </a:prstGeom>
-          <a:noFill/>
-          <a:extLst>
-            <a:ext uri="{909E8E84-426E-40DD-AFC4-6F175D3DCCD1}">
-              <a14:hiddenFill xmlns:a14="http://schemas.microsoft.com/office/drawing/2010/main">
-                <a:solidFill>
-                  <a:srgbClr val="FFFFFF"/>
-                </a:solidFill>
-              </a14:hiddenFill>
-            </a:ext>
-          </a:extLst>
-        </p:spPr>
-      </p:pic>
-      <p:sp>
-        <p:nvSpPr>
-          <p:cNvPr id="15" name="Textfeld 14">
-            <a:extLst>
-              <a:ext uri="{FF2B5EF4-FFF2-40B4-BE49-F238E27FC236}">
-                <a16:creationId xmlns:a16="http://schemas.microsoft.com/office/drawing/2014/main" id="{1BD9B7C1-5860-C447-7FC6-D510200F75A2}"/>
-              </a:ext>
-            </a:extLst>
-          </p:cNvPr>
-          <p:cNvSpPr txBox="1"/>
-          <p:nvPr/>
-        </p:nvSpPr>
-        <p:spPr>
-          <a:xfrm>
-            <a:off x="354210" y="590573"/>
-            <a:ext cx="7674550" cy="492443"/>
-          </a:xfrm>
-          <a:prstGeom prst="rect">
-            <a:avLst/>
-          </a:prstGeom>
-          <a:noFill/>
-        </p:spPr>
-        <p:txBody>
-          <a:bodyPr wrap="square" lIns="0" tIns="0" rIns="0" bIns="0" rtlCol="0">
-            <a:spAutoFit/>
-          </a:bodyPr>
-          <a:lstStyle/>
-          <a:p>
-            <a:pPr>
-              <a:spcAft>
-                <a:spcPts val="600"/>
-              </a:spcAft>
-            </a:pPr>
-            <a:r>
-              <a:rPr lang="de-DE" sz="3200" dirty="0">
-                <a:solidFill>
-                  <a:schemeClr val="bg1"/>
-                </a:solidFill>
-                <a:latin typeface="+mj-lt"/>
-              </a:rPr>
               <a:t>Helm – Chart</a:t>
             </a:r>
           </a:p>
@@ -32981,12 +32653,6 @@
 </file>
 
 <file path=ppt/tags/tag20.xml><?xml version="1.0" encoding="utf-8"?>
-<p:tagLst xmlns:a="http://schemas.openxmlformats.org/drawingml/2006/main" xmlns:r="http://schemas.openxmlformats.org/officeDocument/2006/relationships" xmlns:p="http://schemas.openxmlformats.org/presentationml/2006/main">
-  <p:tag name="OFFISYNC_SLIDE_GUID" val="c173fe11-ab39-40f2-9396-c7738e84e984"/>
-</p:tagLst>
-</file>
-
-<file path=ppt/tags/tag21.xml><?xml version="1.0" encoding="utf-8"?>
 <p:tagLst xmlns:a="http://schemas.openxmlformats.org/drawingml/2006/main" xmlns:r="http://schemas.openxmlformats.org/officeDocument/2006/relationships" xmlns:p="http://schemas.openxmlformats.org/presentationml/2006/main">
   <p:tag name="OFFISYNC_SLIDE_GUID" val="c173fe11-ab39-40f2-9396-c7738e84e984"/>
 </p:tagLst>
@@ -33844,88 +33510,6 @@
 </file>
 
 <file path=customXml/item2.xml><?xml version="1.0" encoding="utf-8"?>
-<?mso-contentType ?>
-<spe:Receivers xmlns:spe="http://schemas.microsoft.com/sharepoint/events">
-  <Receiver>
-    <Name>Document ID Generator</Name>
-    <Synchronization>Synchronous</Synchronization>
-    <Type>10001</Type>
-    <SequenceNumber>1000</SequenceNumber>
-    <Url/>
-    <Assembly>Microsoft.Office.DocumentManagement, Version=16.0.0.0, Culture=neutral, PublicKeyToken=71e9bce111e9429c</Assembly>
-    <Class>Microsoft.Office.DocumentManagement.Internal.DocIdHandler</Class>
-    <Data/>
-    <Filter/>
-  </Receiver>
-  <Receiver>
-    <Name>Document ID Generator</Name>
-    <Synchronization>Synchronous</Synchronization>
-    <Type>10002</Type>
-    <SequenceNumber>1001</SequenceNumber>
-    <Url/>
-    <Assembly>Microsoft.Office.DocumentManagement, Version=16.0.0.0, Culture=neutral, PublicKeyToken=71e9bce111e9429c</Assembly>
-    <Class>Microsoft.Office.DocumentManagement.Internal.DocIdHandler</Class>
-    <Data/>
-    <Filter/>
-  </Receiver>
-  <Receiver>
-    <Name>Document ID Generator</Name>
-    <Synchronization>Synchronous</Synchronization>
-    <Type>10004</Type>
-    <SequenceNumber>1002</SequenceNumber>
-    <Url/>
-    <Assembly>Microsoft.Office.DocumentManagement, Version=16.0.0.0, Culture=neutral, PublicKeyToken=71e9bce111e9429c</Assembly>
-    <Class>Microsoft.Office.DocumentManagement.Internal.DocIdHandler</Class>
-    <Data/>
-    <Filter/>
-  </Receiver>
-  <Receiver>
-    <Name>Document ID Generator</Name>
-    <Synchronization>Synchronous</Synchronization>
-    <Type>10006</Type>
-    <SequenceNumber>1003</SequenceNumber>
-    <Url/>
-    <Assembly>Microsoft.Office.DocumentManagement, Version=16.0.0.0, Culture=neutral, PublicKeyToken=71e9bce111e9429c</Assembly>
-    <Class>Microsoft.Office.DocumentManagement.Internal.DocIdHandler</Class>
-    <Data/>
-    <Filter/>
-  </Receiver>
-</spe:Receivers>
-</file>
-
-<file path=customXml/item3.xml><?xml version="1.0" encoding="utf-8"?>
-<p:properties xmlns:p="http://schemas.microsoft.com/office/2006/metadata/properties" xmlns:xsi="http://www.w3.org/2001/XMLSchema-instance" xmlns:pc="http://schemas.microsoft.com/office/infopath/2007/PartnerControls">
-  <documentManagement>
-    <_dlc_DocId xmlns="a1e95efe-86df-4da3-b0c8-298cdda2dfd0">SFQ4MUDRKEP5-84763580-1265</_dlc_DocId>
-    <_dlc_DocIdUrl xmlns="a1e95efe-86df-4da3-b0c8-298cdda2dfd0">
-      <Url>https://ti8mad.sharepoint.com/sites/BidOffice/_layouts/15/DocIdRedir.aspx?ID=SFQ4MUDRKEP5-84763580-1265</Url>
-      <Description>SFQ4MUDRKEP5-84763580-1265</Description>
-    </_dlc_DocIdUrl>
-    <Categories xmlns="ddb30763-e857-4b34-a181-999444e36217">
-      <Value>PowerPoint</Value>
-    </Categories>
-    <Tags xmlns="ddb30763-e857-4b34-a181-999444e36217">
-      <Value>powerpoint</Value>
-      <Value>master</Value>
-      <Value>folienmaster</Value>
-    </Tags>
-    <_dlc_DocIdPersistId xmlns="a1e95efe-86df-4da3-b0c8-298cdda2dfd0">false</_dlc_DocIdPersistId>
-    <TaxCatchAll xmlns="a1e95efe-86df-4da3-b0c8-298cdda2dfd0" xsi:nil="true"/>
-    <lcf76f155ced4ddcb4097134ff3c332f xmlns="ddb30763-e857-4b34-a181-999444e36217">
-      <Terms xmlns="http://schemas.microsoft.com/office/infopath/2007/PartnerControls"/>
-    </lcf76f155ced4ddcb4097134ff3c332f>
-    <SharedWithUsers xmlns="a1e95efe-86df-4da3-b0c8-298cdda2dfd0">
-      <UserInfo>
-        <DisplayName>Bornand Dominik</DisplayName>
-        <AccountId>591</AccountId>
-        <AccountType/>
-      </UserInfo>
-    </SharedWithUsers>
-  </documentManagement>
-</p:properties>
-</file>
-
-<file path=customXml/item4.xml><?xml version="1.0" encoding="utf-8"?>
 <ct:contentTypeSchema xmlns:ct="http://schemas.microsoft.com/office/2006/metadata/contentType" xmlns:ma="http://schemas.microsoft.com/office/2006/metadata/properties/metaAttributes" ct:_="" ma:_="" ma:contentTypeName="Document" ma:contentTypeID="0x010100BBACDC70EE213542A780121310F90B4D" ma:contentTypeVersion="19" ma:contentTypeDescription="Create a new document." ma:contentTypeScope="" ma:versionID="96a4cddeaed2fbc04d3dbf2536d6d027">
   <xsd:schema xmlns:xsd="http://www.w3.org/2001/XMLSchema" xmlns:xs="http://www.w3.org/2001/XMLSchema" xmlns:p="http://schemas.microsoft.com/office/2006/metadata/properties" xmlns:ns2="ddb30763-e857-4b34-a181-999444e36217" xmlns:ns3="a1e95efe-86df-4da3-b0c8-298cdda2dfd0" targetNamespace="http://schemas.microsoft.com/office/2006/metadata/properties" ma:root="true" ma:fieldsID="1bd6a94246a471a0fd6d21d9cd3faee5" ns2:_="" ns3:_="">
     <xsd:import namespace="ddb30763-e857-4b34-a181-999444e36217"/>
@@ -34240,6 +33824,88 @@
 </ct:contentTypeSchema>
 </file>
 
+<file path=customXml/item3.xml><?xml version="1.0" encoding="utf-8"?>
+<p:properties xmlns:p="http://schemas.microsoft.com/office/2006/metadata/properties" xmlns:xsi="http://www.w3.org/2001/XMLSchema-instance" xmlns:pc="http://schemas.microsoft.com/office/infopath/2007/PartnerControls">
+  <documentManagement>
+    <_dlc_DocId xmlns="a1e95efe-86df-4da3-b0c8-298cdda2dfd0">SFQ4MUDRKEP5-84763580-1265</_dlc_DocId>
+    <_dlc_DocIdUrl xmlns="a1e95efe-86df-4da3-b0c8-298cdda2dfd0">
+      <Url>https://ti8mad.sharepoint.com/sites/BidOffice/_layouts/15/DocIdRedir.aspx?ID=SFQ4MUDRKEP5-84763580-1265</Url>
+      <Description>SFQ4MUDRKEP5-84763580-1265</Description>
+    </_dlc_DocIdUrl>
+    <Categories xmlns="ddb30763-e857-4b34-a181-999444e36217">
+      <Value>PowerPoint</Value>
+    </Categories>
+    <Tags xmlns="ddb30763-e857-4b34-a181-999444e36217">
+      <Value>powerpoint</Value>
+      <Value>master</Value>
+      <Value>folienmaster</Value>
+    </Tags>
+    <_dlc_DocIdPersistId xmlns="a1e95efe-86df-4da3-b0c8-298cdda2dfd0">false</_dlc_DocIdPersistId>
+    <TaxCatchAll xmlns="a1e95efe-86df-4da3-b0c8-298cdda2dfd0" xsi:nil="true"/>
+    <lcf76f155ced4ddcb4097134ff3c332f xmlns="ddb30763-e857-4b34-a181-999444e36217">
+      <Terms xmlns="http://schemas.microsoft.com/office/infopath/2007/PartnerControls"/>
+    </lcf76f155ced4ddcb4097134ff3c332f>
+    <SharedWithUsers xmlns="a1e95efe-86df-4da3-b0c8-298cdda2dfd0">
+      <UserInfo>
+        <DisplayName>Bornand Dominik</DisplayName>
+        <AccountId>591</AccountId>
+        <AccountType/>
+      </UserInfo>
+    </SharedWithUsers>
+  </documentManagement>
+</p:properties>
+</file>
+
+<file path=customXml/item4.xml><?xml version="1.0" encoding="utf-8"?>
+<?mso-contentType ?>
+<spe:Receivers xmlns:spe="http://schemas.microsoft.com/sharepoint/events">
+  <Receiver>
+    <Name>Document ID Generator</Name>
+    <Synchronization>Synchronous</Synchronization>
+    <Type>10001</Type>
+    <SequenceNumber>1000</SequenceNumber>
+    <Url/>
+    <Assembly>Microsoft.Office.DocumentManagement, Version=16.0.0.0, Culture=neutral, PublicKeyToken=71e9bce111e9429c</Assembly>
+    <Class>Microsoft.Office.DocumentManagement.Internal.DocIdHandler</Class>
+    <Data/>
+    <Filter/>
+  </Receiver>
+  <Receiver>
+    <Name>Document ID Generator</Name>
+    <Synchronization>Synchronous</Synchronization>
+    <Type>10002</Type>
+    <SequenceNumber>1001</SequenceNumber>
+    <Url/>
+    <Assembly>Microsoft.Office.DocumentManagement, Version=16.0.0.0, Culture=neutral, PublicKeyToken=71e9bce111e9429c</Assembly>
+    <Class>Microsoft.Office.DocumentManagement.Internal.DocIdHandler</Class>
+    <Data/>
+    <Filter/>
+  </Receiver>
+  <Receiver>
+    <Name>Document ID Generator</Name>
+    <Synchronization>Synchronous</Synchronization>
+    <Type>10004</Type>
+    <SequenceNumber>1002</SequenceNumber>
+    <Url/>
+    <Assembly>Microsoft.Office.DocumentManagement, Version=16.0.0.0, Culture=neutral, PublicKeyToken=71e9bce111e9429c</Assembly>
+    <Class>Microsoft.Office.DocumentManagement.Internal.DocIdHandler</Class>
+    <Data/>
+    <Filter/>
+  </Receiver>
+  <Receiver>
+    <Name>Document ID Generator</Name>
+    <Synchronization>Synchronous</Synchronization>
+    <Type>10006</Type>
+    <SequenceNumber>1003</SequenceNumber>
+    <Url/>
+    <Assembly>Microsoft.Office.DocumentManagement, Version=16.0.0.0, Culture=neutral, PublicKeyToken=71e9bce111e9429c</Assembly>
+    <Class>Microsoft.Office.DocumentManagement.Internal.DocIdHandler</Class>
+    <Data/>
+    <Filter/>
+  </Receiver>
+</spe:Receivers>
+</file>
+
 <file path=customXml/itemProps1.xml><?xml version="1.0" encoding="utf-8"?>
 <ds:datastoreItem xmlns:ds="http://schemas.openxmlformats.org/officeDocument/2006/customXml" ds:itemID="{2509DFEA-98E1-49F0-A887-A781A3FDE304}">
   <ds:schemaRefs>
@@ -34249,9 +33915,20 @@
 </file>
 
 <file path=customXml/itemProps2.xml><?xml version="1.0" encoding="utf-8"?>
-<ds:datastoreItem xmlns:ds="http://schemas.openxmlformats.org/officeDocument/2006/customXml" ds:itemID="{AE97A0A0-4B8D-4C93-A874-3FB0BBB67E77}">
+<ds:datastoreItem xmlns:ds="http://schemas.openxmlformats.org/officeDocument/2006/customXml" ds:itemID="{1A2A04D5-A070-4B0F-B056-1584D7321317}">
   <ds:schemaRefs>
-    <ds:schemaRef ds:uri="http://schemas.microsoft.com/sharepoint/events"/>
+    <ds:schemaRef ds:uri="http://schemas.microsoft.com/office/2006/metadata/contentType"/>
+    <ds:schemaRef ds:uri="http://schemas.microsoft.com/office/2006/metadata/properties/metaAttributes"/>
+    <ds:schemaRef ds:uri="http://www.w3.org/2001/XMLSchema"/>
+    <ds:schemaRef ds:uri="http://schemas.microsoft.com/office/2006/metadata/properties"/>
+    <ds:schemaRef ds:uri="ddb30763-e857-4b34-a181-999444e36217"/>
+    <ds:schemaRef ds:uri="a1e95efe-86df-4da3-b0c8-298cdda2dfd0"/>
+    <ds:schemaRef ds:uri="http://schemas.microsoft.com/office/2006/documentManagement/types"/>
+    <ds:schemaRef ds:uri="http://schemas.microsoft.com/office/infopath/2007/PartnerControls"/>
+    <ds:schemaRef ds:uri="http://schemas.openxmlformats.org/package/2006/metadata/core-properties"/>
+    <ds:schemaRef ds:uri="http://purl.org/dc/elements/1.1/"/>
+    <ds:schemaRef ds:uri="http://purl.org/dc/terms/"/>
+    <ds:schemaRef ds:uri="http://schemas.microsoft.com/internal/obd"/>
   </ds:schemaRefs>
 </ds:datastoreItem>
 </file>
@@ -34274,20 +33951,9 @@
 </file>
 
 <file path=customXml/itemProps4.xml><?xml version="1.0" encoding="utf-8"?>
-<ds:datastoreItem xmlns:ds="http://schemas.openxmlformats.org/officeDocument/2006/customXml" ds:itemID="{1A2A04D5-A070-4B0F-B056-1584D7321317}">
+<ds:datastoreItem xmlns:ds="http://schemas.openxmlformats.org/officeDocument/2006/customXml" ds:itemID="{AE97A0A0-4B8D-4C93-A874-3FB0BBB67E77}">
   <ds:schemaRefs>
-    <ds:schemaRef ds:uri="http://schemas.microsoft.com/office/2006/metadata/contentType"/>
-    <ds:schemaRef ds:uri="http://schemas.microsoft.com/office/2006/metadata/properties/metaAttributes"/>
-    <ds:schemaRef ds:uri="http://www.w3.org/2001/XMLSchema"/>
-    <ds:schemaRef ds:uri="http://schemas.microsoft.com/office/2006/metadata/properties"/>
-    <ds:schemaRef ds:uri="ddb30763-e857-4b34-a181-999444e36217"/>
-    <ds:schemaRef ds:uri="a1e95efe-86df-4da3-b0c8-298cdda2dfd0"/>
-    <ds:schemaRef ds:uri="http://schemas.microsoft.com/office/2006/documentManagement/types"/>
-    <ds:schemaRef ds:uri="http://schemas.microsoft.com/office/infopath/2007/PartnerControls"/>
-    <ds:schemaRef ds:uri="http://schemas.openxmlformats.org/package/2006/metadata/core-properties"/>
-    <ds:schemaRef ds:uri="http://purl.org/dc/elements/1.1/"/>
-    <ds:schemaRef ds:uri="http://purl.org/dc/terms/"/>
-    <ds:schemaRef ds:uri="http://schemas.microsoft.com/internal/obd"/>
+    <ds:schemaRef ds:uri="http://schemas.microsoft.com/sharepoint/events"/>
   </ds:schemaRefs>
 </ds:datastoreItem>
 </file>